--- a/99_Thinktank/Talks/21-07-06_Kolloquium/Kolloquium_COG-ER-ED.pptx
+++ b/99_Thinktank/Talks/21-07-06_Kolloquium/Kolloquium_COG-ER-ED.pptx
@@ -18,8 +18,10 @@
     <p:sldId id="261" r:id="rId12"/>
     <p:sldId id="267" r:id="rId13"/>
     <p:sldId id="271" r:id="rId14"/>
-    <p:sldId id="270" r:id="rId15"/>
-    <p:sldId id="262" r:id="rId16"/>
+    <p:sldId id="273" r:id="rId15"/>
+    <p:sldId id="270" r:id="rId16"/>
+    <p:sldId id="262" r:id="rId17"/>
+    <p:sldId id="272" r:id="rId18"/>
   </p:sldIdLst>
   <p:sldSz cx="12192000" cy="6858000"/>
   <p:notesSz cx="6858000" cy="9144000"/>
@@ -5634,14 +5636,1560 @@
       </p:grpSpPr>
       <p:sp>
         <p:nvSpPr>
-          <p:cNvPr id="9" name="Rechteck 8"/>
+          <p:cNvPr id="12" name="Titel 1"/>
+          <p:cNvSpPr>
+            <a:spLocks noGrp="1"/>
+          </p:cNvSpPr>
+          <p:nvPr>
+            <p:ph type="title"/>
+          </p:nvPr>
+        </p:nvSpPr>
+        <p:spPr>
+          <a:xfrm>
+            <a:off x="874715" y="346075"/>
+            <a:ext cx="10580687" cy="421676"/>
+          </a:xfrm>
+        </p:spPr>
+        <p:txBody>
+          <a:bodyPr/>
+          <a:lstStyle/>
+          <a:p>
+            <a:r>
+              <a:rPr lang="en-GB" sz="2400" dirty="0" err="1" smtClean="0"/>
+              <a:t>Studiendesign</a:t>
+            </a:r>
+            <a:r>
+              <a:rPr lang="en-GB" sz="2400" dirty="0" smtClean="0"/>
+              <a:t/>
+            </a:r>
+            <a:br>
+              <a:rPr lang="en-GB" sz="2400" dirty="0" smtClean="0"/>
+            </a:br>
+            <a:r>
+              <a:rPr lang="en-GB" sz="2000" b="0" dirty="0" smtClean="0"/>
+              <a:t>T2 – Emotion Regulation - ED</a:t>
+            </a:r>
+            <a:endParaRPr lang="en-GB" sz="2000" b="0" dirty="0"/>
+          </a:p>
+        </p:txBody>
+      </p:sp>
+      <p:grpSp>
+        <p:nvGrpSpPr>
+          <p:cNvPr id="28" name="Gruppieren 27"/>
+          <p:cNvGrpSpPr/>
+          <p:nvPr/>
+        </p:nvGrpSpPr>
+        <p:grpSpPr>
+          <a:xfrm>
+            <a:off x="6683886" y="342160"/>
+            <a:ext cx="3934353" cy="5690635"/>
+            <a:chOff x="3780857" y="980753"/>
+            <a:chExt cx="4319152" cy="6409046"/>
+          </a:xfrm>
+        </p:grpSpPr>
+        <p:sp>
+          <p:nvSpPr>
+            <p:cNvPr id="30" name="Textfeld 29"/>
+            <p:cNvSpPr txBox="1"/>
+            <p:nvPr/>
+          </p:nvSpPr>
+          <p:spPr>
+            <a:xfrm>
+              <a:off x="4428009" y="980753"/>
+              <a:ext cx="3672000" cy="461665"/>
+            </a:xfrm>
+            <a:prstGeom prst="rect">
+              <a:avLst/>
+            </a:prstGeom>
+            <a:noFill/>
+            <a:ln w="6350">
+              <a:solidFill>
+                <a:schemeClr val="tx1"/>
+              </a:solidFill>
+            </a:ln>
+          </p:spPr>
+          <p:txBody>
+            <a:bodyPr wrap="square" rtlCol="0" anchor="ctr">
+              <a:spAutoFit/>
+            </a:bodyPr>
+            <a:lstStyle/>
+            <a:p>
+              <a:pPr algn="ctr"/>
+              <a:r>
+                <a:rPr lang="en-GB" sz="1200" dirty="0">
+                  <a:latin typeface="Arial" panose="020B0604020202020204" pitchFamily="34" charset="0"/>
+                  <a:ea typeface="Open Sans" panose="020B0606030504020204" pitchFamily="34" charset="0"/>
+                  <a:cs typeface="Arial" panose="020B0604020202020204" pitchFamily="34" charset="0"/>
+                </a:rPr>
+                <a:t>Block 1</a:t>
+              </a:r>
+            </a:p>
+            <a:p>
+              <a:pPr algn="ctr"/>
+              <a:r>
+                <a:rPr lang="en-GB" sz="1200" dirty="0">
+                  <a:latin typeface="Arial" panose="020B0604020202020204" pitchFamily="34" charset="0"/>
+                  <a:ea typeface="Open Sans" panose="020B0606030504020204" pitchFamily="34" charset="0"/>
+                  <a:cs typeface="Arial" panose="020B0604020202020204" pitchFamily="34" charset="0"/>
+                </a:rPr>
+                <a:t>Active viewing of neutral pictures</a:t>
+              </a:r>
+              <a:endParaRPr lang="en-GB" sz="1200" dirty="0">
+                <a:latin typeface="Arial" panose="020B0604020202020204" pitchFamily="34" charset="0"/>
+                <a:ea typeface="Open Sans" panose="020B0606030504020204" pitchFamily="34" charset="0"/>
+                <a:cs typeface="Arial" panose="020B0604020202020204" pitchFamily="34" charset="0"/>
+              </a:endParaRPr>
+            </a:p>
+          </p:txBody>
+        </p:sp>
+        <p:sp>
+          <p:nvSpPr>
+            <p:cNvPr id="31" name="Textfeld 30"/>
+            <p:cNvSpPr txBox="1"/>
+            <p:nvPr/>
+          </p:nvSpPr>
+          <p:spPr>
+            <a:xfrm>
+              <a:off x="4428008" y="2016223"/>
+              <a:ext cx="3672000" cy="461665"/>
+            </a:xfrm>
+            <a:prstGeom prst="rect">
+              <a:avLst/>
+            </a:prstGeom>
+            <a:noFill/>
+            <a:ln w="6350">
+              <a:solidFill>
+                <a:schemeClr val="tx1"/>
+              </a:solidFill>
+            </a:ln>
+          </p:spPr>
+          <p:txBody>
+            <a:bodyPr wrap="square" rtlCol="0" anchor="ctr">
+              <a:spAutoFit/>
+            </a:bodyPr>
+            <a:lstStyle/>
+            <a:p>
+              <a:pPr algn="ctr"/>
+              <a:r>
+                <a:rPr lang="en-GB" sz="1200" dirty="0">
+                  <a:latin typeface="Arial" panose="020B0604020202020204" pitchFamily="34" charset="0"/>
+                  <a:ea typeface="Open Sans" panose="020B0606030504020204" pitchFamily="34" charset="0"/>
+                  <a:cs typeface="Arial" panose="020B0604020202020204" pitchFamily="34" charset="0"/>
+                </a:rPr>
+                <a:t>Block 2 - </a:t>
+              </a:r>
+              <a:r>
+                <a:rPr lang="en-GB" sz="1200" i="1" dirty="0">
+                  <a:latin typeface="Arial" panose="020B0604020202020204" pitchFamily="34" charset="0"/>
+                  <a:ea typeface="Open Sans" panose="020B0606030504020204" pitchFamily="34" charset="0"/>
+                  <a:cs typeface="Arial" panose="020B0604020202020204" pitchFamily="34" charset="0"/>
+                </a:rPr>
+                <a:t>Active viewing</a:t>
+              </a:r>
+            </a:p>
+            <a:p>
+              <a:pPr algn="ctr"/>
+              <a:r>
+                <a:rPr lang="en-GB" sz="1200" dirty="0">
+                  <a:latin typeface="Arial" panose="020B0604020202020204" pitchFamily="34" charset="0"/>
+                  <a:ea typeface="Open Sans" panose="020B0606030504020204" pitchFamily="34" charset="0"/>
+                  <a:cs typeface="Arial" panose="020B0604020202020204" pitchFamily="34" charset="0"/>
+                </a:rPr>
+                <a:t>Active viewing of negative pictures</a:t>
+              </a:r>
+              <a:endParaRPr lang="en-GB" sz="1200" dirty="0">
+                <a:latin typeface="Arial" panose="020B0604020202020204" pitchFamily="34" charset="0"/>
+                <a:ea typeface="Open Sans" panose="020B0606030504020204" pitchFamily="34" charset="0"/>
+                <a:cs typeface="Arial" panose="020B0604020202020204" pitchFamily="34" charset="0"/>
+              </a:endParaRPr>
+            </a:p>
+          </p:txBody>
+        </p:sp>
+        <p:sp>
+          <p:nvSpPr>
+            <p:cNvPr id="32" name="Textfeld 31"/>
+            <p:cNvSpPr txBox="1"/>
+            <p:nvPr/>
+          </p:nvSpPr>
+          <p:spPr>
+            <a:xfrm>
+              <a:off x="4428008" y="3057333"/>
+              <a:ext cx="3672000" cy="461665"/>
+            </a:xfrm>
+            <a:prstGeom prst="rect">
+              <a:avLst/>
+            </a:prstGeom>
+            <a:noFill/>
+            <a:ln w="6350">
+              <a:solidFill>
+                <a:schemeClr val="tx1"/>
+              </a:solidFill>
+            </a:ln>
+          </p:spPr>
+          <p:txBody>
+            <a:bodyPr wrap="square" rtlCol="0" anchor="ctr">
+              <a:spAutoFit/>
+            </a:bodyPr>
+            <a:lstStyle/>
+            <a:p>
+              <a:pPr algn="ctr"/>
+              <a:r>
+                <a:rPr lang="en-GB" sz="1200" dirty="0">
+                  <a:latin typeface="Arial" panose="020B0604020202020204" pitchFamily="34" charset="0"/>
+                  <a:ea typeface="Open Sans" panose="020B0606030504020204" pitchFamily="34" charset="0"/>
+                  <a:cs typeface="Arial" panose="020B0604020202020204" pitchFamily="34" charset="0"/>
+                </a:rPr>
+                <a:t>Block 3 or 4 or 5 - </a:t>
+              </a:r>
+              <a:r>
+                <a:rPr lang="en-GB" sz="1200" i="1" dirty="0">
+                  <a:latin typeface="Arial" panose="020B0604020202020204" pitchFamily="34" charset="0"/>
+                  <a:ea typeface="Open Sans" panose="020B0606030504020204" pitchFamily="34" charset="0"/>
+                  <a:cs typeface="Arial" panose="020B0604020202020204" pitchFamily="34" charset="0"/>
+                </a:rPr>
+                <a:t>Distraction</a:t>
+              </a:r>
+            </a:p>
+            <a:p>
+              <a:pPr algn="ctr"/>
+              <a:r>
+                <a:rPr lang="en-GB" sz="1200" dirty="0">
+                  <a:latin typeface="Arial" panose="020B0604020202020204" pitchFamily="34" charset="0"/>
+                  <a:ea typeface="Open Sans" panose="020B0606030504020204" pitchFamily="34" charset="0"/>
+                  <a:cs typeface="Arial" panose="020B0604020202020204" pitchFamily="34" charset="0"/>
+                </a:rPr>
+                <a:t>Distraction from negative </a:t>
+              </a:r>
+              <a:r>
+                <a:rPr lang="en-GB" sz="1200" dirty="0">
+                  <a:latin typeface="Arial" panose="020B0604020202020204" pitchFamily="34" charset="0"/>
+                  <a:ea typeface="Open Sans" panose="020B0606030504020204" pitchFamily="34" charset="0"/>
+                  <a:cs typeface="Arial" panose="020B0604020202020204" pitchFamily="34" charset="0"/>
+                </a:rPr>
+                <a:t>p</a:t>
+              </a:r>
+              <a:r>
+                <a:rPr lang="en-GB" sz="1200" dirty="0">
+                  <a:latin typeface="Arial" panose="020B0604020202020204" pitchFamily="34" charset="0"/>
+                  <a:ea typeface="Open Sans" panose="020B0606030504020204" pitchFamily="34" charset="0"/>
+                  <a:cs typeface="Arial" panose="020B0604020202020204" pitchFamily="34" charset="0"/>
+                </a:rPr>
+                <a:t>ictures</a:t>
+              </a:r>
+              <a:endParaRPr lang="en-GB" sz="1200" dirty="0">
+                <a:latin typeface="Arial" panose="020B0604020202020204" pitchFamily="34" charset="0"/>
+                <a:ea typeface="Open Sans" panose="020B0606030504020204" pitchFamily="34" charset="0"/>
+                <a:cs typeface="Arial" panose="020B0604020202020204" pitchFamily="34" charset="0"/>
+              </a:endParaRPr>
+            </a:p>
+          </p:txBody>
+        </p:sp>
+        <p:sp>
+          <p:nvSpPr>
+            <p:cNvPr id="33" name="Textfeld 32"/>
+            <p:cNvSpPr txBox="1"/>
+            <p:nvPr/>
+          </p:nvSpPr>
+          <p:spPr>
+            <a:xfrm>
+              <a:off x="4428008" y="4113980"/>
+              <a:ext cx="3672000" cy="461665"/>
+            </a:xfrm>
+            <a:prstGeom prst="rect">
+              <a:avLst/>
+            </a:prstGeom>
+            <a:noFill/>
+            <a:ln w="6350">
+              <a:solidFill>
+                <a:schemeClr val="tx1"/>
+              </a:solidFill>
+            </a:ln>
+          </p:spPr>
+          <p:txBody>
+            <a:bodyPr wrap="square" rtlCol="0" anchor="ctr">
+              <a:spAutoFit/>
+            </a:bodyPr>
+            <a:lstStyle/>
+            <a:p>
+              <a:pPr algn="ctr"/>
+              <a:r>
+                <a:rPr lang="en-GB" sz="1200" dirty="0">
+                  <a:latin typeface="Arial" panose="020B0604020202020204" pitchFamily="34" charset="0"/>
+                  <a:ea typeface="Open Sans" panose="020B0606030504020204" pitchFamily="34" charset="0"/>
+                  <a:cs typeface="Arial" panose="020B0604020202020204" pitchFamily="34" charset="0"/>
+                </a:rPr>
+                <a:t>Block 3 or 4 or 5 - </a:t>
+              </a:r>
+              <a:r>
+                <a:rPr lang="en-GB" sz="1200" i="1" dirty="0">
+                  <a:latin typeface="Arial" panose="020B0604020202020204" pitchFamily="34" charset="0"/>
+                  <a:ea typeface="Open Sans" panose="020B0606030504020204" pitchFamily="34" charset="0"/>
+                  <a:cs typeface="Arial" panose="020B0604020202020204" pitchFamily="34" charset="0"/>
+                </a:rPr>
+                <a:t>Distancing</a:t>
+              </a:r>
+            </a:p>
+            <a:p>
+              <a:pPr algn="ctr"/>
+              <a:r>
+                <a:rPr lang="en-GB" sz="1200" dirty="0">
+                  <a:latin typeface="Arial" panose="020B0604020202020204" pitchFamily="34" charset="0"/>
+                  <a:ea typeface="Open Sans" panose="020B0606030504020204" pitchFamily="34" charset="0"/>
+                  <a:cs typeface="Arial" panose="020B0604020202020204" pitchFamily="34" charset="0"/>
+                </a:rPr>
+                <a:t>Distancing from negative pictures</a:t>
+              </a:r>
+              <a:endParaRPr lang="en-GB" sz="1200" dirty="0">
+                <a:latin typeface="Arial" panose="020B0604020202020204" pitchFamily="34" charset="0"/>
+                <a:ea typeface="Open Sans" panose="020B0606030504020204" pitchFamily="34" charset="0"/>
+                <a:cs typeface="Arial" panose="020B0604020202020204" pitchFamily="34" charset="0"/>
+              </a:endParaRPr>
+            </a:p>
+          </p:txBody>
+        </p:sp>
+        <p:cxnSp>
+          <p:nvCxnSpPr>
+            <p:cNvPr id="35" name="Gerade Verbindung mit Pfeil 34"/>
+            <p:cNvCxnSpPr/>
+            <p:nvPr/>
+          </p:nvCxnSpPr>
+          <p:spPr>
+            <a:xfrm flipH="1">
+              <a:off x="6298351" y="1442418"/>
+              <a:ext cx="1" cy="573805"/>
+            </a:xfrm>
+            <a:prstGeom prst="straightConnector1">
+              <a:avLst/>
+            </a:prstGeom>
+            <a:ln w="6350">
+              <a:solidFill>
+                <a:schemeClr val="tx1"/>
+              </a:solidFill>
+              <a:headEnd type="none" w="med" len="med"/>
+              <a:tailEnd type="triangle" w="med" len="med"/>
+            </a:ln>
+          </p:spPr>
+          <p:style>
+            <a:lnRef idx="1">
+              <a:schemeClr val="accent1"/>
+            </a:lnRef>
+            <a:fillRef idx="0">
+              <a:schemeClr val="accent1"/>
+            </a:fillRef>
+            <a:effectRef idx="0">
+              <a:schemeClr val="accent1"/>
+            </a:effectRef>
+            <a:fontRef idx="minor">
+              <a:schemeClr val="tx1"/>
+            </a:fontRef>
+          </p:style>
+        </p:cxnSp>
+        <p:sp>
+          <p:nvSpPr>
+            <p:cNvPr id="36" name="Textfeld 35"/>
+            <p:cNvSpPr txBox="1"/>
+            <p:nvPr/>
+          </p:nvSpPr>
+          <p:spPr>
+            <a:xfrm rot="16200000">
+              <a:off x="3140814" y="4192765"/>
+              <a:ext cx="1584177" cy="304091"/>
+            </a:xfrm>
+            <a:prstGeom prst="rect">
+              <a:avLst/>
+            </a:prstGeom>
+            <a:solidFill>
+              <a:schemeClr val="bg1"/>
+            </a:solidFill>
+            <a:ln>
+              <a:solidFill>
+                <a:schemeClr val="tx1">
+                  <a:lumMod val="95000"/>
+                  <a:lumOff val="5000"/>
+                </a:schemeClr>
+              </a:solidFill>
+            </a:ln>
+          </p:spPr>
+          <p:txBody>
+            <a:bodyPr wrap="square" rtlCol="0">
+              <a:spAutoFit/>
+            </a:bodyPr>
+            <a:lstStyle/>
+            <a:p>
+              <a:pPr algn="ctr"/>
+              <a:r>
+                <a:rPr lang="de-DE" sz="1200" dirty="0" err="1" smtClean="0">
+                  <a:latin typeface="Arial" panose="020B0604020202020204" pitchFamily="34" charset="0"/>
+                  <a:cs typeface="Arial" panose="020B0604020202020204" pitchFamily="34" charset="0"/>
+                </a:rPr>
+                <a:t>randomized</a:t>
+              </a:r>
+              <a:r>
+                <a:rPr lang="de-DE" sz="1200" dirty="0" smtClean="0">
+                  <a:latin typeface="Arial" panose="020B0604020202020204" pitchFamily="34" charset="0"/>
+                  <a:cs typeface="Arial" panose="020B0604020202020204" pitchFamily="34" charset="0"/>
+                </a:rPr>
+                <a:t> </a:t>
+              </a:r>
+              <a:endParaRPr lang="de-DE" sz="1200" dirty="0">
+                <a:latin typeface="Arial" panose="020B0604020202020204" pitchFamily="34" charset="0"/>
+                <a:cs typeface="Arial" panose="020B0604020202020204" pitchFamily="34" charset="0"/>
+              </a:endParaRPr>
+            </a:p>
+          </p:txBody>
+        </p:sp>
+        <p:sp>
+          <p:nvSpPr>
+            <p:cNvPr id="37" name="Abgerundetes Rechteck 36"/>
+            <p:cNvSpPr/>
+            <p:nvPr/>
+          </p:nvSpPr>
+          <p:spPr>
+            <a:xfrm>
+              <a:off x="5308139" y="1539802"/>
+              <a:ext cx="1980422" cy="376481"/>
+            </a:xfrm>
+            <a:prstGeom prst="roundRect">
+              <a:avLst/>
+            </a:prstGeom>
+            <a:solidFill>
+              <a:schemeClr val="bg1"/>
+            </a:solidFill>
+            <a:ln w="12700">
+              <a:solidFill>
+                <a:schemeClr val="tx1"/>
+              </a:solidFill>
+            </a:ln>
+          </p:spPr>
+          <p:style>
+            <a:lnRef idx="2">
+              <a:schemeClr val="accent1">
+                <a:shade val="50000"/>
+              </a:schemeClr>
+            </a:lnRef>
+            <a:fillRef idx="1">
+              <a:schemeClr val="accent1"/>
+            </a:fillRef>
+            <a:effectRef idx="0">
+              <a:schemeClr val="accent1"/>
+            </a:effectRef>
+            <a:fontRef idx="minor">
+              <a:schemeClr val="lt1"/>
+            </a:fontRef>
+          </p:style>
+          <p:txBody>
+            <a:bodyPr rtlCol="0" anchor="ctr"/>
+            <a:lstStyle/>
+            <a:p>
+              <a:pPr algn="ctr"/>
+              <a:r>
+                <a:rPr lang="de-DE" sz="1200" dirty="0" err="1">
+                  <a:solidFill>
+                    <a:schemeClr val="tx1"/>
+                  </a:solidFill>
+                  <a:latin typeface="Arial" panose="020B0604020202020204" pitchFamily="34" charset="0"/>
+                  <a:cs typeface="Arial" panose="020B0604020202020204" pitchFamily="34" charset="0"/>
+                </a:rPr>
+                <a:t>subjective</a:t>
+              </a:r>
+              <a:r>
+                <a:rPr lang="de-DE" sz="1200" dirty="0">
+                  <a:solidFill>
+                    <a:schemeClr val="tx1"/>
+                  </a:solidFill>
+                  <a:latin typeface="Arial" panose="020B0604020202020204" pitchFamily="34" charset="0"/>
+                  <a:cs typeface="Arial" panose="020B0604020202020204" pitchFamily="34" charset="0"/>
+                </a:rPr>
+                <a:t> </a:t>
+              </a:r>
+              <a:r>
+                <a:rPr lang="de-DE" sz="1200" dirty="0" err="1">
+                  <a:solidFill>
+                    <a:schemeClr val="tx1"/>
+                  </a:solidFill>
+                  <a:latin typeface="Arial" panose="020B0604020202020204" pitchFamily="34" charset="0"/>
+                  <a:cs typeface="Arial" panose="020B0604020202020204" pitchFamily="34" charset="0"/>
+                </a:rPr>
+                <a:t>arousal</a:t>
+              </a:r>
+              <a:r>
+                <a:rPr lang="de-DE" sz="1200" dirty="0">
+                  <a:solidFill>
+                    <a:schemeClr val="tx1"/>
+                  </a:solidFill>
+                  <a:latin typeface="Arial" panose="020B0604020202020204" pitchFamily="34" charset="0"/>
+                  <a:cs typeface="Arial" panose="020B0604020202020204" pitchFamily="34" charset="0"/>
+                </a:rPr>
+                <a:t> </a:t>
+              </a:r>
+              <a:r>
+                <a:rPr lang="de-DE" sz="1200" dirty="0" err="1">
+                  <a:solidFill>
+                    <a:schemeClr val="tx1"/>
+                  </a:solidFill>
+                  <a:latin typeface="Arial" panose="020B0604020202020204" pitchFamily="34" charset="0"/>
+                  <a:cs typeface="Arial" panose="020B0604020202020204" pitchFamily="34" charset="0"/>
+                </a:rPr>
+                <a:t>and</a:t>
+              </a:r>
+              <a:r>
+                <a:rPr lang="de-DE" sz="1200" dirty="0">
+                  <a:solidFill>
+                    <a:schemeClr val="tx1"/>
+                  </a:solidFill>
+                  <a:latin typeface="Arial" panose="020B0604020202020204" pitchFamily="34" charset="0"/>
+                  <a:cs typeface="Arial" panose="020B0604020202020204" pitchFamily="34" charset="0"/>
+                </a:rPr>
+                <a:t> </a:t>
+              </a:r>
+              <a:r>
+                <a:rPr lang="de-DE" sz="1200" dirty="0" err="1">
+                  <a:solidFill>
+                    <a:schemeClr val="tx1"/>
+                  </a:solidFill>
+                  <a:latin typeface="Arial" panose="020B0604020202020204" pitchFamily="34" charset="0"/>
+                  <a:cs typeface="Arial" panose="020B0604020202020204" pitchFamily="34" charset="0"/>
+                </a:rPr>
+                <a:t>effort</a:t>
+              </a:r>
+              <a:r>
+                <a:rPr lang="de-DE" sz="1200" dirty="0">
+                  <a:solidFill>
+                    <a:schemeClr val="tx1"/>
+                  </a:solidFill>
+                  <a:latin typeface="Arial" panose="020B0604020202020204" pitchFamily="34" charset="0"/>
+                  <a:cs typeface="Arial" panose="020B0604020202020204" pitchFamily="34" charset="0"/>
+                </a:rPr>
+                <a:t> </a:t>
+              </a:r>
+              <a:r>
+                <a:rPr lang="de-DE" sz="1200" dirty="0" err="1">
+                  <a:solidFill>
+                    <a:schemeClr val="tx1"/>
+                  </a:solidFill>
+                  <a:latin typeface="Arial" panose="020B0604020202020204" pitchFamily="34" charset="0"/>
+                  <a:cs typeface="Arial" panose="020B0604020202020204" pitchFamily="34" charset="0"/>
+                </a:rPr>
+                <a:t>rating</a:t>
+              </a:r>
+              <a:endParaRPr lang="de-DE" sz="1200" dirty="0">
+                <a:solidFill>
+                  <a:schemeClr val="tx1"/>
+                </a:solidFill>
+                <a:latin typeface="Arial" panose="020B0604020202020204" pitchFamily="34" charset="0"/>
+                <a:cs typeface="Arial" panose="020B0604020202020204" pitchFamily="34" charset="0"/>
+              </a:endParaRPr>
+            </a:p>
+          </p:txBody>
+        </p:sp>
+        <p:sp>
+          <p:nvSpPr>
+            <p:cNvPr id="38" name="Textfeld 37"/>
+            <p:cNvSpPr txBox="1"/>
+            <p:nvPr/>
+          </p:nvSpPr>
+          <p:spPr>
+            <a:xfrm>
+              <a:off x="4428008" y="5155225"/>
+              <a:ext cx="3672000" cy="461665"/>
+            </a:xfrm>
+            <a:prstGeom prst="rect">
+              <a:avLst/>
+            </a:prstGeom>
+            <a:noFill/>
+            <a:ln w="6350">
+              <a:solidFill>
+                <a:schemeClr val="tx1"/>
+              </a:solidFill>
+            </a:ln>
+          </p:spPr>
+          <p:txBody>
+            <a:bodyPr wrap="square" rtlCol="0" anchor="ctr">
+              <a:spAutoFit/>
+            </a:bodyPr>
+            <a:lstStyle/>
+            <a:p>
+              <a:pPr algn="ctr"/>
+              <a:r>
+                <a:rPr lang="en-GB" sz="1200" dirty="0">
+                  <a:latin typeface="Arial" panose="020B0604020202020204" pitchFamily="34" charset="0"/>
+                  <a:ea typeface="Open Sans" panose="020B0606030504020204" pitchFamily="34" charset="0"/>
+                  <a:cs typeface="Arial" panose="020B0604020202020204" pitchFamily="34" charset="0"/>
+                </a:rPr>
+                <a:t>Block 3 or 4 or 5 - </a:t>
+              </a:r>
+              <a:r>
+                <a:rPr lang="en-GB" sz="1200" i="1" dirty="0">
+                  <a:latin typeface="Arial" panose="020B0604020202020204" pitchFamily="34" charset="0"/>
+                  <a:ea typeface="Open Sans" panose="020B0606030504020204" pitchFamily="34" charset="0"/>
+                  <a:cs typeface="Arial" panose="020B0604020202020204" pitchFamily="34" charset="0"/>
+                </a:rPr>
+                <a:t>Expressive</a:t>
+              </a:r>
+              <a:r>
+                <a:rPr lang="en-GB" sz="1200" dirty="0">
+                  <a:latin typeface="Arial" panose="020B0604020202020204" pitchFamily="34" charset="0"/>
+                  <a:ea typeface="Open Sans" panose="020B0606030504020204" pitchFamily="34" charset="0"/>
+                  <a:cs typeface="Arial" panose="020B0604020202020204" pitchFamily="34" charset="0"/>
+                </a:rPr>
+                <a:t> </a:t>
+              </a:r>
+              <a:r>
+                <a:rPr lang="en-GB" sz="1200" i="1" dirty="0">
+                  <a:latin typeface="Arial" panose="020B0604020202020204" pitchFamily="34" charset="0"/>
+                  <a:ea typeface="Open Sans" panose="020B0606030504020204" pitchFamily="34" charset="0"/>
+                  <a:cs typeface="Arial" panose="020B0604020202020204" pitchFamily="34" charset="0"/>
+                </a:rPr>
+                <a:t>suppression</a:t>
+              </a:r>
+            </a:p>
+            <a:p>
+              <a:pPr algn="ctr"/>
+              <a:r>
+                <a:rPr lang="en-GB" sz="1200" dirty="0">
+                  <a:latin typeface="Arial" panose="020B0604020202020204" pitchFamily="34" charset="0"/>
+                  <a:ea typeface="Open Sans" panose="020B0606030504020204" pitchFamily="34" charset="0"/>
+                  <a:cs typeface="Arial" panose="020B0604020202020204" pitchFamily="34" charset="0"/>
+                </a:rPr>
+                <a:t>Expressive suppression of negative </a:t>
+              </a:r>
+              <a:r>
+                <a:rPr lang="en-GB" sz="1200" dirty="0">
+                  <a:latin typeface="Arial" panose="020B0604020202020204" pitchFamily="34" charset="0"/>
+                  <a:ea typeface="Open Sans" panose="020B0606030504020204" pitchFamily="34" charset="0"/>
+                  <a:cs typeface="Arial" panose="020B0604020202020204" pitchFamily="34" charset="0"/>
+                </a:rPr>
+                <a:t>p</a:t>
+              </a:r>
+              <a:r>
+                <a:rPr lang="en-GB" sz="1200" dirty="0">
+                  <a:latin typeface="Arial" panose="020B0604020202020204" pitchFamily="34" charset="0"/>
+                  <a:ea typeface="Open Sans" panose="020B0606030504020204" pitchFamily="34" charset="0"/>
+                  <a:cs typeface="Arial" panose="020B0604020202020204" pitchFamily="34" charset="0"/>
+                </a:rPr>
+                <a:t>ictures</a:t>
+              </a:r>
+              <a:endParaRPr lang="en-GB" sz="1200" dirty="0">
+                <a:latin typeface="Arial" panose="020B0604020202020204" pitchFamily="34" charset="0"/>
+                <a:ea typeface="Open Sans" panose="020B0606030504020204" pitchFamily="34" charset="0"/>
+                <a:cs typeface="Arial" panose="020B0604020202020204" pitchFamily="34" charset="0"/>
+              </a:endParaRPr>
+            </a:p>
+          </p:txBody>
+        </p:sp>
+        <p:cxnSp>
+          <p:nvCxnSpPr>
+            <p:cNvPr id="39" name="Gerade Verbindung mit Pfeil 38"/>
+            <p:cNvCxnSpPr/>
+            <p:nvPr/>
+          </p:nvCxnSpPr>
+          <p:spPr>
+            <a:xfrm flipH="1">
+              <a:off x="6298351" y="2483528"/>
+              <a:ext cx="1" cy="573805"/>
+            </a:xfrm>
+            <a:prstGeom prst="straightConnector1">
+              <a:avLst/>
+            </a:prstGeom>
+            <a:ln w="6350">
+              <a:solidFill>
+                <a:schemeClr val="tx1"/>
+              </a:solidFill>
+              <a:headEnd type="none" w="med" len="med"/>
+              <a:tailEnd type="triangle" w="med" len="med"/>
+            </a:ln>
+          </p:spPr>
+          <p:style>
+            <a:lnRef idx="1">
+              <a:schemeClr val="accent1"/>
+            </a:lnRef>
+            <a:fillRef idx="0">
+              <a:schemeClr val="accent1"/>
+            </a:fillRef>
+            <a:effectRef idx="0">
+              <a:schemeClr val="accent1"/>
+            </a:effectRef>
+            <a:fontRef idx="minor">
+              <a:schemeClr val="tx1"/>
+            </a:fontRef>
+          </p:style>
+        </p:cxnSp>
+        <p:sp>
+          <p:nvSpPr>
+            <p:cNvPr id="40" name="Abgerundetes Rechteck 39"/>
+            <p:cNvSpPr/>
+            <p:nvPr/>
+          </p:nvSpPr>
+          <p:spPr>
+            <a:xfrm>
+              <a:off x="5308139" y="2573436"/>
+              <a:ext cx="1980422" cy="376481"/>
+            </a:xfrm>
+            <a:prstGeom prst="roundRect">
+              <a:avLst/>
+            </a:prstGeom>
+            <a:solidFill>
+              <a:schemeClr val="bg1"/>
+            </a:solidFill>
+            <a:ln w="12700">
+              <a:solidFill>
+                <a:schemeClr val="tx1"/>
+              </a:solidFill>
+            </a:ln>
+          </p:spPr>
+          <p:style>
+            <a:lnRef idx="2">
+              <a:schemeClr val="accent1">
+                <a:shade val="50000"/>
+              </a:schemeClr>
+            </a:lnRef>
+            <a:fillRef idx="1">
+              <a:schemeClr val="accent1"/>
+            </a:fillRef>
+            <a:effectRef idx="0">
+              <a:schemeClr val="accent1"/>
+            </a:effectRef>
+            <a:fontRef idx="minor">
+              <a:schemeClr val="lt1"/>
+            </a:fontRef>
+          </p:style>
+          <p:txBody>
+            <a:bodyPr rtlCol="0" anchor="ctr"/>
+            <a:lstStyle/>
+            <a:p>
+              <a:pPr algn="ctr"/>
+              <a:r>
+                <a:rPr lang="de-DE" sz="1200" dirty="0" err="1">
+                  <a:solidFill>
+                    <a:schemeClr val="tx1"/>
+                  </a:solidFill>
+                  <a:latin typeface="Arial" panose="020B0604020202020204" pitchFamily="34" charset="0"/>
+                  <a:cs typeface="Arial" panose="020B0604020202020204" pitchFamily="34" charset="0"/>
+                </a:rPr>
+                <a:t>subjective</a:t>
+              </a:r>
+              <a:r>
+                <a:rPr lang="de-DE" sz="1200" dirty="0">
+                  <a:solidFill>
+                    <a:schemeClr val="tx1"/>
+                  </a:solidFill>
+                  <a:latin typeface="Arial" panose="020B0604020202020204" pitchFamily="34" charset="0"/>
+                  <a:cs typeface="Arial" panose="020B0604020202020204" pitchFamily="34" charset="0"/>
+                </a:rPr>
+                <a:t> </a:t>
+              </a:r>
+              <a:r>
+                <a:rPr lang="de-DE" sz="1200" dirty="0" err="1">
+                  <a:solidFill>
+                    <a:schemeClr val="tx1"/>
+                  </a:solidFill>
+                  <a:latin typeface="Arial" panose="020B0604020202020204" pitchFamily="34" charset="0"/>
+                  <a:cs typeface="Arial" panose="020B0604020202020204" pitchFamily="34" charset="0"/>
+                </a:rPr>
+                <a:t>arousal</a:t>
+              </a:r>
+              <a:r>
+                <a:rPr lang="de-DE" sz="1200" dirty="0">
+                  <a:solidFill>
+                    <a:schemeClr val="tx1"/>
+                  </a:solidFill>
+                  <a:latin typeface="Arial" panose="020B0604020202020204" pitchFamily="34" charset="0"/>
+                  <a:cs typeface="Arial" panose="020B0604020202020204" pitchFamily="34" charset="0"/>
+                </a:rPr>
+                <a:t> </a:t>
+              </a:r>
+              <a:r>
+                <a:rPr lang="de-DE" sz="1200" dirty="0" err="1">
+                  <a:solidFill>
+                    <a:schemeClr val="tx1"/>
+                  </a:solidFill>
+                  <a:latin typeface="Arial" panose="020B0604020202020204" pitchFamily="34" charset="0"/>
+                  <a:cs typeface="Arial" panose="020B0604020202020204" pitchFamily="34" charset="0"/>
+                </a:rPr>
+                <a:t>and</a:t>
+              </a:r>
+              <a:r>
+                <a:rPr lang="de-DE" sz="1200" dirty="0">
+                  <a:solidFill>
+                    <a:schemeClr val="tx1"/>
+                  </a:solidFill>
+                  <a:latin typeface="Arial" panose="020B0604020202020204" pitchFamily="34" charset="0"/>
+                  <a:cs typeface="Arial" panose="020B0604020202020204" pitchFamily="34" charset="0"/>
+                </a:rPr>
+                <a:t> </a:t>
+              </a:r>
+              <a:r>
+                <a:rPr lang="de-DE" sz="1200" dirty="0" err="1">
+                  <a:solidFill>
+                    <a:schemeClr val="tx1"/>
+                  </a:solidFill>
+                  <a:latin typeface="Arial" panose="020B0604020202020204" pitchFamily="34" charset="0"/>
+                  <a:cs typeface="Arial" panose="020B0604020202020204" pitchFamily="34" charset="0"/>
+                </a:rPr>
+                <a:t>effort</a:t>
+              </a:r>
+              <a:r>
+                <a:rPr lang="de-DE" sz="1200" dirty="0">
+                  <a:solidFill>
+                    <a:schemeClr val="tx1"/>
+                  </a:solidFill>
+                  <a:latin typeface="Arial" panose="020B0604020202020204" pitchFamily="34" charset="0"/>
+                  <a:cs typeface="Arial" panose="020B0604020202020204" pitchFamily="34" charset="0"/>
+                </a:rPr>
+                <a:t> </a:t>
+              </a:r>
+              <a:r>
+                <a:rPr lang="de-DE" sz="1200" dirty="0" err="1">
+                  <a:solidFill>
+                    <a:schemeClr val="tx1"/>
+                  </a:solidFill>
+                  <a:latin typeface="Arial" panose="020B0604020202020204" pitchFamily="34" charset="0"/>
+                  <a:cs typeface="Arial" panose="020B0604020202020204" pitchFamily="34" charset="0"/>
+                </a:rPr>
+                <a:t>rating</a:t>
+              </a:r>
+              <a:endParaRPr lang="de-DE" sz="1200" dirty="0">
+                <a:solidFill>
+                  <a:schemeClr val="tx1"/>
+                </a:solidFill>
+                <a:latin typeface="Arial" panose="020B0604020202020204" pitchFamily="34" charset="0"/>
+                <a:cs typeface="Arial" panose="020B0604020202020204" pitchFamily="34" charset="0"/>
+              </a:endParaRPr>
+            </a:p>
+          </p:txBody>
+        </p:sp>
+        <p:cxnSp>
+          <p:nvCxnSpPr>
+            <p:cNvPr id="41" name="Gerade Verbindung mit Pfeil 40"/>
+            <p:cNvCxnSpPr/>
+            <p:nvPr/>
+          </p:nvCxnSpPr>
+          <p:spPr>
+            <a:xfrm flipH="1">
+              <a:off x="6298351" y="3528385"/>
+              <a:ext cx="1" cy="573805"/>
+            </a:xfrm>
+            <a:prstGeom prst="straightConnector1">
+              <a:avLst/>
+            </a:prstGeom>
+            <a:ln w="6350">
+              <a:solidFill>
+                <a:schemeClr val="tx1"/>
+              </a:solidFill>
+              <a:headEnd type="none" w="med" len="med"/>
+              <a:tailEnd type="triangle" w="med" len="med"/>
+            </a:ln>
+          </p:spPr>
+          <p:style>
+            <a:lnRef idx="1">
+              <a:schemeClr val="accent1"/>
+            </a:lnRef>
+            <a:fillRef idx="0">
+              <a:schemeClr val="accent1"/>
+            </a:fillRef>
+            <a:effectRef idx="0">
+              <a:schemeClr val="accent1"/>
+            </a:effectRef>
+            <a:fontRef idx="minor">
+              <a:schemeClr val="tx1"/>
+            </a:fontRef>
+          </p:style>
+        </p:cxnSp>
+        <p:cxnSp>
+          <p:nvCxnSpPr>
+            <p:cNvPr id="42" name="Gerade Verbindung mit Pfeil 41"/>
+            <p:cNvCxnSpPr/>
+            <p:nvPr/>
+          </p:nvCxnSpPr>
+          <p:spPr>
+            <a:xfrm flipH="1">
+              <a:off x="6298351" y="4575645"/>
+              <a:ext cx="1" cy="573805"/>
+            </a:xfrm>
+            <a:prstGeom prst="straightConnector1">
+              <a:avLst/>
+            </a:prstGeom>
+            <a:ln w="6350">
+              <a:solidFill>
+                <a:schemeClr val="tx1"/>
+              </a:solidFill>
+              <a:headEnd type="none" w="med" len="med"/>
+              <a:tailEnd type="triangle" w="med" len="med"/>
+            </a:ln>
+          </p:spPr>
+          <p:style>
+            <a:lnRef idx="1">
+              <a:schemeClr val="accent1"/>
+            </a:lnRef>
+            <a:fillRef idx="0">
+              <a:schemeClr val="accent1"/>
+            </a:fillRef>
+            <a:effectRef idx="0">
+              <a:schemeClr val="accent1"/>
+            </a:effectRef>
+            <a:fontRef idx="minor">
+              <a:schemeClr val="tx1"/>
+            </a:fontRef>
+          </p:style>
+        </p:cxnSp>
+        <p:sp>
+          <p:nvSpPr>
+            <p:cNvPr id="43" name="Abgerundetes Rechteck 42"/>
+            <p:cNvSpPr/>
+            <p:nvPr/>
+          </p:nvSpPr>
+          <p:spPr>
+            <a:xfrm>
+              <a:off x="5313284" y="3629783"/>
+              <a:ext cx="1980422" cy="376481"/>
+            </a:xfrm>
+            <a:prstGeom prst="roundRect">
+              <a:avLst/>
+            </a:prstGeom>
+            <a:solidFill>
+              <a:schemeClr val="bg1"/>
+            </a:solidFill>
+            <a:ln w="12700">
+              <a:solidFill>
+                <a:schemeClr val="tx1"/>
+              </a:solidFill>
+            </a:ln>
+          </p:spPr>
+          <p:style>
+            <a:lnRef idx="2">
+              <a:schemeClr val="accent1">
+                <a:shade val="50000"/>
+              </a:schemeClr>
+            </a:lnRef>
+            <a:fillRef idx="1">
+              <a:schemeClr val="accent1"/>
+            </a:fillRef>
+            <a:effectRef idx="0">
+              <a:schemeClr val="accent1"/>
+            </a:effectRef>
+            <a:fontRef idx="minor">
+              <a:schemeClr val="lt1"/>
+            </a:fontRef>
+          </p:style>
+          <p:txBody>
+            <a:bodyPr rtlCol="0" anchor="ctr"/>
+            <a:lstStyle/>
+            <a:p>
+              <a:pPr algn="ctr"/>
+              <a:r>
+                <a:rPr lang="de-DE" sz="1200" dirty="0" err="1">
+                  <a:solidFill>
+                    <a:schemeClr val="tx1"/>
+                  </a:solidFill>
+                  <a:latin typeface="Arial" panose="020B0604020202020204" pitchFamily="34" charset="0"/>
+                  <a:cs typeface="Arial" panose="020B0604020202020204" pitchFamily="34" charset="0"/>
+                </a:rPr>
+                <a:t>subjective</a:t>
+              </a:r>
+              <a:r>
+                <a:rPr lang="de-DE" sz="1200" dirty="0">
+                  <a:solidFill>
+                    <a:schemeClr val="tx1"/>
+                  </a:solidFill>
+                  <a:latin typeface="Arial" panose="020B0604020202020204" pitchFamily="34" charset="0"/>
+                  <a:cs typeface="Arial" panose="020B0604020202020204" pitchFamily="34" charset="0"/>
+                </a:rPr>
+                <a:t> </a:t>
+              </a:r>
+              <a:r>
+                <a:rPr lang="de-DE" sz="1200" dirty="0" err="1">
+                  <a:solidFill>
+                    <a:schemeClr val="tx1"/>
+                  </a:solidFill>
+                  <a:latin typeface="Arial" panose="020B0604020202020204" pitchFamily="34" charset="0"/>
+                  <a:cs typeface="Arial" panose="020B0604020202020204" pitchFamily="34" charset="0"/>
+                </a:rPr>
+                <a:t>arousal</a:t>
+              </a:r>
+              <a:r>
+                <a:rPr lang="de-DE" sz="1200" dirty="0">
+                  <a:solidFill>
+                    <a:schemeClr val="tx1"/>
+                  </a:solidFill>
+                  <a:latin typeface="Arial" panose="020B0604020202020204" pitchFamily="34" charset="0"/>
+                  <a:cs typeface="Arial" panose="020B0604020202020204" pitchFamily="34" charset="0"/>
+                </a:rPr>
+                <a:t> </a:t>
+              </a:r>
+              <a:r>
+                <a:rPr lang="de-DE" sz="1200" dirty="0" err="1">
+                  <a:solidFill>
+                    <a:schemeClr val="tx1"/>
+                  </a:solidFill>
+                  <a:latin typeface="Arial" panose="020B0604020202020204" pitchFamily="34" charset="0"/>
+                  <a:cs typeface="Arial" panose="020B0604020202020204" pitchFamily="34" charset="0"/>
+                </a:rPr>
+                <a:t>and</a:t>
+              </a:r>
+              <a:r>
+                <a:rPr lang="de-DE" sz="1200" dirty="0">
+                  <a:solidFill>
+                    <a:schemeClr val="tx1"/>
+                  </a:solidFill>
+                  <a:latin typeface="Arial" panose="020B0604020202020204" pitchFamily="34" charset="0"/>
+                  <a:cs typeface="Arial" panose="020B0604020202020204" pitchFamily="34" charset="0"/>
+                </a:rPr>
+                <a:t> </a:t>
+              </a:r>
+              <a:r>
+                <a:rPr lang="de-DE" sz="1200" dirty="0" err="1">
+                  <a:solidFill>
+                    <a:schemeClr val="tx1"/>
+                  </a:solidFill>
+                  <a:latin typeface="Arial" panose="020B0604020202020204" pitchFamily="34" charset="0"/>
+                  <a:cs typeface="Arial" panose="020B0604020202020204" pitchFamily="34" charset="0"/>
+                </a:rPr>
+                <a:t>effort</a:t>
+              </a:r>
+              <a:r>
+                <a:rPr lang="de-DE" sz="1200" dirty="0">
+                  <a:solidFill>
+                    <a:schemeClr val="tx1"/>
+                  </a:solidFill>
+                  <a:latin typeface="Arial" panose="020B0604020202020204" pitchFamily="34" charset="0"/>
+                  <a:cs typeface="Arial" panose="020B0604020202020204" pitchFamily="34" charset="0"/>
+                </a:rPr>
+                <a:t> </a:t>
+              </a:r>
+              <a:r>
+                <a:rPr lang="de-DE" sz="1200" dirty="0" err="1">
+                  <a:solidFill>
+                    <a:schemeClr val="tx1"/>
+                  </a:solidFill>
+                  <a:latin typeface="Arial" panose="020B0604020202020204" pitchFamily="34" charset="0"/>
+                  <a:cs typeface="Arial" panose="020B0604020202020204" pitchFamily="34" charset="0"/>
+                </a:rPr>
+                <a:t>rating</a:t>
+              </a:r>
+              <a:endParaRPr lang="de-DE" sz="1200" dirty="0">
+                <a:solidFill>
+                  <a:schemeClr val="tx1"/>
+                </a:solidFill>
+                <a:latin typeface="Arial" panose="020B0604020202020204" pitchFamily="34" charset="0"/>
+                <a:cs typeface="Arial" panose="020B0604020202020204" pitchFamily="34" charset="0"/>
+              </a:endParaRPr>
+            </a:p>
+          </p:txBody>
+        </p:sp>
+        <p:sp>
+          <p:nvSpPr>
+            <p:cNvPr id="44" name="Abgerundetes Rechteck 43"/>
+            <p:cNvSpPr/>
+            <p:nvPr/>
+          </p:nvSpPr>
+          <p:spPr>
+            <a:xfrm>
+              <a:off x="5308139" y="4663407"/>
+              <a:ext cx="1980422" cy="376481"/>
+            </a:xfrm>
+            <a:prstGeom prst="roundRect">
+              <a:avLst/>
+            </a:prstGeom>
+            <a:solidFill>
+              <a:schemeClr val="bg1"/>
+            </a:solidFill>
+            <a:ln w="12700">
+              <a:solidFill>
+                <a:schemeClr val="tx1"/>
+              </a:solidFill>
+            </a:ln>
+          </p:spPr>
+          <p:style>
+            <a:lnRef idx="2">
+              <a:schemeClr val="accent1">
+                <a:shade val="50000"/>
+              </a:schemeClr>
+            </a:lnRef>
+            <a:fillRef idx="1">
+              <a:schemeClr val="accent1"/>
+            </a:fillRef>
+            <a:effectRef idx="0">
+              <a:schemeClr val="accent1"/>
+            </a:effectRef>
+            <a:fontRef idx="minor">
+              <a:schemeClr val="lt1"/>
+            </a:fontRef>
+          </p:style>
+          <p:txBody>
+            <a:bodyPr rtlCol="0" anchor="ctr"/>
+            <a:lstStyle/>
+            <a:p>
+              <a:pPr algn="ctr"/>
+              <a:r>
+                <a:rPr lang="de-DE" sz="1200" dirty="0" err="1">
+                  <a:solidFill>
+                    <a:schemeClr val="tx1"/>
+                  </a:solidFill>
+                  <a:latin typeface="Arial" panose="020B0604020202020204" pitchFamily="34" charset="0"/>
+                  <a:cs typeface="Arial" panose="020B0604020202020204" pitchFamily="34" charset="0"/>
+                </a:rPr>
+                <a:t>subjective</a:t>
+              </a:r>
+              <a:r>
+                <a:rPr lang="de-DE" sz="1200" dirty="0">
+                  <a:solidFill>
+                    <a:schemeClr val="tx1"/>
+                  </a:solidFill>
+                  <a:latin typeface="Arial" panose="020B0604020202020204" pitchFamily="34" charset="0"/>
+                  <a:cs typeface="Arial" panose="020B0604020202020204" pitchFamily="34" charset="0"/>
+                </a:rPr>
+                <a:t> </a:t>
+              </a:r>
+              <a:r>
+                <a:rPr lang="de-DE" sz="1200" dirty="0" err="1">
+                  <a:solidFill>
+                    <a:schemeClr val="tx1"/>
+                  </a:solidFill>
+                  <a:latin typeface="Arial" panose="020B0604020202020204" pitchFamily="34" charset="0"/>
+                  <a:cs typeface="Arial" panose="020B0604020202020204" pitchFamily="34" charset="0"/>
+                </a:rPr>
+                <a:t>arousal</a:t>
+              </a:r>
+              <a:r>
+                <a:rPr lang="de-DE" sz="1200" dirty="0">
+                  <a:solidFill>
+                    <a:schemeClr val="tx1"/>
+                  </a:solidFill>
+                  <a:latin typeface="Arial" panose="020B0604020202020204" pitchFamily="34" charset="0"/>
+                  <a:cs typeface="Arial" panose="020B0604020202020204" pitchFamily="34" charset="0"/>
+                </a:rPr>
+                <a:t> </a:t>
+              </a:r>
+              <a:r>
+                <a:rPr lang="de-DE" sz="1200" dirty="0" err="1">
+                  <a:solidFill>
+                    <a:schemeClr val="tx1"/>
+                  </a:solidFill>
+                  <a:latin typeface="Arial" panose="020B0604020202020204" pitchFamily="34" charset="0"/>
+                  <a:cs typeface="Arial" panose="020B0604020202020204" pitchFamily="34" charset="0"/>
+                </a:rPr>
+                <a:t>and</a:t>
+              </a:r>
+              <a:r>
+                <a:rPr lang="de-DE" sz="1200" dirty="0">
+                  <a:solidFill>
+                    <a:schemeClr val="tx1"/>
+                  </a:solidFill>
+                  <a:latin typeface="Arial" panose="020B0604020202020204" pitchFamily="34" charset="0"/>
+                  <a:cs typeface="Arial" panose="020B0604020202020204" pitchFamily="34" charset="0"/>
+                </a:rPr>
+                <a:t> </a:t>
+              </a:r>
+              <a:r>
+                <a:rPr lang="de-DE" sz="1200" dirty="0" err="1">
+                  <a:solidFill>
+                    <a:schemeClr val="tx1"/>
+                  </a:solidFill>
+                  <a:latin typeface="Arial" panose="020B0604020202020204" pitchFamily="34" charset="0"/>
+                  <a:cs typeface="Arial" panose="020B0604020202020204" pitchFamily="34" charset="0"/>
+                </a:rPr>
+                <a:t>effort</a:t>
+              </a:r>
+              <a:r>
+                <a:rPr lang="de-DE" sz="1200" dirty="0">
+                  <a:solidFill>
+                    <a:schemeClr val="tx1"/>
+                  </a:solidFill>
+                  <a:latin typeface="Arial" panose="020B0604020202020204" pitchFamily="34" charset="0"/>
+                  <a:cs typeface="Arial" panose="020B0604020202020204" pitchFamily="34" charset="0"/>
+                </a:rPr>
+                <a:t> </a:t>
+              </a:r>
+              <a:r>
+                <a:rPr lang="de-DE" sz="1200" dirty="0" err="1">
+                  <a:solidFill>
+                    <a:schemeClr val="tx1"/>
+                  </a:solidFill>
+                  <a:latin typeface="Arial" panose="020B0604020202020204" pitchFamily="34" charset="0"/>
+                  <a:cs typeface="Arial" panose="020B0604020202020204" pitchFamily="34" charset="0"/>
+                </a:rPr>
+                <a:t>rating</a:t>
+              </a:r>
+              <a:endParaRPr lang="de-DE" sz="1200" dirty="0">
+                <a:solidFill>
+                  <a:schemeClr val="tx1"/>
+                </a:solidFill>
+                <a:latin typeface="Arial" panose="020B0604020202020204" pitchFamily="34" charset="0"/>
+                <a:cs typeface="Arial" panose="020B0604020202020204" pitchFamily="34" charset="0"/>
+              </a:endParaRPr>
+            </a:p>
+          </p:txBody>
+        </p:sp>
+        <p:cxnSp>
+          <p:nvCxnSpPr>
+            <p:cNvPr id="45" name="Gerade Verbindung mit Pfeil 44"/>
+            <p:cNvCxnSpPr/>
+            <p:nvPr/>
+          </p:nvCxnSpPr>
+          <p:spPr>
+            <a:xfrm flipH="1">
+              <a:off x="6292784" y="5622665"/>
+              <a:ext cx="1" cy="573805"/>
+            </a:xfrm>
+            <a:prstGeom prst="straightConnector1">
+              <a:avLst/>
+            </a:prstGeom>
+            <a:ln w="6350">
+              <a:solidFill>
+                <a:schemeClr val="tx1"/>
+              </a:solidFill>
+              <a:headEnd type="none" w="med" len="med"/>
+              <a:tailEnd type="triangle" w="med" len="med"/>
+            </a:ln>
+          </p:spPr>
+          <p:style>
+            <a:lnRef idx="1">
+              <a:schemeClr val="accent1"/>
+            </a:lnRef>
+            <a:fillRef idx="0">
+              <a:schemeClr val="accent1"/>
+            </a:fillRef>
+            <a:effectRef idx="0">
+              <a:schemeClr val="accent1"/>
+            </a:effectRef>
+            <a:fontRef idx="minor">
+              <a:schemeClr val="tx1"/>
+            </a:fontRef>
+          </p:style>
+        </p:cxnSp>
+        <p:sp>
+          <p:nvSpPr>
+            <p:cNvPr id="46" name="Abgerundetes Rechteck 45"/>
+            <p:cNvSpPr/>
+            <p:nvPr/>
+          </p:nvSpPr>
+          <p:spPr>
+            <a:xfrm>
+              <a:off x="5313284" y="5732227"/>
+              <a:ext cx="1980422" cy="376481"/>
+            </a:xfrm>
+            <a:prstGeom prst="roundRect">
+              <a:avLst/>
+            </a:prstGeom>
+            <a:solidFill>
+              <a:schemeClr val="bg1"/>
+            </a:solidFill>
+            <a:ln w="12700">
+              <a:solidFill>
+                <a:schemeClr val="tx1"/>
+              </a:solidFill>
+            </a:ln>
+          </p:spPr>
+          <p:style>
+            <a:lnRef idx="2">
+              <a:schemeClr val="accent1">
+                <a:shade val="50000"/>
+              </a:schemeClr>
+            </a:lnRef>
+            <a:fillRef idx="1">
+              <a:schemeClr val="accent1"/>
+            </a:fillRef>
+            <a:effectRef idx="0">
+              <a:schemeClr val="accent1"/>
+            </a:effectRef>
+            <a:fontRef idx="minor">
+              <a:schemeClr val="lt1"/>
+            </a:fontRef>
+          </p:style>
+          <p:txBody>
+            <a:bodyPr rtlCol="0" anchor="ctr"/>
+            <a:lstStyle/>
+            <a:p>
+              <a:pPr algn="ctr"/>
+              <a:r>
+                <a:rPr lang="de-DE" sz="1200" dirty="0" err="1">
+                  <a:solidFill>
+                    <a:schemeClr val="tx1"/>
+                  </a:solidFill>
+                  <a:latin typeface="Arial" panose="020B0604020202020204" pitchFamily="34" charset="0"/>
+                  <a:cs typeface="Arial" panose="020B0604020202020204" pitchFamily="34" charset="0"/>
+                </a:rPr>
+                <a:t>subjective</a:t>
+              </a:r>
+              <a:r>
+                <a:rPr lang="de-DE" sz="1200" dirty="0">
+                  <a:solidFill>
+                    <a:schemeClr val="tx1"/>
+                  </a:solidFill>
+                  <a:latin typeface="Arial" panose="020B0604020202020204" pitchFamily="34" charset="0"/>
+                  <a:cs typeface="Arial" panose="020B0604020202020204" pitchFamily="34" charset="0"/>
+                </a:rPr>
+                <a:t> </a:t>
+              </a:r>
+              <a:r>
+                <a:rPr lang="de-DE" sz="1200" dirty="0" err="1">
+                  <a:solidFill>
+                    <a:schemeClr val="tx1"/>
+                  </a:solidFill>
+                  <a:latin typeface="Arial" panose="020B0604020202020204" pitchFamily="34" charset="0"/>
+                  <a:cs typeface="Arial" panose="020B0604020202020204" pitchFamily="34" charset="0"/>
+                </a:rPr>
+                <a:t>arousal</a:t>
+              </a:r>
+              <a:r>
+                <a:rPr lang="de-DE" sz="1200" dirty="0">
+                  <a:solidFill>
+                    <a:schemeClr val="tx1"/>
+                  </a:solidFill>
+                  <a:latin typeface="Arial" panose="020B0604020202020204" pitchFamily="34" charset="0"/>
+                  <a:cs typeface="Arial" panose="020B0604020202020204" pitchFamily="34" charset="0"/>
+                </a:rPr>
+                <a:t> </a:t>
+              </a:r>
+              <a:r>
+                <a:rPr lang="de-DE" sz="1200" dirty="0" err="1">
+                  <a:solidFill>
+                    <a:schemeClr val="tx1"/>
+                  </a:solidFill>
+                  <a:latin typeface="Arial" panose="020B0604020202020204" pitchFamily="34" charset="0"/>
+                  <a:cs typeface="Arial" panose="020B0604020202020204" pitchFamily="34" charset="0"/>
+                </a:rPr>
+                <a:t>and</a:t>
+              </a:r>
+              <a:r>
+                <a:rPr lang="de-DE" sz="1200" dirty="0">
+                  <a:solidFill>
+                    <a:schemeClr val="tx1"/>
+                  </a:solidFill>
+                  <a:latin typeface="Arial" panose="020B0604020202020204" pitchFamily="34" charset="0"/>
+                  <a:cs typeface="Arial" panose="020B0604020202020204" pitchFamily="34" charset="0"/>
+                </a:rPr>
+                <a:t> </a:t>
+              </a:r>
+              <a:r>
+                <a:rPr lang="de-DE" sz="1200" dirty="0" err="1">
+                  <a:solidFill>
+                    <a:schemeClr val="tx1"/>
+                  </a:solidFill>
+                  <a:latin typeface="Arial" panose="020B0604020202020204" pitchFamily="34" charset="0"/>
+                  <a:cs typeface="Arial" panose="020B0604020202020204" pitchFamily="34" charset="0"/>
+                </a:rPr>
+                <a:t>effort</a:t>
+              </a:r>
+              <a:r>
+                <a:rPr lang="de-DE" sz="1200" dirty="0">
+                  <a:solidFill>
+                    <a:schemeClr val="tx1"/>
+                  </a:solidFill>
+                  <a:latin typeface="Arial" panose="020B0604020202020204" pitchFamily="34" charset="0"/>
+                  <a:cs typeface="Arial" panose="020B0604020202020204" pitchFamily="34" charset="0"/>
+                </a:rPr>
+                <a:t> </a:t>
+              </a:r>
+              <a:r>
+                <a:rPr lang="de-DE" sz="1200" dirty="0" err="1">
+                  <a:solidFill>
+                    <a:schemeClr val="tx1"/>
+                  </a:solidFill>
+                  <a:latin typeface="Arial" panose="020B0604020202020204" pitchFamily="34" charset="0"/>
+                  <a:cs typeface="Arial" panose="020B0604020202020204" pitchFamily="34" charset="0"/>
+                </a:rPr>
+                <a:t>rating</a:t>
+              </a:r>
+              <a:endParaRPr lang="de-DE" sz="1200" dirty="0">
+                <a:solidFill>
+                  <a:schemeClr val="tx1"/>
+                </a:solidFill>
+                <a:latin typeface="Arial" panose="020B0604020202020204" pitchFamily="34" charset="0"/>
+                <a:cs typeface="Arial" panose="020B0604020202020204" pitchFamily="34" charset="0"/>
+              </a:endParaRPr>
+            </a:p>
+          </p:txBody>
+        </p:sp>
+        <p:sp>
+          <p:nvSpPr>
+            <p:cNvPr id="47" name="Textfeld 46"/>
+            <p:cNvSpPr txBox="1"/>
+            <p:nvPr/>
+          </p:nvSpPr>
+          <p:spPr>
+            <a:xfrm>
+              <a:off x="4428008" y="6218270"/>
+              <a:ext cx="3672000" cy="276999"/>
+            </a:xfrm>
+            <a:prstGeom prst="rect">
+              <a:avLst/>
+            </a:prstGeom>
+            <a:solidFill>
+              <a:schemeClr val="tx1">
+                <a:lumMod val="10000"/>
+                <a:lumOff val="90000"/>
+              </a:schemeClr>
+            </a:solidFill>
+            <a:ln w="6350">
+              <a:solidFill>
+                <a:schemeClr val="tx1"/>
+              </a:solidFill>
+            </a:ln>
+          </p:spPr>
+          <p:txBody>
+            <a:bodyPr wrap="square" rtlCol="0" anchor="ctr">
+              <a:spAutoFit/>
+            </a:bodyPr>
+            <a:lstStyle/>
+            <a:p>
+              <a:pPr algn="ctr"/>
+              <a:r>
+                <a:rPr lang="en-GB" sz="1200" dirty="0" smtClean="0">
+                  <a:latin typeface="Arial" panose="020B0604020202020204" pitchFamily="34" charset="0"/>
+                  <a:ea typeface="Open Sans" panose="020B0606030504020204" pitchFamily="34" charset="0"/>
+                  <a:cs typeface="Arial" panose="020B0604020202020204" pitchFamily="34" charset="0"/>
+                </a:rPr>
+                <a:t>ER Effort Discounting</a:t>
+              </a:r>
+              <a:endParaRPr lang="en-GB" sz="1200" dirty="0">
+                <a:latin typeface="Arial" panose="020B0604020202020204" pitchFamily="34" charset="0"/>
+                <a:ea typeface="Open Sans" panose="020B0606030504020204" pitchFamily="34" charset="0"/>
+                <a:cs typeface="Arial" panose="020B0604020202020204" pitchFamily="34" charset="0"/>
+              </a:endParaRPr>
+            </a:p>
+          </p:txBody>
+        </p:sp>
+        <p:sp>
+          <p:nvSpPr>
+            <p:cNvPr id="48" name="Textfeld 47"/>
+            <p:cNvSpPr txBox="1"/>
+            <p:nvPr/>
+          </p:nvSpPr>
+          <p:spPr>
+            <a:xfrm>
+              <a:off x="4428008" y="7112800"/>
+              <a:ext cx="3672000" cy="276999"/>
+            </a:xfrm>
+            <a:prstGeom prst="rect">
+              <a:avLst/>
+            </a:prstGeom>
+            <a:solidFill>
+              <a:schemeClr val="tx1">
+                <a:lumMod val="10000"/>
+                <a:lumOff val="90000"/>
+              </a:schemeClr>
+            </a:solidFill>
+            <a:ln w="6350">
+              <a:solidFill>
+                <a:schemeClr val="tx1"/>
+              </a:solidFill>
+            </a:ln>
+          </p:spPr>
+          <p:txBody>
+            <a:bodyPr wrap="square" rtlCol="0" anchor="ctr">
+              <a:spAutoFit/>
+            </a:bodyPr>
+            <a:lstStyle/>
+            <a:p>
+              <a:pPr algn="ctr"/>
+              <a:r>
+                <a:rPr lang="en-GB" sz="1200" dirty="0" smtClean="0">
+                  <a:latin typeface="Arial" panose="020B0604020202020204" pitchFamily="34" charset="0"/>
+                  <a:ea typeface="Open Sans" panose="020B0606030504020204" pitchFamily="34" charset="0"/>
+                  <a:cs typeface="Arial" panose="020B0604020202020204" pitchFamily="34" charset="0"/>
+                </a:rPr>
+                <a:t>Re-apply preferred strategy</a:t>
+              </a:r>
+              <a:endParaRPr lang="en-GB" sz="1200" dirty="0">
+                <a:latin typeface="Arial" panose="020B0604020202020204" pitchFamily="34" charset="0"/>
+                <a:ea typeface="Open Sans" panose="020B0606030504020204" pitchFamily="34" charset="0"/>
+                <a:cs typeface="Arial" panose="020B0604020202020204" pitchFamily="34" charset="0"/>
+              </a:endParaRPr>
+            </a:p>
+          </p:txBody>
+        </p:sp>
+        <p:cxnSp>
+          <p:nvCxnSpPr>
+            <p:cNvPr id="49" name="Gerade Verbindung mit Pfeil 48"/>
+            <p:cNvCxnSpPr/>
+            <p:nvPr/>
+          </p:nvCxnSpPr>
+          <p:spPr>
+            <a:xfrm flipH="1">
+              <a:off x="6304161" y="6517132"/>
+              <a:ext cx="1" cy="573805"/>
+            </a:xfrm>
+            <a:prstGeom prst="straightConnector1">
+              <a:avLst/>
+            </a:prstGeom>
+            <a:ln w="6350">
+              <a:solidFill>
+                <a:schemeClr val="tx1"/>
+              </a:solidFill>
+              <a:headEnd type="none" w="med" len="med"/>
+              <a:tailEnd type="triangle" w="med" len="med"/>
+            </a:ln>
+          </p:spPr>
+          <p:style>
+            <a:lnRef idx="1">
+              <a:schemeClr val="accent1"/>
+            </a:lnRef>
+            <a:fillRef idx="0">
+              <a:schemeClr val="accent1"/>
+            </a:fillRef>
+            <a:effectRef idx="0">
+              <a:schemeClr val="accent1"/>
+            </a:effectRef>
+            <a:fontRef idx="minor">
+              <a:schemeClr val="tx1"/>
+            </a:fontRef>
+          </p:style>
+        </p:cxnSp>
+        <p:sp>
+          <p:nvSpPr>
+            <p:cNvPr id="50" name="Eckige Klammer links 49"/>
+            <p:cNvSpPr/>
+            <p:nvPr/>
+          </p:nvSpPr>
+          <p:spPr>
+            <a:xfrm>
+              <a:off x="4211984" y="3065033"/>
+              <a:ext cx="114839" cy="2559557"/>
+            </a:xfrm>
+            <a:prstGeom prst="leftBracket">
+              <a:avLst/>
+            </a:prstGeom>
+            <a:ln>
+              <a:solidFill>
+                <a:schemeClr val="tx1"/>
+              </a:solidFill>
+            </a:ln>
+          </p:spPr>
+          <p:style>
+            <a:lnRef idx="1">
+              <a:schemeClr val="accent1"/>
+            </a:lnRef>
+            <a:fillRef idx="0">
+              <a:schemeClr val="accent1"/>
+            </a:fillRef>
+            <a:effectRef idx="0">
+              <a:schemeClr val="accent1"/>
+            </a:effectRef>
+            <a:fontRef idx="minor">
+              <a:schemeClr val="tx1"/>
+            </a:fontRef>
+          </p:style>
+          <p:txBody>
+            <a:bodyPr rtlCol="0" anchor="ctr"/>
+            <a:lstStyle/>
+            <a:p>
+              <a:pPr algn="ctr"/>
+              <a:endParaRPr lang="de-DE"/>
+            </a:p>
+          </p:txBody>
+        </p:sp>
+      </p:grpSp>
+      <p:sp>
+        <p:nvSpPr>
+          <p:cNvPr id="51" name="Rechteck 50"/>
           <p:cNvSpPr/>
           <p:nvPr/>
         </p:nvSpPr>
         <p:spPr>
           <a:xfrm>
-            <a:off x="811706" y="1280159"/>
-            <a:ext cx="6691501" cy="1626638"/>
+            <a:off x="531623" y="1176738"/>
+            <a:ext cx="5354758" cy="1626638"/>
           </a:xfrm>
           <a:prstGeom prst="rect">
             <a:avLst/>
@@ -6001,999 +7549,14 @@
       </p:sp>
       <p:sp>
         <p:nvSpPr>
-          <p:cNvPr id="12" name="Titel 1"/>
-          <p:cNvSpPr>
-            <a:spLocks noGrp="1"/>
-          </p:cNvSpPr>
-          <p:nvPr>
-            <p:ph type="title"/>
-          </p:nvPr>
-        </p:nvSpPr>
-        <p:spPr>
-          <a:xfrm>
-            <a:off x="874715" y="346075"/>
-            <a:ext cx="10580687" cy="421676"/>
-          </a:xfrm>
-        </p:spPr>
-        <p:txBody>
-          <a:bodyPr/>
-          <a:lstStyle/>
-          <a:p>
-            <a:r>
-              <a:rPr lang="en-GB" sz="2400" dirty="0" err="1" smtClean="0"/>
-              <a:t>Studiendesign</a:t>
-            </a:r>
-            <a:r>
-              <a:rPr lang="en-GB" sz="2400" dirty="0" smtClean="0"/>
-              <a:t/>
-            </a:r>
-            <a:br>
-              <a:rPr lang="en-GB" sz="2400" dirty="0" smtClean="0"/>
-            </a:br>
-            <a:r>
-              <a:rPr lang="en-GB" sz="2000" b="0" dirty="0" smtClean="0"/>
-              <a:t>T2 – Emotion Regulation - ED</a:t>
-            </a:r>
-            <a:endParaRPr lang="en-GB" sz="2000" b="0" dirty="0"/>
-          </a:p>
-        </p:txBody>
-      </p:sp>
-      <p:grpSp>
-        <p:nvGrpSpPr>
-          <p:cNvPr id="2" name="Gruppieren 1"/>
-          <p:cNvGrpSpPr/>
-          <p:nvPr/>
-        </p:nvGrpSpPr>
-        <p:grpSpPr>
-          <a:xfrm>
-            <a:off x="7887493" y="1280159"/>
-            <a:ext cx="4003248" cy="3949343"/>
-            <a:chOff x="491840" y="1105522"/>
-            <a:chExt cx="4434738" cy="4979987"/>
-          </a:xfrm>
-        </p:grpSpPr>
-        <p:grpSp>
-          <p:nvGrpSpPr>
-            <p:cNvPr id="4" name="Gruppieren 3"/>
-            <p:cNvGrpSpPr/>
-            <p:nvPr/>
-          </p:nvGrpSpPr>
-          <p:grpSpPr>
-            <a:xfrm>
-              <a:off x="1236098" y="1105522"/>
-              <a:ext cx="3690480" cy="4242245"/>
-              <a:chOff x="2669864" y="813049"/>
-              <a:chExt cx="3690480" cy="4242245"/>
-            </a:xfrm>
-          </p:grpSpPr>
-          <p:sp>
-            <p:nvSpPr>
-              <p:cNvPr id="5" name="Textfeld 4"/>
-              <p:cNvSpPr txBox="1"/>
-              <p:nvPr/>
-            </p:nvSpPr>
-            <p:spPr>
-              <a:xfrm>
-                <a:off x="2688344" y="813049"/>
-                <a:ext cx="3672000" cy="461665"/>
-              </a:xfrm>
-              <a:prstGeom prst="rect">
-                <a:avLst/>
-              </a:prstGeom>
-              <a:noFill/>
-              <a:ln w="6350">
-                <a:solidFill>
-                  <a:schemeClr val="tx1"/>
-                </a:solidFill>
-              </a:ln>
-            </p:spPr>
-            <p:txBody>
-              <a:bodyPr wrap="square" rtlCol="0" anchor="ctr">
-                <a:spAutoFit/>
-              </a:bodyPr>
-              <a:lstStyle/>
-              <a:p>
-                <a:pPr algn="ctr"/>
-                <a:r>
-                  <a:rPr lang="en-GB" sz="1200" dirty="0" smtClean="0">
-                    <a:latin typeface="Arial" panose="020B0604020202020204" pitchFamily="34" charset="0"/>
-                    <a:ea typeface="Open Sans" panose="020B0606030504020204" pitchFamily="34" charset="0"/>
-                    <a:cs typeface="Arial" panose="020B0604020202020204" pitchFamily="34" charset="0"/>
-                  </a:rPr>
-                  <a:t>Block 1</a:t>
-                </a:r>
-              </a:p>
-              <a:p>
-                <a:pPr algn="ctr"/>
-                <a:r>
-                  <a:rPr lang="en-GB" sz="1200" dirty="0" smtClean="0">
-                    <a:latin typeface="Arial" panose="020B0604020202020204" pitchFamily="34" charset="0"/>
-                    <a:ea typeface="Open Sans" panose="020B0606030504020204" pitchFamily="34" charset="0"/>
-                    <a:cs typeface="Arial" panose="020B0604020202020204" pitchFamily="34" charset="0"/>
-                  </a:rPr>
-                  <a:t>Active viewing of neutral pictures</a:t>
-                </a:r>
-                <a:endParaRPr lang="en-GB" sz="1200" dirty="0">
-                  <a:latin typeface="Arial" panose="020B0604020202020204" pitchFamily="34" charset="0"/>
-                  <a:ea typeface="Open Sans" panose="020B0606030504020204" pitchFamily="34" charset="0"/>
-                  <a:cs typeface="Arial" panose="020B0604020202020204" pitchFamily="34" charset="0"/>
-                </a:endParaRPr>
-              </a:p>
-            </p:txBody>
-          </p:sp>
-          <p:sp>
-            <p:nvSpPr>
-              <p:cNvPr id="6" name="Textfeld 5"/>
-              <p:cNvSpPr txBox="1"/>
-              <p:nvPr/>
-            </p:nvSpPr>
-            <p:spPr>
-              <a:xfrm>
-                <a:off x="2688344" y="1605137"/>
-                <a:ext cx="3672000" cy="461665"/>
-              </a:xfrm>
-              <a:prstGeom prst="rect">
-                <a:avLst/>
-              </a:prstGeom>
-              <a:noFill/>
-              <a:ln w="6350">
-                <a:solidFill>
-                  <a:schemeClr val="tx1"/>
-                </a:solidFill>
-              </a:ln>
-            </p:spPr>
-            <p:txBody>
-              <a:bodyPr wrap="square" rtlCol="0" anchor="ctr">
-                <a:spAutoFit/>
-              </a:bodyPr>
-              <a:lstStyle/>
-              <a:p>
-                <a:pPr algn="ctr"/>
-                <a:r>
-                  <a:rPr lang="en-GB" sz="1200" dirty="0" smtClean="0">
-                    <a:latin typeface="Arial" panose="020B0604020202020204" pitchFamily="34" charset="0"/>
-                    <a:ea typeface="Open Sans" panose="020B0606030504020204" pitchFamily="34" charset="0"/>
-                    <a:cs typeface="Arial" panose="020B0604020202020204" pitchFamily="34" charset="0"/>
-                  </a:rPr>
-                  <a:t>Block 2 - </a:t>
-                </a:r>
-                <a:r>
-                  <a:rPr lang="en-GB" sz="1200" i="1" dirty="0" smtClean="0">
-                    <a:latin typeface="Arial" panose="020B0604020202020204" pitchFamily="34" charset="0"/>
-                    <a:ea typeface="Open Sans" panose="020B0606030504020204" pitchFamily="34" charset="0"/>
-                    <a:cs typeface="Arial" panose="020B0604020202020204" pitchFamily="34" charset="0"/>
-                  </a:rPr>
-                  <a:t>Active viewing</a:t>
-                </a:r>
-              </a:p>
-              <a:p>
-                <a:pPr algn="ctr"/>
-                <a:r>
-                  <a:rPr lang="en-GB" sz="1200" dirty="0" smtClean="0">
-                    <a:latin typeface="Arial" panose="020B0604020202020204" pitchFamily="34" charset="0"/>
-                    <a:ea typeface="Open Sans" panose="020B0606030504020204" pitchFamily="34" charset="0"/>
-                    <a:cs typeface="Arial" panose="020B0604020202020204" pitchFamily="34" charset="0"/>
-                  </a:rPr>
-                  <a:t>Active viewing of negative pictures</a:t>
-                </a:r>
-                <a:endParaRPr lang="en-GB" sz="1200" dirty="0">
-                  <a:latin typeface="Arial" panose="020B0604020202020204" pitchFamily="34" charset="0"/>
-                  <a:ea typeface="Open Sans" panose="020B0606030504020204" pitchFamily="34" charset="0"/>
-                  <a:cs typeface="Arial" panose="020B0604020202020204" pitchFamily="34" charset="0"/>
-                </a:endParaRPr>
-              </a:p>
-            </p:txBody>
-          </p:sp>
-          <p:sp>
-            <p:nvSpPr>
-              <p:cNvPr id="7" name="Textfeld 6"/>
-              <p:cNvSpPr txBox="1"/>
-              <p:nvPr/>
-            </p:nvSpPr>
-            <p:spPr>
-              <a:xfrm>
-                <a:off x="2683613" y="2402519"/>
-                <a:ext cx="3667491" cy="461665"/>
-              </a:xfrm>
-              <a:prstGeom prst="rect">
-                <a:avLst/>
-              </a:prstGeom>
-              <a:noFill/>
-              <a:ln w="6350">
-                <a:solidFill>
-                  <a:schemeClr val="tx1"/>
-                </a:solidFill>
-              </a:ln>
-            </p:spPr>
-            <p:txBody>
-              <a:bodyPr wrap="square" rtlCol="0" anchor="ctr">
-                <a:spAutoFit/>
-              </a:bodyPr>
-              <a:lstStyle/>
-              <a:p>
-                <a:pPr algn="ctr"/>
-                <a:r>
-                  <a:rPr lang="en-GB" sz="1200" dirty="0" smtClean="0">
-                    <a:latin typeface="Arial" panose="020B0604020202020204" pitchFamily="34" charset="0"/>
-                    <a:ea typeface="Open Sans" panose="020B0606030504020204" pitchFamily="34" charset="0"/>
-                    <a:cs typeface="Arial" panose="020B0604020202020204" pitchFamily="34" charset="0"/>
-                  </a:rPr>
-                  <a:t>Block 3 or 4 or 5 - </a:t>
-                </a:r>
-                <a:r>
-                  <a:rPr lang="en-GB" sz="1200" i="1" dirty="0" smtClean="0">
-                    <a:latin typeface="Arial" panose="020B0604020202020204" pitchFamily="34" charset="0"/>
-                    <a:ea typeface="Open Sans" panose="020B0606030504020204" pitchFamily="34" charset="0"/>
-                    <a:cs typeface="Arial" panose="020B0604020202020204" pitchFamily="34" charset="0"/>
-                  </a:rPr>
-                  <a:t>Distraction</a:t>
-                </a:r>
-              </a:p>
-              <a:p>
-                <a:pPr algn="ctr"/>
-                <a:r>
-                  <a:rPr lang="en-GB" sz="1200" dirty="0" smtClean="0">
-                    <a:latin typeface="Arial" panose="020B0604020202020204" pitchFamily="34" charset="0"/>
-                    <a:ea typeface="Open Sans" panose="020B0606030504020204" pitchFamily="34" charset="0"/>
-                    <a:cs typeface="Arial" panose="020B0604020202020204" pitchFamily="34" charset="0"/>
-                  </a:rPr>
-                  <a:t>Distraction from negative </a:t>
-                </a:r>
-                <a:r>
-                  <a:rPr lang="en-GB" sz="1200" dirty="0">
-                    <a:latin typeface="Arial" panose="020B0604020202020204" pitchFamily="34" charset="0"/>
-                    <a:ea typeface="Open Sans" panose="020B0606030504020204" pitchFamily="34" charset="0"/>
-                    <a:cs typeface="Arial" panose="020B0604020202020204" pitchFamily="34" charset="0"/>
-                  </a:rPr>
-                  <a:t>p</a:t>
-                </a:r>
-                <a:r>
-                  <a:rPr lang="en-GB" sz="1200" dirty="0" smtClean="0">
-                    <a:latin typeface="Arial" panose="020B0604020202020204" pitchFamily="34" charset="0"/>
-                    <a:ea typeface="Open Sans" panose="020B0606030504020204" pitchFamily="34" charset="0"/>
-                    <a:cs typeface="Arial" panose="020B0604020202020204" pitchFamily="34" charset="0"/>
-                  </a:rPr>
-                  <a:t>ictures</a:t>
-                </a:r>
-                <a:endParaRPr lang="en-GB" sz="1200" dirty="0">
-                  <a:latin typeface="Arial" panose="020B0604020202020204" pitchFamily="34" charset="0"/>
-                  <a:ea typeface="Open Sans" panose="020B0606030504020204" pitchFamily="34" charset="0"/>
-                  <a:cs typeface="Arial" panose="020B0604020202020204" pitchFamily="34" charset="0"/>
-                </a:endParaRPr>
-              </a:p>
-            </p:txBody>
-          </p:sp>
-          <p:sp>
-            <p:nvSpPr>
-              <p:cNvPr id="8" name="Textfeld 7"/>
-              <p:cNvSpPr txBox="1"/>
-              <p:nvPr/>
-            </p:nvSpPr>
-            <p:spPr>
-              <a:xfrm>
-                <a:off x="2669864" y="4778295"/>
-                <a:ext cx="3681240" cy="276999"/>
-              </a:xfrm>
-              <a:prstGeom prst="rect">
-                <a:avLst/>
-              </a:prstGeom>
-              <a:noFill/>
-              <a:ln w="6350">
-                <a:solidFill>
-                  <a:schemeClr val="tx1"/>
-                </a:solidFill>
-              </a:ln>
-            </p:spPr>
-            <p:txBody>
-              <a:bodyPr wrap="square" rtlCol="0" anchor="ctr">
-                <a:spAutoFit/>
-              </a:bodyPr>
-              <a:lstStyle/>
-              <a:p>
-                <a:pPr algn="ctr"/>
-                <a:r>
-                  <a:rPr lang="en-GB" sz="1200" dirty="0" smtClean="0">
-                    <a:latin typeface="Arial" panose="020B0604020202020204" pitchFamily="34" charset="0"/>
-                    <a:ea typeface="Open Sans" panose="020B0606030504020204" pitchFamily="34" charset="0"/>
-                    <a:cs typeface="Arial" panose="020B0604020202020204" pitchFamily="34" charset="0"/>
-                  </a:rPr>
-                  <a:t>Block 6 - </a:t>
-                </a:r>
-                <a:r>
-                  <a:rPr lang="en-GB" sz="1200" i="1" dirty="0" smtClean="0">
-                    <a:latin typeface="Arial" panose="020B0604020202020204" pitchFamily="34" charset="0"/>
-                    <a:ea typeface="Open Sans" panose="020B0606030504020204" pitchFamily="34" charset="0"/>
-                    <a:cs typeface="Arial" panose="020B0604020202020204" pitchFamily="34" charset="0"/>
-                  </a:rPr>
-                  <a:t>Choice</a:t>
-                </a:r>
-              </a:p>
-            </p:txBody>
-          </p:sp>
-          <p:cxnSp>
-            <p:nvCxnSpPr>
-              <p:cNvPr id="10" name="Gerade Verbindung mit Pfeil 9"/>
-              <p:cNvCxnSpPr>
-                <a:stCxn id="5" idx="2"/>
-                <a:endCxn id="6" idx="0"/>
-              </p:cNvCxnSpPr>
-              <p:nvPr/>
-            </p:nvCxnSpPr>
-            <p:spPr>
-              <a:xfrm>
-                <a:off x="4524344" y="1274714"/>
-                <a:ext cx="0" cy="330423"/>
-              </a:xfrm>
-              <a:prstGeom prst="straightConnector1">
-                <a:avLst/>
-              </a:prstGeom>
-              <a:ln w="6350">
-                <a:solidFill>
-                  <a:schemeClr val="tx1"/>
-                </a:solidFill>
-                <a:headEnd type="none" w="med" len="med"/>
-                <a:tailEnd type="triangle" w="med" len="med"/>
-              </a:ln>
-            </p:spPr>
-            <p:style>
-              <a:lnRef idx="1">
-                <a:schemeClr val="accent1"/>
-              </a:lnRef>
-              <a:fillRef idx="0">
-                <a:schemeClr val="accent1"/>
-              </a:fillRef>
-              <a:effectRef idx="0">
-                <a:schemeClr val="accent1"/>
-              </a:effectRef>
-              <a:fontRef idx="minor">
-                <a:schemeClr val="tx1"/>
-              </a:fontRef>
-            </p:style>
-          </p:cxnSp>
-          <p:cxnSp>
-            <p:nvCxnSpPr>
-              <p:cNvPr id="11" name="Gerade Verbindung mit Pfeil 10"/>
-              <p:cNvCxnSpPr>
-                <a:stCxn id="6" idx="2"/>
-                <a:endCxn id="7" idx="0"/>
-              </p:cNvCxnSpPr>
-              <p:nvPr/>
-            </p:nvCxnSpPr>
-            <p:spPr>
-              <a:xfrm flipH="1">
-                <a:off x="4517359" y="2066802"/>
-                <a:ext cx="6985" cy="335717"/>
-              </a:xfrm>
-              <a:prstGeom prst="straightConnector1">
-                <a:avLst/>
-              </a:prstGeom>
-              <a:ln w="6350">
-                <a:solidFill>
-                  <a:schemeClr val="tx1"/>
-                </a:solidFill>
-                <a:headEnd type="none" w="med" len="med"/>
-                <a:tailEnd type="triangle" w="med" len="med"/>
-              </a:ln>
-            </p:spPr>
-            <p:style>
-              <a:lnRef idx="1">
-                <a:schemeClr val="accent1"/>
-              </a:lnRef>
-              <a:fillRef idx="0">
-                <a:schemeClr val="accent1"/>
-              </a:fillRef>
-              <a:effectRef idx="0">
-                <a:schemeClr val="accent1"/>
-              </a:effectRef>
-              <a:fontRef idx="minor">
-                <a:schemeClr val="tx1"/>
-              </a:fontRef>
-            </p:style>
-          </p:cxnSp>
-          <p:sp>
-            <p:nvSpPr>
-              <p:cNvPr id="13" name="Textfeld 12"/>
-              <p:cNvSpPr txBox="1"/>
-              <p:nvPr/>
-            </p:nvSpPr>
-            <p:spPr>
-              <a:xfrm>
-                <a:off x="2679104" y="3194607"/>
-                <a:ext cx="3672000" cy="461665"/>
-              </a:xfrm>
-              <a:prstGeom prst="rect">
-                <a:avLst/>
-              </a:prstGeom>
-              <a:noFill/>
-              <a:ln w="6350">
-                <a:solidFill>
-                  <a:schemeClr val="tx1"/>
-                </a:solidFill>
-              </a:ln>
-            </p:spPr>
-            <p:txBody>
-              <a:bodyPr wrap="square" rtlCol="0" anchor="ctr">
-                <a:spAutoFit/>
-              </a:bodyPr>
-              <a:lstStyle/>
-              <a:p>
-                <a:pPr algn="ctr"/>
-                <a:r>
-                  <a:rPr lang="en-GB" sz="1200" dirty="0" smtClean="0">
-                    <a:latin typeface="Arial" panose="020B0604020202020204" pitchFamily="34" charset="0"/>
-                    <a:ea typeface="Open Sans" panose="020B0606030504020204" pitchFamily="34" charset="0"/>
-                    <a:cs typeface="Arial" panose="020B0604020202020204" pitchFamily="34" charset="0"/>
-                  </a:rPr>
-                  <a:t>Block 3 or 4 or 5 - </a:t>
-                </a:r>
-                <a:r>
-                  <a:rPr lang="en-GB" sz="1200" i="1" dirty="0" smtClean="0">
-                    <a:latin typeface="Arial" panose="020B0604020202020204" pitchFamily="34" charset="0"/>
-                    <a:ea typeface="Open Sans" panose="020B0606030504020204" pitchFamily="34" charset="0"/>
-                    <a:cs typeface="Arial" panose="020B0604020202020204" pitchFamily="34" charset="0"/>
-                  </a:rPr>
-                  <a:t>Distancing</a:t>
-                </a:r>
-              </a:p>
-              <a:p>
-                <a:pPr algn="ctr"/>
-                <a:r>
-                  <a:rPr lang="en-GB" sz="1200" dirty="0" smtClean="0">
-                    <a:latin typeface="Arial" panose="020B0604020202020204" pitchFamily="34" charset="0"/>
-                    <a:ea typeface="Open Sans" panose="020B0606030504020204" pitchFamily="34" charset="0"/>
-                    <a:cs typeface="Arial" panose="020B0604020202020204" pitchFamily="34" charset="0"/>
-                  </a:rPr>
-                  <a:t>Distancing from negative </a:t>
-                </a:r>
-                <a:r>
-                  <a:rPr lang="en-GB" sz="1200" dirty="0">
-                    <a:latin typeface="Arial" panose="020B0604020202020204" pitchFamily="34" charset="0"/>
-                    <a:ea typeface="Open Sans" panose="020B0606030504020204" pitchFamily="34" charset="0"/>
-                    <a:cs typeface="Arial" panose="020B0604020202020204" pitchFamily="34" charset="0"/>
-                  </a:rPr>
-                  <a:t>p</a:t>
-                </a:r>
-                <a:r>
-                  <a:rPr lang="en-GB" sz="1200" dirty="0" smtClean="0">
-                    <a:latin typeface="Arial" panose="020B0604020202020204" pitchFamily="34" charset="0"/>
-                    <a:ea typeface="Open Sans" panose="020B0606030504020204" pitchFamily="34" charset="0"/>
-                    <a:cs typeface="Arial" panose="020B0604020202020204" pitchFamily="34" charset="0"/>
-                  </a:rPr>
-                  <a:t>ictures</a:t>
-                </a:r>
-                <a:endParaRPr lang="en-GB" sz="1200" dirty="0">
-                  <a:latin typeface="Arial" panose="020B0604020202020204" pitchFamily="34" charset="0"/>
-                  <a:ea typeface="Open Sans" panose="020B0606030504020204" pitchFamily="34" charset="0"/>
-                  <a:cs typeface="Arial" panose="020B0604020202020204" pitchFamily="34" charset="0"/>
-                </a:endParaRPr>
-              </a:p>
-            </p:txBody>
-          </p:sp>
-          <p:cxnSp>
-            <p:nvCxnSpPr>
-              <p:cNvPr id="14" name="Gerade Verbindung mit Pfeil 13"/>
-              <p:cNvCxnSpPr>
-                <a:stCxn id="7" idx="2"/>
-                <a:endCxn id="13" idx="0"/>
-              </p:cNvCxnSpPr>
-              <p:nvPr/>
-            </p:nvCxnSpPr>
-            <p:spPr>
-              <a:xfrm flipH="1">
-                <a:off x="4515104" y="2864184"/>
-                <a:ext cx="2255" cy="330423"/>
-              </a:xfrm>
-              <a:prstGeom prst="straightConnector1">
-                <a:avLst/>
-              </a:prstGeom>
-              <a:ln w="6350">
-                <a:solidFill>
-                  <a:schemeClr val="tx1"/>
-                </a:solidFill>
-                <a:headEnd type="none" w="med" len="med"/>
-                <a:tailEnd type="triangle" w="med" len="med"/>
-              </a:ln>
-            </p:spPr>
-            <p:style>
-              <a:lnRef idx="1">
-                <a:schemeClr val="accent1"/>
-              </a:lnRef>
-              <a:fillRef idx="0">
-                <a:schemeClr val="accent1"/>
-              </a:fillRef>
-              <a:effectRef idx="0">
-                <a:schemeClr val="accent1"/>
-              </a:effectRef>
-              <a:fontRef idx="minor">
-                <a:schemeClr val="tx1"/>
-              </a:fontRef>
-            </p:style>
-          </p:cxnSp>
-          <p:sp>
-            <p:nvSpPr>
-              <p:cNvPr id="15" name="Textfeld 14"/>
-              <p:cNvSpPr txBox="1"/>
-              <p:nvPr/>
-            </p:nvSpPr>
-            <p:spPr>
-              <a:xfrm>
-                <a:off x="2679104" y="3986451"/>
-                <a:ext cx="3672000" cy="461665"/>
-              </a:xfrm>
-              <a:prstGeom prst="rect">
-                <a:avLst/>
-              </a:prstGeom>
-              <a:noFill/>
-              <a:ln w="6350">
-                <a:solidFill>
-                  <a:schemeClr val="tx1"/>
-                </a:solidFill>
-              </a:ln>
-            </p:spPr>
-            <p:txBody>
-              <a:bodyPr wrap="square" rtlCol="0" anchor="ctr">
-                <a:spAutoFit/>
-              </a:bodyPr>
-              <a:lstStyle/>
-              <a:p>
-                <a:pPr algn="ctr"/>
-                <a:r>
-                  <a:rPr lang="en-GB" sz="1200" dirty="0" smtClean="0">
-                    <a:latin typeface="Arial" panose="020B0604020202020204" pitchFamily="34" charset="0"/>
-                    <a:ea typeface="Open Sans" panose="020B0606030504020204" pitchFamily="34" charset="0"/>
-                    <a:cs typeface="Arial" panose="020B0604020202020204" pitchFamily="34" charset="0"/>
-                  </a:rPr>
-                  <a:t>Block 3 or 4 or 5 - </a:t>
-                </a:r>
-                <a:r>
-                  <a:rPr lang="en-GB" sz="1200" i="1" dirty="0" smtClean="0">
-                    <a:latin typeface="Arial" panose="020B0604020202020204" pitchFamily="34" charset="0"/>
-                    <a:ea typeface="Open Sans" panose="020B0606030504020204" pitchFamily="34" charset="0"/>
-                    <a:cs typeface="Arial" panose="020B0604020202020204" pitchFamily="34" charset="0"/>
-                  </a:rPr>
-                  <a:t>Suppression</a:t>
-                </a:r>
-              </a:p>
-              <a:p>
-                <a:pPr algn="ctr"/>
-                <a:r>
-                  <a:rPr lang="en-GB" sz="1200" dirty="0" smtClean="0">
-                    <a:latin typeface="Arial" panose="020B0604020202020204" pitchFamily="34" charset="0"/>
-                    <a:ea typeface="Open Sans" panose="020B0606030504020204" pitchFamily="34" charset="0"/>
-                    <a:cs typeface="Arial" panose="020B0604020202020204" pitchFamily="34" charset="0"/>
-                  </a:rPr>
-                  <a:t>Suppression of negative </a:t>
-                </a:r>
-                <a:r>
-                  <a:rPr lang="en-GB" sz="1200" dirty="0">
-                    <a:latin typeface="Arial" panose="020B0604020202020204" pitchFamily="34" charset="0"/>
-                    <a:ea typeface="Open Sans" panose="020B0606030504020204" pitchFamily="34" charset="0"/>
-                    <a:cs typeface="Arial" panose="020B0604020202020204" pitchFamily="34" charset="0"/>
-                  </a:rPr>
-                  <a:t>p</a:t>
-                </a:r>
-                <a:r>
-                  <a:rPr lang="en-GB" sz="1200" dirty="0" smtClean="0">
-                    <a:latin typeface="Arial" panose="020B0604020202020204" pitchFamily="34" charset="0"/>
-                    <a:ea typeface="Open Sans" panose="020B0606030504020204" pitchFamily="34" charset="0"/>
-                    <a:cs typeface="Arial" panose="020B0604020202020204" pitchFamily="34" charset="0"/>
-                  </a:rPr>
-                  <a:t>ictures</a:t>
-                </a:r>
-                <a:endParaRPr lang="en-GB" sz="1200" dirty="0">
-                  <a:latin typeface="Arial" panose="020B0604020202020204" pitchFamily="34" charset="0"/>
-                  <a:ea typeface="Open Sans" panose="020B0606030504020204" pitchFamily="34" charset="0"/>
-                  <a:cs typeface="Arial" panose="020B0604020202020204" pitchFamily="34" charset="0"/>
-                </a:endParaRPr>
-              </a:p>
-            </p:txBody>
-          </p:sp>
-          <p:cxnSp>
-            <p:nvCxnSpPr>
-              <p:cNvPr id="16" name="Gerade Verbindung mit Pfeil 15"/>
-              <p:cNvCxnSpPr>
-                <a:stCxn id="13" idx="2"/>
-                <a:endCxn id="15" idx="0"/>
-              </p:cNvCxnSpPr>
-              <p:nvPr/>
-            </p:nvCxnSpPr>
-            <p:spPr>
-              <a:xfrm>
-                <a:off x="4515104" y="3656272"/>
-                <a:ext cx="0" cy="330179"/>
-              </a:xfrm>
-              <a:prstGeom prst="straightConnector1">
-                <a:avLst/>
-              </a:prstGeom>
-              <a:ln w="6350">
-                <a:solidFill>
-                  <a:schemeClr val="tx1"/>
-                </a:solidFill>
-                <a:headEnd type="none" w="med" len="med"/>
-                <a:tailEnd type="triangle" w="med" len="med"/>
-              </a:ln>
-            </p:spPr>
-            <p:style>
-              <a:lnRef idx="1">
-                <a:schemeClr val="accent1"/>
-              </a:lnRef>
-              <a:fillRef idx="0">
-                <a:schemeClr val="accent1"/>
-              </a:fillRef>
-              <a:effectRef idx="0">
-                <a:schemeClr val="accent1"/>
-              </a:effectRef>
-              <a:fontRef idx="minor">
-                <a:schemeClr val="tx1"/>
-              </a:fontRef>
-            </p:style>
-          </p:cxnSp>
-          <p:cxnSp>
-            <p:nvCxnSpPr>
-              <p:cNvPr id="17" name="Gerade Verbindung mit Pfeil 16"/>
-              <p:cNvCxnSpPr>
-                <a:stCxn id="15" idx="2"/>
-                <a:endCxn id="8" idx="0"/>
-              </p:cNvCxnSpPr>
-              <p:nvPr/>
-            </p:nvCxnSpPr>
-            <p:spPr>
-              <a:xfrm flipH="1">
-                <a:off x="4510484" y="4448116"/>
-                <a:ext cx="4620" cy="330179"/>
-              </a:xfrm>
-              <a:prstGeom prst="straightConnector1">
-                <a:avLst/>
-              </a:prstGeom>
-              <a:ln w="6350">
-                <a:solidFill>
-                  <a:schemeClr val="tx1"/>
-                </a:solidFill>
-                <a:headEnd type="none" w="med" len="med"/>
-                <a:tailEnd type="triangle" w="med" len="med"/>
-              </a:ln>
-            </p:spPr>
-            <p:style>
-              <a:lnRef idx="1">
-                <a:schemeClr val="accent1"/>
-              </a:lnRef>
-              <a:fillRef idx="0">
-                <a:schemeClr val="accent1"/>
-              </a:fillRef>
-              <a:effectRef idx="0">
-                <a:schemeClr val="accent1"/>
-              </a:effectRef>
-              <a:fontRef idx="minor">
-                <a:schemeClr val="tx1"/>
-              </a:fontRef>
-            </p:style>
-          </p:cxnSp>
-        </p:grpSp>
-        <p:grpSp>
-          <p:nvGrpSpPr>
-            <p:cNvPr id="18" name="Gruppieren 17"/>
-            <p:cNvGrpSpPr/>
-            <p:nvPr/>
-          </p:nvGrpSpPr>
-          <p:grpSpPr>
-            <a:xfrm>
-              <a:off x="955110" y="2694992"/>
-              <a:ext cx="199197" cy="2045597"/>
-              <a:chOff x="1152525" y="2482032"/>
-              <a:chExt cx="199197" cy="2045597"/>
-            </a:xfrm>
-          </p:grpSpPr>
-          <p:cxnSp>
-            <p:nvCxnSpPr>
-              <p:cNvPr id="19" name="Gerader Verbinder 18"/>
-              <p:cNvCxnSpPr/>
-              <p:nvPr/>
-            </p:nvCxnSpPr>
-            <p:spPr>
-              <a:xfrm>
-                <a:off x="1152525" y="2482032"/>
-                <a:ext cx="0" cy="2045597"/>
-              </a:xfrm>
-              <a:prstGeom prst="line">
-                <a:avLst/>
-              </a:prstGeom>
-              <a:ln w="12700">
-                <a:solidFill>
-                  <a:schemeClr val="tx1"/>
-                </a:solidFill>
-              </a:ln>
-            </p:spPr>
-            <p:style>
-              <a:lnRef idx="1">
-                <a:schemeClr val="accent1"/>
-              </a:lnRef>
-              <a:fillRef idx="0">
-                <a:schemeClr val="accent1"/>
-              </a:fillRef>
-              <a:effectRef idx="0">
-                <a:schemeClr val="accent1"/>
-              </a:effectRef>
-              <a:fontRef idx="minor">
-                <a:schemeClr val="tx1"/>
-              </a:fontRef>
-            </p:style>
-          </p:cxnSp>
-          <p:cxnSp>
-            <p:nvCxnSpPr>
-              <p:cNvPr id="20" name="Gerader Verbinder 19"/>
-              <p:cNvCxnSpPr/>
-              <p:nvPr/>
-            </p:nvCxnSpPr>
-            <p:spPr>
-              <a:xfrm>
-                <a:off x="1152525" y="2482032"/>
-                <a:ext cx="199197" cy="0"/>
-              </a:xfrm>
-              <a:prstGeom prst="line">
-                <a:avLst/>
-              </a:prstGeom>
-              <a:ln w="12700">
-                <a:solidFill>
-                  <a:schemeClr val="tx1"/>
-                </a:solidFill>
-              </a:ln>
-            </p:spPr>
-            <p:style>
-              <a:lnRef idx="1">
-                <a:schemeClr val="accent1"/>
-              </a:lnRef>
-              <a:fillRef idx="0">
-                <a:schemeClr val="accent1"/>
-              </a:fillRef>
-              <a:effectRef idx="0">
-                <a:schemeClr val="accent1"/>
-              </a:effectRef>
-              <a:fontRef idx="minor">
-                <a:schemeClr val="tx1"/>
-              </a:fontRef>
-            </p:style>
-          </p:cxnSp>
-          <p:cxnSp>
-            <p:nvCxnSpPr>
-              <p:cNvPr id="21" name="Gerader Verbinder 20"/>
-              <p:cNvCxnSpPr/>
-              <p:nvPr/>
-            </p:nvCxnSpPr>
-            <p:spPr>
-              <a:xfrm>
-                <a:off x="1152525" y="4527629"/>
-                <a:ext cx="199197" cy="0"/>
-              </a:xfrm>
-              <a:prstGeom prst="line">
-                <a:avLst/>
-              </a:prstGeom>
-              <a:ln w="12700">
-                <a:solidFill>
-                  <a:schemeClr val="tx1"/>
-                </a:solidFill>
-              </a:ln>
-            </p:spPr>
-            <p:style>
-              <a:lnRef idx="1">
-                <a:schemeClr val="accent1"/>
-              </a:lnRef>
-              <a:fillRef idx="0">
-                <a:schemeClr val="accent1"/>
-              </a:fillRef>
-              <a:effectRef idx="0">
-                <a:schemeClr val="accent1"/>
-              </a:effectRef>
-              <a:fontRef idx="minor">
-                <a:schemeClr val="tx1"/>
-              </a:fontRef>
-            </p:style>
-          </p:cxnSp>
-        </p:grpSp>
-        <p:sp>
-          <p:nvSpPr>
-            <p:cNvPr id="22" name="Textfeld 21"/>
-            <p:cNvSpPr txBox="1"/>
-            <p:nvPr/>
-          </p:nvSpPr>
-          <p:spPr>
-            <a:xfrm rot="16200000">
-              <a:off x="-151138" y="3479869"/>
-              <a:ext cx="1562956" cy="276999"/>
-            </a:xfrm>
-            <a:prstGeom prst="rect">
-              <a:avLst/>
-            </a:prstGeom>
-            <a:noFill/>
-            <a:ln w="6350">
-              <a:solidFill>
-                <a:schemeClr val="tx1"/>
-              </a:solidFill>
-            </a:ln>
-          </p:spPr>
-          <p:txBody>
-            <a:bodyPr wrap="square" rtlCol="0" anchor="ctr">
-              <a:spAutoFit/>
-            </a:bodyPr>
-            <a:lstStyle/>
-            <a:p>
-              <a:pPr algn="ctr"/>
-              <a:r>
-                <a:rPr lang="en-GB" sz="1200" dirty="0" smtClean="0">
-                  <a:latin typeface="Arial" panose="020B0604020202020204" pitchFamily="34" charset="0"/>
-                  <a:ea typeface="Open Sans" panose="020B0606030504020204" pitchFamily="34" charset="0"/>
-                  <a:cs typeface="Arial" panose="020B0604020202020204" pitchFamily="34" charset="0"/>
-                </a:rPr>
-                <a:t>Randomized</a:t>
-              </a:r>
-              <a:endParaRPr lang="en-GB" sz="1200" i="1" dirty="0" smtClean="0">
-                <a:latin typeface="Arial" panose="020B0604020202020204" pitchFamily="34" charset="0"/>
-                <a:ea typeface="Open Sans" panose="020B0606030504020204" pitchFamily="34" charset="0"/>
-                <a:cs typeface="Arial" panose="020B0604020202020204" pitchFamily="34" charset="0"/>
-              </a:endParaRPr>
-            </a:p>
-          </p:txBody>
-        </p:sp>
-        <p:sp>
-          <p:nvSpPr>
-            <p:cNvPr id="23" name="Textfeld 22"/>
-            <p:cNvSpPr txBox="1"/>
-            <p:nvPr/>
-          </p:nvSpPr>
-          <p:spPr>
-            <a:xfrm>
-              <a:off x="1236098" y="5808510"/>
-              <a:ext cx="3681240" cy="276999"/>
-            </a:xfrm>
-            <a:prstGeom prst="rect">
-              <a:avLst/>
-            </a:prstGeom>
-            <a:noFill/>
-            <a:ln w="6350">
-              <a:solidFill>
-                <a:schemeClr val="tx1"/>
-              </a:solidFill>
-            </a:ln>
-          </p:spPr>
-          <p:txBody>
-            <a:bodyPr wrap="square" rtlCol="0" anchor="ctr">
-              <a:spAutoFit/>
-            </a:bodyPr>
-            <a:lstStyle/>
-            <a:p>
-              <a:pPr algn="ctr"/>
-              <a:r>
-                <a:rPr lang="en-GB" sz="1200" dirty="0" smtClean="0">
-                  <a:latin typeface="Arial" panose="020B0604020202020204" pitchFamily="34" charset="0"/>
-                  <a:ea typeface="Open Sans" panose="020B0606030504020204" pitchFamily="34" charset="0"/>
-                  <a:cs typeface="Arial" panose="020B0604020202020204" pitchFamily="34" charset="0"/>
-                </a:rPr>
-                <a:t>Discounting paradigm</a:t>
-              </a:r>
-              <a:endParaRPr lang="en-GB" sz="1200" i="1" dirty="0" smtClean="0">
-                <a:latin typeface="Arial" panose="020B0604020202020204" pitchFamily="34" charset="0"/>
-                <a:ea typeface="Open Sans" panose="020B0606030504020204" pitchFamily="34" charset="0"/>
-                <a:cs typeface="Arial" panose="020B0604020202020204" pitchFamily="34" charset="0"/>
-              </a:endParaRPr>
-            </a:p>
-          </p:txBody>
-        </p:sp>
-        <p:cxnSp>
-          <p:nvCxnSpPr>
-            <p:cNvPr id="24" name="Gerade Verbindung mit Pfeil 23"/>
-            <p:cNvCxnSpPr>
-              <a:stCxn id="8" idx="2"/>
-              <a:endCxn id="23" idx="0"/>
-            </p:cNvCxnSpPr>
-            <p:nvPr/>
-          </p:nvCxnSpPr>
-          <p:spPr>
-            <a:xfrm>
-              <a:off x="3076718" y="5347767"/>
-              <a:ext cx="0" cy="460743"/>
-            </a:xfrm>
-            <a:prstGeom prst="straightConnector1">
-              <a:avLst/>
-            </a:prstGeom>
-            <a:ln w="6350">
-              <a:solidFill>
-                <a:schemeClr val="tx1"/>
-              </a:solidFill>
-              <a:headEnd type="none" w="med" len="med"/>
-              <a:tailEnd type="triangle" w="med" len="med"/>
-            </a:ln>
-          </p:spPr>
-          <p:style>
-            <a:lnRef idx="1">
-              <a:schemeClr val="accent1"/>
-            </a:lnRef>
-            <a:fillRef idx="0">
-              <a:schemeClr val="accent1"/>
-            </a:fillRef>
-            <a:effectRef idx="0">
-              <a:schemeClr val="accent1"/>
-            </a:effectRef>
-            <a:fontRef idx="minor">
-              <a:schemeClr val="tx1"/>
-            </a:fontRef>
-          </p:style>
-        </p:cxnSp>
-      </p:grpSp>
-      <p:sp>
-        <p:nvSpPr>
-          <p:cNvPr id="3" name="Rechteck 2"/>
+          <p:cNvPr id="52" name="Rechteck 51"/>
           <p:cNvSpPr/>
           <p:nvPr/>
         </p:nvSpPr>
         <p:spPr>
           <a:xfrm>
-            <a:off x="811706" y="4819828"/>
-            <a:ext cx="6691501" cy="1244567"/>
-          </a:xfrm>
-          <a:prstGeom prst="rect">
-            <a:avLst/>
-          </a:prstGeom>
-          <a:ln>
-            <a:solidFill>
-              <a:srgbClr val="C00000"/>
-            </a:solidFill>
-          </a:ln>
-        </p:spPr>
-        <p:style>
-          <a:lnRef idx="2">
-            <a:schemeClr val="dk1"/>
-          </a:lnRef>
-          <a:fillRef idx="1">
-            <a:schemeClr val="lt1"/>
-          </a:fillRef>
-          <a:effectRef idx="0">
-            <a:schemeClr val="dk1"/>
-          </a:effectRef>
-          <a:fontRef idx="minor">
-            <a:schemeClr val="dk1"/>
-          </a:fontRef>
-        </p:style>
-        <p:txBody>
-          <a:bodyPr rtlCol="0" anchor="ctr"/>
-          <a:lstStyle/>
-          <a:p>
-            <a:pPr marL="285750" indent="-285750">
-              <a:buFont typeface="Symbol" panose="05050102010706020507" pitchFamily="18" charset="2"/>
-              <a:buChar char="-"/>
-            </a:pPr>
-            <a:r>
-              <a:rPr lang="de-DE" dirty="0" smtClean="0"/>
-              <a:t> „</a:t>
-            </a:r>
-            <a:r>
-              <a:rPr lang="de-DE" sz="1600" dirty="0" smtClean="0"/>
-              <a:t>Choice-Block</a:t>
-            </a:r>
-            <a:r>
-              <a:rPr lang="de-DE" dirty="0" smtClean="0"/>
-              <a:t>“ könnte das </a:t>
-            </a:r>
-            <a:r>
-              <a:rPr lang="de-DE" dirty="0" err="1" smtClean="0"/>
-              <a:t>Discounting</a:t>
-            </a:r>
-            <a:r>
-              <a:rPr lang="de-DE" dirty="0" smtClean="0"/>
-              <a:t> der Strategien beeinträchtigen, da eine der drei Strategien nun zwei mal durchgeführt wurde </a:t>
-            </a:r>
-            <a:endParaRPr lang="de-DE" dirty="0"/>
-          </a:p>
-        </p:txBody>
-      </p:sp>
-      <p:sp>
-        <p:nvSpPr>
-          <p:cNvPr id="27" name="Rechteck 26"/>
-          <p:cNvSpPr/>
-          <p:nvPr/>
-        </p:nvSpPr>
-        <p:spPr>
-          <a:xfrm>
-            <a:off x="811705" y="3049993"/>
-            <a:ext cx="6691501" cy="1626638"/>
+            <a:off x="531622" y="4306157"/>
+            <a:ext cx="5607922" cy="1626638"/>
           </a:xfrm>
           <a:prstGeom prst="rect">
             <a:avLst/>
@@ -7350,28 +7913,88 @@
           </a:p>
         </p:txBody>
       </p:sp>
+      <p:sp>
+        <p:nvSpPr>
+          <p:cNvPr id="55" name="Rechteck 54"/>
+          <p:cNvSpPr/>
+          <p:nvPr/>
+        </p:nvSpPr>
+        <p:spPr>
+          <a:xfrm>
+            <a:off x="531622" y="3224802"/>
+            <a:ext cx="5607922" cy="936651"/>
+          </a:xfrm>
+          <a:prstGeom prst="rect">
+            <a:avLst/>
+          </a:prstGeom>
+          <a:ln>
+            <a:solidFill>
+              <a:srgbClr val="C00000"/>
+            </a:solidFill>
+          </a:ln>
+        </p:spPr>
+        <p:style>
+          <a:lnRef idx="2">
+            <a:schemeClr val="dk1"/>
+          </a:lnRef>
+          <a:fillRef idx="1">
+            <a:schemeClr val="lt1"/>
+          </a:fillRef>
+          <a:effectRef idx="0">
+            <a:schemeClr val="dk1"/>
+          </a:effectRef>
+          <a:fontRef idx="minor">
+            <a:schemeClr val="dk1"/>
+          </a:fontRef>
+        </p:style>
+        <p:txBody>
+          <a:bodyPr rtlCol="0" anchor="ctr"/>
+          <a:lstStyle/>
+          <a:p>
+            <a:pPr marL="285750" indent="-285750">
+              <a:buFont typeface="Symbol" panose="05050102010706020507" pitchFamily="18" charset="2"/>
+              <a:buChar char="-"/>
+            </a:pPr>
+            <a:r>
+              <a:rPr lang="de-DE" sz="1600" dirty="0" smtClean="0"/>
+              <a:t> </a:t>
+            </a:r>
+            <a:r>
+              <a:rPr lang="de-DE" sz="1600" dirty="0" smtClean="0"/>
+              <a:t>„Choice-Block“ könnte das </a:t>
+            </a:r>
+            <a:r>
+              <a:rPr lang="de-DE" sz="1600" dirty="0" err="1" smtClean="0"/>
+              <a:t>Discounting</a:t>
+            </a:r>
+            <a:r>
+              <a:rPr lang="de-DE" sz="1600" dirty="0" smtClean="0"/>
+              <a:t> der Strategien beeinträchtigen, da eine der drei Strategien nun zwei mal durchgeführt wurde </a:t>
+            </a:r>
+            <a:endParaRPr lang="de-DE" sz="1600" dirty="0"/>
+          </a:p>
+        </p:txBody>
+      </p:sp>
       <p:cxnSp>
         <p:nvCxnSpPr>
-          <p:cNvPr id="29" name="Gewinkelter Verbinder 28"/>
+          <p:cNvPr id="61" name="Gerade Verbindung mit Pfeil 60"/>
           <p:cNvCxnSpPr>
-            <a:stCxn id="23" idx="1"/>
-            <a:endCxn id="27" idx="3"/>
+            <a:stCxn id="47" idx="1"/>
+            <a:endCxn id="52" idx="3"/>
           </p:cNvCxnSpPr>
           <p:nvPr/>
         </p:nvCxnSpPr>
         <p:spPr>
-          <a:xfrm rot="10800000">
-            <a:off x="7503206" y="3863312"/>
-            <a:ext cx="1056130" cy="1256354"/>
+          <a:xfrm flipH="1">
+            <a:off x="6139544" y="5115562"/>
+            <a:ext cx="1133837" cy="3914"/>
           </a:xfrm>
-          <a:prstGeom prst="bentConnector3">
-            <a:avLst>
-              <a:gd name="adj1" fmla="val 73466"/>
-            </a:avLst>
+          <a:prstGeom prst="straightConnector1">
+            <a:avLst/>
           </a:prstGeom>
           <a:ln>
             <a:solidFill>
-              <a:schemeClr val="tx2"/>
+              <a:schemeClr val="tx1"/>
             </a:solidFill>
             <a:tailEnd type="triangle"/>
           </a:ln>
@@ -7393,41 +8016,36 @@
       </p:cxnSp>
       <p:sp>
         <p:nvSpPr>
-          <p:cNvPr id="34" name="Multiplizieren 33"/>
+          <p:cNvPr id="62" name="Eckige Klammer links 61"/>
           <p:cNvSpPr/>
           <p:nvPr/>
         </p:nvSpPr>
         <p:spPr>
-          <a:xfrm>
-            <a:off x="9539760" y="4274077"/>
-            <a:ext cx="1380931" cy="585061"/>
+          <a:xfrm flipH="1">
+            <a:off x="10710407" y="340535"/>
+            <a:ext cx="70669" cy="5692259"/>
           </a:xfrm>
-          <a:prstGeom prst="mathMultiply">
-            <a:avLst>
-              <a:gd name="adj1" fmla="val 5977"/>
-            </a:avLst>
+          <a:prstGeom prst="leftBracket">
+            <a:avLst/>
           </a:prstGeom>
-          <a:solidFill>
-            <a:srgbClr val="C00000"/>
-          </a:solidFill>
           <a:ln>
-            <a:noFill/>
+            <a:solidFill>
+              <a:schemeClr val="tx1"/>
+            </a:solidFill>
           </a:ln>
         </p:spPr>
         <p:style>
-          <a:lnRef idx="2">
-            <a:schemeClr val="accent1">
-              <a:shade val="50000"/>
-            </a:schemeClr>
+          <a:lnRef idx="1">
+            <a:schemeClr val="accent1"/>
           </a:lnRef>
-          <a:fillRef idx="1">
+          <a:fillRef idx="0">
             <a:schemeClr val="accent1"/>
           </a:fillRef>
           <a:effectRef idx="0">
             <a:schemeClr val="accent1"/>
           </a:effectRef>
           <a:fontRef idx="minor">
-            <a:schemeClr val="lt1"/>
+            <a:schemeClr val="tx1"/>
           </a:fontRef>
         </p:style>
         <p:txBody>
@@ -7436,6 +8054,88 @@
           <a:p>
             <a:pPr algn="ctr"/>
             <a:endParaRPr lang="de-DE"/>
+          </a:p>
+        </p:txBody>
+      </p:sp>
+      <p:sp>
+        <p:nvSpPr>
+          <p:cNvPr id="63" name="Textfeld 62"/>
+          <p:cNvSpPr txBox="1"/>
+          <p:nvPr/>
+        </p:nvSpPr>
+        <p:spPr>
+          <a:xfrm rot="5400000">
+            <a:off x="9427281" y="3297438"/>
+            <a:ext cx="3359248" cy="276999"/>
+          </a:xfrm>
+          <a:prstGeom prst="rect">
+            <a:avLst/>
+          </a:prstGeom>
+          <a:solidFill>
+            <a:schemeClr val="bg1"/>
+          </a:solidFill>
+          <a:ln>
+            <a:solidFill>
+              <a:schemeClr val="tx1">
+                <a:lumMod val="95000"/>
+                <a:lumOff val="5000"/>
+              </a:schemeClr>
+            </a:solidFill>
+          </a:ln>
+        </p:spPr>
+        <p:txBody>
+          <a:bodyPr wrap="square" rtlCol="0">
+            <a:spAutoFit/>
+          </a:bodyPr>
+          <a:lstStyle/>
+          <a:p>
+            <a:pPr algn="ctr"/>
+            <a:r>
+              <a:rPr lang="de-DE" sz="1200" dirty="0" err="1" smtClean="0">
+                <a:latin typeface="Arial" panose="020B0604020202020204" pitchFamily="34" charset="0"/>
+                <a:cs typeface="Arial" panose="020B0604020202020204" pitchFamily="34" charset="0"/>
+              </a:rPr>
+              <a:t>physiology</a:t>
+            </a:r>
+            <a:r>
+              <a:rPr lang="de-DE" sz="1200" dirty="0" smtClean="0">
+                <a:latin typeface="Arial" panose="020B0604020202020204" pitchFamily="34" charset="0"/>
+                <a:cs typeface="Arial" panose="020B0604020202020204" pitchFamily="34" charset="0"/>
+              </a:rPr>
+              <a:t>: EMG (</a:t>
+            </a:r>
+            <a:r>
+              <a:rPr lang="de-DE" sz="1200" dirty="0" err="1" smtClean="0">
+                <a:latin typeface="Arial" panose="020B0604020202020204" pitchFamily="34" charset="0"/>
+                <a:cs typeface="Arial" panose="020B0604020202020204" pitchFamily="34" charset="0"/>
+              </a:rPr>
+              <a:t>corrugator</a:t>
+            </a:r>
+            <a:r>
+              <a:rPr lang="de-DE" sz="1200" dirty="0" smtClean="0">
+                <a:latin typeface="Arial" panose="020B0604020202020204" pitchFamily="34" charset="0"/>
+                <a:cs typeface="Arial" panose="020B0604020202020204" pitchFamily="34" charset="0"/>
+              </a:rPr>
+              <a:t> </a:t>
+            </a:r>
+            <a:r>
+              <a:rPr lang="de-DE" sz="1200" dirty="0" err="1" smtClean="0">
+                <a:latin typeface="Arial" panose="020B0604020202020204" pitchFamily="34" charset="0"/>
+                <a:cs typeface="Arial" panose="020B0604020202020204" pitchFamily="34" charset="0"/>
+              </a:rPr>
+              <a:t>activity</a:t>
+            </a:r>
+            <a:r>
+              <a:rPr lang="de-DE" sz="1200" dirty="0" smtClean="0">
+                <a:latin typeface="Arial" panose="020B0604020202020204" pitchFamily="34" charset="0"/>
+                <a:cs typeface="Arial" panose="020B0604020202020204" pitchFamily="34" charset="0"/>
+              </a:rPr>
+              <a:t>) </a:t>
+            </a:r>
+            <a:endParaRPr lang="de-DE" sz="1200" dirty="0">
+              <a:latin typeface="Arial" panose="020B0604020202020204" pitchFamily="34" charset="0"/>
+              <a:cs typeface="Arial" panose="020B0604020202020204" pitchFamily="34" charset="0"/>
+            </a:endParaRPr>
           </a:p>
         </p:txBody>
       </p:sp>
@@ -7470,7 +8170,7 @@
                             </p:stCondLst>
                             <p:childTnLst>
                               <p:par>
-                                <p:cTn id="5" presetID="10" presetClass="entr" presetSubtype="0" fill="hold" nodeType="clickEffect">
+                                <p:cTn id="5" presetID="10" presetClass="entr" presetSubtype="0" fill="hold" grpId="0" nodeType="clickEffect">
                                   <p:stCondLst>
                                     <p:cond delay="0"/>
                                   </p:stCondLst>
@@ -7483,7 +8183,7 @@
                                           </p:stCondLst>
                                         </p:cTn>
                                         <p:tgtEl>
-                                          <p:spTgt spid="2"/>
+                                          <p:spTgt spid="55"/>
                                         </p:tgtEl>
                                         <p:attrNameLst>
                                           <p:attrName>style.visibility</p:attrName>
@@ -7497,7 +8197,7 @@
                                       <p:cBhvr>
                                         <p:cTn id="7" dur="500"/>
                                         <p:tgtEl>
-                                          <p:spTgt spid="2"/>
+                                          <p:spTgt spid="55"/>
                                         </p:tgtEl>
                                       </p:cBhvr>
                                     </p:animEffect>
@@ -7536,7 +8236,7 @@
                                           </p:stCondLst>
                                         </p:cTn>
                                         <p:tgtEl>
-                                          <p:spTgt spid="27"/>
+                                          <p:spTgt spid="52"/>
                                         </p:tgtEl>
                                         <p:attrNameLst>
                                           <p:attrName>style.visibility</p:attrName>
@@ -7550,148 +8250,7 @@
                                       <p:cBhvr>
                                         <p:cTn id="12" dur="500"/>
                                         <p:tgtEl>
-                                          <p:spTgt spid="27"/>
-                                        </p:tgtEl>
-                                      </p:cBhvr>
-                                    </p:animEffect>
-                                  </p:childTnLst>
-                                </p:cTn>
-                              </p:par>
-                              <p:par>
-                                <p:cTn id="13" presetID="10" presetClass="entr" presetSubtype="0" fill="hold" nodeType="withEffect">
-                                  <p:stCondLst>
-                                    <p:cond delay="0"/>
-                                  </p:stCondLst>
-                                  <p:childTnLst>
-                                    <p:set>
-                                      <p:cBhvr>
-                                        <p:cTn id="14" dur="1" fill="hold">
-                                          <p:stCondLst>
-                                            <p:cond delay="0"/>
-                                          </p:stCondLst>
-                                        </p:cTn>
-                                        <p:tgtEl>
-                                          <p:spTgt spid="29"/>
-                                        </p:tgtEl>
-                                        <p:attrNameLst>
-                                          <p:attrName>style.visibility</p:attrName>
-                                        </p:attrNameLst>
-                                      </p:cBhvr>
-                                      <p:to>
-                                        <p:strVal val="visible"/>
-                                      </p:to>
-                                    </p:set>
-                                    <p:animEffect transition="in" filter="fade">
-                                      <p:cBhvr>
-                                        <p:cTn id="15" dur="500"/>
-                                        <p:tgtEl>
-                                          <p:spTgt spid="29"/>
-                                        </p:tgtEl>
-                                      </p:cBhvr>
-                                    </p:animEffect>
-                                  </p:childTnLst>
-                                </p:cTn>
-                              </p:par>
-                            </p:childTnLst>
-                          </p:cTn>
-                        </p:par>
-                      </p:childTnLst>
-                    </p:cTn>
-                  </p:par>
-                  <p:par>
-                    <p:cTn id="16" fill="hold">
-                      <p:stCondLst>
-                        <p:cond delay="indefinite"/>
-                      </p:stCondLst>
-                      <p:childTnLst>
-                        <p:par>
-                          <p:cTn id="17" fill="hold">
-                            <p:stCondLst>
-                              <p:cond delay="0"/>
-                            </p:stCondLst>
-                            <p:childTnLst>
-                              <p:par>
-                                <p:cTn id="18" presetID="10" presetClass="entr" presetSubtype="0" fill="hold" grpId="0" nodeType="clickEffect">
-                                  <p:stCondLst>
-                                    <p:cond delay="0"/>
-                                  </p:stCondLst>
-                                  <p:childTnLst>
-                                    <p:set>
-                                      <p:cBhvr>
-                                        <p:cTn id="19" dur="1" fill="hold">
-                                          <p:stCondLst>
-                                            <p:cond delay="0"/>
-                                          </p:stCondLst>
-                                        </p:cTn>
-                                        <p:tgtEl>
-                                          <p:spTgt spid="3"/>
-                                        </p:tgtEl>
-                                        <p:attrNameLst>
-                                          <p:attrName>style.visibility</p:attrName>
-                                        </p:attrNameLst>
-                                      </p:cBhvr>
-                                      <p:to>
-                                        <p:strVal val="visible"/>
-                                      </p:to>
-                                    </p:set>
-                                    <p:animEffect transition="in" filter="fade">
-                                      <p:cBhvr>
-                                        <p:cTn id="20" dur="500"/>
-                                        <p:tgtEl>
-                                          <p:spTgt spid="3"/>
-                                        </p:tgtEl>
-                                      </p:cBhvr>
-                                    </p:animEffect>
-                                  </p:childTnLst>
-                                </p:cTn>
-                              </p:par>
-                            </p:childTnLst>
-                          </p:cTn>
-                        </p:par>
-                      </p:childTnLst>
-                    </p:cTn>
-                  </p:par>
-                  <p:par>
-                    <p:cTn id="21" fill="hold">
-                      <p:stCondLst>
-                        <p:cond delay="indefinite"/>
-                      </p:stCondLst>
-                      <p:childTnLst>
-                        <p:par>
-                          <p:cTn id="22" fill="hold">
-                            <p:stCondLst>
-                              <p:cond delay="0"/>
-                            </p:stCondLst>
-                            <p:childTnLst>
-                              <p:par>
-                                <p:cTn id="23" presetID="10" presetClass="entr" presetSubtype="0" fill="hold" grpId="0" nodeType="clickEffect">
-                                  <p:stCondLst>
-                                    <p:cond delay="0"/>
-                                  </p:stCondLst>
-                                  <p:childTnLst>
-                                    <p:set>
-                                      <p:cBhvr>
-                                        <p:cTn id="24" dur="1" fill="hold">
-                                          <p:stCondLst>
-                                            <p:cond delay="0"/>
-                                          </p:stCondLst>
-                                        </p:cTn>
-                                        <p:tgtEl>
-                                          <p:spTgt spid="34"/>
-                                        </p:tgtEl>
-                                        <p:attrNameLst>
-                                          <p:attrName>style.visibility</p:attrName>
-                                        </p:attrNameLst>
-                                      </p:cBhvr>
-                                      <p:to>
-                                        <p:strVal val="visible"/>
-                                      </p:to>
-                                    </p:set>
-                                    <p:animEffect transition="in" filter="fade">
-                                      <p:cBhvr>
-                                        <p:cTn id="25" dur="500"/>
-                                        <p:tgtEl>
-                                          <p:spTgt spid="34"/>
+                                          <p:spTgt spid="52"/>
                                         </p:tgtEl>
                                       </p:cBhvr>
                                     </p:animEffect>
@@ -7726,9 +8285,8 @@
       </p:par>
     </p:tnLst>
     <p:bldLst>
-      <p:bldP spid="3" grpId="0" animBg="1"/>
-      <p:bldP spid="27" grpId="0" animBg="1"/>
-      <p:bldP spid="34" grpId="0" animBg="1"/>
+      <p:bldP spid="52" grpId="0" animBg="1"/>
+      <p:bldP spid="55" grpId="0" animBg="1"/>
     </p:bldLst>
   </p:timing>
 </p:sld>
@@ -7875,6 +8433,497 @@
       </p:grpSpPr>
       <p:sp>
         <p:nvSpPr>
+          <p:cNvPr id="7" name="Titel 1"/>
+          <p:cNvSpPr>
+            <a:spLocks noGrp="1"/>
+          </p:cNvSpPr>
+          <p:nvPr>
+            <p:ph type="title"/>
+          </p:nvPr>
+        </p:nvSpPr>
+        <p:spPr>
+          <a:xfrm>
+            <a:off x="874715" y="346075"/>
+            <a:ext cx="10580687" cy="421676"/>
+          </a:xfrm>
+        </p:spPr>
+        <p:txBody>
+          <a:bodyPr/>
+          <a:lstStyle/>
+          <a:p>
+            <a:r>
+              <a:rPr lang="en-GB" sz="2400" dirty="0" err="1" smtClean="0"/>
+              <a:t>Studiendesign</a:t>
+            </a:r>
+            <a:r>
+              <a:rPr lang="en-GB" sz="2400" dirty="0" smtClean="0"/>
+              <a:t/>
+            </a:r>
+            <a:br>
+              <a:rPr lang="en-GB" sz="2400" dirty="0" smtClean="0"/>
+            </a:br>
+            <a:r>
+              <a:rPr lang="en-GB" sz="2000" b="0" dirty="0" smtClean="0"/>
+              <a:t>T2 – Emotion Regulation - ED</a:t>
+            </a:r>
+            <a:endParaRPr lang="en-GB" sz="2000" b="0" dirty="0"/>
+          </a:p>
+        </p:txBody>
+      </p:sp>
+      <p:sp>
+        <p:nvSpPr>
+          <p:cNvPr id="5" name="Rechteck 4"/>
+          <p:cNvSpPr/>
+          <p:nvPr/>
+        </p:nvSpPr>
+        <p:spPr>
+          <a:xfrm>
+            <a:off x="531623" y="1176738"/>
+            <a:ext cx="10394524" cy="4253678"/>
+          </a:xfrm>
+          <a:prstGeom prst="rect">
+            <a:avLst/>
+          </a:prstGeom>
+          <a:noFill/>
+          <a:ln>
+            <a:noFill/>
+          </a:ln>
+        </p:spPr>
+        <p:style>
+          <a:lnRef idx="2">
+            <a:schemeClr val="accent1">
+              <a:shade val="50000"/>
+            </a:schemeClr>
+          </a:lnRef>
+          <a:fillRef idx="1">
+            <a:schemeClr val="accent1"/>
+          </a:fillRef>
+          <a:effectRef idx="0">
+            <a:schemeClr val="accent1"/>
+          </a:effectRef>
+          <a:fontRef idx="minor">
+            <a:schemeClr val="lt1"/>
+          </a:fontRef>
+        </p:style>
+        <p:txBody>
+          <a:bodyPr rtlCol="0" anchor="t"/>
+          <a:lstStyle/>
+          <a:p>
+            <a:r>
+              <a:rPr lang="en-GB" sz="1600" b="1" dirty="0" err="1" smtClean="0">
+                <a:solidFill>
+                  <a:schemeClr val="tx1"/>
+                </a:solidFill>
+              </a:rPr>
+              <a:t>Interessierende</a:t>
+            </a:r>
+            <a:r>
+              <a:rPr lang="en-GB" sz="1600" b="1" dirty="0" smtClean="0">
+                <a:solidFill>
+                  <a:schemeClr val="tx1"/>
+                </a:solidFill>
+              </a:rPr>
+              <a:t> </a:t>
+            </a:r>
+            <a:r>
+              <a:rPr lang="en-GB" sz="1600" b="1" dirty="0" err="1" smtClean="0">
+                <a:solidFill>
+                  <a:schemeClr val="tx1"/>
+                </a:solidFill>
+              </a:rPr>
+              <a:t>Persönlichkeitstraits</a:t>
+            </a:r>
+            <a:endParaRPr lang="en-GB" sz="1600" b="1" dirty="0" smtClean="0">
+              <a:solidFill>
+                <a:schemeClr val="tx1"/>
+              </a:solidFill>
+            </a:endParaRPr>
+          </a:p>
+          <a:p>
+            <a:endParaRPr lang="en-GB" sz="1600" b="1" dirty="0">
+              <a:solidFill>
+                <a:schemeClr val="tx1"/>
+              </a:solidFill>
+            </a:endParaRPr>
+          </a:p>
+          <a:p>
+            <a:pPr marL="285750" indent="-285750">
+              <a:buFont typeface="Symbol" panose="05050102010706020507" pitchFamily="18" charset="2"/>
+              <a:buChar char="-"/>
+            </a:pPr>
+            <a:r>
+              <a:rPr lang="en-GB" sz="1600" dirty="0" err="1" smtClean="0">
+                <a:solidFill>
+                  <a:schemeClr val="tx1"/>
+                </a:solidFill>
+              </a:rPr>
+              <a:t>Habituelle</a:t>
+            </a:r>
+            <a:r>
+              <a:rPr lang="en-GB" sz="1600" dirty="0" smtClean="0">
+                <a:solidFill>
+                  <a:schemeClr val="tx1"/>
+                </a:solidFill>
+              </a:rPr>
+              <a:t> </a:t>
+            </a:r>
+            <a:r>
+              <a:rPr lang="en-GB" sz="1600" dirty="0" err="1" smtClean="0">
+                <a:solidFill>
+                  <a:schemeClr val="tx1"/>
+                </a:solidFill>
+              </a:rPr>
+              <a:t>Nutzung</a:t>
+            </a:r>
+            <a:r>
+              <a:rPr lang="en-GB" sz="1600" dirty="0" smtClean="0">
+                <a:solidFill>
+                  <a:schemeClr val="tx1"/>
+                </a:solidFill>
+              </a:rPr>
+              <a:t> von ER-</a:t>
+            </a:r>
+            <a:r>
+              <a:rPr lang="en-GB" sz="1600" dirty="0" err="1" smtClean="0">
+                <a:solidFill>
+                  <a:schemeClr val="tx1"/>
+                </a:solidFill>
+              </a:rPr>
+              <a:t>Strategien</a:t>
+            </a:r>
+            <a:r>
+              <a:rPr lang="en-GB" sz="1600" dirty="0" smtClean="0">
+                <a:solidFill>
+                  <a:schemeClr val="tx1"/>
+                </a:solidFill>
+              </a:rPr>
+              <a:t> (ERQ) </a:t>
+            </a:r>
+          </a:p>
+          <a:p>
+            <a:pPr marL="285750" indent="-285750">
+              <a:buFont typeface="Symbol" panose="05050102010706020507" pitchFamily="18" charset="2"/>
+              <a:buChar char="-"/>
+            </a:pPr>
+            <a:endParaRPr lang="en-GB" sz="1600" dirty="0">
+              <a:solidFill>
+                <a:schemeClr val="tx1"/>
+              </a:solidFill>
+            </a:endParaRPr>
+          </a:p>
+          <a:p>
+            <a:pPr marL="285750" indent="-285750">
+              <a:buFont typeface="Symbol" panose="05050102010706020507" pitchFamily="18" charset="2"/>
+              <a:buChar char="-"/>
+            </a:pPr>
+            <a:r>
+              <a:rPr lang="en-GB" sz="1600" dirty="0" smtClean="0">
+                <a:solidFill>
+                  <a:schemeClr val="tx1"/>
+                </a:solidFill>
+              </a:rPr>
+              <a:t>Flexible </a:t>
+            </a:r>
+            <a:r>
+              <a:rPr lang="en-GB" sz="1600" dirty="0" err="1" smtClean="0">
+                <a:solidFill>
+                  <a:schemeClr val="tx1"/>
+                </a:solidFill>
+              </a:rPr>
+              <a:t>Nutzung</a:t>
+            </a:r>
+            <a:r>
+              <a:rPr lang="en-GB" sz="1600" dirty="0" smtClean="0">
+                <a:solidFill>
+                  <a:schemeClr val="tx1"/>
+                </a:solidFill>
+              </a:rPr>
+              <a:t> von ER </a:t>
+            </a:r>
+            <a:r>
+              <a:rPr lang="en-GB" sz="1600" dirty="0" err="1" smtClean="0">
+                <a:solidFill>
+                  <a:schemeClr val="tx1"/>
+                </a:solidFill>
+              </a:rPr>
+              <a:t>Strategien</a:t>
+            </a:r>
+            <a:r>
+              <a:rPr lang="en-GB" sz="1600" dirty="0" smtClean="0">
+                <a:solidFill>
+                  <a:schemeClr val="tx1"/>
+                </a:solidFill>
+              </a:rPr>
+              <a:t> (</a:t>
+            </a:r>
+            <a:r>
+              <a:rPr lang="en-GB" sz="1600" dirty="0" err="1" smtClean="0">
+                <a:solidFill>
+                  <a:schemeClr val="tx1"/>
+                </a:solidFill>
+              </a:rPr>
+              <a:t>FlexER</a:t>
+            </a:r>
+            <a:r>
+              <a:rPr lang="en-GB" sz="1600" dirty="0" smtClean="0">
+                <a:solidFill>
+                  <a:schemeClr val="tx1"/>
+                </a:solidFill>
+              </a:rPr>
+              <a:t>)</a:t>
+            </a:r>
+          </a:p>
+          <a:p>
+            <a:pPr marL="285750" indent="-285750">
+              <a:buFont typeface="Symbol" panose="05050102010706020507" pitchFamily="18" charset="2"/>
+              <a:buChar char="-"/>
+            </a:pPr>
+            <a:endParaRPr lang="en-GB" sz="1600" dirty="0">
+              <a:solidFill>
+                <a:schemeClr val="tx1"/>
+              </a:solidFill>
+            </a:endParaRPr>
+          </a:p>
+          <a:p>
+            <a:pPr marL="285750" indent="-285750">
+              <a:buFont typeface="Symbol" panose="05050102010706020507" pitchFamily="18" charset="2"/>
+              <a:buChar char="-"/>
+            </a:pPr>
+            <a:r>
+              <a:rPr lang="en-GB" sz="1600" dirty="0" err="1" smtClean="0">
+                <a:solidFill>
+                  <a:schemeClr val="tx1"/>
+                </a:solidFill>
+              </a:rPr>
+              <a:t>Selbstkontrolle</a:t>
+            </a:r>
+            <a:r>
+              <a:rPr lang="en-GB" sz="1600" dirty="0" smtClean="0">
+                <a:solidFill>
+                  <a:schemeClr val="tx1"/>
+                </a:solidFill>
+              </a:rPr>
+              <a:t>:</a:t>
+            </a:r>
+          </a:p>
+          <a:p>
+            <a:pPr marL="285750" indent="-285750">
+              <a:buFont typeface="Symbol" panose="05050102010706020507" pitchFamily="18" charset="2"/>
+              <a:buChar char="-"/>
+            </a:pPr>
+            <a:endParaRPr lang="en-GB" sz="1600" dirty="0" smtClean="0">
+              <a:solidFill>
+                <a:schemeClr val="tx1"/>
+              </a:solidFill>
+            </a:endParaRPr>
+          </a:p>
+          <a:p>
+            <a:pPr marL="742950" lvl="1" indent="-285750">
+              <a:buFont typeface="Symbol" panose="05050102010706020507" pitchFamily="18" charset="2"/>
+              <a:buChar char="-"/>
+            </a:pPr>
+            <a:r>
+              <a:rPr lang="en-GB" sz="1600" dirty="0" err="1" smtClean="0">
+                <a:solidFill>
+                  <a:schemeClr val="tx1"/>
+                </a:solidFill>
+              </a:rPr>
+              <a:t>Selbstkontrolle</a:t>
+            </a:r>
+            <a:r>
+              <a:rPr lang="en-GB" sz="1600" dirty="0" smtClean="0">
+                <a:solidFill>
+                  <a:schemeClr val="tx1"/>
+                </a:solidFill>
+              </a:rPr>
+              <a:t> </a:t>
+            </a:r>
+            <a:r>
+              <a:rPr lang="en-GB" sz="1600" dirty="0" err="1" smtClean="0">
+                <a:solidFill>
+                  <a:schemeClr val="tx1"/>
+                </a:solidFill>
+              </a:rPr>
+              <a:t>als</a:t>
+            </a:r>
+            <a:r>
+              <a:rPr lang="en-GB" sz="1600" dirty="0" smtClean="0">
+                <a:solidFill>
+                  <a:schemeClr val="tx1"/>
+                </a:solidFill>
+              </a:rPr>
+              <a:t> </a:t>
+            </a:r>
+            <a:r>
+              <a:rPr lang="en-GB" sz="1600" dirty="0" err="1" smtClean="0">
+                <a:solidFill>
+                  <a:schemeClr val="tx1"/>
+                </a:solidFill>
+              </a:rPr>
+              <a:t>gemeinsamer</a:t>
+            </a:r>
+            <a:r>
+              <a:rPr lang="en-GB" sz="1600" dirty="0" smtClean="0">
+                <a:solidFill>
+                  <a:schemeClr val="tx1"/>
+                </a:solidFill>
+              </a:rPr>
+              <a:t> </a:t>
+            </a:r>
+            <a:r>
+              <a:rPr lang="en-GB" sz="1600" dirty="0" err="1" smtClean="0">
+                <a:solidFill>
+                  <a:schemeClr val="tx1"/>
+                </a:solidFill>
+              </a:rPr>
+              <a:t>Faktor</a:t>
+            </a:r>
+            <a:r>
+              <a:rPr lang="en-GB" sz="1600" dirty="0" smtClean="0">
+                <a:solidFill>
+                  <a:schemeClr val="tx1"/>
+                </a:solidFill>
+              </a:rPr>
+              <a:t> der </a:t>
+            </a:r>
+            <a:r>
+              <a:rPr lang="en-GB" sz="1600" dirty="0" err="1" smtClean="0">
+                <a:solidFill>
+                  <a:schemeClr val="tx1"/>
+                </a:solidFill>
+              </a:rPr>
+              <a:t>Skalen</a:t>
+            </a:r>
+            <a:r>
+              <a:rPr lang="en-GB" sz="1600" dirty="0" smtClean="0">
+                <a:solidFill>
+                  <a:schemeClr val="tx1"/>
+                </a:solidFill>
+              </a:rPr>
+              <a:t> (</a:t>
+            </a:r>
+            <a:r>
+              <a:rPr lang="en-GB" sz="1600" dirty="0" err="1" smtClean="0">
+                <a:solidFill>
+                  <a:schemeClr val="tx1"/>
+                </a:solidFill>
+              </a:rPr>
+              <a:t>Paschke</a:t>
+            </a:r>
+            <a:r>
+              <a:rPr lang="en-GB" sz="1600" dirty="0" smtClean="0">
+                <a:solidFill>
+                  <a:schemeClr val="tx1"/>
+                </a:solidFill>
+              </a:rPr>
+              <a:t> et al., 2016):</a:t>
+            </a:r>
+          </a:p>
+          <a:p>
+            <a:pPr marL="1200150" lvl="2" indent="-285750">
+              <a:buFont typeface="Symbol" panose="05050102010706020507" pitchFamily="18" charset="2"/>
+              <a:buChar char="-"/>
+            </a:pPr>
+            <a:r>
+              <a:rPr lang="en-GB" sz="1600" dirty="0" smtClean="0">
+                <a:solidFill>
+                  <a:schemeClr val="tx1"/>
+                </a:solidFill>
+              </a:rPr>
+              <a:t>Brief Self-Control Scale (BSCS</a:t>
+            </a:r>
+          </a:p>
+          <a:p>
+            <a:pPr marL="1200150" lvl="2" indent="-285750">
+              <a:buFont typeface="Symbol" panose="05050102010706020507" pitchFamily="18" charset="2"/>
+              <a:buChar char="-"/>
+            </a:pPr>
+            <a:r>
+              <a:rPr lang="en-GB" sz="1600" dirty="0" smtClean="0">
+                <a:solidFill>
+                  <a:schemeClr val="tx1"/>
+                </a:solidFill>
+              </a:rPr>
+              <a:t>Self-Regulation Scale (SRS)</a:t>
+            </a:r>
+          </a:p>
+          <a:p>
+            <a:pPr marL="1200150" lvl="2" indent="-285750">
+              <a:buFont typeface="Symbol" panose="05050102010706020507" pitchFamily="18" charset="2"/>
+              <a:buChar char="-"/>
+            </a:pPr>
+            <a:r>
+              <a:rPr lang="en-GB" sz="1600" dirty="0" smtClean="0">
+                <a:solidFill>
+                  <a:schemeClr val="tx1"/>
+                </a:solidFill>
+              </a:rPr>
+              <a:t>Barratt Impulsiveness Scale (BIS-11)</a:t>
+            </a:r>
+          </a:p>
+          <a:p>
+            <a:pPr marL="285750" indent="-285750">
+              <a:buFont typeface="Symbol" panose="05050102010706020507" pitchFamily="18" charset="2"/>
+              <a:buChar char="-"/>
+            </a:pPr>
+            <a:endParaRPr lang="en-GB" sz="1600" dirty="0">
+              <a:solidFill>
+                <a:schemeClr val="tx1"/>
+              </a:solidFill>
+            </a:endParaRPr>
+          </a:p>
+          <a:p>
+            <a:pPr marL="285750" indent="-285750">
+              <a:buFont typeface="Symbol" panose="05050102010706020507" pitchFamily="18" charset="2"/>
+              <a:buChar char="-"/>
+            </a:pPr>
+            <a:endParaRPr lang="en-GB" sz="1600" dirty="0" smtClean="0">
+              <a:solidFill>
+                <a:schemeClr val="tx1"/>
+              </a:solidFill>
+            </a:endParaRPr>
+          </a:p>
+        </p:txBody>
+      </p:sp>
+    </p:spTree>
+    <p:extLst>
+      <p:ext uri="{BB962C8B-B14F-4D97-AF65-F5344CB8AC3E}">
+        <p14:creationId xmlns:p14="http://schemas.microsoft.com/office/powerpoint/2010/main" val="4261859446"/>
+      </p:ext>
+    </p:extLst>
+  </p:cSld>
+  <p:clrMapOvr>
+    <a:masterClrMapping/>
+  </p:clrMapOvr>
+  <p:timing>
+    <p:tnLst>
+      <p:par>
+        <p:cTn id="1" dur="indefinite" restart="never" nodeType="tmRoot"/>
+      </p:par>
+    </p:tnLst>
+  </p:timing>
+</p:sld>
+</file>
+
+<file path=ppt/slides/slide15.xml><?xml version="1.0" encoding="utf-8"?>
+<p:sld xmlns:a="http://schemas.openxmlformats.org/drawingml/2006/main" xmlns:r="http://schemas.openxmlformats.org/officeDocument/2006/relationships" xmlns:p="http://schemas.openxmlformats.org/presentationml/2006/main">
+  <p:cSld>
+    <p:spTree>
+      <p:nvGrpSpPr>
+        <p:cNvPr id="1" name=""/>
+        <p:cNvGrpSpPr/>
+        <p:nvPr/>
+      </p:nvGrpSpPr>
+      <p:grpSpPr>
+        <a:xfrm>
+          <a:off x="0" y="0"/>
+          <a:ext cx="0" cy="0"/>
+          <a:chOff x="0" y="0"/>
+          <a:chExt cx="0" cy="0"/>
+        </a:xfrm>
+      </p:grpSpPr>
+      <p:sp>
+        <p:nvSpPr>
           <p:cNvPr id="9" name="Textplatzhalter 8"/>
           <p:cNvSpPr>
             <a:spLocks noGrp="1"/>
@@ -7917,7 +8966,7 @@
 </p:sld>
 </file>
 
-<file path=ppt/slides/slide15.xml><?xml version="1.0" encoding="utf-8"?>
+<file path=ppt/slides/slide16.xml><?xml version="1.0" encoding="utf-8"?>
 <p:sld xmlns:a="http://schemas.openxmlformats.org/drawingml/2006/main" xmlns:r="http://schemas.openxmlformats.org/officeDocument/2006/relationships" xmlns:p="http://schemas.openxmlformats.org/presentationml/2006/main">
   <p:cSld>
     <p:spTree>
@@ -7958,7 +9007,18 @@
               <a:rPr lang="en-GB" sz="2400" dirty="0" err="1" smtClean="0"/>
               <a:t>Diskussion</a:t>
             </a:r>
-            <a:endParaRPr lang="en-GB" sz="2400" dirty="0"/>
+            <a:r>
+              <a:rPr lang="en-GB" sz="2400" dirty="0" smtClean="0"/>
+              <a:t/>
+            </a:r>
+            <a:br>
+              <a:rPr lang="en-GB" sz="2400" dirty="0" smtClean="0"/>
+            </a:br>
+            <a:r>
+              <a:rPr lang="en-GB" sz="2000" b="0" dirty="0" smtClean="0"/>
+              <a:t>T1</a:t>
+            </a:r>
+            <a:endParaRPr lang="en-GB" sz="2400" b="0" dirty="0"/>
           </a:p>
         </p:txBody>
       </p:sp>
@@ -7971,7 +9031,7 @@
         <p:spPr>
           <a:xfrm>
             <a:off x="874712" y="1071155"/>
-            <a:ext cx="10668997" cy="2490651"/>
+            <a:ext cx="10668997" cy="4723155"/>
           </a:xfrm>
           <a:prstGeom prst="rect">
             <a:avLst/>
@@ -8069,6 +9129,11 @@
               </a:rPr>
               <a:t>?</a:t>
             </a:r>
+            <a:endParaRPr lang="en-GB" sz="1600" dirty="0">
+              <a:solidFill>
+                <a:srgbClr val="000000"/>
+              </a:solidFill>
+            </a:endParaRPr>
           </a:p>
           <a:p>
             <a:pPr marL="285750" indent="-285750">
@@ -8086,6 +9151,17 @@
               <a:buFontTx/>
               <a:buChar char="-"/>
             </a:pPr>
+            <a:endParaRPr lang="en-GB" sz="1600" dirty="0" smtClean="0">
+              <a:solidFill>
+                <a:srgbClr val="000000"/>
+              </a:solidFill>
+            </a:endParaRPr>
+          </a:p>
+          <a:p>
+            <a:pPr marL="285750" indent="-285750">
+              <a:buFontTx/>
+              <a:buChar char="-"/>
+            </a:pPr>
             <a:r>
               <a:rPr lang="en-GB" sz="1600" dirty="0" err="1" smtClean="0">
                 <a:solidFill>
@@ -8442,6 +9518,818 @@
     <p:extLst>
       <p:ext uri="{BB962C8B-B14F-4D97-AF65-F5344CB8AC3E}">
         <p14:creationId xmlns:p14="http://schemas.microsoft.com/office/powerpoint/2010/main" val="2026506835"/>
+      </p:ext>
+    </p:extLst>
+  </p:cSld>
+  <p:clrMapOvr>
+    <a:masterClrMapping/>
+  </p:clrMapOvr>
+  <p:timing>
+    <p:tnLst>
+      <p:par>
+        <p:cTn id="1" dur="indefinite" restart="never" nodeType="tmRoot"/>
+      </p:par>
+    </p:tnLst>
+  </p:timing>
+</p:sld>
+</file>
+
+<file path=ppt/slides/slide17.xml><?xml version="1.0" encoding="utf-8"?>
+<p:sld xmlns:a="http://schemas.openxmlformats.org/drawingml/2006/main" xmlns:r="http://schemas.openxmlformats.org/officeDocument/2006/relationships" xmlns:p="http://schemas.openxmlformats.org/presentationml/2006/main">
+  <p:cSld>
+    <p:spTree>
+      <p:nvGrpSpPr>
+        <p:cNvPr id="1" name=""/>
+        <p:cNvGrpSpPr/>
+        <p:nvPr/>
+      </p:nvGrpSpPr>
+      <p:grpSpPr>
+        <a:xfrm>
+          <a:off x="0" y="0"/>
+          <a:ext cx="0" cy="0"/>
+          <a:chOff x="0" y="0"/>
+          <a:chExt cx="0" cy="0"/>
+        </a:xfrm>
+      </p:grpSpPr>
+      <p:sp>
+        <p:nvSpPr>
+          <p:cNvPr id="2" name="Titel 1"/>
+          <p:cNvSpPr>
+            <a:spLocks noGrp="1"/>
+          </p:cNvSpPr>
+          <p:nvPr>
+            <p:ph type="title"/>
+          </p:nvPr>
+        </p:nvSpPr>
+        <p:spPr>
+          <a:xfrm>
+            <a:off x="874715" y="346075"/>
+            <a:ext cx="10580687" cy="421676"/>
+          </a:xfrm>
+        </p:spPr>
+        <p:txBody>
+          <a:bodyPr/>
+          <a:lstStyle/>
+          <a:p>
+            <a:r>
+              <a:rPr lang="en-GB" sz="2400" dirty="0" err="1" smtClean="0"/>
+              <a:t>Diskussion</a:t>
+            </a:r>
+            <a:r>
+              <a:rPr lang="en-GB" sz="2400" dirty="0" smtClean="0"/>
+              <a:t/>
+            </a:r>
+            <a:br>
+              <a:rPr lang="en-GB" sz="2400" dirty="0" smtClean="0"/>
+            </a:br>
+            <a:r>
+              <a:rPr lang="en-GB" sz="2000" b="0" dirty="0" smtClean="0"/>
+              <a:t>T2</a:t>
+            </a:r>
+            <a:endParaRPr lang="en-GB" sz="2400" b="0" dirty="0"/>
+          </a:p>
+        </p:txBody>
+      </p:sp>
+      <p:sp>
+        <p:nvSpPr>
+          <p:cNvPr id="5" name="Rechteck 4"/>
+          <p:cNvSpPr/>
+          <p:nvPr/>
+        </p:nvSpPr>
+        <p:spPr>
+          <a:xfrm>
+            <a:off x="874712" y="1071155"/>
+            <a:ext cx="10668997" cy="4723155"/>
+          </a:xfrm>
+          <a:prstGeom prst="rect">
+            <a:avLst/>
+          </a:prstGeom>
+          <a:noFill/>
+          <a:ln>
+            <a:noFill/>
+          </a:ln>
+        </p:spPr>
+        <p:style>
+          <a:lnRef idx="2">
+            <a:schemeClr val="accent1">
+              <a:shade val="50000"/>
+            </a:schemeClr>
+          </a:lnRef>
+          <a:fillRef idx="1">
+            <a:schemeClr val="accent1"/>
+          </a:fillRef>
+          <a:effectRef idx="0">
+            <a:schemeClr val="accent1"/>
+          </a:effectRef>
+          <a:fontRef idx="minor">
+            <a:schemeClr val="lt1"/>
+          </a:fontRef>
+        </p:style>
+        <p:txBody>
+          <a:bodyPr rtlCol="0" anchor="ctr"/>
+          <a:lstStyle/>
+          <a:p>
+            <a:pPr marL="285750" indent="-285750">
+              <a:buFontTx/>
+              <a:buChar char="-"/>
+            </a:pPr>
+            <a:r>
+              <a:rPr lang="en-GB" sz="1600" dirty="0" err="1" smtClean="0">
+                <a:solidFill>
+                  <a:srgbClr val="000000"/>
+                </a:solidFill>
+              </a:rPr>
+              <a:t>Ist</a:t>
+            </a:r>
+            <a:r>
+              <a:rPr lang="en-GB" sz="1600" dirty="0" smtClean="0">
+                <a:solidFill>
+                  <a:srgbClr val="000000"/>
+                </a:solidFill>
+              </a:rPr>
+              <a:t> das </a:t>
+            </a:r>
+            <a:r>
+              <a:rPr lang="en-GB" sz="1600" dirty="0" err="1" smtClean="0">
+                <a:solidFill>
+                  <a:srgbClr val="000000"/>
+                </a:solidFill>
+              </a:rPr>
+              <a:t>verbesserte</a:t>
+            </a:r>
+            <a:r>
+              <a:rPr lang="en-GB" sz="1600" dirty="0" smtClean="0">
+                <a:solidFill>
+                  <a:srgbClr val="000000"/>
+                </a:solidFill>
+              </a:rPr>
+              <a:t> </a:t>
+            </a:r>
+            <a:r>
+              <a:rPr lang="en-GB" sz="1600" dirty="0" err="1" smtClean="0">
+                <a:solidFill>
+                  <a:srgbClr val="000000"/>
+                </a:solidFill>
+              </a:rPr>
+              <a:t>Paradigma</a:t>
+            </a:r>
+            <a:r>
+              <a:rPr lang="en-GB" sz="1600" dirty="0" smtClean="0">
+                <a:solidFill>
+                  <a:srgbClr val="000000"/>
+                </a:solidFill>
+              </a:rPr>
+              <a:t> </a:t>
+            </a:r>
+            <a:r>
+              <a:rPr lang="en-GB" sz="1600" dirty="0" err="1" smtClean="0">
+                <a:solidFill>
+                  <a:srgbClr val="000000"/>
+                </a:solidFill>
+              </a:rPr>
+              <a:t>wasserdicht</a:t>
+            </a:r>
+            <a:r>
+              <a:rPr lang="en-GB" sz="1600" dirty="0" smtClean="0">
+                <a:solidFill>
+                  <a:srgbClr val="000000"/>
+                </a:solidFill>
+              </a:rPr>
+              <a:t>?</a:t>
+            </a:r>
+            <a:endParaRPr lang="en-GB" sz="1600" dirty="0">
+              <a:solidFill>
+                <a:srgbClr val="000000"/>
+              </a:solidFill>
+            </a:endParaRPr>
+          </a:p>
+          <a:p>
+            <a:pPr marL="285750" indent="-285750">
+              <a:buFontTx/>
+              <a:buChar char="-"/>
+            </a:pPr>
+            <a:endParaRPr lang="en-GB" sz="1600" dirty="0" smtClean="0">
+              <a:solidFill>
+                <a:srgbClr val="000000"/>
+              </a:solidFill>
+            </a:endParaRPr>
+          </a:p>
+          <a:p>
+            <a:pPr marL="285750" indent="-285750">
+              <a:buFontTx/>
+              <a:buChar char="-"/>
+            </a:pPr>
+            <a:r>
+              <a:rPr lang="en-GB" sz="1600" dirty="0" smtClean="0">
+                <a:solidFill>
+                  <a:srgbClr val="000000"/>
+                </a:solidFill>
+              </a:rPr>
+              <a:t>EMG (Corrugator) </a:t>
+            </a:r>
+            <a:r>
+              <a:rPr lang="en-GB" sz="1600" dirty="0" err="1" smtClean="0">
+                <a:solidFill>
+                  <a:srgbClr val="000000"/>
+                </a:solidFill>
+              </a:rPr>
+              <a:t>guter</a:t>
+            </a:r>
+            <a:r>
+              <a:rPr lang="en-GB" sz="1600" dirty="0" smtClean="0">
+                <a:solidFill>
+                  <a:srgbClr val="000000"/>
+                </a:solidFill>
+              </a:rPr>
+              <a:t> </a:t>
+            </a:r>
+            <a:r>
+              <a:rPr lang="en-GB" sz="1600" dirty="0" err="1" smtClean="0">
+                <a:solidFill>
+                  <a:srgbClr val="000000"/>
+                </a:solidFill>
+              </a:rPr>
+              <a:t>Indikator</a:t>
+            </a:r>
+            <a:r>
+              <a:rPr lang="en-GB" sz="1600" dirty="0" smtClean="0">
+                <a:solidFill>
+                  <a:srgbClr val="000000"/>
+                </a:solidFill>
+              </a:rPr>
+              <a:t> </a:t>
+            </a:r>
+            <a:r>
+              <a:rPr lang="en-GB" sz="1600" dirty="0" err="1" smtClean="0">
+                <a:solidFill>
+                  <a:srgbClr val="000000"/>
+                </a:solidFill>
+              </a:rPr>
+              <a:t>für</a:t>
+            </a:r>
+            <a:r>
+              <a:rPr lang="en-GB" sz="1600" dirty="0" smtClean="0">
+                <a:solidFill>
+                  <a:srgbClr val="000000"/>
+                </a:solidFill>
+              </a:rPr>
+              <a:t> </a:t>
+            </a:r>
+            <a:r>
+              <a:rPr lang="en-GB" sz="1600" dirty="0" err="1" smtClean="0">
+                <a:solidFill>
+                  <a:srgbClr val="000000"/>
+                </a:solidFill>
+              </a:rPr>
+              <a:t>objektiven</a:t>
+            </a:r>
+            <a:r>
+              <a:rPr lang="en-GB" sz="1600" dirty="0" smtClean="0">
+                <a:solidFill>
+                  <a:srgbClr val="000000"/>
+                </a:solidFill>
+              </a:rPr>
+              <a:t> </a:t>
+            </a:r>
+            <a:r>
+              <a:rPr lang="en-GB" sz="1600" dirty="0" err="1" smtClean="0">
+                <a:solidFill>
+                  <a:srgbClr val="000000"/>
+                </a:solidFill>
+              </a:rPr>
+              <a:t>Regulationserfolg</a:t>
+            </a:r>
+            <a:r>
+              <a:rPr lang="en-GB" sz="1600" dirty="0" smtClean="0">
+                <a:solidFill>
+                  <a:srgbClr val="000000"/>
+                </a:solidFill>
+              </a:rPr>
+              <a:t>? </a:t>
+            </a:r>
+          </a:p>
+          <a:p>
+            <a:r>
+              <a:rPr lang="en-GB" sz="1600" dirty="0" smtClean="0">
+                <a:solidFill>
+                  <a:srgbClr val="000000"/>
+                </a:solidFill>
+              </a:rPr>
+              <a:t>      (Corrugator-</a:t>
+            </a:r>
+            <a:r>
+              <a:rPr lang="en-GB" sz="1600" dirty="0" err="1" smtClean="0">
+                <a:solidFill>
+                  <a:srgbClr val="000000"/>
+                </a:solidFill>
+              </a:rPr>
+              <a:t>Aktivität</a:t>
+            </a:r>
+            <a:r>
+              <a:rPr lang="en-GB" sz="1600" dirty="0" smtClean="0">
+                <a:solidFill>
+                  <a:srgbClr val="000000"/>
+                </a:solidFill>
+              </a:rPr>
+              <a:t> </a:t>
+            </a:r>
+            <a:r>
+              <a:rPr lang="en-GB" sz="1600" dirty="0" err="1" smtClean="0">
+                <a:solidFill>
+                  <a:srgbClr val="000000"/>
+                </a:solidFill>
+              </a:rPr>
+              <a:t>konnte</a:t>
+            </a:r>
+            <a:r>
+              <a:rPr lang="en-GB" sz="1600" dirty="0" smtClean="0">
+                <a:solidFill>
+                  <a:srgbClr val="000000"/>
+                </a:solidFill>
+              </a:rPr>
+              <a:t> </a:t>
+            </a:r>
+            <a:r>
+              <a:rPr lang="en-GB" sz="1600" dirty="0" err="1" smtClean="0">
+                <a:solidFill>
+                  <a:srgbClr val="000000"/>
+                </a:solidFill>
+              </a:rPr>
+              <a:t>auch</a:t>
+            </a:r>
+            <a:r>
+              <a:rPr lang="en-GB" sz="1600" dirty="0" smtClean="0">
+                <a:solidFill>
+                  <a:srgbClr val="000000"/>
+                </a:solidFill>
+              </a:rPr>
+              <a:t> </a:t>
+            </a:r>
+            <a:r>
+              <a:rPr lang="en-GB" sz="1600" dirty="0" err="1" smtClean="0">
+                <a:solidFill>
+                  <a:srgbClr val="000000"/>
+                </a:solidFill>
+              </a:rPr>
+              <a:t>bei</a:t>
+            </a:r>
+            <a:r>
+              <a:rPr lang="en-GB" sz="1600" dirty="0" smtClean="0">
+                <a:solidFill>
+                  <a:srgbClr val="000000"/>
+                </a:solidFill>
+              </a:rPr>
+              <a:t> </a:t>
+            </a:r>
+            <a:r>
+              <a:rPr lang="en-GB" sz="1600" dirty="0" err="1" smtClean="0">
+                <a:solidFill>
+                  <a:srgbClr val="000000"/>
+                </a:solidFill>
+              </a:rPr>
+              <a:t>kogn</a:t>
+            </a:r>
+            <a:r>
+              <a:rPr lang="en-GB" sz="1600" dirty="0" smtClean="0">
+                <a:solidFill>
+                  <a:srgbClr val="000000"/>
+                </a:solidFill>
+              </a:rPr>
+              <a:t>. </a:t>
+            </a:r>
+            <a:r>
+              <a:rPr lang="en-GB" sz="1600" dirty="0" err="1" smtClean="0">
+                <a:solidFill>
+                  <a:srgbClr val="000000"/>
+                </a:solidFill>
+              </a:rPr>
+              <a:t>anstrengenden</a:t>
+            </a:r>
+            <a:r>
+              <a:rPr lang="en-GB" sz="1600" dirty="0" smtClean="0">
+                <a:solidFill>
+                  <a:srgbClr val="000000"/>
+                </a:solidFill>
+              </a:rPr>
+              <a:t> </a:t>
+            </a:r>
+            <a:r>
+              <a:rPr lang="en-GB" sz="1600" dirty="0" err="1" smtClean="0">
+                <a:solidFill>
+                  <a:srgbClr val="000000"/>
+                </a:solidFill>
+              </a:rPr>
+              <a:t>Aufgaben</a:t>
+            </a:r>
+            <a:r>
+              <a:rPr lang="en-GB" sz="1600" dirty="0" smtClean="0">
+                <a:solidFill>
+                  <a:srgbClr val="000000"/>
+                </a:solidFill>
+              </a:rPr>
+              <a:t> </a:t>
+            </a:r>
+            <a:r>
+              <a:rPr lang="en-GB" sz="1600" dirty="0" err="1" smtClean="0">
+                <a:solidFill>
+                  <a:srgbClr val="000000"/>
+                </a:solidFill>
+              </a:rPr>
+              <a:t>beobachtet</a:t>
+            </a:r>
+            <a:r>
+              <a:rPr lang="en-GB" sz="1600" dirty="0" smtClean="0">
+                <a:solidFill>
+                  <a:srgbClr val="000000"/>
+                </a:solidFill>
+              </a:rPr>
+              <a:t> warden (</a:t>
+            </a:r>
+            <a:r>
+              <a:rPr lang="en-GB" sz="1600" dirty="0" err="1" smtClean="0">
+                <a:solidFill>
+                  <a:srgbClr val="000000"/>
+                </a:solidFill>
+              </a:rPr>
+              <a:t>Inzlicht</a:t>
+            </a:r>
+            <a:r>
+              <a:rPr lang="en-GB" sz="1600" dirty="0" smtClean="0">
+                <a:solidFill>
+                  <a:srgbClr val="000000"/>
+                </a:solidFill>
+              </a:rPr>
+              <a:t>, 2018)</a:t>
+            </a:r>
+          </a:p>
+          <a:p>
+            <a:endParaRPr lang="en-GB" sz="1600" dirty="0" smtClean="0">
+              <a:solidFill>
+                <a:srgbClr val="000000"/>
+              </a:solidFill>
+            </a:endParaRPr>
+          </a:p>
+          <a:p>
+            <a:pPr marL="285750" indent="-285750">
+              <a:buFontTx/>
+              <a:buChar char="-"/>
+            </a:pPr>
+            <a:r>
+              <a:rPr lang="en-GB" sz="1600" dirty="0" err="1" smtClean="0">
+                <a:solidFill>
+                  <a:srgbClr val="000000"/>
+                </a:solidFill>
+              </a:rPr>
+              <a:t>Wovon</a:t>
+            </a:r>
+            <a:r>
+              <a:rPr lang="en-GB" sz="1600" dirty="0" smtClean="0">
+                <a:solidFill>
+                  <a:srgbClr val="000000"/>
+                </a:solidFill>
+              </a:rPr>
+              <a:t> </a:t>
+            </a:r>
+            <a:r>
+              <a:rPr lang="en-GB" sz="1600" dirty="0" err="1" smtClean="0">
+                <a:solidFill>
+                  <a:srgbClr val="000000"/>
+                </a:solidFill>
+              </a:rPr>
+              <a:t>machen</a:t>
+            </a:r>
+            <a:r>
+              <a:rPr lang="en-GB" sz="1600" dirty="0" smtClean="0">
+                <a:solidFill>
+                  <a:srgbClr val="000000"/>
+                </a:solidFill>
+              </a:rPr>
+              <a:t> </a:t>
+            </a:r>
+            <a:r>
+              <a:rPr lang="en-GB" sz="1600" dirty="0" err="1" smtClean="0">
+                <a:solidFill>
+                  <a:srgbClr val="000000"/>
+                </a:solidFill>
+              </a:rPr>
+              <a:t>wir</a:t>
+            </a:r>
+            <a:r>
+              <a:rPr lang="en-GB" sz="1600" dirty="0" smtClean="0">
+                <a:solidFill>
+                  <a:srgbClr val="000000"/>
+                </a:solidFill>
+              </a:rPr>
+              <a:t> </a:t>
+            </a:r>
+            <a:r>
+              <a:rPr lang="en-GB" sz="1600" dirty="0" err="1" smtClean="0">
+                <a:solidFill>
+                  <a:srgbClr val="000000"/>
+                </a:solidFill>
+              </a:rPr>
+              <a:t>abhängig</a:t>
+            </a:r>
+            <a:r>
+              <a:rPr lang="en-GB" sz="1600" dirty="0" smtClean="0">
+                <a:solidFill>
+                  <a:srgbClr val="000000"/>
+                </a:solidFill>
+              </a:rPr>
+              <a:t>, welches n-back-Level </a:t>
+            </a:r>
+            <a:r>
+              <a:rPr lang="en-GB" sz="1600" dirty="0" err="1" smtClean="0">
+                <a:solidFill>
+                  <a:srgbClr val="000000"/>
+                </a:solidFill>
+              </a:rPr>
+              <a:t>oder</a:t>
+            </a:r>
+            <a:r>
+              <a:rPr lang="en-GB" sz="1600" dirty="0" smtClean="0">
+                <a:solidFill>
+                  <a:srgbClr val="000000"/>
+                </a:solidFill>
+              </a:rPr>
+              <a:t> </a:t>
+            </a:r>
+            <a:r>
+              <a:rPr lang="en-GB" sz="1600" dirty="0" err="1" smtClean="0">
+                <a:solidFill>
+                  <a:srgbClr val="000000"/>
+                </a:solidFill>
+              </a:rPr>
+              <a:t>welche</a:t>
+            </a:r>
+            <a:r>
+              <a:rPr lang="en-GB" sz="1600" dirty="0" smtClean="0">
+                <a:solidFill>
+                  <a:srgbClr val="000000"/>
+                </a:solidFill>
+              </a:rPr>
+              <a:t> </a:t>
+            </a:r>
+            <a:r>
+              <a:rPr lang="en-GB" sz="1600" dirty="0" err="1" smtClean="0">
+                <a:solidFill>
+                  <a:srgbClr val="000000"/>
+                </a:solidFill>
+              </a:rPr>
+              <a:t>Strategie</a:t>
+            </a:r>
+            <a:r>
+              <a:rPr lang="en-GB" sz="1600" dirty="0" smtClean="0">
+                <a:solidFill>
+                  <a:srgbClr val="000000"/>
+                </a:solidFill>
+              </a:rPr>
+              <a:t> am </a:t>
+            </a:r>
+            <a:r>
+              <a:rPr lang="en-GB" sz="1600" dirty="0" err="1" smtClean="0">
+                <a:solidFill>
+                  <a:srgbClr val="000000"/>
+                </a:solidFill>
+              </a:rPr>
+              <a:t>Ende</a:t>
+            </a:r>
+            <a:r>
+              <a:rPr lang="en-GB" sz="1600" dirty="0" smtClean="0">
+                <a:solidFill>
+                  <a:srgbClr val="000000"/>
+                </a:solidFill>
+              </a:rPr>
+              <a:t> der </a:t>
+            </a:r>
+            <a:r>
+              <a:rPr lang="en-GB" sz="1600" dirty="0" err="1" smtClean="0">
+                <a:solidFill>
+                  <a:srgbClr val="000000"/>
+                </a:solidFill>
+              </a:rPr>
+              <a:t>Erhebung</a:t>
+            </a:r>
+            <a:r>
+              <a:rPr lang="en-GB" sz="1600" dirty="0" smtClean="0">
+                <a:solidFill>
+                  <a:srgbClr val="000000"/>
+                </a:solidFill>
+              </a:rPr>
+              <a:t> </a:t>
+            </a:r>
+            <a:r>
+              <a:rPr lang="en-GB" sz="1600" dirty="0" err="1" smtClean="0">
+                <a:solidFill>
+                  <a:srgbClr val="000000"/>
+                </a:solidFill>
+              </a:rPr>
+              <a:t>nochmal</a:t>
+            </a:r>
+            <a:r>
+              <a:rPr lang="en-GB" sz="1600" dirty="0" smtClean="0">
+                <a:solidFill>
+                  <a:srgbClr val="000000"/>
+                </a:solidFill>
+              </a:rPr>
+              <a:t> </a:t>
+            </a:r>
+            <a:r>
+              <a:rPr lang="en-GB" sz="1600" dirty="0" err="1" smtClean="0">
+                <a:solidFill>
+                  <a:srgbClr val="000000"/>
+                </a:solidFill>
+              </a:rPr>
+              <a:t>wiederholt</a:t>
+            </a:r>
+            <a:r>
+              <a:rPr lang="en-GB" sz="1600" dirty="0" smtClean="0">
+                <a:solidFill>
+                  <a:srgbClr val="000000"/>
+                </a:solidFill>
+              </a:rPr>
+              <a:t> </a:t>
+            </a:r>
+            <a:r>
+              <a:rPr lang="en-GB" sz="1600" dirty="0" err="1" smtClean="0">
+                <a:solidFill>
+                  <a:srgbClr val="000000"/>
+                </a:solidFill>
+              </a:rPr>
+              <a:t>wird</a:t>
+            </a:r>
+            <a:r>
+              <a:rPr lang="en-GB" sz="1600" dirty="0" smtClean="0">
+                <a:solidFill>
+                  <a:srgbClr val="000000"/>
+                </a:solidFill>
+              </a:rPr>
+              <a:t>?</a:t>
+            </a:r>
+          </a:p>
+          <a:p>
+            <a:endParaRPr lang="en-GB" sz="1600" dirty="0" smtClean="0">
+              <a:solidFill>
+                <a:srgbClr val="000000"/>
+              </a:solidFill>
+            </a:endParaRPr>
+          </a:p>
+          <a:p>
+            <a:pPr marL="285750" indent="-285750">
+              <a:buFontTx/>
+              <a:buChar char="-"/>
+            </a:pPr>
+            <a:r>
+              <a:rPr lang="en-GB" sz="1600" dirty="0" err="1" smtClean="0">
+                <a:solidFill>
+                  <a:srgbClr val="000000"/>
+                </a:solidFill>
+              </a:rPr>
+              <a:t>Welche</a:t>
+            </a:r>
+            <a:r>
+              <a:rPr lang="en-GB" sz="1600" dirty="0" smtClean="0">
+                <a:solidFill>
+                  <a:srgbClr val="000000"/>
+                </a:solidFill>
+              </a:rPr>
+              <a:t> </a:t>
+            </a:r>
+            <a:r>
+              <a:rPr lang="en-GB" sz="1600" dirty="0" err="1" smtClean="0">
+                <a:solidFill>
+                  <a:srgbClr val="000000"/>
+                </a:solidFill>
+              </a:rPr>
+              <a:t>weiteren</a:t>
+            </a:r>
+            <a:r>
+              <a:rPr lang="en-GB" sz="1600" dirty="0" smtClean="0">
+                <a:solidFill>
+                  <a:srgbClr val="000000"/>
+                </a:solidFill>
+              </a:rPr>
+              <a:t> </a:t>
+            </a:r>
+            <a:r>
+              <a:rPr lang="en-GB" sz="1600" dirty="0" err="1" smtClean="0">
+                <a:solidFill>
+                  <a:srgbClr val="000000"/>
+                </a:solidFill>
+              </a:rPr>
+              <a:t>Hypothesen</a:t>
+            </a:r>
+            <a:r>
+              <a:rPr lang="en-GB" sz="1600" dirty="0" smtClean="0">
+                <a:solidFill>
+                  <a:srgbClr val="000000"/>
+                </a:solidFill>
+              </a:rPr>
+              <a:t> </a:t>
+            </a:r>
+            <a:r>
+              <a:rPr lang="en-GB" sz="1600" dirty="0" err="1" smtClean="0">
+                <a:solidFill>
+                  <a:srgbClr val="000000"/>
+                </a:solidFill>
+              </a:rPr>
+              <a:t>können</a:t>
+            </a:r>
+            <a:r>
+              <a:rPr lang="en-GB" sz="1600" dirty="0" smtClean="0">
+                <a:solidFill>
+                  <a:srgbClr val="000000"/>
+                </a:solidFill>
+              </a:rPr>
+              <a:t> </a:t>
+            </a:r>
+            <a:r>
+              <a:rPr lang="en-GB" sz="1600" dirty="0" err="1" smtClean="0">
+                <a:solidFill>
+                  <a:srgbClr val="000000"/>
+                </a:solidFill>
+              </a:rPr>
+              <a:t>wir</a:t>
+            </a:r>
+            <a:r>
+              <a:rPr lang="en-GB" sz="1600" dirty="0">
+                <a:solidFill>
+                  <a:srgbClr val="000000"/>
+                </a:solidFill>
+              </a:rPr>
+              <a:t> </a:t>
+            </a:r>
+            <a:r>
+              <a:rPr lang="en-GB" sz="1600" dirty="0" err="1" smtClean="0">
+                <a:solidFill>
+                  <a:srgbClr val="000000"/>
+                </a:solidFill>
+              </a:rPr>
+              <a:t>aufstellen</a:t>
+            </a:r>
+            <a:r>
+              <a:rPr lang="en-GB" sz="1600" dirty="0" smtClean="0">
+                <a:solidFill>
+                  <a:srgbClr val="000000"/>
+                </a:solidFill>
+              </a:rPr>
+              <a:t> </a:t>
+            </a:r>
+            <a:r>
+              <a:rPr lang="en-GB" sz="1600" dirty="0" err="1" smtClean="0">
+                <a:solidFill>
+                  <a:srgbClr val="000000"/>
+                </a:solidFill>
+              </a:rPr>
+              <a:t>bzgl</a:t>
+            </a:r>
+            <a:r>
+              <a:rPr lang="en-GB" sz="1600" dirty="0" smtClean="0">
+                <a:solidFill>
+                  <a:srgbClr val="000000"/>
+                </a:solidFill>
+              </a:rPr>
+              <a:t>. NFC, </a:t>
+            </a:r>
+            <a:r>
+              <a:rPr lang="en-GB" sz="1600" dirty="0" err="1" smtClean="0">
+                <a:solidFill>
+                  <a:srgbClr val="000000"/>
+                </a:solidFill>
+              </a:rPr>
+              <a:t>Emotionsregulation</a:t>
+            </a:r>
+            <a:r>
+              <a:rPr lang="en-GB" sz="1600" dirty="0" smtClean="0">
+                <a:solidFill>
+                  <a:srgbClr val="000000"/>
+                </a:solidFill>
+              </a:rPr>
+              <a:t>, </a:t>
+            </a:r>
+            <a:r>
+              <a:rPr lang="en-GB" sz="1600" dirty="0" err="1" smtClean="0">
+                <a:solidFill>
+                  <a:srgbClr val="000000"/>
+                </a:solidFill>
+              </a:rPr>
+              <a:t>Zusammenhang</a:t>
+            </a:r>
+            <a:r>
+              <a:rPr lang="en-GB" sz="1600" dirty="0" smtClean="0">
+                <a:solidFill>
+                  <a:srgbClr val="000000"/>
+                </a:solidFill>
+              </a:rPr>
+              <a:t> von t1 und t2, etc. ?</a:t>
+            </a:r>
+          </a:p>
+        </p:txBody>
+      </p:sp>
+    </p:spTree>
+    <p:extLst>
+      <p:ext uri="{BB962C8B-B14F-4D97-AF65-F5344CB8AC3E}">
+        <p14:creationId xmlns:p14="http://schemas.microsoft.com/office/powerpoint/2010/main" val="528019746"/>
       </p:ext>
     </p:extLst>
   </p:cSld>

--- a/99_Thinktank/Talks/21-07-06_Kolloquium/Kolloquium_COG-ER-ED.pptx
+++ b/99_Thinktank/Talks/21-07-06_Kolloquium/Kolloquium_COG-ER-ED.pptx
@@ -19,12 +19,14 @@
     <p:sldId id="260" r:id="rId13"/>
     <p:sldId id="261" r:id="rId14"/>
     <p:sldId id="276" r:id="rId15"/>
-    <p:sldId id="267" r:id="rId16"/>
-    <p:sldId id="271" r:id="rId17"/>
-    <p:sldId id="273" r:id="rId18"/>
-    <p:sldId id="270" r:id="rId19"/>
-    <p:sldId id="262" r:id="rId20"/>
-    <p:sldId id="272" r:id="rId21"/>
+    <p:sldId id="278" r:id="rId16"/>
+    <p:sldId id="267" r:id="rId17"/>
+    <p:sldId id="271" r:id="rId18"/>
+    <p:sldId id="273" r:id="rId19"/>
+    <p:sldId id="277" r:id="rId20"/>
+    <p:sldId id="270" r:id="rId21"/>
+    <p:sldId id="262" r:id="rId22"/>
+    <p:sldId id="272" r:id="rId23"/>
   </p:sldIdLst>
   <p:sldSz cx="12192000" cy="6858000"/>
   <p:notesSz cx="6858000" cy="9144000"/>
@@ -129,6 +131,18 @@
     </p:ext>
   </p:extLst>
 </p:presentation>
+</file>
+
+<file path=ppt/commentAuthors.xml><?xml version="1.0" encoding="utf-8"?>
+<p:cmAuthorLst xmlns:a="http://schemas.openxmlformats.org/drawingml/2006/main" xmlns:r="http://schemas.openxmlformats.org/officeDocument/2006/relationships" xmlns:p="http://schemas.openxmlformats.org/presentationml/2006/main">
+  <p:cmAuthor id="1" name="Christoph Scheffel" initials="CS" lastIdx="3" clrIdx="0">
+    <p:extLst>
+      <p:ext uri="{19B8F6BF-5375-455C-9EA6-DF929625EA0E}">
+        <p15:presenceInfo xmlns:p15="http://schemas.microsoft.com/office/powerpoint/2012/main" userId="bf81d63ba957dd08" providerId="Windows Live"/>
+      </p:ext>
+    </p:extLst>
+  </p:cmAuthor>
+</p:cmAuthorLst>
 </file>
 
 <file path=ppt/charts/chart1.xml><?xml version="1.0" encoding="utf-8"?>
@@ -3270,6 +3284,39 @@
 </cs:chartStyle>
 </file>
 
+<file path=ppt/comments/comment1.xml><?xml version="1.0" encoding="utf-8"?>
+<p:cmLst xmlns:a="http://schemas.openxmlformats.org/drawingml/2006/main" xmlns:r="http://schemas.openxmlformats.org/officeDocument/2006/relationships" xmlns:p="http://schemas.openxmlformats.org/presentationml/2006/main">
+  <p:cm authorId="1" dt="2021-07-02T15:12:47.259" idx="1">
+    <p:pos x="6589" y="2154"/>
+    <p:text>Ich glaube für Dienstag ist das OK, aber generell klingt das noch nicht nach guten Hypothesen, die man straight-foreward testen kann. Besonder C und D müssen wir nochmla umformulieren</p:text>
+    <p:extLst>
+      <p:ext uri="{C676402C-5697-4E1C-873F-D02D1690AC5C}">
+        <p15:threadingInfo xmlns:p15="http://schemas.microsoft.com/office/powerpoint/2012/main" timeZoneBias="-120"/>
+      </p:ext>
+    </p:extLst>
+  </p:cm>
+  <p:cm authorId="1" dt="2021-07-02T15:15:09.496" idx="2">
+    <p:pos x="6771" y="2457"/>
+    <p:text>Vorschlag (dann könnte man daraus eine Hypothese machen) 
+"Die AUC der subjektiven Werte kann Varianz in NFC über den NTLX hinaus erklären" (ich glaube das müsste eigentlich beide Richtungen ganz gut zusammenfassen)</p:text>
+    <p:extLst>
+      <p:ext uri="{C676402C-5697-4E1C-873F-D02D1690AC5C}">
+        <p15:threadingInfo xmlns:p15="http://schemas.microsoft.com/office/powerpoint/2012/main" timeZoneBias="-120"/>
+      </p:ext>
+    </p:extLst>
+  </p:cm>
+  <p:cm authorId="1" dt="2021-07-02T15:24:23.124" idx="3">
+    <p:pos x="6107" y="3227"/>
+    <p:text>Das könnte sogar in die Richtung einer Moderator-Hypothese gehen, aber da könnte man auhc nochmal über eine Formulierung nachdenken</p:text>
+    <p:extLst>
+      <p:ext uri="{C676402C-5697-4E1C-873F-D02D1690AC5C}">
+        <p15:threadingInfo xmlns:p15="http://schemas.microsoft.com/office/powerpoint/2012/main" timeZoneBias="-120"/>
+      </p:ext>
+    </p:extLst>
+  </p:cm>
+</p:cmLst>
+</file>
+
 <file path=ppt/slideLayouts/slideLayout1.xml><?xml version="1.0" encoding="utf-8"?>
 <p:sldLayout xmlns:a="http://schemas.openxmlformats.org/drawingml/2006/main" xmlns:r="http://schemas.openxmlformats.org/officeDocument/2006/relationships" xmlns:p="http://schemas.openxmlformats.org/presentationml/2006/main" showMasterSp="0" preserve="1">
   <p:cSld name="1_Titelfolie_TUD">
@@ -7134,31 +7181,7 @@
                   <a:sysClr val="windowText" lastClr="000000"/>
                 </a:solidFill>
               </a:rPr>
-              <a:t> </a:t>
-            </a:r>
-            <a:r>
-              <a:rPr lang="en-GB" sz="1600" dirty="0" smtClean="0">
-                <a:solidFill>
-                  <a:sysClr val="windowText" lastClr="000000"/>
-                </a:solidFill>
-              </a:rPr>
-              <a:t>T1 </a:t>
-            </a:r>
-            <a:r>
-              <a:rPr lang="en-GB" sz="1600" dirty="0" smtClean="0">
-                <a:solidFill>
-                  <a:sysClr val="windowText" lastClr="000000"/>
-                </a:solidFill>
-              </a:rPr>
-              <a:t>und </a:t>
-            </a:r>
-            <a:r>
-              <a:rPr lang="en-GB" sz="1600" dirty="0" smtClean="0">
-                <a:solidFill>
-                  <a:sysClr val="windowText" lastClr="000000"/>
-                </a:solidFill>
-              </a:rPr>
-              <a:t>T2 </a:t>
+              <a:t> T1 und T2 </a:t>
             </a:r>
             <a:r>
               <a:rPr lang="en-GB" sz="1600" dirty="0" err="1" smtClean="0">
@@ -10054,6 +10077,1581 @@
       </p:grpSpPr>
       <p:sp>
         <p:nvSpPr>
+          <p:cNvPr id="7" name="Titel 1"/>
+          <p:cNvSpPr>
+            <a:spLocks noGrp="1"/>
+          </p:cNvSpPr>
+          <p:nvPr>
+            <p:ph type="title"/>
+          </p:nvPr>
+        </p:nvSpPr>
+        <p:spPr>
+          <a:xfrm>
+            <a:off x="874715" y="346075"/>
+            <a:ext cx="10580687" cy="421676"/>
+          </a:xfrm>
+        </p:spPr>
+        <p:txBody>
+          <a:bodyPr/>
+          <a:lstStyle/>
+          <a:p>
+            <a:r>
+              <a:rPr lang="en-GB" sz="2400" dirty="0" err="1" smtClean="0"/>
+              <a:t>Studiendesign</a:t>
+            </a:r>
+            <a:r>
+              <a:rPr lang="en-GB" sz="2400" dirty="0" smtClean="0"/>
+              <a:t/>
+            </a:r>
+            <a:br>
+              <a:rPr lang="en-GB" sz="2400" dirty="0" smtClean="0"/>
+            </a:br>
+            <a:r>
+              <a:rPr lang="en-GB" sz="2000" b="0" dirty="0" smtClean="0"/>
+              <a:t>T1 </a:t>
+            </a:r>
+            <a:r>
+              <a:rPr lang="en-GB" sz="2000" b="0" dirty="0" smtClean="0"/>
+              <a:t>– </a:t>
+            </a:r>
+            <a:r>
+              <a:rPr lang="en-GB" sz="2000" b="0" dirty="0" err="1" smtClean="0"/>
+              <a:t>Erweiterung</a:t>
+            </a:r>
+            <a:r>
+              <a:rPr lang="en-GB" sz="2000" b="0" dirty="0" smtClean="0"/>
+              <a:t> COG-ED</a:t>
+            </a:r>
+            <a:endParaRPr lang="en-GB" sz="2000" b="0" dirty="0"/>
+          </a:p>
+        </p:txBody>
+      </p:sp>
+      <p:sp>
+        <p:nvSpPr>
+          <p:cNvPr id="5" name="Rechteck 4"/>
+          <p:cNvSpPr/>
+          <p:nvPr/>
+        </p:nvSpPr>
+        <p:spPr>
+          <a:xfrm>
+            <a:off x="531623" y="1176738"/>
+            <a:ext cx="10394524" cy="4253678"/>
+          </a:xfrm>
+          <a:prstGeom prst="rect">
+            <a:avLst/>
+          </a:prstGeom>
+          <a:noFill/>
+          <a:ln>
+            <a:noFill/>
+          </a:ln>
+        </p:spPr>
+        <p:style>
+          <a:lnRef idx="2">
+            <a:schemeClr val="accent1">
+              <a:shade val="50000"/>
+            </a:schemeClr>
+          </a:lnRef>
+          <a:fillRef idx="1">
+            <a:schemeClr val="accent1"/>
+          </a:fillRef>
+          <a:effectRef idx="0">
+            <a:schemeClr val="accent1"/>
+          </a:effectRef>
+          <a:fontRef idx="minor">
+            <a:schemeClr val="lt1"/>
+          </a:fontRef>
+        </p:style>
+        <p:txBody>
+          <a:bodyPr rtlCol="0" anchor="t"/>
+          <a:lstStyle/>
+          <a:p>
+            <a:r>
+              <a:rPr lang="en-GB" sz="1600" b="1" dirty="0" err="1" smtClean="0">
+                <a:solidFill>
+                  <a:schemeClr val="tx1"/>
+                </a:solidFill>
+              </a:rPr>
+              <a:t>Forschungsfragen</a:t>
+            </a:r>
+            <a:endParaRPr lang="en-GB" sz="1600" b="1" dirty="0" smtClean="0">
+              <a:solidFill>
+                <a:schemeClr val="tx1"/>
+              </a:solidFill>
+            </a:endParaRPr>
+          </a:p>
+          <a:p>
+            <a:endParaRPr lang="en-GB" sz="1600" b="1" dirty="0">
+              <a:solidFill>
+                <a:schemeClr val="tx1"/>
+              </a:solidFill>
+            </a:endParaRPr>
+          </a:p>
+          <a:p>
+            <a:r>
+              <a:rPr lang="en-US" sz="1600" dirty="0">
+                <a:solidFill>
+                  <a:schemeClr val="tx1"/>
+                </a:solidFill>
+              </a:rPr>
+              <a:t>1. </a:t>
+            </a:r>
+            <a:r>
+              <a:rPr lang="en-US" sz="1600" dirty="0" err="1" smtClean="0">
+                <a:solidFill>
+                  <a:schemeClr val="tx1"/>
+                </a:solidFill>
+              </a:rPr>
+              <a:t>Kann</a:t>
+            </a:r>
+            <a:r>
+              <a:rPr lang="en-US" sz="1600" dirty="0" smtClean="0">
+                <a:solidFill>
+                  <a:schemeClr val="tx1"/>
+                </a:solidFill>
+              </a:rPr>
+              <a:t> das </a:t>
+            </a:r>
+            <a:r>
+              <a:rPr lang="en-US" sz="1600" dirty="0" err="1" smtClean="0">
+                <a:solidFill>
+                  <a:schemeClr val="tx1"/>
+                </a:solidFill>
+              </a:rPr>
+              <a:t>überarbeitete</a:t>
+            </a:r>
+            <a:r>
+              <a:rPr lang="en-US" sz="1600" dirty="0" smtClean="0">
+                <a:solidFill>
+                  <a:schemeClr val="tx1"/>
+                </a:solidFill>
+              </a:rPr>
+              <a:t> COG-ED </a:t>
+            </a:r>
+            <a:r>
+              <a:rPr lang="en-US" sz="1600" dirty="0" err="1" smtClean="0">
+                <a:solidFill>
+                  <a:schemeClr val="tx1"/>
+                </a:solidFill>
+              </a:rPr>
+              <a:t>Paradigma</a:t>
+            </a:r>
+            <a:r>
+              <a:rPr lang="en-US" sz="1600" dirty="0" smtClean="0">
+                <a:solidFill>
+                  <a:schemeClr val="tx1"/>
+                </a:solidFill>
+              </a:rPr>
+              <a:t> </a:t>
+            </a:r>
+            <a:r>
+              <a:rPr lang="en-US" sz="1600" dirty="0" err="1" smtClean="0">
+                <a:solidFill>
+                  <a:schemeClr val="tx1"/>
+                </a:solidFill>
+              </a:rPr>
+              <a:t>individuelle</a:t>
+            </a:r>
+            <a:r>
+              <a:rPr lang="en-US" sz="1600" dirty="0" smtClean="0">
+                <a:solidFill>
+                  <a:schemeClr val="tx1"/>
+                </a:solidFill>
+              </a:rPr>
+              <a:t> </a:t>
+            </a:r>
+            <a:r>
+              <a:rPr lang="en-US" sz="1600" dirty="0" err="1" smtClean="0">
+                <a:solidFill>
+                  <a:schemeClr val="tx1"/>
+                </a:solidFill>
+              </a:rPr>
+              <a:t>Präferenzen</a:t>
+            </a:r>
+            <a:r>
+              <a:rPr lang="en-US" sz="1600" dirty="0" smtClean="0">
+                <a:solidFill>
+                  <a:schemeClr val="tx1"/>
+                </a:solidFill>
+              </a:rPr>
+              <a:t> </a:t>
+            </a:r>
+            <a:r>
+              <a:rPr lang="en-US" sz="1600" dirty="0" err="1" smtClean="0">
+                <a:solidFill>
+                  <a:schemeClr val="tx1"/>
+                </a:solidFill>
+              </a:rPr>
+              <a:t>besser</a:t>
+            </a:r>
+            <a:r>
+              <a:rPr lang="en-US" sz="1600" dirty="0" smtClean="0">
+                <a:solidFill>
+                  <a:schemeClr val="tx1"/>
+                </a:solidFill>
+              </a:rPr>
+              <a:t> </a:t>
+            </a:r>
+            <a:r>
+              <a:rPr lang="en-US" sz="1600" dirty="0" err="1" smtClean="0">
+                <a:solidFill>
+                  <a:schemeClr val="tx1"/>
+                </a:solidFill>
+              </a:rPr>
+              <a:t>erfassen</a:t>
+            </a:r>
+            <a:r>
+              <a:rPr lang="en-US" sz="1600" dirty="0" smtClean="0">
+                <a:solidFill>
+                  <a:schemeClr val="tx1"/>
+                </a:solidFill>
+              </a:rPr>
+              <a:t>?</a:t>
+            </a:r>
+            <a:endParaRPr lang="en-US" sz="1600" dirty="0">
+              <a:solidFill>
+                <a:schemeClr val="tx1"/>
+              </a:solidFill>
+            </a:endParaRPr>
+          </a:p>
+          <a:p>
+            <a:pPr marL="630238" indent="-342900">
+              <a:buFont typeface="+mj-lt"/>
+              <a:buAutoNum type="alphaLcParenR"/>
+              <a:tabLst>
+                <a:tab pos="539750" algn="l"/>
+              </a:tabLst>
+            </a:pPr>
+            <a:r>
+              <a:rPr lang="en-US" sz="1600" dirty="0" err="1" smtClean="0">
+                <a:solidFill>
+                  <a:schemeClr val="tx1"/>
+                </a:solidFill>
+              </a:rPr>
+              <a:t>Personen</a:t>
+            </a:r>
+            <a:r>
+              <a:rPr lang="en-US" sz="1600" dirty="0" smtClean="0">
+                <a:solidFill>
+                  <a:schemeClr val="tx1"/>
+                </a:solidFill>
+              </a:rPr>
+              <a:t> </a:t>
+            </a:r>
+            <a:r>
+              <a:rPr lang="en-US" sz="1600" dirty="0" err="1" smtClean="0">
+                <a:solidFill>
+                  <a:schemeClr val="tx1"/>
+                </a:solidFill>
+              </a:rPr>
+              <a:t>mit</a:t>
+            </a:r>
+            <a:r>
+              <a:rPr lang="en-US" sz="1600" dirty="0" smtClean="0">
+                <a:solidFill>
+                  <a:schemeClr val="tx1"/>
+                </a:solidFill>
+              </a:rPr>
+              <a:t> </a:t>
+            </a:r>
+            <a:r>
+              <a:rPr lang="en-US" sz="1600" dirty="0" err="1" smtClean="0">
+                <a:solidFill>
+                  <a:schemeClr val="tx1"/>
+                </a:solidFill>
+              </a:rPr>
+              <a:t>niedrigen</a:t>
+            </a:r>
+            <a:r>
+              <a:rPr lang="en-US" sz="1600" dirty="0" smtClean="0">
+                <a:solidFill>
+                  <a:schemeClr val="tx1"/>
+                </a:solidFill>
+              </a:rPr>
+              <a:t> </a:t>
+            </a:r>
+            <a:r>
+              <a:rPr lang="en-US" sz="1600" dirty="0" err="1" smtClean="0">
+                <a:solidFill>
+                  <a:schemeClr val="tx1"/>
+                </a:solidFill>
+              </a:rPr>
+              <a:t>Werten</a:t>
+            </a:r>
+            <a:r>
+              <a:rPr lang="en-US" sz="1600" dirty="0" smtClean="0">
+                <a:solidFill>
+                  <a:schemeClr val="tx1"/>
+                </a:solidFill>
+              </a:rPr>
+              <a:t> in NFC </a:t>
+            </a:r>
+            <a:r>
+              <a:rPr lang="en-US" sz="1600" dirty="0" err="1" smtClean="0">
+                <a:solidFill>
+                  <a:schemeClr val="tx1"/>
+                </a:solidFill>
+              </a:rPr>
+              <a:t>zeigen</a:t>
+            </a:r>
+            <a:r>
+              <a:rPr lang="en-US" sz="1600" dirty="0" smtClean="0">
+                <a:solidFill>
+                  <a:schemeClr val="tx1"/>
+                </a:solidFill>
+              </a:rPr>
+              <a:t> </a:t>
+            </a:r>
+            <a:r>
+              <a:rPr lang="en-US" sz="1600" dirty="0" err="1" smtClean="0">
+                <a:solidFill>
+                  <a:schemeClr val="tx1"/>
+                </a:solidFill>
+              </a:rPr>
+              <a:t>einen</a:t>
+            </a:r>
+            <a:r>
+              <a:rPr lang="en-US" sz="1600" dirty="0" smtClean="0">
+                <a:solidFill>
+                  <a:schemeClr val="tx1"/>
+                </a:solidFill>
+              </a:rPr>
+              <a:t> </a:t>
+            </a:r>
+            <a:r>
+              <a:rPr lang="en-US" sz="1600" dirty="0" err="1" smtClean="0">
+                <a:solidFill>
+                  <a:schemeClr val="tx1"/>
+                </a:solidFill>
+              </a:rPr>
+              <a:t>exponentiellen</a:t>
+            </a:r>
+            <a:r>
+              <a:rPr lang="en-US" sz="1600" dirty="0" smtClean="0">
+                <a:solidFill>
+                  <a:schemeClr val="tx1"/>
+                </a:solidFill>
+              </a:rPr>
+              <a:t> </a:t>
+            </a:r>
+            <a:r>
+              <a:rPr lang="en-US" sz="1600" dirty="0" err="1" smtClean="0">
+                <a:solidFill>
+                  <a:schemeClr val="tx1"/>
+                </a:solidFill>
+              </a:rPr>
+              <a:t>Kurvenverlauf</a:t>
+            </a:r>
+            <a:r>
+              <a:rPr lang="en-US" sz="1600" dirty="0" smtClean="0">
+                <a:solidFill>
+                  <a:schemeClr val="tx1"/>
+                </a:solidFill>
+              </a:rPr>
+              <a:t> (1-back hat den </a:t>
+            </a:r>
+            <a:r>
+              <a:rPr lang="en-US" sz="1600" dirty="0" err="1" smtClean="0">
+                <a:solidFill>
+                  <a:schemeClr val="tx1"/>
+                </a:solidFill>
+              </a:rPr>
+              <a:t>höchsten</a:t>
+            </a:r>
+            <a:r>
+              <a:rPr lang="en-US" sz="1600" dirty="0" smtClean="0">
+                <a:solidFill>
+                  <a:schemeClr val="tx1"/>
+                </a:solidFill>
+              </a:rPr>
+              <a:t> </a:t>
+            </a:r>
+            <a:r>
+              <a:rPr lang="en-US" sz="1600" dirty="0" err="1" smtClean="0">
+                <a:solidFill>
+                  <a:schemeClr val="tx1"/>
+                </a:solidFill>
+              </a:rPr>
+              <a:t>subjektiven</a:t>
+            </a:r>
+            <a:r>
+              <a:rPr lang="en-US" sz="1600" dirty="0" smtClean="0">
+                <a:solidFill>
+                  <a:schemeClr val="tx1"/>
+                </a:solidFill>
+              </a:rPr>
+              <a:t> Wert)</a:t>
+            </a:r>
+          </a:p>
+          <a:p>
+            <a:pPr marL="630238" indent="-342900">
+              <a:buFont typeface="+mj-lt"/>
+              <a:buAutoNum type="alphaLcParenR"/>
+              <a:tabLst>
+                <a:tab pos="539750" algn="l"/>
+              </a:tabLst>
+            </a:pPr>
+            <a:r>
+              <a:rPr lang="en-US" sz="1600" dirty="0" err="1" smtClean="0">
+                <a:solidFill>
+                  <a:schemeClr val="tx1"/>
+                </a:solidFill>
+              </a:rPr>
+              <a:t>Personen</a:t>
+            </a:r>
+            <a:r>
+              <a:rPr lang="en-US" sz="1600" dirty="0" smtClean="0">
+                <a:solidFill>
+                  <a:schemeClr val="tx1"/>
+                </a:solidFill>
+              </a:rPr>
+              <a:t> </a:t>
+            </a:r>
+            <a:r>
+              <a:rPr lang="en-US" sz="1600" dirty="0" err="1" smtClean="0">
+                <a:solidFill>
+                  <a:schemeClr val="tx1"/>
+                </a:solidFill>
+              </a:rPr>
+              <a:t>mit</a:t>
+            </a:r>
+            <a:r>
+              <a:rPr lang="en-US" sz="1600" dirty="0" smtClean="0">
+                <a:solidFill>
+                  <a:schemeClr val="tx1"/>
+                </a:solidFill>
+              </a:rPr>
+              <a:t> </a:t>
+            </a:r>
+            <a:r>
+              <a:rPr lang="en-US" sz="1600" dirty="0" err="1" smtClean="0">
+                <a:solidFill>
+                  <a:schemeClr val="tx1"/>
+                </a:solidFill>
+              </a:rPr>
+              <a:t>hohen</a:t>
+            </a:r>
+            <a:r>
+              <a:rPr lang="en-US" sz="1600" dirty="0" smtClean="0">
+                <a:solidFill>
+                  <a:schemeClr val="tx1"/>
+                </a:solidFill>
+              </a:rPr>
+              <a:t> </a:t>
+            </a:r>
+            <a:r>
+              <a:rPr lang="en-US" sz="1600" dirty="0" err="1" smtClean="0">
+                <a:solidFill>
+                  <a:schemeClr val="tx1"/>
+                </a:solidFill>
+              </a:rPr>
+              <a:t>Werten</a:t>
+            </a:r>
+            <a:r>
+              <a:rPr lang="en-US" sz="1600" dirty="0" smtClean="0">
+                <a:solidFill>
+                  <a:schemeClr val="tx1"/>
+                </a:solidFill>
+              </a:rPr>
+              <a:t> in NFC </a:t>
+            </a:r>
+            <a:r>
+              <a:rPr lang="en-US" sz="1600" dirty="0" err="1" smtClean="0">
+                <a:solidFill>
+                  <a:schemeClr val="tx1"/>
+                </a:solidFill>
+              </a:rPr>
+              <a:t>zeigen</a:t>
+            </a:r>
+            <a:r>
+              <a:rPr lang="en-US" sz="1600" dirty="0" smtClean="0">
+                <a:solidFill>
+                  <a:schemeClr val="tx1"/>
+                </a:solidFill>
+              </a:rPr>
+              <a:t> </a:t>
+            </a:r>
+            <a:r>
+              <a:rPr lang="en-US" sz="1600" dirty="0" err="1" smtClean="0">
+                <a:solidFill>
+                  <a:schemeClr val="tx1"/>
+                </a:solidFill>
+              </a:rPr>
+              <a:t>eine</a:t>
+            </a:r>
+            <a:r>
+              <a:rPr lang="en-US" sz="1600" dirty="0" smtClean="0">
+                <a:solidFill>
+                  <a:schemeClr val="tx1"/>
+                </a:solidFill>
+              </a:rPr>
+              <a:t> </a:t>
+            </a:r>
+            <a:r>
+              <a:rPr lang="en-US" sz="1600" dirty="0" err="1" smtClean="0">
+                <a:solidFill>
+                  <a:schemeClr val="tx1"/>
+                </a:solidFill>
+              </a:rPr>
+              <a:t>rechtsschiefe</a:t>
+            </a:r>
+            <a:r>
+              <a:rPr lang="en-US" sz="1600" dirty="0" smtClean="0">
+                <a:solidFill>
+                  <a:schemeClr val="tx1"/>
+                </a:solidFill>
+              </a:rPr>
+              <a:t> </a:t>
+            </a:r>
+            <a:r>
+              <a:rPr lang="en-US" sz="1600" dirty="0" err="1" smtClean="0">
+                <a:solidFill>
+                  <a:schemeClr val="tx1"/>
+                </a:solidFill>
+              </a:rPr>
+              <a:t>Verteilung</a:t>
+            </a:r>
+            <a:r>
+              <a:rPr lang="en-US" sz="1600" dirty="0" smtClean="0">
+                <a:solidFill>
+                  <a:schemeClr val="tx1"/>
+                </a:solidFill>
+              </a:rPr>
+              <a:t> (1-back hat </a:t>
+            </a:r>
+            <a:r>
+              <a:rPr lang="en-US" sz="1600" dirty="0" err="1" smtClean="0">
+                <a:solidFill>
+                  <a:schemeClr val="tx1"/>
+                </a:solidFill>
+              </a:rPr>
+              <a:t>einen</a:t>
+            </a:r>
+            <a:r>
+              <a:rPr lang="en-US" sz="1600" dirty="0" smtClean="0">
+                <a:solidFill>
+                  <a:schemeClr val="tx1"/>
+                </a:solidFill>
+              </a:rPr>
+              <a:t> </a:t>
+            </a:r>
+            <a:r>
+              <a:rPr lang="en-US" sz="1600" dirty="0" err="1" smtClean="0">
+                <a:solidFill>
+                  <a:schemeClr val="tx1"/>
+                </a:solidFill>
+              </a:rPr>
+              <a:t>geringeren</a:t>
+            </a:r>
+            <a:r>
+              <a:rPr lang="en-US" sz="1600" dirty="0" smtClean="0">
+                <a:solidFill>
+                  <a:schemeClr val="tx1"/>
+                </a:solidFill>
+              </a:rPr>
+              <a:t> </a:t>
+            </a:r>
+            <a:r>
+              <a:rPr lang="en-US" sz="1600" dirty="0" err="1" smtClean="0">
+                <a:solidFill>
+                  <a:schemeClr val="tx1"/>
+                </a:solidFill>
+              </a:rPr>
+              <a:t>subjektiven</a:t>
+            </a:r>
+            <a:r>
+              <a:rPr lang="en-US" sz="1600" dirty="0" smtClean="0">
+                <a:solidFill>
+                  <a:schemeClr val="tx1"/>
+                </a:solidFill>
+              </a:rPr>
+              <a:t> Wert, </a:t>
+            </a:r>
+            <a:r>
+              <a:rPr lang="en-US" sz="1600" dirty="0" err="1" smtClean="0">
+                <a:solidFill>
+                  <a:schemeClr val="tx1"/>
+                </a:solidFill>
+              </a:rPr>
+              <a:t>als</a:t>
+            </a:r>
+            <a:r>
+              <a:rPr lang="en-US" sz="1600" dirty="0" smtClean="0">
+                <a:solidFill>
+                  <a:schemeClr val="tx1"/>
+                </a:solidFill>
+              </a:rPr>
+              <a:t> 2-back)</a:t>
+            </a:r>
+          </a:p>
+          <a:p>
+            <a:pPr marL="630238" indent="-342900">
+              <a:buFont typeface="+mj-lt"/>
+              <a:buAutoNum type="alphaLcParenR"/>
+              <a:tabLst>
+                <a:tab pos="539750" algn="l"/>
+              </a:tabLst>
+            </a:pPr>
+            <a:endParaRPr lang="en-US" sz="1600" dirty="0">
+              <a:solidFill>
+                <a:schemeClr val="tx1"/>
+              </a:solidFill>
+            </a:endParaRPr>
+          </a:p>
+          <a:p>
+            <a:r>
+              <a:rPr lang="en-US" sz="1600" dirty="0">
+                <a:solidFill>
+                  <a:schemeClr val="tx1"/>
+                </a:solidFill>
+              </a:rPr>
+              <a:t>2. </a:t>
+            </a:r>
+            <a:r>
+              <a:rPr lang="en-US" sz="1600" dirty="0" err="1" smtClean="0">
+                <a:solidFill>
+                  <a:schemeClr val="tx1"/>
+                </a:solidFill>
+              </a:rPr>
+              <a:t>Können</a:t>
+            </a:r>
+            <a:r>
+              <a:rPr lang="en-US" sz="1600" dirty="0" smtClean="0">
+                <a:solidFill>
+                  <a:schemeClr val="tx1"/>
+                </a:solidFill>
+              </a:rPr>
+              <a:t> </a:t>
+            </a:r>
+            <a:r>
+              <a:rPr lang="en-US" sz="1600" dirty="0" err="1" smtClean="0">
+                <a:solidFill>
+                  <a:schemeClr val="tx1"/>
+                </a:solidFill>
+              </a:rPr>
+              <a:t>wir</a:t>
+            </a:r>
+            <a:r>
+              <a:rPr lang="en-US" sz="1600" dirty="0" smtClean="0">
+                <a:solidFill>
+                  <a:schemeClr val="tx1"/>
+                </a:solidFill>
+              </a:rPr>
+              <a:t> die </a:t>
+            </a:r>
+            <a:r>
+              <a:rPr lang="en-US" sz="1600" dirty="0" err="1" smtClean="0">
+                <a:solidFill>
+                  <a:schemeClr val="tx1"/>
+                </a:solidFill>
+              </a:rPr>
+              <a:t>Ergebnisse</a:t>
+            </a:r>
+            <a:r>
+              <a:rPr lang="en-US" sz="1600" dirty="0" smtClean="0">
+                <a:solidFill>
+                  <a:schemeClr val="tx1"/>
+                </a:solidFill>
+              </a:rPr>
+              <a:t> von Westbrook et al. (2013) </a:t>
+            </a:r>
+            <a:r>
+              <a:rPr lang="en-US" sz="1600" dirty="0" err="1" smtClean="0">
+                <a:solidFill>
+                  <a:schemeClr val="tx1"/>
+                </a:solidFill>
+              </a:rPr>
+              <a:t>replizieren</a:t>
+            </a:r>
+            <a:r>
+              <a:rPr lang="en-US" sz="1600" dirty="0" smtClean="0">
+                <a:solidFill>
+                  <a:schemeClr val="tx1"/>
+                </a:solidFill>
+              </a:rPr>
+              <a:t>?</a:t>
+            </a:r>
+            <a:endParaRPr lang="en-US" sz="1600" dirty="0">
+              <a:solidFill>
+                <a:schemeClr val="tx1"/>
+              </a:solidFill>
+            </a:endParaRPr>
+          </a:p>
+          <a:p>
+            <a:pPr marL="625475" indent="-342900">
+              <a:buFont typeface="+mj-lt"/>
+              <a:buAutoNum type="alphaLcParenR"/>
+            </a:pPr>
+            <a:r>
+              <a:rPr lang="en-US" sz="1600" dirty="0" smtClean="0">
+                <a:solidFill>
+                  <a:schemeClr val="tx1"/>
+                </a:solidFill>
+              </a:rPr>
+              <a:t>NFC </a:t>
+            </a:r>
+            <a:r>
+              <a:rPr lang="en-US" sz="1600" dirty="0" err="1" smtClean="0">
+                <a:solidFill>
+                  <a:schemeClr val="tx1"/>
+                </a:solidFill>
+              </a:rPr>
+              <a:t>korreliert</a:t>
+            </a:r>
+            <a:r>
+              <a:rPr lang="en-US" sz="1600" dirty="0" smtClean="0">
+                <a:solidFill>
+                  <a:schemeClr val="tx1"/>
+                </a:solidFill>
+              </a:rPr>
+              <a:t> positive </a:t>
+            </a:r>
+            <a:r>
+              <a:rPr lang="en-US" sz="1600" dirty="0" err="1" smtClean="0">
+                <a:solidFill>
+                  <a:schemeClr val="tx1"/>
+                </a:solidFill>
+              </a:rPr>
+              <a:t>mit</a:t>
+            </a:r>
+            <a:r>
+              <a:rPr lang="en-US" sz="1600" dirty="0" smtClean="0">
+                <a:solidFill>
+                  <a:schemeClr val="tx1"/>
+                </a:solidFill>
+              </a:rPr>
+              <a:t> der AUC der </a:t>
+            </a:r>
+            <a:r>
+              <a:rPr lang="en-US" sz="1600" dirty="0" err="1" smtClean="0">
+                <a:solidFill>
+                  <a:schemeClr val="tx1"/>
+                </a:solidFill>
+              </a:rPr>
+              <a:t>subjektiven</a:t>
+            </a:r>
+            <a:r>
+              <a:rPr lang="en-US" sz="1600" dirty="0" smtClean="0">
+                <a:solidFill>
+                  <a:schemeClr val="tx1"/>
+                </a:solidFill>
+              </a:rPr>
+              <a:t> </a:t>
+            </a:r>
+            <a:r>
+              <a:rPr lang="en-US" sz="1600" dirty="0" err="1" smtClean="0">
+                <a:solidFill>
+                  <a:schemeClr val="tx1"/>
+                </a:solidFill>
+              </a:rPr>
+              <a:t>Werte</a:t>
+            </a:r>
+            <a:r>
+              <a:rPr lang="en-US" sz="1600" dirty="0" smtClean="0">
+                <a:solidFill>
+                  <a:schemeClr val="tx1"/>
+                </a:solidFill>
+              </a:rPr>
+              <a:t> </a:t>
+            </a:r>
+            <a:r>
+              <a:rPr lang="en-US" sz="1600" dirty="0" err="1" smtClean="0">
+                <a:solidFill>
+                  <a:schemeClr val="tx1"/>
+                </a:solidFill>
+              </a:rPr>
+              <a:t>zwischen</a:t>
+            </a:r>
+            <a:r>
+              <a:rPr lang="en-US" sz="1600" dirty="0" smtClean="0">
+                <a:solidFill>
+                  <a:schemeClr val="tx1"/>
+                </a:solidFill>
+              </a:rPr>
+              <a:t> 2-back und 4-back [</a:t>
+            </a:r>
+            <a:r>
+              <a:rPr lang="en-US" sz="1600" dirty="0" err="1" smtClean="0">
+                <a:solidFill>
+                  <a:schemeClr val="tx1"/>
+                </a:solidFill>
+              </a:rPr>
+              <a:t>Replikation</a:t>
+            </a:r>
+            <a:r>
+              <a:rPr lang="en-US" sz="1600" dirty="0" smtClean="0">
+                <a:solidFill>
+                  <a:schemeClr val="tx1"/>
+                </a:solidFill>
+              </a:rPr>
+              <a:t>].</a:t>
+            </a:r>
+          </a:p>
+          <a:p>
+            <a:pPr marL="625475" indent="-342900">
+              <a:buFont typeface="+mj-lt"/>
+              <a:buAutoNum type="alphaLcParenR"/>
+            </a:pPr>
+            <a:r>
+              <a:rPr lang="en-US" sz="1600" dirty="0" smtClean="0">
+                <a:solidFill>
+                  <a:schemeClr val="tx1"/>
+                </a:solidFill>
+              </a:rPr>
+              <a:t>NFC </a:t>
+            </a:r>
+            <a:r>
+              <a:rPr lang="en-US" sz="1600" dirty="0" err="1" smtClean="0">
+                <a:solidFill>
+                  <a:schemeClr val="tx1"/>
+                </a:solidFill>
+              </a:rPr>
+              <a:t>korreliert</a:t>
+            </a:r>
+            <a:r>
+              <a:rPr lang="en-US" sz="1600" dirty="0" smtClean="0">
+                <a:solidFill>
+                  <a:schemeClr val="tx1"/>
+                </a:solidFill>
+              </a:rPr>
+              <a:t> </a:t>
+            </a:r>
+            <a:r>
+              <a:rPr lang="en-US" sz="1600" dirty="0" err="1" smtClean="0">
+                <a:solidFill>
+                  <a:schemeClr val="tx1"/>
+                </a:solidFill>
+              </a:rPr>
+              <a:t>nicht</a:t>
+            </a:r>
+            <a:r>
+              <a:rPr lang="en-US" sz="1600" dirty="0" smtClean="0">
+                <a:solidFill>
+                  <a:schemeClr val="tx1"/>
+                </a:solidFill>
+              </a:rPr>
+              <a:t> </a:t>
+            </a:r>
+            <a:r>
+              <a:rPr lang="en-US" sz="1600" dirty="0" err="1" smtClean="0">
+                <a:solidFill>
+                  <a:schemeClr val="tx1"/>
+                </a:solidFill>
+              </a:rPr>
+              <a:t>mit</a:t>
+            </a:r>
+            <a:r>
+              <a:rPr lang="en-US" sz="1600" dirty="0" smtClean="0">
+                <a:solidFill>
+                  <a:schemeClr val="tx1"/>
+                </a:solidFill>
+              </a:rPr>
+              <a:t> der AUC der </a:t>
+            </a:r>
+            <a:r>
+              <a:rPr lang="en-US" sz="1600" dirty="0" err="1" smtClean="0">
+                <a:solidFill>
+                  <a:schemeClr val="tx1"/>
+                </a:solidFill>
+              </a:rPr>
+              <a:t>subjektiven</a:t>
+            </a:r>
+            <a:r>
+              <a:rPr lang="en-US" sz="1600" dirty="0" smtClean="0">
+                <a:solidFill>
+                  <a:schemeClr val="tx1"/>
+                </a:solidFill>
+              </a:rPr>
+              <a:t> </a:t>
+            </a:r>
+            <a:r>
+              <a:rPr lang="en-US" sz="1600" dirty="0" err="1" smtClean="0">
+                <a:solidFill>
+                  <a:schemeClr val="tx1"/>
+                </a:solidFill>
+              </a:rPr>
+              <a:t>Werte</a:t>
+            </a:r>
+            <a:r>
+              <a:rPr lang="en-US" sz="1600" dirty="0" smtClean="0">
+                <a:solidFill>
+                  <a:schemeClr val="tx1"/>
+                </a:solidFill>
+              </a:rPr>
+              <a:t> </a:t>
+            </a:r>
+            <a:r>
+              <a:rPr lang="en-US" sz="1600" dirty="0" err="1" smtClean="0">
+                <a:solidFill>
+                  <a:schemeClr val="tx1"/>
+                </a:solidFill>
+              </a:rPr>
+              <a:t>zwischen</a:t>
+            </a:r>
+            <a:r>
+              <a:rPr lang="en-US" sz="1600" dirty="0" smtClean="0">
+                <a:solidFill>
+                  <a:schemeClr val="tx1"/>
+                </a:solidFill>
+              </a:rPr>
+              <a:t> 1-back und 4-back [</a:t>
+            </a:r>
+            <a:r>
+              <a:rPr lang="en-US" sz="1600" dirty="0" err="1" smtClean="0">
+                <a:solidFill>
+                  <a:schemeClr val="tx1"/>
+                </a:solidFill>
+              </a:rPr>
+              <a:t>Erweiterung</a:t>
+            </a:r>
+            <a:r>
+              <a:rPr lang="en-US" sz="1600" dirty="0" smtClean="0">
+                <a:solidFill>
+                  <a:schemeClr val="tx1"/>
+                </a:solidFill>
+              </a:rPr>
+              <a:t>].</a:t>
+            </a:r>
+          </a:p>
+          <a:p>
+            <a:pPr marL="625475" indent="-342900">
+              <a:buFont typeface="+mj-lt"/>
+              <a:buAutoNum type="alphaLcParenR"/>
+            </a:pPr>
+            <a:r>
+              <a:rPr lang="en-US" sz="1600" dirty="0" smtClean="0">
+                <a:solidFill>
+                  <a:schemeClr val="tx1"/>
+                </a:solidFill>
+              </a:rPr>
+              <a:t>In </a:t>
+            </a:r>
+            <a:r>
+              <a:rPr lang="en-US" sz="1600" dirty="0" err="1" smtClean="0">
+                <a:solidFill>
+                  <a:schemeClr val="tx1"/>
+                </a:solidFill>
+              </a:rPr>
+              <a:t>einer</a:t>
+            </a:r>
+            <a:r>
+              <a:rPr lang="en-US" sz="1600" dirty="0" smtClean="0">
+                <a:solidFill>
+                  <a:schemeClr val="tx1"/>
+                </a:solidFill>
+              </a:rPr>
+              <a:t> </a:t>
+            </a:r>
+            <a:r>
+              <a:rPr lang="en-US" sz="1600" dirty="0" err="1" smtClean="0">
+                <a:solidFill>
+                  <a:schemeClr val="tx1"/>
+                </a:solidFill>
+              </a:rPr>
+              <a:t>multiplen</a:t>
+            </a:r>
+            <a:r>
+              <a:rPr lang="en-US" sz="1600" dirty="0" smtClean="0">
+                <a:solidFill>
+                  <a:schemeClr val="tx1"/>
+                </a:solidFill>
+              </a:rPr>
+              <a:t> Regression </a:t>
+            </a:r>
+            <a:r>
+              <a:rPr lang="en-US" sz="1600" dirty="0" err="1" smtClean="0">
+                <a:solidFill>
+                  <a:schemeClr val="tx1"/>
+                </a:solidFill>
+              </a:rPr>
+              <a:t>mit</a:t>
+            </a:r>
+            <a:r>
+              <a:rPr lang="en-US" sz="1600" dirty="0" smtClean="0">
+                <a:solidFill>
+                  <a:schemeClr val="tx1"/>
+                </a:solidFill>
+              </a:rPr>
+              <a:t> AUC </a:t>
+            </a:r>
+            <a:r>
+              <a:rPr lang="en-US" sz="1600" dirty="0" err="1" smtClean="0">
+                <a:solidFill>
+                  <a:schemeClr val="tx1"/>
+                </a:solidFill>
+              </a:rPr>
+              <a:t>als</a:t>
+            </a:r>
+            <a:r>
+              <a:rPr lang="en-US" sz="1600" dirty="0" smtClean="0">
+                <a:solidFill>
+                  <a:schemeClr val="tx1"/>
+                </a:solidFill>
+              </a:rPr>
+              <a:t> </a:t>
+            </a:r>
+            <a:r>
+              <a:rPr lang="en-US" sz="1600" dirty="0" err="1" smtClean="0">
+                <a:solidFill>
+                  <a:schemeClr val="tx1"/>
+                </a:solidFill>
+              </a:rPr>
+              <a:t>zweiten</a:t>
+            </a:r>
+            <a:r>
+              <a:rPr lang="en-US" sz="1600" dirty="0" smtClean="0">
+                <a:solidFill>
+                  <a:schemeClr val="tx1"/>
+                </a:solidFill>
+              </a:rPr>
+              <a:t> </a:t>
+            </a:r>
+            <a:r>
+              <a:rPr lang="en-US" sz="1600" dirty="0" err="1" smtClean="0">
+                <a:solidFill>
+                  <a:schemeClr val="tx1"/>
+                </a:solidFill>
+              </a:rPr>
+              <a:t>Prädiktor</a:t>
+            </a:r>
+            <a:r>
+              <a:rPr lang="en-US" sz="1600" dirty="0" smtClean="0">
+                <a:solidFill>
+                  <a:schemeClr val="tx1"/>
+                </a:solidFill>
+              </a:rPr>
+              <a:t> </a:t>
+            </a:r>
+            <a:r>
+              <a:rPr lang="en-US" sz="1600" dirty="0" err="1" smtClean="0">
+                <a:solidFill>
+                  <a:schemeClr val="tx1"/>
+                </a:solidFill>
+              </a:rPr>
+              <a:t>kann</a:t>
+            </a:r>
+            <a:r>
+              <a:rPr lang="en-US" sz="1600" dirty="0" smtClean="0">
+                <a:solidFill>
+                  <a:schemeClr val="tx1"/>
+                </a:solidFill>
+              </a:rPr>
+              <a:t> der NTLX (task-load questionnaire) NFC </a:t>
+            </a:r>
+            <a:r>
+              <a:rPr lang="en-US" sz="1600" dirty="0" err="1" smtClean="0">
+                <a:solidFill>
+                  <a:schemeClr val="tx1"/>
+                </a:solidFill>
+              </a:rPr>
+              <a:t>nicht</a:t>
+            </a:r>
+            <a:r>
+              <a:rPr lang="en-US" sz="1600" dirty="0" smtClean="0">
+                <a:solidFill>
+                  <a:schemeClr val="tx1"/>
+                </a:solidFill>
+              </a:rPr>
+              <a:t> </a:t>
+            </a:r>
+            <a:r>
+              <a:rPr lang="en-US" sz="1600" dirty="0" err="1" smtClean="0">
+                <a:solidFill>
+                  <a:schemeClr val="tx1"/>
+                </a:solidFill>
+              </a:rPr>
+              <a:t>vorhersagen</a:t>
+            </a:r>
+            <a:endParaRPr lang="en-US" sz="1600" dirty="0">
+              <a:solidFill>
+                <a:schemeClr val="tx1"/>
+              </a:solidFill>
+            </a:endParaRPr>
+          </a:p>
+          <a:p>
+            <a:pPr marL="625475" indent="-342900">
+              <a:buFont typeface="+mj-lt"/>
+              <a:buAutoNum type="alphaLcParenR"/>
+            </a:pPr>
+            <a:r>
+              <a:rPr lang="en-US" sz="1600" dirty="0" smtClean="0">
+                <a:solidFill>
+                  <a:schemeClr val="tx1"/>
+                </a:solidFill>
+              </a:rPr>
+              <a:t>In </a:t>
+            </a:r>
+            <a:r>
+              <a:rPr lang="en-US" sz="1600" dirty="0" err="1" smtClean="0">
+                <a:solidFill>
+                  <a:schemeClr val="tx1"/>
+                </a:solidFill>
+              </a:rPr>
+              <a:t>einer</a:t>
+            </a:r>
+            <a:r>
+              <a:rPr lang="en-US" sz="1600" dirty="0" smtClean="0">
+                <a:solidFill>
+                  <a:schemeClr val="tx1"/>
+                </a:solidFill>
+              </a:rPr>
+              <a:t> </a:t>
+            </a:r>
+            <a:r>
+              <a:rPr lang="en-US" sz="1600" dirty="0" err="1" smtClean="0">
+                <a:solidFill>
+                  <a:schemeClr val="tx1"/>
+                </a:solidFill>
+              </a:rPr>
+              <a:t>multiplen</a:t>
+            </a:r>
+            <a:r>
+              <a:rPr lang="en-US" sz="1600" dirty="0" smtClean="0">
+                <a:solidFill>
+                  <a:schemeClr val="tx1"/>
+                </a:solidFill>
+              </a:rPr>
+              <a:t> Regression </a:t>
+            </a:r>
+            <a:r>
+              <a:rPr lang="en-US" sz="1600" dirty="0" err="1" smtClean="0">
+                <a:solidFill>
+                  <a:schemeClr val="tx1"/>
+                </a:solidFill>
+              </a:rPr>
+              <a:t>mit</a:t>
+            </a:r>
+            <a:r>
+              <a:rPr lang="en-US" sz="1600" dirty="0">
+                <a:solidFill>
+                  <a:schemeClr val="tx1"/>
+                </a:solidFill>
+              </a:rPr>
+              <a:t> </a:t>
+            </a:r>
+            <a:r>
+              <a:rPr lang="en-US" sz="1600" dirty="0" smtClean="0">
+                <a:solidFill>
+                  <a:schemeClr val="tx1"/>
+                </a:solidFill>
+              </a:rPr>
+              <a:t>NTLX </a:t>
+            </a:r>
+            <a:r>
+              <a:rPr lang="en-US" sz="1600" dirty="0" err="1" smtClean="0">
+                <a:solidFill>
+                  <a:schemeClr val="tx1"/>
+                </a:solidFill>
+              </a:rPr>
+              <a:t>als</a:t>
+            </a:r>
+            <a:r>
+              <a:rPr lang="en-US" sz="1600" dirty="0" smtClean="0">
+                <a:solidFill>
+                  <a:schemeClr val="tx1"/>
+                </a:solidFill>
+              </a:rPr>
+              <a:t> </a:t>
+            </a:r>
+            <a:r>
+              <a:rPr lang="en-US" sz="1600" dirty="0" err="1" smtClean="0">
+                <a:solidFill>
+                  <a:schemeClr val="tx1"/>
+                </a:solidFill>
+              </a:rPr>
+              <a:t>zweiten</a:t>
+            </a:r>
+            <a:r>
+              <a:rPr lang="en-US" sz="1600" dirty="0" smtClean="0">
+                <a:solidFill>
+                  <a:schemeClr val="tx1"/>
+                </a:solidFill>
+              </a:rPr>
+              <a:t> </a:t>
+            </a:r>
+            <a:r>
+              <a:rPr lang="en-US" sz="1600" dirty="0" err="1" smtClean="0">
+                <a:solidFill>
+                  <a:schemeClr val="tx1"/>
+                </a:solidFill>
+              </a:rPr>
+              <a:t>Prädiktor</a:t>
+            </a:r>
+            <a:r>
+              <a:rPr lang="en-US" sz="1600" dirty="0" smtClean="0">
+                <a:solidFill>
+                  <a:schemeClr val="tx1"/>
+                </a:solidFill>
+              </a:rPr>
+              <a:t> </a:t>
+            </a:r>
+            <a:r>
+              <a:rPr lang="en-US" sz="1600" dirty="0" err="1" smtClean="0">
+                <a:solidFill>
+                  <a:schemeClr val="tx1"/>
+                </a:solidFill>
+              </a:rPr>
+              <a:t>kann</a:t>
+            </a:r>
+            <a:r>
+              <a:rPr lang="en-US" sz="1600" dirty="0" smtClean="0">
+                <a:solidFill>
+                  <a:schemeClr val="tx1"/>
+                </a:solidFill>
+              </a:rPr>
+              <a:t> AUC NFC </a:t>
+            </a:r>
+            <a:r>
+              <a:rPr lang="en-US" sz="1600" dirty="0" err="1" smtClean="0">
+                <a:solidFill>
+                  <a:schemeClr val="tx1"/>
+                </a:solidFill>
+              </a:rPr>
+              <a:t>vorhersagen</a:t>
+            </a:r>
+            <a:r>
+              <a:rPr lang="en-US" sz="1600" dirty="0" smtClean="0">
+                <a:solidFill>
+                  <a:schemeClr val="tx1"/>
+                </a:solidFill>
+              </a:rPr>
+              <a:t>.</a:t>
+            </a:r>
+            <a:endParaRPr lang="en-US" sz="1600" dirty="0">
+              <a:solidFill>
+                <a:schemeClr val="tx1"/>
+              </a:solidFill>
+            </a:endParaRPr>
+          </a:p>
+          <a:p>
+            <a:endParaRPr lang="en-US" sz="1600" dirty="0">
+              <a:solidFill>
+                <a:schemeClr val="tx1"/>
+              </a:solidFill>
+            </a:endParaRPr>
+          </a:p>
+          <a:p>
+            <a:r>
+              <a:rPr lang="en-US" sz="1600" dirty="0">
+                <a:solidFill>
+                  <a:schemeClr val="tx1"/>
+                </a:solidFill>
+              </a:rPr>
+              <a:t>3. </a:t>
+            </a:r>
+            <a:r>
+              <a:rPr lang="en-US" sz="1600" dirty="0" err="1" smtClean="0">
+                <a:solidFill>
+                  <a:schemeClr val="tx1"/>
+                </a:solidFill>
+              </a:rPr>
+              <a:t>Können</a:t>
+            </a:r>
+            <a:r>
+              <a:rPr lang="en-US" sz="1600" dirty="0" smtClean="0">
+                <a:solidFill>
+                  <a:schemeClr val="tx1"/>
+                </a:solidFill>
+              </a:rPr>
+              <a:t> </a:t>
+            </a:r>
+            <a:r>
+              <a:rPr lang="en-US" sz="1600" dirty="0" err="1" smtClean="0">
+                <a:solidFill>
+                  <a:schemeClr val="tx1"/>
+                </a:solidFill>
+              </a:rPr>
+              <a:t>wir</a:t>
+            </a:r>
+            <a:r>
+              <a:rPr lang="en-US" sz="1600" dirty="0" smtClean="0">
+                <a:solidFill>
+                  <a:schemeClr val="tx1"/>
+                </a:solidFill>
+              </a:rPr>
+              <a:t> </a:t>
+            </a:r>
+            <a:r>
+              <a:rPr lang="en-US" sz="1600" dirty="0" err="1" smtClean="0">
+                <a:solidFill>
+                  <a:schemeClr val="tx1"/>
+                </a:solidFill>
+              </a:rPr>
+              <a:t>Ergebnisse</a:t>
+            </a:r>
+            <a:r>
+              <a:rPr lang="en-US" sz="1600" dirty="0" smtClean="0">
+                <a:solidFill>
+                  <a:schemeClr val="tx1"/>
+                </a:solidFill>
+              </a:rPr>
+              <a:t> von </a:t>
+            </a:r>
+            <a:r>
+              <a:rPr lang="en-US" sz="1600" dirty="0">
+                <a:solidFill>
+                  <a:schemeClr val="tx1"/>
+                </a:solidFill>
+              </a:rPr>
+              <a:t>Kramer et al. (2021</a:t>
+            </a:r>
+            <a:r>
+              <a:rPr lang="en-US" sz="1600" dirty="0" smtClean="0">
+                <a:solidFill>
+                  <a:schemeClr val="tx1"/>
+                </a:solidFill>
+              </a:rPr>
+              <a:t>) </a:t>
+            </a:r>
+            <a:r>
+              <a:rPr lang="en-US" sz="1600" dirty="0" err="1" smtClean="0">
+                <a:solidFill>
+                  <a:schemeClr val="tx1"/>
+                </a:solidFill>
+              </a:rPr>
+              <a:t>replizieren</a:t>
+            </a:r>
+            <a:r>
+              <a:rPr lang="en-US" sz="1600" dirty="0" smtClean="0">
+                <a:solidFill>
+                  <a:schemeClr val="tx1"/>
+                </a:solidFill>
+              </a:rPr>
+              <a:t>?</a:t>
+            </a:r>
+            <a:endParaRPr lang="en-US" sz="1600" dirty="0">
+              <a:solidFill>
+                <a:schemeClr val="tx1"/>
+              </a:solidFill>
+            </a:endParaRPr>
+          </a:p>
+          <a:p>
+            <a:pPr marL="625475" indent="-342900">
+              <a:buFont typeface="+mj-lt"/>
+              <a:buAutoNum type="alphaLcParenR"/>
+            </a:pPr>
+            <a:r>
+              <a:rPr lang="en-US" sz="1600" dirty="0" err="1" smtClean="0">
+                <a:solidFill>
+                  <a:schemeClr val="tx1"/>
+                </a:solidFill>
+              </a:rPr>
+              <a:t>Assoziationen</a:t>
+            </a:r>
+            <a:r>
+              <a:rPr lang="en-US" sz="1600" dirty="0" smtClean="0">
+                <a:solidFill>
+                  <a:schemeClr val="tx1"/>
+                </a:solidFill>
+              </a:rPr>
+              <a:t> </a:t>
+            </a:r>
+            <a:r>
+              <a:rPr lang="en-US" sz="1600" dirty="0" err="1" smtClean="0">
+                <a:solidFill>
+                  <a:schemeClr val="tx1"/>
+                </a:solidFill>
+              </a:rPr>
+              <a:t>zwischen</a:t>
+            </a:r>
+            <a:r>
+              <a:rPr lang="en-US" sz="1600" dirty="0" smtClean="0">
+                <a:solidFill>
+                  <a:schemeClr val="tx1"/>
+                </a:solidFill>
+              </a:rPr>
+              <a:t> NFC und </a:t>
+            </a:r>
+            <a:r>
+              <a:rPr lang="en-US" sz="1600" dirty="0" err="1" smtClean="0">
+                <a:solidFill>
+                  <a:schemeClr val="tx1"/>
+                </a:solidFill>
+              </a:rPr>
+              <a:t>subjektiven</a:t>
+            </a:r>
+            <a:r>
+              <a:rPr lang="en-US" sz="1600" dirty="0" smtClean="0">
+                <a:solidFill>
+                  <a:schemeClr val="tx1"/>
+                </a:solidFill>
+              </a:rPr>
+              <a:t> </a:t>
+            </a:r>
+            <a:r>
+              <a:rPr lang="en-US" sz="1600" dirty="0" err="1" smtClean="0">
+                <a:solidFill>
+                  <a:schemeClr val="tx1"/>
+                </a:solidFill>
+              </a:rPr>
+              <a:t>Werten</a:t>
+            </a:r>
+            <a:r>
+              <a:rPr lang="en-US" sz="1600" dirty="0" smtClean="0">
+                <a:solidFill>
+                  <a:schemeClr val="tx1"/>
+                </a:solidFill>
+              </a:rPr>
+              <a:t> </a:t>
+            </a:r>
+            <a:r>
+              <a:rPr lang="en-US" sz="1600" dirty="0" err="1" smtClean="0">
+                <a:solidFill>
+                  <a:schemeClr val="tx1"/>
+                </a:solidFill>
+              </a:rPr>
+              <a:t>werden</a:t>
+            </a:r>
+            <a:r>
+              <a:rPr lang="en-US" sz="1600" dirty="0" smtClean="0">
+                <a:solidFill>
+                  <a:schemeClr val="tx1"/>
+                </a:solidFill>
+              </a:rPr>
+              <a:t> </a:t>
+            </a:r>
+            <a:r>
+              <a:rPr lang="en-US" sz="1600" dirty="0" err="1" smtClean="0">
+                <a:solidFill>
+                  <a:schemeClr val="tx1"/>
+                </a:solidFill>
+              </a:rPr>
+              <a:t>unbedeutend</a:t>
+            </a:r>
+            <a:r>
+              <a:rPr lang="en-US" sz="1600" dirty="0" smtClean="0">
+                <a:solidFill>
+                  <a:schemeClr val="tx1"/>
+                </a:solidFill>
+              </a:rPr>
+              <a:t>, </a:t>
+            </a:r>
+            <a:r>
+              <a:rPr lang="en-US" sz="1600" dirty="0" err="1" smtClean="0">
+                <a:solidFill>
+                  <a:schemeClr val="tx1"/>
+                </a:solidFill>
+              </a:rPr>
+              <a:t>wenn</a:t>
+            </a:r>
+            <a:r>
+              <a:rPr lang="en-US" sz="1600" dirty="0" smtClean="0">
+                <a:solidFill>
+                  <a:schemeClr val="tx1"/>
+                </a:solidFill>
+              </a:rPr>
+              <a:t> n-back Performance </a:t>
+            </a:r>
+            <a:r>
+              <a:rPr lang="en-US" sz="1600" dirty="0" err="1" smtClean="0">
+                <a:solidFill>
+                  <a:schemeClr val="tx1"/>
+                </a:solidFill>
+              </a:rPr>
+              <a:t>als</a:t>
+            </a:r>
+            <a:r>
+              <a:rPr lang="en-US" sz="1600" dirty="0" smtClean="0">
+                <a:solidFill>
+                  <a:schemeClr val="tx1"/>
+                </a:solidFill>
+              </a:rPr>
+              <a:t> </a:t>
+            </a:r>
+            <a:r>
+              <a:rPr lang="en-US" sz="1600" dirty="0" err="1" smtClean="0">
+                <a:solidFill>
+                  <a:schemeClr val="tx1"/>
+                </a:solidFill>
+              </a:rPr>
+              <a:t>Kovariate</a:t>
+            </a:r>
+            <a:r>
+              <a:rPr lang="en-US" sz="1600" dirty="0" smtClean="0">
+                <a:solidFill>
+                  <a:schemeClr val="tx1"/>
+                </a:solidFill>
+              </a:rPr>
+              <a:t> </a:t>
+            </a:r>
+            <a:r>
+              <a:rPr lang="en-US" sz="1600" dirty="0" err="1" smtClean="0">
+                <a:solidFill>
+                  <a:schemeClr val="tx1"/>
+                </a:solidFill>
+              </a:rPr>
+              <a:t>genutzt</a:t>
+            </a:r>
+            <a:r>
+              <a:rPr lang="en-US" sz="1600" dirty="0" smtClean="0">
+                <a:solidFill>
+                  <a:schemeClr val="tx1"/>
+                </a:solidFill>
+              </a:rPr>
+              <a:t> </a:t>
+            </a:r>
+            <a:r>
+              <a:rPr lang="en-US" sz="1600" dirty="0" err="1" smtClean="0">
+                <a:solidFill>
+                  <a:schemeClr val="tx1"/>
+                </a:solidFill>
+              </a:rPr>
+              <a:t>wird</a:t>
+            </a:r>
+            <a:r>
+              <a:rPr lang="en-US" sz="1600" dirty="0" smtClean="0">
+                <a:solidFill>
+                  <a:schemeClr val="tx1"/>
+                </a:solidFill>
+              </a:rPr>
+              <a:t>.</a:t>
+            </a:r>
+            <a:endParaRPr lang="en-GB" sz="1600" dirty="0" smtClean="0">
+              <a:solidFill>
+                <a:schemeClr val="tx1"/>
+              </a:solidFill>
+            </a:endParaRPr>
+          </a:p>
+        </p:txBody>
+      </p:sp>
+    </p:spTree>
+    <p:extLst>
+      <p:ext uri="{BB962C8B-B14F-4D97-AF65-F5344CB8AC3E}">
+        <p14:creationId xmlns:p14="http://schemas.microsoft.com/office/powerpoint/2010/main" val="3342318304"/>
+      </p:ext>
+    </p:extLst>
+  </p:cSld>
+  <p:clrMapOvr>
+    <a:masterClrMapping/>
+  </p:clrMapOvr>
+  <p:timing>
+    <p:tnLst>
+      <p:par>
+        <p:cTn id="1" dur="indefinite" restart="never" nodeType="tmRoot"/>
+      </p:par>
+    </p:tnLst>
+  </p:timing>
+</p:sld>
+</file>
+
+<file path=ppt/slides/slide16.xml><?xml version="1.0" encoding="utf-8"?>
+<p:sld xmlns:a="http://schemas.openxmlformats.org/drawingml/2006/main" xmlns:r="http://schemas.openxmlformats.org/officeDocument/2006/relationships" xmlns:p="http://schemas.openxmlformats.org/presentationml/2006/main">
+  <p:cSld>
+    <p:spTree>
+      <p:nvGrpSpPr>
+        <p:cNvPr id="1" name=""/>
+        <p:cNvGrpSpPr/>
+        <p:nvPr/>
+      </p:nvGrpSpPr>
+      <p:grpSpPr>
+        <a:xfrm>
+          <a:off x="0" y="0"/>
+          <a:ext cx="0" cy="0"/>
+          <a:chOff x="0" y="0"/>
+          <a:chExt cx="0" cy="0"/>
+        </a:xfrm>
+      </p:grpSpPr>
+      <p:sp>
+        <p:nvSpPr>
           <p:cNvPr id="12" name="Titel 1"/>
           <p:cNvSpPr>
             <a:spLocks noGrp="1"/>
@@ -12649,7 +14247,7 @@
 </p:sld>
 </file>
 
-<file path=ppt/slides/slide16.xml><?xml version="1.0" encoding="utf-8"?>
+<file path=ppt/slides/slide17.xml><?xml version="1.0" encoding="utf-8"?>
 <p:sld xmlns:a="http://schemas.openxmlformats.org/drawingml/2006/main" xmlns:r="http://schemas.openxmlformats.org/officeDocument/2006/relationships" xmlns:p="http://schemas.openxmlformats.org/presentationml/2006/main">
   <p:cSld>
     <p:spTree>
@@ -12771,7 +14369,7 @@
 </p:sld>
 </file>
 
-<file path=ppt/slides/slide17.xml><?xml version="1.0" encoding="utf-8"?>
+<file path=ppt/slides/slide18.xml><?xml version="1.0" encoding="utf-8"?>
 <p:sld xmlns:a="http://schemas.openxmlformats.org/drawingml/2006/main" xmlns:r="http://schemas.openxmlformats.org/officeDocument/2006/relationships" xmlns:p="http://schemas.openxmlformats.org/presentationml/2006/main">
   <p:cSld>
     <p:spTree>
@@ -13262,67 +14860,6 @@
 </p:sld>
 </file>
 
-<file path=ppt/slides/slide18.xml><?xml version="1.0" encoding="utf-8"?>
-<p:sld xmlns:a="http://schemas.openxmlformats.org/drawingml/2006/main" xmlns:r="http://schemas.openxmlformats.org/officeDocument/2006/relationships" xmlns:p="http://schemas.openxmlformats.org/presentationml/2006/main">
-  <p:cSld>
-    <p:spTree>
-      <p:nvGrpSpPr>
-        <p:cNvPr id="1" name=""/>
-        <p:cNvGrpSpPr/>
-        <p:nvPr/>
-      </p:nvGrpSpPr>
-      <p:grpSpPr>
-        <a:xfrm>
-          <a:off x="0" y="0"/>
-          <a:ext cx="0" cy="0"/>
-          <a:chOff x="0" y="0"/>
-          <a:chExt cx="0" cy="0"/>
-        </a:xfrm>
-      </p:grpSpPr>
-      <p:sp>
-        <p:nvSpPr>
-          <p:cNvPr id="9" name="Textplatzhalter 8"/>
-          <p:cNvSpPr>
-            <a:spLocks noGrp="1"/>
-          </p:cNvSpPr>
-          <p:nvPr>
-            <p:ph type="body" sz="quarter" idx="13"/>
-          </p:nvPr>
-        </p:nvSpPr>
-        <p:spPr/>
-        <p:txBody>
-          <a:bodyPr/>
-          <a:lstStyle/>
-          <a:p>
-            <a:r>
-              <a:rPr lang="de-DE" sz="2400" b="1" dirty="0" smtClean="0">
-                <a:solidFill>
-                  <a:srgbClr val="F3FBEB"/>
-                </a:solidFill>
-              </a:rPr>
-              <a:t>Diskussion</a:t>
-            </a:r>
-            <a:endParaRPr lang="de-DE" sz="2400" b="1" dirty="0">
-              <a:solidFill>
-                <a:srgbClr val="F3FBEB"/>
-              </a:solidFill>
-            </a:endParaRPr>
-          </a:p>
-        </p:txBody>
-      </p:sp>
-    </p:spTree>
-    <p:extLst>
-      <p:ext uri="{BB962C8B-B14F-4D97-AF65-F5344CB8AC3E}">
-        <p14:creationId xmlns:p14="http://schemas.microsoft.com/office/powerpoint/2010/main" val="774769932"/>
-      </p:ext>
-    </p:extLst>
-  </p:cSld>
-  <p:clrMapOvr>
-    <a:masterClrMapping/>
-  </p:clrMapOvr>
-</p:sld>
-</file>
-
 <file path=ppt/slides/slide19.xml><?xml version="1.0" encoding="utf-8"?>
 <p:sld xmlns:a="http://schemas.openxmlformats.org/drawingml/2006/main" xmlns:r="http://schemas.openxmlformats.org/officeDocument/2006/relationships" xmlns:p="http://schemas.openxmlformats.org/presentationml/2006/main">
   <p:cSld>
@@ -13342,7 +14879,7 @@
       </p:grpSpPr>
       <p:sp>
         <p:nvSpPr>
-          <p:cNvPr id="2" name="Titel 1"/>
+          <p:cNvPr id="7" name="Titel 1"/>
           <p:cNvSpPr>
             <a:spLocks noGrp="1"/>
           </p:cNvSpPr>
@@ -13362,7 +14899,7 @@
           <a:p>
             <a:r>
               <a:rPr lang="en-GB" sz="2400" dirty="0" err="1" smtClean="0"/>
-              <a:t>Diskussion</a:t>
+              <a:t>Studiendesign</a:t>
             </a:r>
             <a:r>
               <a:rPr lang="en-GB" sz="2400" dirty="0" smtClean="0"/>
@@ -13373,9 +14910,9 @@
             </a:br>
             <a:r>
               <a:rPr lang="en-GB" sz="2000" b="0" dirty="0" smtClean="0"/>
-              <a:t>T1</a:t>
-            </a:r>
-            <a:endParaRPr lang="en-GB" sz="2400" b="0" dirty="0"/>
+              <a:t>T2 – Emotion Regulation - ED</a:t>
+            </a:r>
+            <a:endParaRPr lang="en-GB" sz="2000" b="0" dirty="0"/>
           </a:p>
         </p:txBody>
       </p:sp>
@@ -13387,8 +14924,8 @@
         </p:nvSpPr>
         <p:spPr>
           <a:xfrm>
-            <a:off x="874712" y="1071155"/>
-            <a:ext cx="10668997" cy="4723155"/>
+            <a:off x="531623" y="1176738"/>
+            <a:ext cx="10394524" cy="4253678"/>
           </a:xfrm>
           <a:prstGeom prst="rect">
             <a:avLst/>
@@ -13415,466 +14952,1319 @@
           </a:fontRef>
         </p:style>
         <p:txBody>
-          <a:bodyPr rtlCol="0" anchor="ctr"/>
+          <a:bodyPr rtlCol="0" anchor="t"/>
           <a:lstStyle/>
           <a:p>
-            <a:pPr marL="285750" indent="-285750">
-              <a:buFontTx/>
-              <a:buChar char="-"/>
-            </a:pPr>
-            <a:r>
-              <a:rPr lang="en-GB" sz="1600" dirty="0" err="1" smtClean="0">
-                <a:solidFill>
-                  <a:srgbClr val="000000"/>
-                </a:solidFill>
-              </a:rPr>
-              <a:t>Ist</a:t>
-            </a:r>
-            <a:r>
-              <a:rPr lang="en-GB" sz="1600" dirty="0" smtClean="0">
-                <a:solidFill>
-                  <a:srgbClr val="000000"/>
-                </a:solidFill>
-              </a:rPr>
-              <a:t> das </a:t>
-            </a:r>
-            <a:r>
-              <a:rPr lang="en-GB" sz="1600" dirty="0" err="1" smtClean="0">
-                <a:solidFill>
-                  <a:srgbClr val="000000"/>
-                </a:solidFill>
-              </a:rPr>
-              <a:t>verbesserte</a:t>
-            </a:r>
-            <a:r>
-              <a:rPr lang="en-GB" sz="1600" dirty="0" smtClean="0">
-                <a:solidFill>
-                  <a:srgbClr val="000000"/>
-                </a:solidFill>
-              </a:rPr>
-              <a:t> </a:t>
-            </a:r>
-            <a:r>
-              <a:rPr lang="en-GB" sz="1600" dirty="0" err="1" smtClean="0">
-                <a:solidFill>
-                  <a:srgbClr val="000000"/>
-                </a:solidFill>
-              </a:rPr>
-              <a:t>Paradigma</a:t>
-            </a:r>
-            <a:r>
-              <a:rPr lang="en-GB" sz="1600" dirty="0" smtClean="0">
-                <a:solidFill>
-                  <a:srgbClr val="000000"/>
-                </a:solidFill>
-              </a:rPr>
-              <a:t> </a:t>
-            </a:r>
-            <a:r>
-              <a:rPr lang="en-GB" sz="1600" dirty="0" err="1" smtClean="0">
-                <a:solidFill>
-                  <a:srgbClr val="000000"/>
-                </a:solidFill>
-              </a:rPr>
-              <a:t>wasserdicht</a:t>
-            </a:r>
-            <a:r>
-              <a:rPr lang="en-GB" sz="1600" dirty="0" smtClean="0">
-                <a:solidFill>
-                  <a:srgbClr val="000000"/>
-                </a:solidFill>
-              </a:rPr>
-              <a:t>?</a:t>
-            </a:r>
-            <a:endParaRPr lang="en-GB" sz="1600" dirty="0">
+            <a:r>
+              <a:rPr lang="en-GB" sz="1600" b="1" dirty="0" err="1" smtClean="0">
+                <a:solidFill>
+                  <a:schemeClr val="tx1"/>
+                </a:solidFill>
+              </a:rPr>
+              <a:t>Forschungsfragen</a:t>
+            </a:r>
+            <a:endParaRPr lang="en-GB" sz="1600" b="1" dirty="0" smtClean="0">
               <a:solidFill>
-                <a:srgbClr val="000000"/>
+                <a:schemeClr val="tx1"/>
               </a:solidFill>
             </a:endParaRPr>
           </a:p>
           <a:p>
-            <a:pPr marL="285750" indent="-285750">
-              <a:buFontTx/>
-              <a:buChar char="-"/>
-            </a:pPr>
-            <a:endParaRPr lang="en-GB" sz="1600" dirty="0" smtClean="0">
+            <a:endParaRPr lang="en-GB" sz="1600" b="1" dirty="0">
               <a:solidFill>
-                <a:srgbClr val="000000"/>
+                <a:schemeClr val="tx1"/>
               </a:solidFill>
             </a:endParaRPr>
           </a:p>
           <a:p>
-            <a:pPr marL="285750" indent="-285750">
-              <a:buFontTx/>
-              <a:buChar char="-"/>
-            </a:pPr>
-            <a:endParaRPr lang="en-GB" sz="1600" dirty="0" smtClean="0">
+            <a:r>
+              <a:rPr lang="en-US" sz="1600" dirty="0">
+                <a:solidFill>
+                  <a:schemeClr val="tx1"/>
+                </a:solidFill>
+              </a:rPr>
+              <a:t>4. </a:t>
+            </a:r>
+            <a:r>
+              <a:rPr lang="en-US" sz="1600" dirty="0" smtClean="0">
+                <a:solidFill>
+                  <a:schemeClr val="tx1"/>
+                </a:solidFill>
+              </a:rPr>
+              <a:t>Was </a:t>
+            </a:r>
+            <a:r>
+              <a:rPr lang="en-US" sz="1600" dirty="0" err="1" smtClean="0">
+                <a:solidFill>
+                  <a:schemeClr val="tx1"/>
+                </a:solidFill>
+              </a:rPr>
+              <a:t>sind</a:t>
+            </a:r>
+            <a:r>
+              <a:rPr lang="en-US" sz="1600" dirty="0" smtClean="0">
+                <a:solidFill>
+                  <a:schemeClr val="tx1"/>
+                </a:solidFill>
+              </a:rPr>
+              <a:t> </a:t>
+            </a:r>
+            <a:r>
+              <a:rPr lang="en-US" sz="1600" dirty="0" err="1" smtClean="0">
+                <a:solidFill>
+                  <a:schemeClr val="tx1"/>
+                </a:solidFill>
+              </a:rPr>
+              <a:t>individuelle</a:t>
+            </a:r>
+            <a:r>
+              <a:rPr lang="en-US" sz="1600" dirty="0" smtClean="0">
+                <a:solidFill>
+                  <a:schemeClr val="tx1"/>
+                </a:solidFill>
+              </a:rPr>
+              <a:t> </a:t>
+            </a:r>
+            <a:r>
+              <a:rPr lang="en-US" sz="1600" dirty="0" err="1" smtClean="0">
+                <a:solidFill>
+                  <a:schemeClr val="tx1"/>
+                </a:solidFill>
+              </a:rPr>
+              <a:t>subjektive</a:t>
+            </a:r>
+            <a:r>
+              <a:rPr lang="en-US" sz="1600" dirty="0" smtClean="0">
+                <a:solidFill>
+                  <a:schemeClr val="tx1"/>
+                </a:solidFill>
+              </a:rPr>
+              <a:t> </a:t>
+            </a:r>
+            <a:r>
+              <a:rPr lang="en-US" sz="1600" dirty="0" err="1" smtClean="0">
+                <a:solidFill>
+                  <a:schemeClr val="tx1"/>
+                </a:solidFill>
+              </a:rPr>
+              <a:t>Kosten</a:t>
+            </a:r>
+            <a:r>
+              <a:rPr lang="en-US" sz="1600" dirty="0" smtClean="0">
+                <a:solidFill>
+                  <a:schemeClr val="tx1"/>
+                </a:solidFill>
+              </a:rPr>
+              <a:t> von </a:t>
+            </a:r>
+            <a:r>
+              <a:rPr lang="en-US" sz="1600" dirty="0" err="1" smtClean="0">
+                <a:solidFill>
+                  <a:schemeClr val="tx1"/>
+                </a:solidFill>
+              </a:rPr>
+              <a:t>Emotionsregulationsstrategien</a:t>
+            </a:r>
+            <a:r>
+              <a:rPr lang="en-US" sz="1600" dirty="0" smtClean="0">
+                <a:solidFill>
+                  <a:schemeClr val="tx1"/>
+                </a:solidFill>
+              </a:rPr>
+              <a:t>?</a:t>
+            </a:r>
+            <a:endParaRPr lang="en-US" sz="1600" dirty="0">
               <a:solidFill>
-                <a:srgbClr val="000000"/>
+                <a:schemeClr val="tx1"/>
               </a:solidFill>
             </a:endParaRPr>
           </a:p>
           <a:p>
-            <a:pPr marL="285750" indent="-285750">
-              <a:buFontTx/>
-              <a:buChar char="-"/>
+            <a:pPr marL="630238" indent="-342900">
+              <a:buFont typeface="+mj-lt"/>
+              <a:buAutoNum type="alphaLcParenR"/>
             </a:pPr>
             <a:r>
-              <a:rPr lang="en-GB" sz="1600" dirty="0" err="1" smtClean="0">
-                <a:solidFill>
-                  <a:srgbClr val="000000"/>
-                </a:solidFill>
-              </a:rPr>
-              <a:t>Wovon</a:t>
-            </a:r>
-            <a:r>
-              <a:rPr lang="en-GB" sz="1600" dirty="0" smtClean="0">
-                <a:solidFill>
-                  <a:srgbClr val="000000"/>
+              <a:rPr lang="en-US" sz="1600" dirty="0" err="1" smtClean="0">
+                <a:solidFill>
+                  <a:schemeClr val="tx1"/>
+                </a:solidFill>
+              </a:rPr>
+              <a:t>Individuelle</a:t>
+            </a:r>
+            <a:r>
+              <a:rPr lang="en-US" sz="1600" dirty="0" smtClean="0">
+                <a:solidFill>
+                  <a:schemeClr val="tx1"/>
                 </a:solidFill>
               </a:rPr>
               <a:t> </a:t>
             </a:r>
             <a:r>
-              <a:rPr lang="en-GB" sz="1600" dirty="0" err="1" smtClean="0">
-                <a:solidFill>
-                  <a:srgbClr val="000000"/>
-                </a:solidFill>
-              </a:rPr>
-              <a:t>machen</a:t>
-            </a:r>
-            <a:r>
-              <a:rPr lang="en-GB" sz="1600" dirty="0" smtClean="0">
-                <a:solidFill>
-                  <a:srgbClr val="000000"/>
+              <a:rPr lang="en-US" sz="1600" dirty="0" err="1" smtClean="0">
+                <a:solidFill>
+                  <a:schemeClr val="tx1"/>
+                </a:solidFill>
+              </a:rPr>
+              <a:t>subjektive</a:t>
+            </a:r>
+            <a:r>
+              <a:rPr lang="en-US" sz="1600" dirty="0" smtClean="0">
+                <a:solidFill>
+                  <a:schemeClr val="tx1"/>
                 </a:solidFill>
               </a:rPr>
               <a:t> </a:t>
             </a:r>
             <a:r>
-              <a:rPr lang="en-GB" sz="1600" dirty="0" err="1" smtClean="0">
-                <a:solidFill>
-                  <a:srgbClr val="000000"/>
-                </a:solidFill>
-              </a:rPr>
-              <a:t>wir</a:t>
-            </a:r>
-            <a:r>
-              <a:rPr lang="en-GB" sz="1600" dirty="0" smtClean="0">
-                <a:solidFill>
-                  <a:srgbClr val="000000"/>
+              <a:rPr lang="en-US" sz="1600" dirty="0" err="1" smtClean="0">
+                <a:solidFill>
+                  <a:schemeClr val="tx1"/>
+                </a:solidFill>
+              </a:rPr>
+              <a:t>Kosten</a:t>
+            </a:r>
+            <a:r>
+              <a:rPr lang="en-US" sz="1600" dirty="0" smtClean="0">
+                <a:solidFill>
+                  <a:schemeClr val="tx1"/>
+                </a:solidFill>
+              </a:rPr>
+              <a:t> von ER </a:t>
+            </a:r>
+            <a:r>
+              <a:rPr lang="en-US" sz="1600" dirty="0" err="1" smtClean="0">
+                <a:solidFill>
+                  <a:schemeClr val="tx1"/>
+                </a:solidFill>
+              </a:rPr>
+              <a:t>Strategien</a:t>
+            </a:r>
+            <a:r>
+              <a:rPr lang="en-US" sz="1600" dirty="0" smtClean="0">
+                <a:solidFill>
+                  <a:schemeClr val="tx1"/>
                 </a:solidFill>
               </a:rPr>
               <a:t> </a:t>
             </a:r>
             <a:r>
-              <a:rPr lang="en-GB" sz="1600" dirty="0" err="1" smtClean="0">
-                <a:solidFill>
-                  <a:srgbClr val="000000"/>
-                </a:solidFill>
-              </a:rPr>
-              <a:t>abhängig</a:t>
-            </a:r>
-            <a:r>
-              <a:rPr lang="en-GB" sz="1600" dirty="0" smtClean="0">
-                <a:solidFill>
-                  <a:srgbClr val="000000"/>
-                </a:solidFill>
-              </a:rPr>
-              <a:t>, welches n-back-Level </a:t>
-            </a:r>
-            <a:r>
-              <a:rPr lang="en-GB" sz="1600" dirty="0" err="1" smtClean="0">
-                <a:solidFill>
-                  <a:srgbClr val="000000"/>
-                </a:solidFill>
-              </a:rPr>
-              <a:t>oder</a:t>
-            </a:r>
-            <a:r>
-              <a:rPr lang="en-GB" sz="1600" dirty="0" smtClean="0">
-                <a:solidFill>
-                  <a:srgbClr val="000000"/>
+              <a:rPr lang="en-US" sz="1600" dirty="0" err="1" smtClean="0">
+                <a:solidFill>
+                  <a:schemeClr val="tx1"/>
+                </a:solidFill>
+              </a:rPr>
+              <a:t>korrelieren</a:t>
+            </a:r>
+            <a:r>
+              <a:rPr lang="en-US" sz="1600" dirty="0" smtClean="0">
+                <a:solidFill>
+                  <a:schemeClr val="tx1"/>
                 </a:solidFill>
               </a:rPr>
               <a:t> </a:t>
             </a:r>
             <a:r>
-              <a:rPr lang="en-GB" sz="1600" dirty="0" err="1" smtClean="0">
-                <a:solidFill>
-                  <a:srgbClr val="000000"/>
-                </a:solidFill>
-              </a:rPr>
-              <a:t>welche</a:t>
-            </a:r>
-            <a:r>
-              <a:rPr lang="en-GB" sz="1600" dirty="0" smtClean="0">
-                <a:solidFill>
-                  <a:srgbClr val="000000"/>
+              <a:rPr lang="en-US" sz="1600" dirty="0" err="1" smtClean="0">
+                <a:solidFill>
+                  <a:schemeClr val="tx1"/>
+                </a:solidFill>
+              </a:rPr>
+              <a:t>negativ</a:t>
+            </a:r>
+            <a:r>
+              <a:rPr lang="en-US" sz="1600" dirty="0" smtClean="0">
+                <a:solidFill>
+                  <a:schemeClr val="tx1"/>
                 </a:solidFill>
               </a:rPr>
               <a:t> </a:t>
             </a:r>
             <a:r>
-              <a:rPr lang="en-GB" sz="1600" dirty="0" err="1" smtClean="0">
-                <a:solidFill>
-                  <a:srgbClr val="000000"/>
-                </a:solidFill>
-              </a:rPr>
-              <a:t>Strategie</a:t>
-            </a:r>
-            <a:r>
-              <a:rPr lang="en-GB" sz="1600" dirty="0" smtClean="0">
-                <a:solidFill>
-                  <a:srgbClr val="000000"/>
-                </a:solidFill>
-              </a:rPr>
-              <a:t> am </a:t>
-            </a:r>
-            <a:r>
-              <a:rPr lang="en-GB" sz="1600" dirty="0" err="1" smtClean="0">
-                <a:solidFill>
-                  <a:srgbClr val="000000"/>
-                </a:solidFill>
-              </a:rPr>
-              <a:t>Ende</a:t>
-            </a:r>
-            <a:r>
-              <a:rPr lang="en-GB" sz="1600" dirty="0" smtClean="0">
-                <a:solidFill>
-                  <a:srgbClr val="000000"/>
+              <a:rPr lang="en-US" sz="1600" dirty="0" err="1" smtClean="0">
+                <a:solidFill>
+                  <a:schemeClr val="tx1"/>
+                </a:solidFill>
+              </a:rPr>
+              <a:t>mit</a:t>
+            </a:r>
+            <a:r>
+              <a:rPr lang="en-US" sz="1600" dirty="0" smtClean="0">
+                <a:solidFill>
+                  <a:schemeClr val="tx1"/>
+                </a:solidFill>
+              </a:rPr>
+              <a:t> den </a:t>
+            </a:r>
+            <a:r>
+              <a:rPr lang="en-US" sz="1600" dirty="0" err="1" smtClean="0">
+                <a:solidFill>
+                  <a:schemeClr val="tx1"/>
+                </a:solidFill>
+              </a:rPr>
+              <a:t>entsprechenden</a:t>
+            </a:r>
+            <a:r>
+              <a:rPr lang="en-US" sz="1600" dirty="0" smtClean="0">
+                <a:solidFill>
+                  <a:schemeClr val="tx1"/>
+                </a:solidFill>
+              </a:rPr>
+              <a:t> </a:t>
+            </a:r>
+            <a:r>
+              <a:rPr lang="en-US" sz="1600" dirty="0" err="1" smtClean="0">
+                <a:solidFill>
+                  <a:schemeClr val="tx1"/>
+                </a:solidFill>
+              </a:rPr>
+              <a:t>Effortratings</a:t>
+            </a:r>
+            <a:r>
+              <a:rPr lang="en-US" sz="1600" dirty="0" smtClean="0">
+                <a:solidFill>
+                  <a:schemeClr val="tx1"/>
                 </a:solidFill>
               </a:rPr>
               <a:t> der </a:t>
             </a:r>
             <a:r>
-              <a:rPr lang="en-GB" sz="1600" dirty="0" err="1" smtClean="0">
-                <a:solidFill>
-                  <a:srgbClr val="000000"/>
-                </a:solidFill>
-              </a:rPr>
-              <a:t>Erhebung</a:t>
-            </a:r>
-            <a:r>
-              <a:rPr lang="en-GB" sz="1600" dirty="0" smtClean="0">
-                <a:solidFill>
-                  <a:srgbClr val="000000"/>
-                </a:solidFill>
-              </a:rPr>
-              <a:t> </a:t>
-            </a:r>
-            <a:r>
-              <a:rPr lang="en-GB" sz="1600" dirty="0" err="1" smtClean="0">
-                <a:solidFill>
-                  <a:srgbClr val="000000"/>
-                </a:solidFill>
-              </a:rPr>
-              <a:t>nochmal</a:t>
-            </a:r>
-            <a:r>
-              <a:rPr lang="en-GB" sz="1600" dirty="0" smtClean="0">
-                <a:solidFill>
-                  <a:srgbClr val="000000"/>
-                </a:solidFill>
-              </a:rPr>
-              <a:t> </a:t>
-            </a:r>
-            <a:r>
-              <a:rPr lang="en-GB" sz="1600" dirty="0" err="1" smtClean="0">
-                <a:solidFill>
-                  <a:srgbClr val="000000"/>
-                </a:solidFill>
-              </a:rPr>
-              <a:t>wiederholt</a:t>
-            </a:r>
-            <a:r>
-              <a:rPr lang="en-GB" sz="1600" dirty="0" smtClean="0">
-                <a:solidFill>
-                  <a:srgbClr val="000000"/>
-                </a:solidFill>
-              </a:rPr>
-              <a:t> </a:t>
-            </a:r>
-            <a:r>
-              <a:rPr lang="en-GB" sz="1600" dirty="0" err="1" smtClean="0">
-                <a:solidFill>
-                  <a:srgbClr val="000000"/>
-                </a:solidFill>
-              </a:rPr>
-              <a:t>wird</a:t>
-            </a:r>
-            <a:r>
-              <a:rPr lang="en-GB" sz="1600" dirty="0" smtClean="0">
-                <a:solidFill>
-                  <a:srgbClr val="000000"/>
-                </a:solidFill>
-              </a:rPr>
-              <a:t>?</a:t>
-            </a:r>
-          </a:p>
-          <a:p>
-            <a:endParaRPr lang="en-GB" sz="1600" dirty="0" smtClean="0">
+              <a:rPr lang="en-US" sz="1600" dirty="0" err="1" smtClean="0">
+                <a:solidFill>
+                  <a:schemeClr val="tx1"/>
+                </a:solidFill>
+              </a:rPr>
+              <a:t>Strategien</a:t>
+            </a:r>
+            <a:endParaRPr lang="en-US" sz="1600" dirty="0" smtClean="0">
               <a:solidFill>
-                <a:srgbClr val="000000"/>
+                <a:schemeClr val="tx1"/>
               </a:solidFill>
             </a:endParaRPr>
           </a:p>
           <a:p>
-            <a:pPr marL="285750" indent="-285750">
-              <a:buFontTx/>
-              <a:buChar char="-"/>
+            <a:pPr marL="630238" indent="-342900">
+              <a:buFont typeface="+mj-lt"/>
+              <a:buAutoNum type="alphaLcParenR"/>
             </a:pPr>
-            <a:r>
-              <a:rPr lang="en-GB" sz="1600" dirty="0" err="1" smtClean="0">
-                <a:solidFill>
-                  <a:srgbClr val="000000"/>
-                </a:solidFill>
-              </a:rPr>
-              <a:t>Welche</a:t>
-            </a:r>
-            <a:r>
-              <a:rPr lang="en-GB" sz="1600" dirty="0" smtClean="0">
-                <a:solidFill>
-                  <a:srgbClr val="000000"/>
+            <a:endParaRPr lang="en-US" sz="1600" dirty="0">
+              <a:solidFill>
+                <a:schemeClr val="tx1"/>
+              </a:solidFill>
+            </a:endParaRPr>
+          </a:p>
+          <a:p>
+            <a:r>
+              <a:rPr lang="en-US" sz="1600" dirty="0">
+                <a:solidFill>
+                  <a:schemeClr val="tx1"/>
+                </a:solidFill>
+              </a:rPr>
+              <a:t>5. </a:t>
+            </a:r>
+            <a:r>
+              <a:rPr lang="en-US" sz="1600" dirty="0" smtClean="0">
+                <a:solidFill>
+                  <a:schemeClr val="tx1"/>
+                </a:solidFill>
+              </a:rPr>
+              <a:t>Sind </a:t>
+            </a:r>
+            <a:r>
+              <a:rPr lang="en-US" sz="1600" dirty="0" err="1" smtClean="0">
+                <a:solidFill>
+                  <a:schemeClr val="tx1"/>
+                </a:solidFill>
+              </a:rPr>
+              <a:t>individuelle</a:t>
+            </a:r>
+            <a:r>
+              <a:rPr lang="en-US" sz="1600" dirty="0" smtClean="0">
+                <a:solidFill>
+                  <a:schemeClr val="tx1"/>
                 </a:solidFill>
               </a:rPr>
               <a:t> </a:t>
             </a:r>
             <a:r>
-              <a:rPr lang="en-GB" sz="1600" dirty="0" err="1" smtClean="0">
-                <a:solidFill>
-                  <a:srgbClr val="000000"/>
-                </a:solidFill>
-              </a:rPr>
-              <a:t>weiteren</a:t>
-            </a:r>
-            <a:r>
-              <a:rPr lang="en-GB" sz="1600" dirty="0" smtClean="0">
-                <a:solidFill>
-                  <a:srgbClr val="000000"/>
+              <a:rPr lang="en-US" sz="1600" dirty="0" err="1" smtClean="0">
+                <a:solidFill>
+                  <a:schemeClr val="tx1"/>
+                </a:solidFill>
+              </a:rPr>
+              <a:t>subjektive</a:t>
+            </a:r>
+            <a:r>
+              <a:rPr lang="en-US" sz="1600" dirty="0" smtClean="0">
+                <a:solidFill>
+                  <a:schemeClr val="tx1"/>
                 </a:solidFill>
               </a:rPr>
               <a:t> </a:t>
             </a:r>
             <a:r>
-              <a:rPr lang="en-GB" sz="1600" dirty="0" err="1" smtClean="0">
-                <a:solidFill>
-                  <a:srgbClr val="000000"/>
-                </a:solidFill>
-              </a:rPr>
-              <a:t>Hypothesen</a:t>
-            </a:r>
-            <a:r>
-              <a:rPr lang="en-GB" sz="1600" dirty="0" smtClean="0">
-                <a:solidFill>
-                  <a:srgbClr val="000000"/>
+              <a:rPr lang="en-US" sz="1600" dirty="0" err="1" smtClean="0">
+                <a:solidFill>
+                  <a:schemeClr val="tx1"/>
+                </a:solidFill>
+              </a:rPr>
+              <a:t>Kosten</a:t>
+            </a:r>
+            <a:r>
+              <a:rPr lang="en-US" sz="1600" dirty="0" smtClean="0">
+                <a:solidFill>
+                  <a:schemeClr val="tx1"/>
                 </a:solidFill>
               </a:rPr>
               <a:t> </a:t>
             </a:r>
             <a:r>
-              <a:rPr lang="en-GB" sz="1600" dirty="0" err="1" smtClean="0">
-                <a:solidFill>
-                  <a:srgbClr val="000000"/>
-                </a:solidFill>
-              </a:rPr>
-              <a:t>können</a:t>
-            </a:r>
-            <a:r>
-              <a:rPr lang="en-GB" sz="1600" dirty="0" smtClean="0">
-                <a:solidFill>
-                  <a:srgbClr val="000000"/>
+              <a:rPr lang="en-US" sz="1600" dirty="0" err="1" smtClean="0">
+                <a:solidFill>
+                  <a:schemeClr val="tx1"/>
+                </a:solidFill>
+              </a:rPr>
+              <a:t>mit</a:t>
+            </a:r>
+            <a:r>
+              <a:rPr lang="en-US" sz="1600" dirty="0" smtClean="0">
+                <a:solidFill>
+                  <a:schemeClr val="tx1"/>
                 </a:solidFill>
               </a:rPr>
               <a:t> </a:t>
             </a:r>
             <a:r>
-              <a:rPr lang="en-GB" sz="1600" dirty="0" err="1" smtClean="0">
-                <a:solidFill>
-                  <a:srgbClr val="000000"/>
-                </a:solidFill>
-              </a:rPr>
-              <a:t>wir</a:t>
-            </a:r>
-            <a:r>
-              <a:rPr lang="en-GB" sz="1600" dirty="0">
-                <a:solidFill>
-                  <a:srgbClr val="000000"/>
+              <a:rPr lang="en-US" sz="1600" dirty="0" err="1" smtClean="0">
+                <a:solidFill>
+                  <a:schemeClr val="tx1"/>
+                </a:solidFill>
+              </a:rPr>
+              <a:t>Personlichkeitstraits</a:t>
+            </a:r>
+            <a:r>
+              <a:rPr lang="en-US" sz="1600" dirty="0" smtClean="0">
+                <a:solidFill>
+                  <a:schemeClr val="tx1"/>
                 </a:solidFill>
               </a:rPr>
               <a:t> </a:t>
             </a:r>
             <a:r>
-              <a:rPr lang="en-GB" sz="1600" dirty="0" err="1" smtClean="0">
-                <a:solidFill>
-                  <a:srgbClr val="000000"/>
-                </a:solidFill>
-              </a:rPr>
-              <a:t>aufstellen</a:t>
-            </a:r>
-            <a:r>
-              <a:rPr lang="en-GB" sz="1600" dirty="0" smtClean="0">
-                <a:solidFill>
-                  <a:srgbClr val="000000"/>
+              <a:rPr lang="en-US" sz="1600" dirty="0" err="1" smtClean="0">
+                <a:solidFill>
+                  <a:schemeClr val="tx1"/>
+                </a:solidFill>
+              </a:rPr>
+              <a:t>assoziiert</a:t>
+            </a:r>
+            <a:r>
+              <a:rPr lang="en-US" sz="1600" dirty="0" smtClean="0">
+                <a:solidFill>
+                  <a:schemeClr val="tx1"/>
+                </a:solidFill>
+              </a:rPr>
+              <a:t>?</a:t>
+            </a:r>
+          </a:p>
+          <a:p>
+            <a:pPr marL="630238" indent="-342900">
+              <a:buFont typeface="+mj-lt"/>
+              <a:buAutoNum type="alphaLcParenR"/>
+            </a:pPr>
+            <a:r>
+              <a:rPr lang="en-US" sz="1600" dirty="0" err="1" smtClean="0">
+                <a:solidFill>
+                  <a:schemeClr val="tx1"/>
+                </a:solidFill>
+              </a:rPr>
+              <a:t>Habituelle</a:t>
+            </a:r>
+            <a:r>
+              <a:rPr lang="en-US" sz="1600" dirty="0" smtClean="0">
+                <a:solidFill>
+                  <a:schemeClr val="tx1"/>
                 </a:solidFill>
               </a:rPr>
               <a:t> </a:t>
             </a:r>
             <a:r>
-              <a:rPr lang="en-GB" sz="1600" dirty="0" err="1" smtClean="0">
-                <a:solidFill>
-                  <a:srgbClr val="000000"/>
-                </a:solidFill>
-              </a:rPr>
-              <a:t>bzgl</a:t>
-            </a:r>
-            <a:r>
-              <a:rPr lang="en-GB" sz="1600" dirty="0" smtClean="0">
-                <a:solidFill>
-                  <a:srgbClr val="000000"/>
-                </a:solidFill>
-              </a:rPr>
-              <a:t>. NFC, </a:t>
-            </a:r>
-            <a:r>
-              <a:rPr lang="en-GB" sz="1600" dirty="0" err="1" smtClean="0">
-                <a:solidFill>
-                  <a:srgbClr val="000000"/>
-                </a:solidFill>
-              </a:rPr>
-              <a:t>Emotionsregulation</a:t>
-            </a:r>
-            <a:r>
-              <a:rPr lang="en-GB" sz="1600" dirty="0" smtClean="0">
-                <a:solidFill>
-                  <a:srgbClr val="000000"/>
-                </a:solidFill>
-              </a:rPr>
-              <a:t>, </a:t>
-            </a:r>
-            <a:r>
-              <a:rPr lang="en-GB" sz="1600" dirty="0" err="1" smtClean="0">
-                <a:solidFill>
-                  <a:srgbClr val="000000"/>
-                </a:solidFill>
-              </a:rPr>
-              <a:t>Zusammenhang</a:t>
-            </a:r>
-            <a:r>
-              <a:rPr lang="en-GB" sz="1600" dirty="0" smtClean="0">
-                <a:solidFill>
-                  <a:srgbClr val="000000"/>
-                </a:solidFill>
-              </a:rPr>
-              <a:t> von t1 und t2, etc. ?</a:t>
-            </a:r>
+              <a:rPr lang="en-US" sz="1600" dirty="0" err="1" smtClean="0">
+                <a:solidFill>
+                  <a:schemeClr val="tx1"/>
+                </a:solidFill>
+              </a:rPr>
+              <a:t>Nutzung</a:t>
+            </a:r>
+            <a:r>
+              <a:rPr lang="en-US" sz="1600" dirty="0" smtClean="0">
+                <a:solidFill>
+                  <a:schemeClr val="tx1"/>
+                </a:solidFill>
+              </a:rPr>
+              <a:t> von Reappraisal (</a:t>
+            </a:r>
+            <a:r>
+              <a:rPr lang="en-US" sz="1600" dirty="0" err="1" smtClean="0">
+                <a:solidFill>
+                  <a:schemeClr val="tx1"/>
+                </a:solidFill>
+              </a:rPr>
+              <a:t>gemessen</a:t>
+            </a:r>
+            <a:r>
+              <a:rPr lang="en-US" sz="1600" dirty="0" smtClean="0">
+                <a:solidFill>
+                  <a:schemeClr val="tx1"/>
+                </a:solidFill>
+              </a:rPr>
+              <a:t> via ERQ) </a:t>
+            </a:r>
+            <a:r>
+              <a:rPr lang="en-US" sz="1600" dirty="0" err="1" smtClean="0">
+                <a:solidFill>
+                  <a:schemeClr val="tx1"/>
+                </a:solidFill>
+              </a:rPr>
+              <a:t>korreliert</a:t>
+            </a:r>
+            <a:r>
+              <a:rPr lang="en-US" sz="1600" dirty="0" smtClean="0">
+                <a:solidFill>
+                  <a:schemeClr val="tx1"/>
+                </a:solidFill>
+              </a:rPr>
+              <a:t> </a:t>
+            </a:r>
+            <a:r>
+              <a:rPr lang="en-US" sz="1600" dirty="0" err="1" smtClean="0">
+                <a:solidFill>
+                  <a:schemeClr val="tx1"/>
+                </a:solidFill>
+              </a:rPr>
+              <a:t>positiv</a:t>
+            </a:r>
+            <a:r>
+              <a:rPr lang="en-US" sz="1600" dirty="0" smtClean="0">
+                <a:solidFill>
+                  <a:schemeClr val="tx1"/>
+                </a:solidFill>
+              </a:rPr>
+              <a:t> </a:t>
+            </a:r>
+            <a:r>
+              <a:rPr lang="en-US" sz="1600" dirty="0" err="1" smtClean="0">
+                <a:solidFill>
+                  <a:schemeClr val="tx1"/>
+                </a:solidFill>
+              </a:rPr>
+              <a:t>mit</a:t>
+            </a:r>
+            <a:r>
+              <a:rPr lang="en-US" sz="1600" dirty="0" smtClean="0">
+                <a:solidFill>
+                  <a:schemeClr val="tx1"/>
+                </a:solidFill>
+              </a:rPr>
+              <a:t> </a:t>
+            </a:r>
+            <a:r>
+              <a:rPr lang="en-US" sz="1600" dirty="0" err="1" smtClean="0">
+                <a:solidFill>
+                  <a:schemeClr val="tx1"/>
+                </a:solidFill>
+              </a:rPr>
+              <a:t>dem</a:t>
+            </a:r>
+            <a:r>
+              <a:rPr lang="en-US" sz="1600" dirty="0" smtClean="0">
+                <a:solidFill>
+                  <a:schemeClr val="tx1"/>
+                </a:solidFill>
+              </a:rPr>
+              <a:t> </a:t>
+            </a:r>
+            <a:r>
+              <a:rPr lang="en-US" sz="1600" dirty="0" err="1" smtClean="0">
+                <a:solidFill>
+                  <a:schemeClr val="tx1"/>
+                </a:solidFill>
+              </a:rPr>
+              <a:t>subjektiven</a:t>
+            </a:r>
+            <a:r>
+              <a:rPr lang="en-US" sz="1600" dirty="0" smtClean="0">
+                <a:solidFill>
+                  <a:schemeClr val="tx1"/>
+                </a:solidFill>
+              </a:rPr>
+              <a:t> Wert von Distancing</a:t>
+            </a:r>
+          </a:p>
+          <a:p>
+            <a:pPr marL="630238" indent="-342900">
+              <a:buFont typeface="+mj-lt"/>
+              <a:buAutoNum type="alphaLcParenR"/>
+            </a:pPr>
+            <a:r>
+              <a:rPr lang="en-US" sz="1600" dirty="0" err="1">
+                <a:solidFill>
+                  <a:schemeClr val="tx1"/>
+                </a:solidFill>
+              </a:rPr>
+              <a:t>Habituelle</a:t>
+            </a:r>
+            <a:r>
+              <a:rPr lang="en-US" sz="1600" dirty="0">
+                <a:solidFill>
+                  <a:schemeClr val="tx1"/>
+                </a:solidFill>
+              </a:rPr>
+              <a:t> </a:t>
+            </a:r>
+            <a:r>
+              <a:rPr lang="en-US" sz="1600" dirty="0" err="1">
+                <a:solidFill>
+                  <a:schemeClr val="tx1"/>
+                </a:solidFill>
+              </a:rPr>
+              <a:t>Nutzung</a:t>
+            </a:r>
+            <a:r>
+              <a:rPr lang="en-US" sz="1600" dirty="0">
+                <a:solidFill>
+                  <a:schemeClr val="tx1"/>
+                </a:solidFill>
+              </a:rPr>
+              <a:t> von </a:t>
+            </a:r>
+            <a:r>
+              <a:rPr lang="en-US" sz="1600" dirty="0" smtClean="0">
+                <a:solidFill>
+                  <a:schemeClr val="tx1"/>
+                </a:solidFill>
+              </a:rPr>
+              <a:t>Suppression </a:t>
+            </a:r>
+            <a:r>
+              <a:rPr lang="en-US" sz="1600" dirty="0">
+                <a:solidFill>
+                  <a:schemeClr val="tx1"/>
+                </a:solidFill>
+              </a:rPr>
+              <a:t>(</a:t>
+            </a:r>
+            <a:r>
+              <a:rPr lang="en-US" sz="1600" dirty="0" err="1">
+                <a:solidFill>
+                  <a:schemeClr val="tx1"/>
+                </a:solidFill>
+              </a:rPr>
+              <a:t>gemessen</a:t>
+            </a:r>
+            <a:r>
+              <a:rPr lang="en-US" sz="1600" dirty="0">
+                <a:solidFill>
+                  <a:schemeClr val="tx1"/>
+                </a:solidFill>
+              </a:rPr>
+              <a:t> via ERQ) </a:t>
+            </a:r>
+            <a:r>
+              <a:rPr lang="en-US" sz="1600" dirty="0" err="1">
+                <a:solidFill>
+                  <a:schemeClr val="tx1"/>
+                </a:solidFill>
+              </a:rPr>
+              <a:t>korreliert</a:t>
+            </a:r>
+            <a:r>
+              <a:rPr lang="en-US" sz="1600" dirty="0">
+                <a:solidFill>
+                  <a:schemeClr val="tx1"/>
+                </a:solidFill>
+              </a:rPr>
+              <a:t> </a:t>
+            </a:r>
+            <a:r>
+              <a:rPr lang="en-US" sz="1600" dirty="0" err="1" smtClean="0">
+                <a:solidFill>
+                  <a:schemeClr val="tx1"/>
+                </a:solidFill>
+              </a:rPr>
+              <a:t>positiv</a:t>
+            </a:r>
+            <a:r>
+              <a:rPr lang="en-US" sz="1600" dirty="0" smtClean="0">
+                <a:solidFill>
+                  <a:schemeClr val="tx1"/>
+                </a:solidFill>
+              </a:rPr>
+              <a:t> </a:t>
+            </a:r>
+            <a:r>
+              <a:rPr lang="en-US" sz="1600" dirty="0" err="1">
+                <a:solidFill>
+                  <a:schemeClr val="tx1"/>
+                </a:solidFill>
+              </a:rPr>
+              <a:t>mit</a:t>
+            </a:r>
+            <a:r>
+              <a:rPr lang="en-US" sz="1600" dirty="0">
+                <a:solidFill>
+                  <a:schemeClr val="tx1"/>
+                </a:solidFill>
+              </a:rPr>
+              <a:t> </a:t>
+            </a:r>
+            <a:r>
+              <a:rPr lang="en-US" sz="1600" dirty="0" err="1">
+                <a:solidFill>
+                  <a:schemeClr val="tx1"/>
+                </a:solidFill>
+              </a:rPr>
+              <a:t>dem</a:t>
+            </a:r>
+            <a:r>
+              <a:rPr lang="en-US" sz="1600" dirty="0">
+                <a:solidFill>
+                  <a:schemeClr val="tx1"/>
+                </a:solidFill>
+              </a:rPr>
+              <a:t> </a:t>
+            </a:r>
+            <a:r>
+              <a:rPr lang="en-US" sz="1600" dirty="0" err="1">
+                <a:solidFill>
+                  <a:schemeClr val="tx1"/>
+                </a:solidFill>
+              </a:rPr>
+              <a:t>subjektiven</a:t>
+            </a:r>
+            <a:r>
+              <a:rPr lang="en-US" sz="1600" dirty="0">
+                <a:solidFill>
+                  <a:schemeClr val="tx1"/>
+                </a:solidFill>
+              </a:rPr>
+              <a:t> Wert von </a:t>
+            </a:r>
+            <a:r>
+              <a:rPr lang="en-US" sz="1600" dirty="0" smtClean="0">
+                <a:solidFill>
+                  <a:schemeClr val="tx1"/>
+                </a:solidFill>
+              </a:rPr>
+              <a:t>Suppression</a:t>
+            </a:r>
+            <a:endParaRPr lang="en-US" sz="1600" dirty="0">
+              <a:solidFill>
+                <a:schemeClr val="tx1"/>
+              </a:solidFill>
+            </a:endParaRPr>
+          </a:p>
+          <a:p>
+            <a:pPr marL="630238" indent="-342900">
+              <a:buFont typeface="+mj-lt"/>
+              <a:buAutoNum type="alphaLcParenR"/>
+            </a:pPr>
+            <a:r>
+              <a:rPr lang="en-US" sz="1600" dirty="0" err="1" smtClean="0">
+                <a:solidFill>
+                  <a:schemeClr val="tx1"/>
+                </a:solidFill>
+              </a:rPr>
+              <a:t>Höhere</a:t>
+            </a:r>
+            <a:r>
+              <a:rPr lang="en-US" sz="1600" dirty="0" smtClean="0">
+                <a:solidFill>
+                  <a:schemeClr val="tx1"/>
+                </a:solidFill>
+              </a:rPr>
+              <a:t> ER </a:t>
+            </a:r>
+            <a:r>
+              <a:rPr lang="en-US" sz="1600" dirty="0" err="1" smtClean="0">
+                <a:solidFill>
+                  <a:schemeClr val="tx1"/>
+                </a:solidFill>
+              </a:rPr>
+              <a:t>Flexibilität</a:t>
+            </a:r>
+            <a:r>
+              <a:rPr lang="en-US" sz="1600" dirty="0" smtClean="0">
+                <a:solidFill>
+                  <a:schemeClr val="tx1"/>
+                </a:solidFill>
+              </a:rPr>
+              <a:t> (</a:t>
+            </a:r>
+            <a:r>
+              <a:rPr lang="en-US" sz="1600" dirty="0" err="1" smtClean="0">
+                <a:solidFill>
+                  <a:schemeClr val="tx1"/>
+                </a:solidFill>
+              </a:rPr>
+              <a:t>gemessen</a:t>
+            </a:r>
+            <a:r>
+              <a:rPr lang="en-US" sz="1600" dirty="0" smtClean="0">
+                <a:solidFill>
+                  <a:schemeClr val="tx1"/>
+                </a:solidFill>
+              </a:rPr>
+              <a:t> via </a:t>
+            </a:r>
+            <a:r>
+              <a:rPr lang="en-US" sz="1600" dirty="0" err="1" smtClean="0">
+                <a:solidFill>
+                  <a:schemeClr val="tx1"/>
+                </a:solidFill>
+              </a:rPr>
+              <a:t>FlexER</a:t>
+            </a:r>
+            <a:r>
+              <a:rPr lang="en-US" sz="1600" dirty="0" smtClean="0">
+                <a:solidFill>
+                  <a:schemeClr val="tx1"/>
+                </a:solidFill>
+              </a:rPr>
+              <a:t>) </a:t>
+            </a:r>
+            <a:r>
+              <a:rPr lang="en-US" sz="1600" dirty="0" err="1" smtClean="0">
+                <a:solidFill>
+                  <a:schemeClr val="tx1"/>
+                </a:solidFill>
+              </a:rPr>
+              <a:t>ist</a:t>
+            </a:r>
+            <a:r>
+              <a:rPr lang="en-US" sz="1600" dirty="0" smtClean="0">
+                <a:solidFill>
+                  <a:schemeClr val="tx1"/>
+                </a:solidFill>
+              </a:rPr>
+              <a:t> </a:t>
+            </a:r>
+            <a:r>
+              <a:rPr lang="en-US" sz="1600" dirty="0" err="1" smtClean="0">
+                <a:solidFill>
+                  <a:schemeClr val="tx1"/>
+                </a:solidFill>
+              </a:rPr>
+              <a:t>mit</a:t>
+            </a:r>
+            <a:r>
+              <a:rPr lang="en-US" sz="1600" dirty="0" smtClean="0">
+                <a:solidFill>
+                  <a:schemeClr val="tx1"/>
+                </a:solidFill>
+              </a:rPr>
+              <a:t> </a:t>
+            </a:r>
+            <a:r>
+              <a:rPr lang="en-US" sz="1600" dirty="0" err="1" smtClean="0">
+                <a:solidFill>
+                  <a:schemeClr val="tx1"/>
+                </a:solidFill>
+              </a:rPr>
+              <a:t>generell</a:t>
+            </a:r>
+            <a:r>
+              <a:rPr lang="en-US" sz="1600" dirty="0" smtClean="0">
+                <a:solidFill>
+                  <a:schemeClr val="tx1"/>
+                </a:solidFill>
+              </a:rPr>
+              <a:t> </a:t>
+            </a:r>
+            <a:r>
+              <a:rPr lang="en-US" sz="1600" dirty="0" err="1" smtClean="0">
+                <a:solidFill>
+                  <a:schemeClr val="tx1"/>
+                </a:solidFill>
+              </a:rPr>
+              <a:t>höheren</a:t>
+            </a:r>
+            <a:r>
+              <a:rPr lang="en-US" sz="1600" dirty="0" smtClean="0">
+                <a:solidFill>
+                  <a:schemeClr val="tx1"/>
+                </a:solidFill>
+              </a:rPr>
+              <a:t> </a:t>
+            </a:r>
+            <a:r>
+              <a:rPr lang="en-US" sz="1600" dirty="0" err="1" smtClean="0">
+                <a:solidFill>
+                  <a:schemeClr val="tx1"/>
+                </a:solidFill>
+              </a:rPr>
+              <a:t>subjektiven</a:t>
+            </a:r>
+            <a:r>
+              <a:rPr lang="en-US" sz="1600" dirty="0" smtClean="0">
+                <a:solidFill>
+                  <a:schemeClr val="tx1"/>
+                </a:solidFill>
+              </a:rPr>
+              <a:t> </a:t>
+            </a:r>
+            <a:r>
+              <a:rPr lang="en-US" sz="1600" dirty="0" err="1" smtClean="0">
+                <a:solidFill>
+                  <a:schemeClr val="tx1"/>
+                </a:solidFill>
+              </a:rPr>
+              <a:t>Werten</a:t>
+            </a:r>
+            <a:r>
+              <a:rPr lang="en-US" sz="1600" dirty="0" smtClean="0">
+                <a:solidFill>
+                  <a:schemeClr val="tx1"/>
+                </a:solidFill>
+              </a:rPr>
+              <a:t> </a:t>
+            </a:r>
+            <a:r>
+              <a:rPr lang="en-US" sz="1600" dirty="0" err="1" smtClean="0">
+                <a:solidFill>
+                  <a:schemeClr val="tx1"/>
+                </a:solidFill>
+              </a:rPr>
+              <a:t>aller</a:t>
+            </a:r>
+            <a:r>
+              <a:rPr lang="en-US" sz="1600" dirty="0" smtClean="0">
+                <a:solidFill>
+                  <a:schemeClr val="tx1"/>
+                </a:solidFill>
+              </a:rPr>
+              <a:t> </a:t>
+            </a:r>
+            <a:r>
+              <a:rPr lang="en-US" sz="1600" dirty="0" err="1" smtClean="0">
+                <a:solidFill>
+                  <a:schemeClr val="tx1"/>
+                </a:solidFill>
+              </a:rPr>
+              <a:t>Strategien</a:t>
+            </a:r>
+            <a:r>
+              <a:rPr lang="en-US" sz="1600" dirty="0" smtClean="0">
+                <a:solidFill>
+                  <a:schemeClr val="tx1"/>
+                </a:solidFill>
+              </a:rPr>
+              <a:t> </a:t>
+            </a:r>
+            <a:r>
+              <a:rPr lang="en-US" sz="1600" dirty="0" err="1" smtClean="0">
+                <a:solidFill>
+                  <a:schemeClr val="tx1"/>
+                </a:solidFill>
+              </a:rPr>
+              <a:t>assoziiert</a:t>
+            </a:r>
+            <a:endParaRPr lang="en-US" sz="1600" dirty="0" smtClean="0">
+              <a:solidFill>
+                <a:schemeClr val="tx1"/>
+              </a:solidFill>
+            </a:endParaRPr>
+          </a:p>
+          <a:p>
+            <a:pPr marL="630238" indent="-342900">
+              <a:buFont typeface="+mj-lt"/>
+              <a:buAutoNum type="alphaLcParenR"/>
+            </a:pPr>
+            <a:endParaRPr lang="en-US" sz="1600" dirty="0">
+              <a:solidFill>
+                <a:schemeClr val="tx1"/>
+              </a:solidFill>
+            </a:endParaRPr>
+          </a:p>
+          <a:p>
+            <a:r>
+              <a:rPr lang="en-US" sz="1600" dirty="0">
+                <a:solidFill>
+                  <a:schemeClr val="tx1"/>
+                </a:solidFill>
+              </a:rPr>
+              <a:t>6. </a:t>
+            </a:r>
+            <a:r>
+              <a:rPr lang="en-US" sz="1600" dirty="0" err="1" smtClean="0">
+                <a:solidFill>
+                  <a:schemeClr val="tx1"/>
+                </a:solidFill>
+              </a:rPr>
+              <a:t>Ist</a:t>
+            </a:r>
+            <a:r>
+              <a:rPr lang="en-US" sz="1600" dirty="0" smtClean="0">
+                <a:solidFill>
+                  <a:schemeClr val="tx1"/>
+                </a:solidFill>
+              </a:rPr>
+              <a:t> </a:t>
+            </a:r>
+            <a:r>
+              <a:rPr lang="en-US" sz="1600" dirty="0" err="1" smtClean="0">
+                <a:solidFill>
+                  <a:schemeClr val="tx1"/>
+                </a:solidFill>
+              </a:rPr>
+              <a:t>Emotionsregulationserfolg</a:t>
+            </a:r>
+            <a:r>
+              <a:rPr lang="en-US" sz="1600" dirty="0" smtClean="0">
+                <a:solidFill>
+                  <a:schemeClr val="tx1"/>
+                </a:solidFill>
+              </a:rPr>
+              <a:t> </a:t>
+            </a:r>
+            <a:r>
+              <a:rPr lang="en-US" sz="1600" dirty="0" err="1" smtClean="0">
+                <a:solidFill>
+                  <a:schemeClr val="tx1"/>
+                </a:solidFill>
+              </a:rPr>
+              <a:t>mit</a:t>
+            </a:r>
+            <a:r>
+              <a:rPr lang="en-US" sz="1600" dirty="0" smtClean="0">
+                <a:solidFill>
+                  <a:schemeClr val="tx1"/>
+                </a:solidFill>
+              </a:rPr>
+              <a:t> </a:t>
+            </a:r>
+            <a:r>
+              <a:rPr lang="en-US" sz="1600" dirty="0" err="1" smtClean="0">
+                <a:solidFill>
+                  <a:schemeClr val="tx1"/>
+                </a:solidFill>
+              </a:rPr>
+              <a:t>Selbstkontrolle</a:t>
+            </a:r>
+            <a:r>
+              <a:rPr lang="en-US" sz="1600" dirty="0" smtClean="0">
+                <a:solidFill>
+                  <a:schemeClr val="tx1"/>
+                </a:solidFill>
+              </a:rPr>
+              <a:t> </a:t>
+            </a:r>
+            <a:r>
+              <a:rPr lang="en-US" sz="1600" dirty="0" err="1" smtClean="0">
+                <a:solidFill>
+                  <a:schemeClr val="tx1"/>
+                </a:solidFill>
+              </a:rPr>
+              <a:t>assoziiert</a:t>
+            </a:r>
+            <a:r>
+              <a:rPr lang="en-US" sz="1600" dirty="0" smtClean="0">
+                <a:solidFill>
+                  <a:schemeClr val="tx1"/>
+                </a:solidFill>
+              </a:rPr>
+              <a:t>?</a:t>
+            </a:r>
+            <a:endParaRPr lang="en-US" sz="1600" dirty="0">
+              <a:solidFill>
+                <a:schemeClr val="tx1"/>
+              </a:solidFill>
+            </a:endParaRPr>
+          </a:p>
+          <a:p>
+            <a:pPr marL="630238" indent="-342900">
+              <a:buFont typeface="+mj-lt"/>
+              <a:buAutoNum type="alphaLcParenR"/>
+            </a:pPr>
+            <a:r>
+              <a:rPr lang="en-US" sz="1600" dirty="0" err="1" smtClean="0">
+                <a:solidFill>
+                  <a:schemeClr val="tx1"/>
+                </a:solidFill>
+              </a:rPr>
+              <a:t>Höhere</a:t>
+            </a:r>
+            <a:r>
+              <a:rPr lang="en-US" sz="1600" dirty="0" smtClean="0">
+                <a:solidFill>
+                  <a:schemeClr val="tx1"/>
+                </a:solidFill>
+              </a:rPr>
+              <a:t> </a:t>
+            </a:r>
+            <a:r>
+              <a:rPr lang="en-US" sz="1600" dirty="0" err="1" smtClean="0">
+                <a:solidFill>
+                  <a:schemeClr val="tx1"/>
+                </a:solidFill>
+              </a:rPr>
+              <a:t>Selbstkontrolle</a:t>
+            </a:r>
+            <a:r>
+              <a:rPr lang="en-US" sz="1600" dirty="0" smtClean="0">
+                <a:solidFill>
+                  <a:schemeClr val="tx1"/>
+                </a:solidFill>
+              </a:rPr>
+              <a:t> </a:t>
+            </a:r>
+            <a:r>
+              <a:rPr lang="en-US" sz="1600" dirty="0" err="1" smtClean="0">
+                <a:solidFill>
+                  <a:schemeClr val="tx1"/>
+                </a:solidFill>
+              </a:rPr>
+              <a:t>ist</a:t>
+            </a:r>
+            <a:r>
+              <a:rPr lang="en-US" sz="1600" dirty="0">
+                <a:solidFill>
+                  <a:schemeClr val="tx1"/>
+                </a:solidFill>
+              </a:rPr>
+              <a:t> </a:t>
+            </a:r>
+            <a:r>
+              <a:rPr lang="en-US" sz="1600" dirty="0" err="1" smtClean="0">
+                <a:solidFill>
+                  <a:schemeClr val="tx1"/>
+                </a:solidFill>
+              </a:rPr>
+              <a:t>mit</a:t>
+            </a:r>
+            <a:r>
+              <a:rPr lang="en-US" sz="1600" dirty="0" smtClean="0">
+                <a:solidFill>
+                  <a:schemeClr val="tx1"/>
+                </a:solidFill>
+              </a:rPr>
+              <a:t> </a:t>
+            </a:r>
+            <a:r>
+              <a:rPr lang="en-US" sz="1600" dirty="0" err="1" smtClean="0">
+                <a:solidFill>
+                  <a:schemeClr val="tx1"/>
+                </a:solidFill>
+              </a:rPr>
+              <a:t>höherem</a:t>
+            </a:r>
+            <a:r>
+              <a:rPr lang="en-US" sz="1600" dirty="0" smtClean="0">
+                <a:solidFill>
+                  <a:schemeClr val="tx1"/>
+                </a:solidFill>
+              </a:rPr>
+              <a:t> </a:t>
+            </a:r>
+            <a:r>
+              <a:rPr lang="en-US" sz="1600" dirty="0" err="1" smtClean="0">
+                <a:solidFill>
+                  <a:schemeClr val="tx1"/>
+                </a:solidFill>
+              </a:rPr>
+              <a:t>subjektiven</a:t>
+            </a:r>
+            <a:r>
+              <a:rPr lang="en-US" sz="1600" dirty="0" smtClean="0">
+                <a:solidFill>
+                  <a:schemeClr val="tx1"/>
+                </a:solidFill>
+              </a:rPr>
+              <a:t> </a:t>
+            </a:r>
+            <a:r>
+              <a:rPr lang="en-US" sz="1600" dirty="0" err="1" smtClean="0">
+                <a:solidFill>
+                  <a:schemeClr val="tx1"/>
+                </a:solidFill>
+              </a:rPr>
+              <a:t>Regulationserfolg</a:t>
+            </a:r>
+            <a:r>
+              <a:rPr lang="en-US" sz="1600" dirty="0" smtClean="0">
+                <a:solidFill>
+                  <a:schemeClr val="tx1"/>
+                </a:solidFill>
+              </a:rPr>
+              <a:t> (Arousal Ratings) </a:t>
+            </a:r>
+            <a:r>
+              <a:rPr lang="en-US" sz="1600" dirty="0" err="1" smtClean="0">
+                <a:solidFill>
+                  <a:schemeClr val="tx1"/>
+                </a:solidFill>
+              </a:rPr>
+              <a:t>assoziiert</a:t>
+            </a:r>
+            <a:endParaRPr lang="en-US" sz="1600" dirty="0" smtClean="0">
+              <a:solidFill>
+                <a:schemeClr val="tx1"/>
+              </a:solidFill>
+            </a:endParaRPr>
+          </a:p>
+          <a:p>
+            <a:pPr marL="630238" indent="-342900">
+              <a:buFont typeface="+mj-lt"/>
+              <a:buAutoNum type="alphaLcParenR"/>
+            </a:pPr>
+            <a:r>
+              <a:rPr lang="en-US" sz="1600" dirty="0" err="1" smtClean="0">
+                <a:solidFill>
+                  <a:schemeClr val="tx1"/>
+                </a:solidFill>
+              </a:rPr>
+              <a:t>Höhere</a:t>
+            </a:r>
+            <a:r>
+              <a:rPr lang="en-US" sz="1600" dirty="0" smtClean="0">
+                <a:solidFill>
+                  <a:schemeClr val="tx1"/>
+                </a:solidFill>
+              </a:rPr>
+              <a:t> </a:t>
+            </a:r>
+            <a:r>
+              <a:rPr lang="en-US" sz="1600" dirty="0" err="1" smtClean="0">
+                <a:solidFill>
+                  <a:schemeClr val="tx1"/>
+                </a:solidFill>
+              </a:rPr>
+              <a:t>Selbstkontrolle</a:t>
+            </a:r>
+            <a:r>
+              <a:rPr lang="en-US" sz="1600" dirty="0" smtClean="0">
+                <a:solidFill>
+                  <a:schemeClr val="tx1"/>
+                </a:solidFill>
+              </a:rPr>
+              <a:t> </a:t>
+            </a:r>
+            <a:r>
+              <a:rPr lang="en-US" sz="1600" dirty="0" err="1" smtClean="0">
+                <a:solidFill>
+                  <a:schemeClr val="tx1"/>
+                </a:solidFill>
+              </a:rPr>
+              <a:t>ist</a:t>
+            </a:r>
+            <a:r>
+              <a:rPr lang="en-US" sz="1600" dirty="0" smtClean="0">
+                <a:solidFill>
+                  <a:schemeClr val="tx1"/>
+                </a:solidFill>
+              </a:rPr>
+              <a:t> </a:t>
+            </a:r>
+            <a:r>
+              <a:rPr lang="en-US" sz="1600" dirty="0" err="1" smtClean="0">
+                <a:solidFill>
+                  <a:schemeClr val="tx1"/>
+                </a:solidFill>
+              </a:rPr>
+              <a:t>mit</a:t>
+            </a:r>
+            <a:r>
+              <a:rPr lang="en-US" sz="1600" dirty="0" smtClean="0">
+                <a:solidFill>
+                  <a:schemeClr val="tx1"/>
+                </a:solidFill>
+              </a:rPr>
+              <a:t> </a:t>
+            </a:r>
+            <a:r>
+              <a:rPr lang="en-US" sz="1600" dirty="0" err="1" smtClean="0">
+                <a:solidFill>
+                  <a:schemeClr val="tx1"/>
+                </a:solidFill>
+              </a:rPr>
+              <a:t>höherem</a:t>
+            </a:r>
+            <a:r>
+              <a:rPr lang="en-US" sz="1600" dirty="0" smtClean="0">
+                <a:solidFill>
+                  <a:schemeClr val="tx1"/>
+                </a:solidFill>
+              </a:rPr>
+              <a:t> </a:t>
+            </a:r>
+            <a:r>
+              <a:rPr lang="en-US" sz="1600" dirty="0" err="1" smtClean="0">
+                <a:solidFill>
+                  <a:schemeClr val="tx1"/>
+                </a:solidFill>
+              </a:rPr>
+              <a:t>physiologischen</a:t>
+            </a:r>
+            <a:r>
+              <a:rPr lang="en-US" sz="1600" dirty="0" smtClean="0">
+                <a:solidFill>
+                  <a:schemeClr val="tx1"/>
+                </a:solidFill>
+              </a:rPr>
+              <a:t> </a:t>
+            </a:r>
+            <a:r>
+              <a:rPr lang="en-US" sz="1600" dirty="0" err="1" smtClean="0">
+                <a:solidFill>
+                  <a:schemeClr val="tx1"/>
+                </a:solidFill>
+              </a:rPr>
+              <a:t>Regulationserfolg</a:t>
+            </a:r>
+            <a:r>
+              <a:rPr lang="en-US" sz="1600" dirty="0" smtClean="0">
+                <a:solidFill>
+                  <a:schemeClr val="tx1"/>
+                </a:solidFill>
+              </a:rPr>
+              <a:t> (Corrugator-</a:t>
+            </a:r>
+            <a:r>
+              <a:rPr lang="en-US" sz="1600" dirty="0" err="1" smtClean="0">
+                <a:solidFill>
+                  <a:schemeClr val="tx1"/>
+                </a:solidFill>
+              </a:rPr>
+              <a:t>Aktivität</a:t>
+            </a:r>
+            <a:r>
+              <a:rPr lang="en-US" sz="1600" dirty="0" smtClean="0">
+                <a:solidFill>
+                  <a:schemeClr val="tx1"/>
+                </a:solidFill>
+              </a:rPr>
+              <a:t>) </a:t>
+            </a:r>
+            <a:r>
+              <a:rPr lang="en-US" sz="1600" dirty="0" err="1" smtClean="0">
+                <a:solidFill>
+                  <a:schemeClr val="tx1"/>
+                </a:solidFill>
+              </a:rPr>
+              <a:t>assoziiert</a:t>
+            </a:r>
+            <a:endParaRPr lang="en-GB" sz="1600" dirty="0" smtClean="0">
+              <a:solidFill>
+                <a:schemeClr val="tx1"/>
+              </a:solidFill>
+            </a:endParaRPr>
           </a:p>
         </p:txBody>
       </p:sp>
     </p:spTree>
     <p:extLst>
       <p:ext uri="{BB962C8B-B14F-4D97-AF65-F5344CB8AC3E}">
-        <p14:creationId xmlns:p14="http://schemas.microsoft.com/office/powerpoint/2010/main" val="2026506835"/>
+        <p14:creationId xmlns:p14="http://schemas.microsoft.com/office/powerpoint/2010/main" val="1729667027"/>
       </p:ext>
     </p:extLst>
   </p:cSld>
@@ -14104,6 +16494,67 @@
       </p:grpSpPr>
       <p:sp>
         <p:nvSpPr>
+          <p:cNvPr id="9" name="Textplatzhalter 8"/>
+          <p:cNvSpPr>
+            <a:spLocks noGrp="1"/>
+          </p:cNvSpPr>
+          <p:nvPr>
+            <p:ph type="body" sz="quarter" idx="13"/>
+          </p:nvPr>
+        </p:nvSpPr>
+        <p:spPr/>
+        <p:txBody>
+          <a:bodyPr/>
+          <a:lstStyle/>
+          <a:p>
+            <a:r>
+              <a:rPr lang="de-DE" sz="2400" b="1" dirty="0" smtClean="0">
+                <a:solidFill>
+                  <a:srgbClr val="F3FBEB"/>
+                </a:solidFill>
+              </a:rPr>
+              <a:t>Diskussion</a:t>
+            </a:r>
+            <a:endParaRPr lang="de-DE" sz="2400" b="1" dirty="0">
+              <a:solidFill>
+                <a:srgbClr val="F3FBEB"/>
+              </a:solidFill>
+            </a:endParaRPr>
+          </a:p>
+        </p:txBody>
+      </p:sp>
+    </p:spTree>
+    <p:extLst>
+      <p:ext uri="{BB962C8B-B14F-4D97-AF65-F5344CB8AC3E}">
+        <p14:creationId xmlns:p14="http://schemas.microsoft.com/office/powerpoint/2010/main" val="774769932"/>
+      </p:ext>
+    </p:extLst>
+  </p:cSld>
+  <p:clrMapOvr>
+    <a:masterClrMapping/>
+  </p:clrMapOvr>
+</p:sld>
+</file>
+
+<file path=ppt/slides/slide21.xml><?xml version="1.0" encoding="utf-8"?>
+<p:sld xmlns:a="http://schemas.openxmlformats.org/drawingml/2006/main" xmlns:r="http://schemas.openxmlformats.org/officeDocument/2006/relationships" xmlns:p="http://schemas.openxmlformats.org/presentationml/2006/main">
+  <p:cSld>
+    <p:spTree>
+      <p:nvGrpSpPr>
+        <p:cNvPr id="1" name=""/>
+        <p:cNvGrpSpPr/>
+        <p:nvPr/>
+      </p:nvGrpSpPr>
+      <p:grpSpPr>
+        <a:xfrm>
+          <a:off x="0" y="0"/>
+          <a:ext cx="0" cy="0"/>
+          <a:chOff x="0" y="0"/>
+          <a:chExt cx="0" cy="0"/>
+        </a:xfrm>
+      </p:grpSpPr>
+      <p:sp>
+        <p:nvSpPr>
           <p:cNvPr id="2" name="Titel 1"/>
           <p:cNvSpPr>
             <a:spLocks noGrp="1"/>
@@ -14135,7 +16586,7 @@
             </a:br>
             <a:r>
               <a:rPr lang="en-GB" sz="2000" b="0" dirty="0" smtClean="0"/>
-              <a:t>T2</a:t>
+              <a:t>T1</a:t>
             </a:r>
             <a:endParaRPr lang="en-GB" sz="2400" b="0" dirty="0"/>
           </a:p>
@@ -14270,102 +16721,670 @@
               <a:buFontTx/>
               <a:buChar char="-"/>
             </a:pPr>
-            <a:r>
-              <a:rPr lang="en-GB" sz="1600" dirty="0" smtClean="0">
-                <a:solidFill>
-                  <a:srgbClr val="000000"/>
-                </a:solidFill>
-              </a:rPr>
-              <a:t>EMG (Corrugator) </a:t>
-            </a:r>
-            <a:r>
-              <a:rPr lang="en-GB" sz="1600" dirty="0" err="1" smtClean="0">
-                <a:solidFill>
-                  <a:srgbClr val="000000"/>
-                </a:solidFill>
-              </a:rPr>
-              <a:t>guter</a:t>
-            </a:r>
-            <a:r>
-              <a:rPr lang="en-GB" sz="1600" dirty="0" smtClean="0">
-                <a:solidFill>
-                  <a:srgbClr val="000000"/>
-                </a:solidFill>
-              </a:rPr>
-              <a:t> </a:t>
-            </a:r>
-            <a:r>
-              <a:rPr lang="en-GB" sz="1600" dirty="0" err="1" smtClean="0">
-                <a:solidFill>
-                  <a:srgbClr val="000000"/>
-                </a:solidFill>
-              </a:rPr>
-              <a:t>Indikator</a:t>
-            </a:r>
-            <a:r>
-              <a:rPr lang="en-GB" sz="1600" dirty="0" smtClean="0">
-                <a:solidFill>
-                  <a:srgbClr val="000000"/>
-                </a:solidFill>
-              </a:rPr>
-              <a:t> </a:t>
-            </a:r>
-            <a:r>
-              <a:rPr lang="en-GB" sz="1600" dirty="0" err="1" smtClean="0">
-                <a:solidFill>
-                  <a:srgbClr val="000000"/>
-                </a:solidFill>
-              </a:rPr>
-              <a:t>für</a:t>
-            </a:r>
-            <a:r>
-              <a:rPr lang="en-GB" sz="1600" dirty="0" smtClean="0">
-                <a:solidFill>
-                  <a:srgbClr val="000000"/>
-                </a:solidFill>
-              </a:rPr>
-              <a:t> </a:t>
-            </a:r>
-            <a:r>
-              <a:rPr lang="en-GB" sz="1600" dirty="0" err="1" smtClean="0">
-                <a:solidFill>
-                  <a:srgbClr val="000000"/>
-                </a:solidFill>
-              </a:rPr>
-              <a:t>objektiven</a:t>
-            </a:r>
-            <a:r>
-              <a:rPr lang="en-GB" sz="1600" dirty="0" smtClean="0">
-                <a:solidFill>
-                  <a:srgbClr val="000000"/>
-                </a:solidFill>
-              </a:rPr>
-              <a:t> </a:t>
-            </a:r>
-            <a:r>
-              <a:rPr lang="en-GB" sz="1600" dirty="0" err="1" smtClean="0">
-                <a:solidFill>
-                  <a:srgbClr val="000000"/>
-                </a:solidFill>
-              </a:rPr>
-              <a:t>Regulationserfolg</a:t>
-            </a:r>
-            <a:r>
-              <a:rPr lang="en-GB" sz="1600" dirty="0" smtClean="0">
-                <a:solidFill>
-                  <a:srgbClr val="000000"/>
-                </a:solidFill>
-              </a:rPr>
-              <a:t>? </a:t>
-            </a:r>
+            <a:endParaRPr lang="en-GB" sz="1600" dirty="0" smtClean="0">
+              <a:solidFill>
+                <a:srgbClr val="000000"/>
+              </a:solidFill>
+            </a:endParaRPr>
           </a:p>
           <a:p>
+            <a:pPr marL="285750" indent="-285750">
+              <a:buFontTx/>
+              <a:buChar char="-"/>
+            </a:pPr>
+            <a:r>
+              <a:rPr lang="en-GB" sz="1600" dirty="0" err="1" smtClean="0">
+                <a:solidFill>
+                  <a:srgbClr val="000000"/>
+                </a:solidFill>
+              </a:rPr>
+              <a:t>Wovon</a:t>
+            </a:r>
             <a:r>
               <a:rPr lang="en-GB" sz="1600" dirty="0" smtClean="0">
                 <a:solidFill>
                   <a:srgbClr val="000000"/>
                 </a:solidFill>
               </a:rPr>
+              <a:t> </a:t>
+            </a:r>
+            <a:r>
+              <a:rPr lang="en-GB" sz="1600" dirty="0" err="1" smtClean="0">
+                <a:solidFill>
+                  <a:srgbClr val="000000"/>
+                </a:solidFill>
+              </a:rPr>
+              <a:t>machen</a:t>
+            </a:r>
+            <a:r>
+              <a:rPr lang="en-GB" sz="1600" dirty="0" smtClean="0">
+                <a:solidFill>
+                  <a:srgbClr val="000000"/>
+                </a:solidFill>
+              </a:rPr>
+              <a:t> </a:t>
+            </a:r>
+            <a:r>
+              <a:rPr lang="en-GB" sz="1600" dirty="0" err="1" smtClean="0">
+                <a:solidFill>
+                  <a:srgbClr val="000000"/>
+                </a:solidFill>
+              </a:rPr>
+              <a:t>wir</a:t>
+            </a:r>
+            <a:r>
+              <a:rPr lang="en-GB" sz="1600" dirty="0" smtClean="0">
+                <a:solidFill>
+                  <a:srgbClr val="000000"/>
+                </a:solidFill>
+              </a:rPr>
+              <a:t> </a:t>
+            </a:r>
+            <a:r>
+              <a:rPr lang="en-GB" sz="1600" dirty="0" err="1" smtClean="0">
+                <a:solidFill>
+                  <a:srgbClr val="000000"/>
+                </a:solidFill>
+              </a:rPr>
+              <a:t>abhängig</a:t>
+            </a:r>
+            <a:r>
+              <a:rPr lang="en-GB" sz="1600" dirty="0" smtClean="0">
+                <a:solidFill>
+                  <a:srgbClr val="000000"/>
+                </a:solidFill>
+              </a:rPr>
+              <a:t>, welches n-back-Level </a:t>
+            </a:r>
+            <a:r>
+              <a:rPr lang="en-GB" sz="1600" dirty="0" err="1" smtClean="0">
+                <a:solidFill>
+                  <a:srgbClr val="000000"/>
+                </a:solidFill>
+              </a:rPr>
+              <a:t>oder</a:t>
+            </a:r>
+            <a:r>
+              <a:rPr lang="en-GB" sz="1600" dirty="0" smtClean="0">
+                <a:solidFill>
+                  <a:srgbClr val="000000"/>
+                </a:solidFill>
+              </a:rPr>
+              <a:t> </a:t>
+            </a:r>
+            <a:r>
+              <a:rPr lang="en-GB" sz="1600" dirty="0" err="1" smtClean="0">
+                <a:solidFill>
+                  <a:srgbClr val="000000"/>
+                </a:solidFill>
+              </a:rPr>
+              <a:t>welche</a:t>
+            </a:r>
+            <a:r>
+              <a:rPr lang="en-GB" sz="1600" dirty="0" smtClean="0">
+                <a:solidFill>
+                  <a:srgbClr val="000000"/>
+                </a:solidFill>
+              </a:rPr>
+              <a:t> </a:t>
+            </a:r>
+            <a:r>
+              <a:rPr lang="en-GB" sz="1600" dirty="0" err="1" smtClean="0">
+                <a:solidFill>
+                  <a:srgbClr val="000000"/>
+                </a:solidFill>
+              </a:rPr>
+              <a:t>Strategie</a:t>
+            </a:r>
+            <a:r>
+              <a:rPr lang="en-GB" sz="1600" dirty="0" smtClean="0">
+                <a:solidFill>
+                  <a:srgbClr val="000000"/>
+                </a:solidFill>
+              </a:rPr>
+              <a:t> am </a:t>
+            </a:r>
+            <a:r>
+              <a:rPr lang="en-GB" sz="1600" dirty="0" err="1" smtClean="0">
+                <a:solidFill>
+                  <a:srgbClr val="000000"/>
+                </a:solidFill>
+              </a:rPr>
+              <a:t>Ende</a:t>
+            </a:r>
+            <a:r>
+              <a:rPr lang="en-GB" sz="1600" dirty="0" smtClean="0">
+                <a:solidFill>
+                  <a:srgbClr val="000000"/>
+                </a:solidFill>
+              </a:rPr>
+              <a:t> der </a:t>
+            </a:r>
+            <a:r>
+              <a:rPr lang="en-GB" sz="1600" dirty="0" err="1" smtClean="0">
+                <a:solidFill>
+                  <a:srgbClr val="000000"/>
+                </a:solidFill>
+              </a:rPr>
+              <a:t>Erhebung</a:t>
+            </a:r>
+            <a:r>
+              <a:rPr lang="en-GB" sz="1600" dirty="0" smtClean="0">
+                <a:solidFill>
+                  <a:srgbClr val="000000"/>
+                </a:solidFill>
+              </a:rPr>
+              <a:t> </a:t>
+            </a:r>
+            <a:r>
+              <a:rPr lang="en-GB" sz="1600" dirty="0" err="1" smtClean="0">
+                <a:solidFill>
+                  <a:srgbClr val="000000"/>
+                </a:solidFill>
+              </a:rPr>
+              <a:t>nochmal</a:t>
+            </a:r>
+            <a:r>
+              <a:rPr lang="en-GB" sz="1600" dirty="0" smtClean="0">
+                <a:solidFill>
+                  <a:srgbClr val="000000"/>
+                </a:solidFill>
+              </a:rPr>
+              <a:t> </a:t>
+            </a:r>
+            <a:r>
+              <a:rPr lang="en-GB" sz="1600" dirty="0" err="1" smtClean="0">
+                <a:solidFill>
+                  <a:srgbClr val="000000"/>
+                </a:solidFill>
+              </a:rPr>
+              <a:t>wiederholt</a:t>
+            </a:r>
+            <a:r>
+              <a:rPr lang="en-GB" sz="1600" dirty="0" smtClean="0">
+                <a:solidFill>
+                  <a:srgbClr val="000000"/>
+                </a:solidFill>
+              </a:rPr>
+              <a:t> </a:t>
+            </a:r>
+            <a:r>
+              <a:rPr lang="en-GB" sz="1600" dirty="0" err="1" smtClean="0">
+                <a:solidFill>
+                  <a:srgbClr val="000000"/>
+                </a:solidFill>
+              </a:rPr>
+              <a:t>wird</a:t>
+            </a:r>
+            <a:r>
+              <a:rPr lang="en-GB" sz="1600" dirty="0" smtClean="0">
+                <a:solidFill>
+                  <a:srgbClr val="000000"/>
+                </a:solidFill>
+              </a:rPr>
+              <a:t>?</a:t>
+            </a:r>
+          </a:p>
+          <a:p>
+            <a:endParaRPr lang="en-GB" sz="1600" dirty="0" smtClean="0">
+              <a:solidFill>
+                <a:srgbClr val="000000"/>
+              </a:solidFill>
+            </a:endParaRPr>
+          </a:p>
+          <a:p>
+            <a:pPr marL="285750" indent="-285750">
+              <a:buFontTx/>
+              <a:buChar char="-"/>
+            </a:pPr>
+            <a:r>
+              <a:rPr lang="en-GB" sz="1600" dirty="0" err="1" smtClean="0">
+                <a:solidFill>
+                  <a:srgbClr val="000000"/>
+                </a:solidFill>
+              </a:rPr>
+              <a:t>Welche</a:t>
+            </a:r>
+            <a:r>
+              <a:rPr lang="en-GB" sz="1600" dirty="0" smtClean="0">
+                <a:solidFill>
+                  <a:srgbClr val="000000"/>
+                </a:solidFill>
+              </a:rPr>
+              <a:t> </a:t>
+            </a:r>
+            <a:r>
+              <a:rPr lang="en-GB" sz="1600" dirty="0" err="1" smtClean="0">
+                <a:solidFill>
+                  <a:srgbClr val="000000"/>
+                </a:solidFill>
+              </a:rPr>
+              <a:t>weiteren</a:t>
+            </a:r>
+            <a:r>
+              <a:rPr lang="en-GB" sz="1600" dirty="0" smtClean="0">
+                <a:solidFill>
+                  <a:srgbClr val="000000"/>
+                </a:solidFill>
+              </a:rPr>
+              <a:t> </a:t>
+            </a:r>
+            <a:r>
+              <a:rPr lang="en-GB" sz="1600" dirty="0" err="1" smtClean="0">
+                <a:solidFill>
+                  <a:srgbClr val="000000"/>
+                </a:solidFill>
+              </a:rPr>
+              <a:t>Hypothesen</a:t>
+            </a:r>
+            <a:r>
+              <a:rPr lang="en-GB" sz="1600" dirty="0" smtClean="0">
+                <a:solidFill>
+                  <a:srgbClr val="000000"/>
+                </a:solidFill>
+              </a:rPr>
+              <a:t> </a:t>
+            </a:r>
+            <a:r>
+              <a:rPr lang="en-GB" sz="1600" dirty="0" err="1" smtClean="0">
+                <a:solidFill>
+                  <a:srgbClr val="000000"/>
+                </a:solidFill>
+              </a:rPr>
+              <a:t>können</a:t>
+            </a:r>
+            <a:r>
+              <a:rPr lang="en-GB" sz="1600" dirty="0" smtClean="0">
+                <a:solidFill>
+                  <a:srgbClr val="000000"/>
+                </a:solidFill>
+              </a:rPr>
+              <a:t> </a:t>
+            </a:r>
+            <a:r>
+              <a:rPr lang="en-GB" sz="1600" dirty="0" err="1" smtClean="0">
+                <a:solidFill>
+                  <a:srgbClr val="000000"/>
+                </a:solidFill>
+              </a:rPr>
+              <a:t>wir</a:t>
+            </a:r>
+            <a:r>
+              <a:rPr lang="en-GB" sz="1600" dirty="0">
+                <a:solidFill>
+                  <a:srgbClr val="000000"/>
+                </a:solidFill>
+              </a:rPr>
+              <a:t> </a:t>
+            </a:r>
+            <a:r>
+              <a:rPr lang="en-GB" sz="1600" dirty="0" err="1" smtClean="0">
+                <a:solidFill>
+                  <a:srgbClr val="000000"/>
+                </a:solidFill>
+              </a:rPr>
+              <a:t>aufstellen</a:t>
+            </a:r>
+            <a:r>
+              <a:rPr lang="en-GB" sz="1600" dirty="0" smtClean="0">
+                <a:solidFill>
+                  <a:srgbClr val="000000"/>
+                </a:solidFill>
+              </a:rPr>
+              <a:t> </a:t>
+            </a:r>
+            <a:r>
+              <a:rPr lang="en-GB" sz="1600" dirty="0" err="1" smtClean="0">
+                <a:solidFill>
+                  <a:srgbClr val="000000"/>
+                </a:solidFill>
+              </a:rPr>
+              <a:t>bzgl</a:t>
+            </a:r>
+            <a:r>
+              <a:rPr lang="en-GB" sz="1600" dirty="0" smtClean="0">
+                <a:solidFill>
+                  <a:srgbClr val="000000"/>
+                </a:solidFill>
+              </a:rPr>
+              <a:t>. NFC, </a:t>
+            </a:r>
+            <a:r>
+              <a:rPr lang="en-GB" sz="1600" dirty="0" err="1" smtClean="0">
+                <a:solidFill>
+                  <a:srgbClr val="000000"/>
+                </a:solidFill>
+              </a:rPr>
+              <a:t>Emotionsregulation</a:t>
+            </a:r>
+            <a:r>
+              <a:rPr lang="en-GB" sz="1600" dirty="0" smtClean="0">
+                <a:solidFill>
+                  <a:srgbClr val="000000"/>
+                </a:solidFill>
+              </a:rPr>
+              <a:t>, </a:t>
+            </a:r>
+            <a:r>
+              <a:rPr lang="en-GB" sz="1600" dirty="0" err="1" smtClean="0">
+                <a:solidFill>
+                  <a:srgbClr val="000000"/>
+                </a:solidFill>
+              </a:rPr>
+              <a:t>Zusammenhang</a:t>
+            </a:r>
+            <a:r>
+              <a:rPr lang="en-GB" sz="1600" dirty="0" smtClean="0">
+                <a:solidFill>
+                  <a:srgbClr val="000000"/>
+                </a:solidFill>
+              </a:rPr>
+              <a:t> von t1 und t2, etc. ?</a:t>
+            </a:r>
+          </a:p>
+        </p:txBody>
+      </p:sp>
+    </p:spTree>
+    <p:extLst>
+      <p:ext uri="{BB962C8B-B14F-4D97-AF65-F5344CB8AC3E}">
+        <p14:creationId xmlns:p14="http://schemas.microsoft.com/office/powerpoint/2010/main" val="2026506835"/>
+      </p:ext>
+    </p:extLst>
+  </p:cSld>
+  <p:clrMapOvr>
+    <a:masterClrMapping/>
+  </p:clrMapOvr>
+  <p:timing>
+    <p:tnLst>
+      <p:par>
+        <p:cTn id="1" dur="indefinite" restart="never" nodeType="tmRoot"/>
+      </p:par>
+    </p:tnLst>
+  </p:timing>
+</p:sld>
+</file>
+
+<file path=ppt/slides/slide22.xml><?xml version="1.0" encoding="utf-8"?>
+<p:sld xmlns:a="http://schemas.openxmlformats.org/drawingml/2006/main" xmlns:r="http://schemas.openxmlformats.org/officeDocument/2006/relationships" xmlns:p="http://schemas.openxmlformats.org/presentationml/2006/main">
+  <p:cSld>
+    <p:spTree>
+      <p:nvGrpSpPr>
+        <p:cNvPr id="1" name=""/>
+        <p:cNvGrpSpPr/>
+        <p:nvPr/>
+      </p:nvGrpSpPr>
+      <p:grpSpPr>
+        <a:xfrm>
+          <a:off x="0" y="0"/>
+          <a:ext cx="0" cy="0"/>
+          <a:chOff x="0" y="0"/>
+          <a:chExt cx="0" cy="0"/>
+        </a:xfrm>
+      </p:grpSpPr>
+      <p:sp>
+        <p:nvSpPr>
+          <p:cNvPr id="2" name="Titel 1"/>
+          <p:cNvSpPr>
+            <a:spLocks noGrp="1"/>
+          </p:cNvSpPr>
+          <p:nvPr>
+            <p:ph type="title"/>
+          </p:nvPr>
+        </p:nvSpPr>
+        <p:spPr>
+          <a:xfrm>
+            <a:off x="874715" y="346075"/>
+            <a:ext cx="10580687" cy="421676"/>
+          </a:xfrm>
+        </p:spPr>
+        <p:txBody>
+          <a:bodyPr/>
+          <a:lstStyle/>
+          <a:p>
+            <a:r>
+              <a:rPr lang="en-GB" sz="2400" dirty="0" err="1" smtClean="0"/>
+              <a:t>Diskussion</a:t>
+            </a:r>
+            <a:r>
+              <a:rPr lang="en-GB" sz="2400" dirty="0" smtClean="0"/>
+              <a:t/>
+            </a:r>
+            <a:br>
+              <a:rPr lang="en-GB" sz="2400" dirty="0" smtClean="0"/>
+            </a:br>
+            <a:r>
+              <a:rPr lang="en-GB" sz="2000" b="0" dirty="0" smtClean="0"/>
+              <a:t>T2</a:t>
+            </a:r>
+            <a:endParaRPr lang="en-GB" sz="2400" b="0" dirty="0"/>
+          </a:p>
+        </p:txBody>
+      </p:sp>
+      <p:sp>
+        <p:nvSpPr>
+          <p:cNvPr id="5" name="Rechteck 4"/>
+          <p:cNvSpPr/>
+          <p:nvPr/>
+        </p:nvSpPr>
+        <p:spPr>
+          <a:xfrm>
+            <a:off x="874712" y="1071155"/>
+            <a:ext cx="10668997" cy="4723155"/>
+          </a:xfrm>
+          <a:prstGeom prst="rect">
+            <a:avLst/>
+          </a:prstGeom>
+          <a:noFill/>
+          <a:ln>
+            <a:noFill/>
+          </a:ln>
+        </p:spPr>
+        <p:style>
+          <a:lnRef idx="2">
+            <a:schemeClr val="accent1">
+              <a:shade val="50000"/>
+            </a:schemeClr>
+          </a:lnRef>
+          <a:fillRef idx="1">
+            <a:schemeClr val="accent1"/>
+          </a:fillRef>
+          <a:effectRef idx="0">
+            <a:schemeClr val="accent1"/>
+          </a:effectRef>
+          <a:fontRef idx="minor">
+            <a:schemeClr val="lt1"/>
+          </a:fontRef>
+        </p:style>
+        <p:txBody>
+          <a:bodyPr rtlCol="0" anchor="ctr"/>
+          <a:lstStyle/>
+          <a:p>
+            <a:pPr marL="285750" indent="-285750">
+              <a:buFontTx/>
+              <a:buChar char="-"/>
+            </a:pPr>
+            <a:r>
+              <a:rPr lang="en-GB" sz="1600" dirty="0" err="1" smtClean="0">
+                <a:solidFill>
+                  <a:srgbClr val="000000"/>
+                </a:solidFill>
+              </a:rPr>
+              <a:t>Ist</a:t>
+            </a:r>
+            <a:r>
+              <a:rPr lang="en-GB" sz="1600" dirty="0" smtClean="0">
+                <a:solidFill>
+                  <a:srgbClr val="000000"/>
+                </a:solidFill>
+              </a:rPr>
+              <a:t> das </a:t>
+            </a:r>
+            <a:r>
+              <a:rPr lang="en-GB" sz="1600" dirty="0" err="1" smtClean="0">
+                <a:solidFill>
+                  <a:srgbClr val="000000"/>
+                </a:solidFill>
+              </a:rPr>
+              <a:t>verbesserte</a:t>
+            </a:r>
+            <a:r>
+              <a:rPr lang="en-GB" sz="1600" dirty="0" smtClean="0">
+                <a:solidFill>
+                  <a:srgbClr val="000000"/>
+                </a:solidFill>
+              </a:rPr>
+              <a:t> </a:t>
+            </a:r>
+            <a:r>
+              <a:rPr lang="en-GB" sz="1600" dirty="0" err="1" smtClean="0">
+                <a:solidFill>
+                  <a:srgbClr val="000000"/>
+                </a:solidFill>
+              </a:rPr>
+              <a:t>Paradigma</a:t>
+            </a:r>
+            <a:r>
+              <a:rPr lang="en-GB" sz="1600" dirty="0" smtClean="0">
+                <a:solidFill>
+                  <a:srgbClr val="000000"/>
+                </a:solidFill>
+              </a:rPr>
+              <a:t> </a:t>
+            </a:r>
+            <a:r>
+              <a:rPr lang="en-GB" sz="1600" dirty="0" err="1" smtClean="0">
+                <a:solidFill>
+                  <a:srgbClr val="000000"/>
+                </a:solidFill>
+              </a:rPr>
+              <a:t>wasserdicht</a:t>
+            </a:r>
+            <a:r>
+              <a:rPr lang="en-GB" sz="1600" dirty="0" smtClean="0">
+                <a:solidFill>
+                  <a:srgbClr val="000000"/>
+                </a:solidFill>
+              </a:rPr>
+              <a:t>?</a:t>
+            </a:r>
+            <a:endParaRPr lang="en-GB" sz="1600" dirty="0">
+              <a:solidFill>
+                <a:srgbClr val="000000"/>
+              </a:solidFill>
+            </a:endParaRPr>
+          </a:p>
+          <a:p>
+            <a:pPr marL="285750" indent="-285750">
+              <a:buFontTx/>
+              <a:buChar char="-"/>
+            </a:pPr>
+            <a:endParaRPr lang="en-GB" sz="1600" dirty="0" smtClean="0">
+              <a:solidFill>
+                <a:srgbClr val="000000"/>
+              </a:solidFill>
+            </a:endParaRPr>
+          </a:p>
+          <a:p>
+            <a:pPr marL="285750" indent="-285750">
+              <a:buFontTx/>
+              <a:buChar char="-"/>
+            </a:pPr>
+            <a:r>
+              <a:rPr lang="en-GB" sz="1600" dirty="0" smtClean="0">
+                <a:solidFill>
+                  <a:srgbClr val="000000"/>
+                </a:solidFill>
+              </a:rPr>
+              <a:t>EMG (Corrugator) </a:t>
+            </a:r>
+            <a:r>
+              <a:rPr lang="en-GB" sz="1600" dirty="0" err="1" smtClean="0">
+                <a:solidFill>
+                  <a:srgbClr val="000000"/>
+                </a:solidFill>
+              </a:rPr>
+              <a:t>guter</a:t>
+            </a:r>
+            <a:r>
+              <a:rPr lang="en-GB" sz="1600" dirty="0" smtClean="0">
+                <a:solidFill>
+                  <a:srgbClr val="000000"/>
+                </a:solidFill>
+              </a:rPr>
+              <a:t> </a:t>
+            </a:r>
+            <a:r>
+              <a:rPr lang="en-GB" sz="1600" dirty="0" err="1" smtClean="0">
+                <a:solidFill>
+                  <a:srgbClr val="000000"/>
+                </a:solidFill>
+              </a:rPr>
+              <a:t>Indikator</a:t>
+            </a:r>
+            <a:r>
+              <a:rPr lang="en-GB" sz="1600" dirty="0" smtClean="0">
+                <a:solidFill>
+                  <a:srgbClr val="000000"/>
+                </a:solidFill>
+              </a:rPr>
+              <a:t> </a:t>
+            </a:r>
+            <a:r>
+              <a:rPr lang="en-GB" sz="1600" dirty="0" err="1" smtClean="0">
+                <a:solidFill>
+                  <a:srgbClr val="000000"/>
+                </a:solidFill>
+              </a:rPr>
+              <a:t>für</a:t>
+            </a:r>
+            <a:r>
+              <a:rPr lang="en-GB" sz="1600" dirty="0" smtClean="0">
+                <a:solidFill>
+                  <a:srgbClr val="000000"/>
+                </a:solidFill>
+              </a:rPr>
+              <a:t> </a:t>
+            </a:r>
+            <a:r>
+              <a:rPr lang="en-GB" sz="1600" dirty="0" err="1" smtClean="0">
+                <a:solidFill>
+                  <a:srgbClr val="000000"/>
+                </a:solidFill>
+              </a:rPr>
+              <a:t>objektiven</a:t>
+            </a:r>
+            <a:r>
+              <a:rPr lang="en-GB" sz="1600" dirty="0" smtClean="0">
+                <a:solidFill>
+                  <a:srgbClr val="000000"/>
+                </a:solidFill>
+              </a:rPr>
+              <a:t> </a:t>
+            </a:r>
+            <a:r>
+              <a:rPr lang="en-GB" sz="1600" dirty="0" err="1" smtClean="0">
+                <a:solidFill>
+                  <a:srgbClr val="000000"/>
+                </a:solidFill>
+              </a:rPr>
+              <a:t>Regulationserfolg</a:t>
+            </a:r>
+            <a:r>
+              <a:rPr lang="en-GB" sz="1600" dirty="0" smtClean="0">
+                <a:solidFill>
+                  <a:srgbClr val="000000"/>
+                </a:solidFill>
+              </a:rPr>
+              <a:t>? </a:t>
+            </a:r>
+          </a:p>
+          <a:p>
+            <a:r>
+              <a:rPr lang="en-GB" sz="1600" dirty="0" smtClean="0">
+                <a:solidFill>
+                  <a:srgbClr val="000000"/>
+                </a:solidFill>
+              </a:rPr>
               <a:t>      (Corrugator-</a:t>
             </a:r>
             <a:r>
@@ -14510,15 +17529,7 @@
                   <a:srgbClr val="000000"/>
                 </a:solidFill>
               </a:rPr>
-              <a:t> </a:t>
-            </a:r>
-            <a:r>
-              <a:rPr lang="en-GB" sz="1600" dirty="0" smtClean="0">
-                <a:solidFill>
-                  <a:srgbClr val="000000"/>
-                </a:solidFill>
-              </a:rPr>
-              <a:t>(</a:t>
+              <a:t> (</a:t>
             </a:r>
             <a:r>
               <a:rPr lang="en-GB" sz="1600" dirty="0" err="1" smtClean="0">
@@ -17791,15 +20802,7 @@
             </a:r>
             <a:r>
               <a:rPr lang="de-DE" dirty="0" smtClean="0"/>
-              <a:t> könnten mit Wahlverhalten und </a:t>
-            </a:r>
-            <a:r>
-              <a:rPr lang="de-DE" dirty="0" smtClean="0"/>
-              <a:t>subjektiven Werten </a:t>
-            </a:r>
-            <a:r>
-              <a:rPr lang="de-DE" dirty="0" smtClean="0"/>
-              <a:t>der Strategien zusammen hängen?</a:t>
+              <a:t> könnten mit Wahlverhalten und subjektiven Werten der Strategien zusammen hängen?</a:t>
             </a:r>
             <a:endParaRPr lang="de-DE" dirty="0"/>
           </a:p>
@@ -18422,8 +21425,8 @@
           </a:p>
         </p:txBody>
       </p:sp>
-      <mc:AlternateContent xmlns:mc="http://schemas.openxmlformats.org/markup-compatibility/2006">
-        <mc:Choice xmlns:a14="http://schemas.microsoft.com/office/drawing/2010/main" Requires="a14">
+      <mc:AlternateContent xmlns:mc="http://schemas.openxmlformats.org/markup-compatibility/2006" xmlns:a14="http://schemas.microsoft.com/office/drawing/2010/main">
+        <mc:Choice Requires="a14">
           <p:sp>
             <p:nvSpPr>
               <p:cNvPr id="13" name="Rechteck 12"/>
@@ -18747,7 +21750,7 @@
             </p:txBody>
           </p:sp>
         </mc:Choice>
-        <mc:Fallback>
+        <mc:Fallback xmlns="">
           <p:sp>
             <p:nvSpPr>
               <p:cNvPr id="13" name="Rechteck 12"/>
@@ -19964,37 +22967,8 @@
                   <a:sysClr val="windowText" lastClr="000000"/>
                 </a:solidFill>
               </a:rPr>
-              <a:t>Wie sehen die subjektiven Werte aus, wenn </a:t>
-            </a:r>
-            <a:r>
-              <a:rPr lang="de-DE" sz="1400" dirty="0" smtClean="0">
-                <a:solidFill>
-                  <a:sysClr val="windowText" lastClr="000000"/>
-                </a:solidFill>
-              </a:rPr>
-              <a:t>die Person eigentlich ein </a:t>
-            </a:r>
-            <a:r>
-              <a:rPr lang="de-DE" sz="1400" dirty="0" smtClean="0">
-                <a:solidFill>
-                  <a:sysClr val="windowText" lastClr="000000"/>
-                </a:solidFill>
-              </a:rPr>
-              <a:t>schwereres Level </a:t>
-            </a:r>
-            <a:r>
-              <a:rPr lang="de-DE" sz="1400" dirty="0" smtClean="0">
-                <a:solidFill>
-                  <a:sysClr val="windowText" lastClr="000000"/>
-                </a:solidFill>
-              </a:rPr>
-              <a:t>bevorzugt?</a:t>
-            </a:r>
-            <a:endParaRPr lang="de-DE" sz="1400" dirty="0" smtClean="0">
-              <a:solidFill>
-                <a:sysClr val="windowText" lastClr="000000"/>
-              </a:solidFill>
-            </a:endParaRPr>
+              <a:t>Wie sehen die subjektiven Werte aus, wenn die Person eigentlich ein schwereres Level bevorzugt?</a:t>
+            </a:r>
           </a:p>
           <a:p>
             <a:pPr marL="285750" indent="-285750">
@@ -20059,23 +23033,7 @@
                   <a:sysClr val="windowText" lastClr="000000"/>
                 </a:solidFill>
               </a:rPr>
-              <a:t>Kann man dieses Paradigma auch auf </a:t>
-            </a:r>
-            <a:r>
-              <a:rPr lang="de-DE" sz="1400" dirty="0" smtClean="0">
-                <a:solidFill>
-                  <a:sysClr val="windowText" lastClr="000000"/>
-                </a:solidFill>
-              </a:rPr>
-              <a:t>Emotionsregulationsstrategien </a:t>
-            </a:r>
-            <a:r>
-              <a:rPr lang="de-DE" sz="1400" dirty="0" smtClean="0">
-                <a:solidFill>
-                  <a:sysClr val="windowText" lastClr="000000"/>
-                </a:solidFill>
-              </a:rPr>
-              <a:t>anwenden?</a:t>
+              <a:t>Kann man dieses Paradigma auch auf Emotionsregulationsstrategien anwenden?</a:t>
             </a:r>
             <a:endParaRPr lang="de-DE" sz="1400" dirty="0">
               <a:solidFill>

--- a/99_Thinktank/Talks/21-07-06_Kolloquium/Kolloquium_COG-ER-ED.pptx
+++ b/99_Thinktank/Talks/21-07-06_Kolloquium/Kolloquium_COG-ER-ED.pptx
@@ -232,7 +232,6 @@
             <c:showLeaderLines val="0"/>
             <c:extLst>
               <c:ext xmlns:c15="http://schemas.microsoft.com/office/drawing/2012/chart" uri="{CE6537A1-D6FC-4f65-9D91-7224C49458BB}">
-                <c15:layout/>
                 <c15:showLeaderLines val="1"/>
                 <c15:leaderLines>
                   <c:spPr>
@@ -351,7 +350,6 @@
             <c:showLeaderLines val="0"/>
             <c:extLst>
               <c:ext xmlns:c15="http://schemas.microsoft.com/office/drawing/2012/chart" uri="{CE6537A1-D6FC-4f65-9D91-7224C49458BB}">
-                <c15:layout/>
                 <c15:showLeaderLines val="1"/>
                 <c15:leaderLines>
                   <c:spPr>
@@ -470,7 +468,6 @@
             <c:showLeaderLines val="0"/>
             <c:extLst>
               <c:ext xmlns:c15="http://schemas.microsoft.com/office/drawing/2012/chart" uri="{CE6537A1-D6FC-4f65-9D91-7224C49458BB}">
-                <c15:layout/>
                 <c15:showLeaderLines val="1"/>
                 <c15:leaderLines>
                   <c:spPr>
@@ -629,7 +626,6 @@
     </c:plotArea>
     <c:legend>
       <c:legendPos val="t"/>
-      <c:layout/>
       <c:overlay val="0"/>
       <c:spPr>
         <a:noFill/>
@@ -1044,7 +1040,6 @@
         <c:idx val="2"/>
         <c:delete val="1"/>
       </c:legendEntry>
-      <c:layout/>
       <c:overlay val="1"/>
       <c:spPr>
         <a:noFill/>
@@ -1185,7 +1180,6 @@
             <c:showLeaderLines val="0"/>
             <c:extLst>
               <c:ext xmlns:c15="http://schemas.microsoft.com/office/drawing/2012/chart" uri="{CE6537A1-D6FC-4f65-9D91-7224C49458BB}">
-                <c15:layout/>
                 <c15:showLeaderLines val="1"/>
                 <c15:leaderLines>
                   <c:spPr>
@@ -1304,7 +1298,6 @@
             <c:showLeaderLines val="0"/>
             <c:extLst>
               <c:ext xmlns:c15="http://schemas.microsoft.com/office/drawing/2012/chart" uri="{CE6537A1-D6FC-4f65-9D91-7224C49458BB}">
-                <c15:layout/>
                 <c15:showLeaderLines val="1"/>
                 <c15:leaderLines>
                   <c:spPr>
@@ -1423,7 +1416,6 @@
             <c:showLeaderLines val="0"/>
             <c:extLst>
               <c:ext xmlns:c15="http://schemas.microsoft.com/office/drawing/2012/chart" uri="{CE6537A1-D6FC-4f65-9D91-7224C49458BB}">
-                <c15:layout/>
                 <c15:showLeaderLines val="1"/>
                 <c15:leaderLines>
                   <c:spPr>
@@ -1582,7 +1574,6 @@
     </c:plotArea>
     <c:legend>
       <c:legendPos val="t"/>
-      <c:layout/>
       <c:overlay val="0"/>
       <c:spPr>
         <a:noFill/>
@@ -10108,11 +10099,7 @@
             </a:br>
             <a:r>
               <a:rPr lang="en-GB" sz="2000" b="0" dirty="0" smtClean="0"/>
-              <a:t>T1 </a:t>
-            </a:r>
-            <a:r>
-              <a:rPr lang="en-GB" sz="2000" b="0" dirty="0" smtClean="0"/>
-              <a:t>– </a:t>
+              <a:t>T1 – </a:t>
             </a:r>
             <a:r>
               <a:rPr lang="en-GB" sz="2000" b="0" dirty="0" err="1" smtClean="0"/>
@@ -17206,7 +17193,7 @@
             <a:r>
               <a:rPr lang="en-GB" sz="1600" dirty="0" err="1" smtClean="0">
                 <a:solidFill>
-                  <a:srgbClr val="000000"/>
+                  <a:schemeClr val="tx1"/>
                 </a:solidFill>
               </a:rPr>
               <a:t>Ist</a:t>
@@ -17214,23 +17201,55 @@
             <a:r>
               <a:rPr lang="en-GB" sz="1600" dirty="0" smtClean="0">
                 <a:solidFill>
-                  <a:srgbClr val="000000"/>
-                </a:solidFill>
-              </a:rPr>
-              <a:t> das </a:t>
+                  <a:schemeClr val="tx1"/>
+                </a:solidFill>
+              </a:rPr>
+              <a:t> die </a:t>
             </a:r>
             <a:r>
               <a:rPr lang="en-GB" sz="1600" dirty="0" err="1" smtClean="0">
                 <a:solidFill>
-                  <a:srgbClr val="000000"/>
-                </a:solidFill>
-              </a:rPr>
-              <a:t>verbesserte</a:t>
+                  <a:schemeClr val="tx1"/>
+                </a:solidFill>
+              </a:rPr>
+              <a:t>Anwendung</a:t>
             </a:r>
             <a:r>
               <a:rPr lang="en-GB" sz="1600" dirty="0" smtClean="0">
                 <a:solidFill>
-                  <a:srgbClr val="000000"/>
+                  <a:schemeClr val="tx1"/>
+                </a:solidFill>
+              </a:rPr>
+              <a:t> des COG-ED </a:t>
+            </a:r>
+            <a:r>
+              <a:rPr lang="en-GB" sz="1600" dirty="0" err="1" smtClean="0">
+                <a:solidFill>
+                  <a:schemeClr val="tx1"/>
+                </a:solidFill>
+              </a:rPr>
+              <a:t>Paradigmas</a:t>
+            </a:r>
+            <a:r>
+              <a:rPr lang="en-GB" sz="1600" dirty="0" smtClean="0">
+                <a:solidFill>
+                  <a:schemeClr val="tx1"/>
+                </a:solidFill>
+              </a:rPr>
+              <a:t> auf </a:t>
+            </a:r>
+            <a:r>
+              <a:rPr lang="en-GB" sz="1600" dirty="0" err="1" smtClean="0">
+                <a:solidFill>
+                  <a:schemeClr val="tx1"/>
+                </a:solidFill>
+              </a:rPr>
+              <a:t>Emotionsregulation</a:t>
+            </a:r>
+            <a:r>
+              <a:rPr lang="en-GB" sz="1600" dirty="0" smtClean="0">
+                <a:solidFill>
+                  <a:schemeClr val="tx1"/>
                 </a:solidFill>
               </a:rPr>
               <a:t> </a:t>
@@ -17238,38 +17257,22 @@
             <a:r>
               <a:rPr lang="en-GB" sz="1600" dirty="0" err="1" smtClean="0">
                 <a:solidFill>
-                  <a:srgbClr val="000000"/>
-                </a:solidFill>
-              </a:rPr>
-              <a:t>Paradigma</a:t>
+                  <a:schemeClr val="tx1"/>
+                </a:solidFill>
+              </a:rPr>
+              <a:t>sinnvoll</a:t>
             </a:r>
             <a:r>
               <a:rPr lang="en-GB" sz="1600" dirty="0" smtClean="0">
                 <a:solidFill>
-                  <a:srgbClr val="000000"/>
-                </a:solidFill>
-              </a:rPr>
-              <a:t> </a:t>
-            </a:r>
-            <a:r>
-              <a:rPr lang="en-GB" sz="1600" dirty="0" err="1" smtClean="0">
-                <a:solidFill>
-                  <a:srgbClr val="000000"/>
-                </a:solidFill>
-              </a:rPr>
-              <a:t>wasserdicht</a:t>
-            </a:r>
-            <a:r>
-              <a:rPr lang="en-GB" sz="1600" dirty="0" smtClean="0">
-                <a:solidFill>
-                  <a:srgbClr val="000000"/>
+                  <a:schemeClr val="tx1"/>
                 </a:solidFill>
               </a:rPr>
               <a:t>?</a:t>
             </a:r>
             <a:endParaRPr lang="en-GB" sz="1600" dirty="0">
               <a:solidFill>
-                <a:srgbClr val="000000"/>
+                <a:schemeClr val="tx1"/>
               </a:solidFill>
             </a:endParaRPr>
           </a:p>
@@ -17280,7 +17283,7 @@
             </a:pPr>
             <a:endParaRPr lang="en-GB" sz="1600" dirty="0" smtClean="0">
               <a:solidFill>
-                <a:srgbClr val="000000"/>
+                <a:schemeClr val="tx1"/>
               </a:solidFill>
             </a:endParaRPr>
           </a:p>
@@ -17290,17 +17293,49 @@
               <a:buChar char="-"/>
             </a:pPr>
             <a:r>
+              <a:rPr lang="en-GB" sz="1600" dirty="0" err="1" smtClean="0">
+                <a:solidFill>
+                  <a:schemeClr val="tx1"/>
+                </a:solidFill>
+              </a:rPr>
+              <a:t>Ist</a:t>
+            </a:r>
+            <a:r>
               <a:rPr lang="en-GB" sz="1600" dirty="0" smtClean="0">
                 <a:solidFill>
-                  <a:srgbClr val="000000"/>
-                </a:solidFill>
-              </a:rPr>
-              <a:t>EMG (Corrugator) </a:t>
+                  <a:schemeClr val="tx1"/>
+                </a:solidFill>
+              </a:rPr>
+              <a:t> EMG </a:t>
+            </a:r>
+            <a:r>
+              <a:rPr lang="en-GB" sz="1600" dirty="0" smtClean="0">
+                <a:solidFill>
+                  <a:schemeClr val="tx1"/>
+                </a:solidFill>
+              </a:rPr>
+              <a:t>(Corrugator) </a:t>
             </a:r>
             <a:r>
               <a:rPr lang="en-GB" sz="1600" dirty="0" err="1" smtClean="0">
                 <a:solidFill>
-                  <a:srgbClr val="000000"/>
+                  <a:schemeClr val="tx1"/>
+                </a:solidFill>
+              </a:rPr>
+              <a:t>ein</a:t>
+            </a:r>
+            <a:r>
+              <a:rPr lang="en-GB" sz="1600" dirty="0" smtClean="0">
+                <a:solidFill>
+                  <a:schemeClr val="tx1"/>
+                </a:solidFill>
+              </a:rPr>
+              <a:t> </a:t>
+            </a:r>
+            <a:r>
+              <a:rPr lang="en-GB" sz="1600" dirty="0" err="1" smtClean="0">
+                <a:solidFill>
+                  <a:schemeClr val="tx1"/>
                 </a:solidFill>
               </a:rPr>
               <a:t>guter</a:t>
@@ -17308,7 +17343,7 @@
             <a:r>
               <a:rPr lang="en-GB" sz="1600" dirty="0" smtClean="0">
                 <a:solidFill>
-                  <a:srgbClr val="000000"/>
+                  <a:schemeClr val="tx1"/>
                 </a:solidFill>
               </a:rPr>
               <a:t> </a:t>
@@ -17316,7 +17351,7 @@
             <a:r>
               <a:rPr lang="en-GB" sz="1600" dirty="0" err="1" smtClean="0">
                 <a:solidFill>
-                  <a:srgbClr val="000000"/>
+                  <a:schemeClr val="tx1"/>
                 </a:solidFill>
               </a:rPr>
               <a:t>Indikator</a:t>
@@ -17324,7 +17359,7 @@
             <a:r>
               <a:rPr lang="en-GB" sz="1600" dirty="0" smtClean="0">
                 <a:solidFill>
-                  <a:srgbClr val="000000"/>
+                  <a:schemeClr val="tx1"/>
                 </a:solidFill>
               </a:rPr>
               <a:t> </a:t>
@@ -17332,7 +17367,7 @@
             <a:r>
               <a:rPr lang="en-GB" sz="1600" dirty="0" err="1" smtClean="0">
                 <a:solidFill>
-                  <a:srgbClr val="000000"/>
+                  <a:schemeClr val="tx1"/>
                 </a:solidFill>
               </a:rPr>
               <a:t>für</a:t>
@@ -17340,7 +17375,7 @@
             <a:r>
               <a:rPr lang="en-GB" sz="1600" dirty="0" smtClean="0">
                 <a:solidFill>
-                  <a:srgbClr val="000000"/>
+                  <a:schemeClr val="tx1"/>
                 </a:solidFill>
               </a:rPr>
               <a:t> </a:t>
@@ -17348,7 +17383,7 @@
             <a:r>
               <a:rPr lang="en-GB" sz="1600" dirty="0" err="1" smtClean="0">
                 <a:solidFill>
-                  <a:srgbClr val="000000"/>
+                  <a:schemeClr val="tx1"/>
                 </a:solidFill>
               </a:rPr>
               <a:t>objektiven</a:t>
@@ -17356,7 +17391,7 @@
             <a:r>
               <a:rPr lang="en-GB" sz="1600" dirty="0" smtClean="0">
                 <a:solidFill>
-                  <a:srgbClr val="000000"/>
+                  <a:schemeClr val="tx1"/>
                 </a:solidFill>
               </a:rPr>
               <a:t> </a:t>
@@ -17364,7 +17399,7 @@
             <a:r>
               <a:rPr lang="en-GB" sz="1600" dirty="0" err="1" smtClean="0">
                 <a:solidFill>
-                  <a:srgbClr val="000000"/>
+                  <a:schemeClr val="tx1"/>
                 </a:solidFill>
               </a:rPr>
               <a:t>Regulationserfolg</a:t>
@@ -17372,7 +17407,7 @@
             <a:r>
               <a:rPr lang="en-GB" sz="1600" dirty="0" smtClean="0">
                 <a:solidFill>
-                  <a:srgbClr val="000000"/>
+                  <a:schemeClr val="tx1"/>
                 </a:solidFill>
               </a:rPr>
               <a:t>? </a:t>
@@ -17382,7 +17417,7 @@
             <a:r>
               <a:rPr lang="en-GB" sz="1600" dirty="0" smtClean="0">
                 <a:solidFill>
-                  <a:srgbClr val="000000"/>
+                  <a:schemeClr val="tx1"/>
                 </a:solidFill>
               </a:rPr>
               <a:t>      (Corrugator-</a:t>
@@ -17390,7 +17425,7 @@
             <a:r>
               <a:rPr lang="en-GB" sz="1600" dirty="0" err="1" smtClean="0">
                 <a:solidFill>
-                  <a:srgbClr val="000000"/>
+                  <a:schemeClr val="tx1"/>
                 </a:solidFill>
               </a:rPr>
               <a:t>Aktivität</a:t>
@@ -17398,7 +17433,7 @@
             <a:r>
               <a:rPr lang="en-GB" sz="1600" dirty="0" smtClean="0">
                 <a:solidFill>
-                  <a:srgbClr val="000000"/>
+                  <a:schemeClr val="tx1"/>
                 </a:solidFill>
               </a:rPr>
               <a:t> </a:t>
@@ -17406,7 +17441,7 @@
             <a:r>
               <a:rPr lang="en-GB" sz="1600" dirty="0" err="1" smtClean="0">
                 <a:solidFill>
-                  <a:srgbClr val="000000"/>
+                  <a:schemeClr val="tx1"/>
                 </a:solidFill>
               </a:rPr>
               <a:t>konnte</a:t>
@@ -17414,7 +17449,7 @@
             <a:r>
               <a:rPr lang="en-GB" sz="1600" dirty="0" smtClean="0">
                 <a:solidFill>
-                  <a:srgbClr val="000000"/>
+                  <a:schemeClr val="tx1"/>
                 </a:solidFill>
               </a:rPr>
               <a:t> </a:t>
@@ -17422,7 +17457,7 @@
             <a:r>
               <a:rPr lang="en-GB" sz="1600" dirty="0" err="1" smtClean="0">
                 <a:solidFill>
-                  <a:srgbClr val="000000"/>
+                  <a:schemeClr val="tx1"/>
                 </a:solidFill>
               </a:rPr>
               <a:t>auch</a:t>
@@ -17430,7 +17465,7 @@
             <a:r>
               <a:rPr lang="en-GB" sz="1600" dirty="0" smtClean="0">
                 <a:solidFill>
-                  <a:srgbClr val="000000"/>
+                  <a:schemeClr val="tx1"/>
                 </a:solidFill>
               </a:rPr>
               <a:t> </a:t>
@@ -17438,7 +17473,7 @@
             <a:r>
               <a:rPr lang="en-GB" sz="1600" dirty="0" err="1" smtClean="0">
                 <a:solidFill>
-                  <a:srgbClr val="000000"/>
+                  <a:schemeClr val="tx1"/>
                 </a:solidFill>
               </a:rPr>
               <a:t>bei</a:t>
@@ -17446,7 +17481,7 @@
             <a:r>
               <a:rPr lang="en-GB" sz="1600" dirty="0" smtClean="0">
                 <a:solidFill>
-                  <a:srgbClr val="000000"/>
+                  <a:schemeClr val="tx1"/>
                 </a:solidFill>
               </a:rPr>
               <a:t> </a:t>
@@ -17454,7 +17489,7 @@
             <a:r>
               <a:rPr lang="en-GB" sz="1600" dirty="0" err="1" smtClean="0">
                 <a:solidFill>
-                  <a:srgbClr val="000000"/>
+                  <a:schemeClr val="tx1"/>
                 </a:solidFill>
               </a:rPr>
               <a:t>kogn</a:t>
@@ -17462,7 +17497,7 @@
             <a:r>
               <a:rPr lang="en-GB" sz="1600" dirty="0" smtClean="0">
                 <a:solidFill>
-                  <a:srgbClr val="000000"/>
+                  <a:schemeClr val="tx1"/>
                 </a:solidFill>
               </a:rPr>
               <a:t>. </a:t>
@@ -17470,7 +17505,7 @@
             <a:r>
               <a:rPr lang="en-GB" sz="1600" dirty="0" err="1" smtClean="0">
                 <a:solidFill>
-                  <a:srgbClr val="000000"/>
+                  <a:schemeClr val="tx1"/>
                 </a:solidFill>
               </a:rPr>
               <a:t>anstrengenden</a:t>
@@ -17478,7 +17513,7 @@
             <a:r>
               <a:rPr lang="en-GB" sz="1600" dirty="0" smtClean="0">
                 <a:solidFill>
-                  <a:srgbClr val="000000"/>
+                  <a:schemeClr val="tx1"/>
                 </a:solidFill>
               </a:rPr>
               <a:t> </a:t>
@@ -17486,7 +17521,7 @@
             <a:r>
               <a:rPr lang="en-GB" sz="1600" dirty="0" err="1" smtClean="0">
                 <a:solidFill>
-                  <a:srgbClr val="000000"/>
+                  <a:schemeClr val="tx1"/>
                 </a:solidFill>
               </a:rPr>
               <a:t>Aufgaben</a:t>
@@ -17494,7 +17529,7 @@
             <a:r>
               <a:rPr lang="en-GB" sz="1600" dirty="0" smtClean="0">
                 <a:solidFill>
-                  <a:srgbClr val="000000"/>
+                  <a:schemeClr val="tx1"/>
                 </a:solidFill>
               </a:rPr>
               <a:t> </a:t>
@@ -17502,7 +17537,7 @@
             <a:r>
               <a:rPr lang="en-GB" sz="1600" dirty="0" err="1" smtClean="0">
                 <a:solidFill>
-                  <a:srgbClr val="000000"/>
+                  <a:schemeClr val="tx1"/>
                 </a:solidFill>
               </a:rPr>
               <a:t>beobachtet</a:t>
@@ -17510,39 +17545,39 @@
             <a:r>
               <a:rPr lang="en-GB" sz="1600" dirty="0" smtClean="0">
                 <a:solidFill>
-                  <a:srgbClr val="000000"/>
+                  <a:schemeClr val="tx1"/>
                 </a:solidFill>
               </a:rPr>
               <a:t> </a:t>
             </a:r>
             <a:r>
+              <a:rPr lang="en-GB" sz="1600" dirty="0" smtClean="0">
+                <a:solidFill>
+                  <a:schemeClr val="tx1"/>
+                </a:solidFill>
+              </a:rPr>
+              <a:t>warden</a:t>
+            </a:r>
+            <a:r>
+              <a:rPr lang="en-GB" sz="1600" dirty="0" smtClean="0">
+                <a:solidFill>
+                  <a:schemeClr val="tx1"/>
+                </a:solidFill>
+              </a:rPr>
+              <a:t>; </a:t>
+            </a:r>
+            <a:r>
               <a:rPr lang="en-GB" sz="1600" dirty="0" err="1" smtClean="0">
                 <a:solidFill>
-                  <a:srgbClr val="000000"/>
-                </a:solidFill>
-              </a:rPr>
-              <a:t>werden</a:t>
+                  <a:schemeClr val="tx1"/>
+                </a:solidFill>
+              </a:rPr>
+              <a:t>Inzlicht</a:t>
             </a:r>
             <a:r>
               <a:rPr lang="en-GB" sz="1600" dirty="0" smtClean="0">
                 <a:solidFill>
-                  <a:srgbClr val="000000"/>
-                </a:solidFill>
-              </a:rPr>
-              <a:t> (</a:t>
-            </a:r>
-            <a:r>
-              <a:rPr lang="en-GB" sz="1600" dirty="0" err="1" smtClean="0">
-                <a:solidFill>
-                  <a:srgbClr val="000000"/>
-                </a:solidFill>
-              </a:rPr>
-              <a:t>Inzlicht</a:t>
-            </a:r>
-            <a:r>
-              <a:rPr lang="en-GB" sz="1600" dirty="0" smtClean="0">
-                <a:solidFill>
-                  <a:srgbClr val="000000"/>
+                  <a:schemeClr val="tx1"/>
                 </a:solidFill>
               </a:rPr>
               <a:t>, 2018)</a:t>
@@ -17551,7 +17586,7 @@
           <a:p>
             <a:endParaRPr lang="en-GB" sz="1600" dirty="0" smtClean="0">
               <a:solidFill>
-                <a:srgbClr val="000000"/>
+                <a:schemeClr val="tx1"/>
               </a:solidFill>
             </a:endParaRPr>
           </a:p>
@@ -17563,15 +17598,31 @@
             <a:r>
               <a:rPr lang="en-GB" sz="1600" dirty="0" err="1" smtClean="0">
                 <a:solidFill>
-                  <a:srgbClr val="000000"/>
-                </a:solidFill>
-              </a:rPr>
-              <a:t>Wovon</a:t>
+                  <a:schemeClr val="tx1"/>
+                </a:solidFill>
+              </a:rPr>
+              <a:t>Decken</a:t>
             </a:r>
             <a:r>
               <a:rPr lang="en-GB" sz="1600" dirty="0" smtClean="0">
                 <a:solidFill>
-                  <a:srgbClr val="000000"/>
+                  <a:schemeClr val="tx1"/>
+                </a:solidFill>
+              </a:rPr>
+              <a:t> die </a:t>
+            </a:r>
+            <a:r>
+              <a:rPr lang="en-GB" sz="1600" dirty="0" err="1" smtClean="0">
+                <a:solidFill>
+                  <a:schemeClr val="tx1"/>
+                </a:solidFill>
+              </a:rPr>
+              <a:t>Hypothesen</a:t>
+            </a:r>
+            <a:r>
+              <a:rPr lang="en-GB" sz="1600" dirty="0" smtClean="0">
+                <a:solidFill>
+                  <a:schemeClr val="tx1"/>
                 </a:solidFill>
               </a:rPr>
               <a:t> </a:t>
@@ -17579,15 +17630,31 @@
             <a:r>
               <a:rPr lang="en-GB" sz="1600" dirty="0" err="1" smtClean="0">
                 <a:solidFill>
-                  <a:srgbClr val="000000"/>
-                </a:solidFill>
-              </a:rPr>
-              <a:t>machen</a:t>
+                  <a:schemeClr val="tx1"/>
+                </a:solidFill>
+              </a:rPr>
+              <a:t>bezüglich</a:t>
             </a:r>
             <a:r>
               <a:rPr lang="en-GB" sz="1600" dirty="0" smtClean="0">
                 <a:solidFill>
-                  <a:srgbClr val="000000"/>
+                  <a:schemeClr val="tx1"/>
+                </a:solidFill>
+              </a:rPr>
+              <a:t> T2 </a:t>
+            </a:r>
+            <a:r>
+              <a:rPr lang="en-GB" sz="1600" dirty="0" err="1" smtClean="0">
+                <a:solidFill>
+                  <a:schemeClr val="tx1"/>
+                </a:solidFill>
+              </a:rPr>
+              <a:t>alle</a:t>
+            </a:r>
+            <a:r>
+              <a:rPr lang="en-GB" sz="1600" dirty="0" smtClean="0">
+                <a:solidFill>
+                  <a:schemeClr val="tx1"/>
                 </a:solidFill>
               </a:rPr>
               <a:t> </a:t>
@@ -17595,15 +17662,15 @@
             <a:r>
               <a:rPr lang="en-GB" sz="1600" dirty="0" err="1" smtClean="0">
                 <a:solidFill>
-                  <a:srgbClr val="000000"/>
-                </a:solidFill>
-              </a:rPr>
-              <a:t>wir</a:t>
+                  <a:schemeClr val="tx1"/>
+                </a:solidFill>
+              </a:rPr>
+              <a:t>möglichen</a:t>
             </a:r>
             <a:r>
               <a:rPr lang="en-GB" sz="1600" dirty="0" smtClean="0">
                 <a:solidFill>
-                  <a:srgbClr val="000000"/>
+                  <a:schemeClr val="tx1"/>
                 </a:solidFill>
               </a:rPr>
               <a:t> </a:t>
@@ -17611,304 +17678,32 @@
             <a:r>
               <a:rPr lang="en-GB" sz="1600" dirty="0" err="1" smtClean="0">
                 <a:solidFill>
-                  <a:srgbClr val="000000"/>
-                </a:solidFill>
-              </a:rPr>
-              <a:t>abhängig</a:t>
+                  <a:schemeClr val="tx1"/>
+                </a:solidFill>
+              </a:rPr>
+              <a:t>Zusammenhänge</a:t>
             </a:r>
             <a:r>
               <a:rPr lang="en-GB" sz="1600" dirty="0" smtClean="0">
                 <a:solidFill>
-                  <a:srgbClr val="000000"/>
-                </a:solidFill>
-              </a:rPr>
-              <a:t>, welches n-back-Level </a:t>
-            </a:r>
-            <a:r>
-              <a:rPr lang="en-GB" sz="1600" dirty="0" err="1" smtClean="0">
-                <a:solidFill>
-                  <a:srgbClr val="000000"/>
-                </a:solidFill>
-              </a:rPr>
-              <a:t>oder</a:t>
+                  <a:schemeClr val="tx1"/>
+                </a:solidFill>
+              </a:rPr>
+              <a:t> ab?</a:t>
             </a:r>
             <a:r>
               <a:rPr lang="en-GB" sz="1600" dirty="0" smtClean="0">
                 <a:solidFill>
-                  <a:srgbClr val="000000"/>
-                </a:solidFill>
-              </a:rPr>
-              <a:t> </a:t>
-            </a:r>
-            <a:r>
-              <a:rPr lang="en-GB" sz="1600" dirty="0" err="1" smtClean="0">
-                <a:solidFill>
-                  <a:srgbClr val="000000"/>
-                </a:solidFill>
-              </a:rPr>
-              <a:t>welche</a:t>
-            </a:r>
-            <a:r>
-              <a:rPr lang="en-GB" sz="1600" dirty="0" smtClean="0">
-                <a:solidFill>
-                  <a:srgbClr val="000000"/>
-                </a:solidFill>
-              </a:rPr>
-              <a:t> </a:t>
-            </a:r>
-            <a:r>
-              <a:rPr lang="en-GB" sz="1600" dirty="0" err="1" smtClean="0">
-                <a:solidFill>
-                  <a:srgbClr val="000000"/>
-                </a:solidFill>
-              </a:rPr>
-              <a:t>Strategie</a:t>
-            </a:r>
-            <a:r>
-              <a:rPr lang="en-GB" sz="1600" dirty="0" smtClean="0">
-                <a:solidFill>
-                  <a:srgbClr val="000000"/>
-                </a:solidFill>
-              </a:rPr>
-              <a:t> am </a:t>
-            </a:r>
-            <a:r>
-              <a:rPr lang="en-GB" sz="1600" dirty="0" err="1" smtClean="0">
-                <a:solidFill>
-                  <a:srgbClr val="000000"/>
-                </a:solidFill>
-              </a:rPr>
-              <a:t>Ende</a:t>
-            </a:r>
-            <a:r>
-              <a:rPr lang="en-GB" sz="1600" dirty="0" smtClean="0">
-                <a:solidFill>
-                  <a:srgbClr val="000000"/>
-                </a:solidFill>
-              </a:rPr>
-              <a:t> der </a:t>
-            </a:r>
-            <a:r>
-              <a:rPr lang="en-GB" sz="1600" dirty="0" err="1" smtClean="0">
-                <a:solidFill>
-                  <a:srgbClr val="000000"/>
-                </a:solidFill>
-              </a:rPr>
-              <a:t>Erhebung</a:t>
-            </a:r>
-            <a:r>
-              <a:rPr lang="en-GB" sz="1600" dirty="0" smtClean="0">
-                <a:solidFill>
-                  <a:srgbClr val="000000"/>
-                </a:solidFill>
-              </a:rPr>
-              <a:t> </a:t>
-            </a:r>
-            <a:r>
-              <a:rPr lang="en-GB" sz="1600" dirty="0" err="1" smtClean="0">
-                <a:solidFill>
-                  <a:srgbClr val="000000"/>
-                </a:solidFill>
-              </a:rPr>
-              <a:t>nochmal</a:t>
-            </a:r>
-            <a:r>
-              <a:rPr lang="en-GB" sz="1600" dirty="0" smtClean="0">
-                <a:solidFill>
-                  <a:srgbClr val="000000"/>
-                </a:solidFill>
-              </a:rPr>
-              <a:t> </a:t>
-            </a:r>
-            <a:r>
-              <a:rPr lang="en-GB" sz="1600" dirty="0" err="1" smtClean="0">
-                <a:solidFill>
-                  <a:srgbClr val="000000"/>
-                </a:solidFill>
-              </a:rPr>
-              <a:t>wiederholt</a:t>
-            </a:r>
-            <a:r>
-              <a:rPr lang="en-GB" sz="1600" dirty="0" smtClean="0">
-                <a:solidFill>
-                  <a:srgbClr val="000000"/>
-                </a:solidFill>
-              </a:rPr>
-              <a:t> </a:t>
-            </a:r>
-            <a:r>
-              <a:rPr lang="en-GB" sz="1600" dirty="0" err="1" smtClean="0">
-                <a:solidFill>
-                  <a:srgbClr val="000000"/>
-                </a:solidFill>
-              </a:rPr>
-              <a:t>wird</a:t>
-            </a:r>
-            <a:r>
-              <a:rPr lang="en-GB" sz="1600" dirty="0" smtClean="0">
-                <a:solidFill>
-                  <a:srgbClr val="000000"/>
+                  <a:schemeClr val="tx1"/>
                 </a:solidFill>
               </a:rPr>
               <a:t>?</a:t>
             </a:r>
-          </a:p>
-          <a:p>
             <a:endParaRPr lang="en-GB" sz="1600" dirty="0" smtClean="0">
               <a:solidFill>
-                <a:srgbClr val="000000"/>
+                <a:schemeClr val="tx1"/>
               </a:solidFill>
             </a:endParaRPr>
-          </a:p>
-          <a:p>
-            <a:pPr marL="285750" indent="-285750">
-              <a:buFontTx/>
-              <a:buChar char="-"/>
-            </a:pPr>
-            <a:r>
-              <a:rPr lang="en-GB" sz="1600" dirty="0" err="1" smtClean="0">
-                <a:solidFill>
-                  <a:srgbClr val="000000"/>
-                </a:solidFill>
-              </a:rPr>
-              <a:t>Welche</a:t>
-            </a:r>
-            <a:r>
-              <a:rPr lang="en-GB" sz="1600" dirty="0" smtClean="0">
-                <a:solidFill>
-                  <a:srgbClr val="000000"/>
-                </a:solidFill>
-              </a:rPr>
-              <a:t> </a:t>
-            </a:r>
-            <a:r>
-              <a:rPr lang="en-GB" sz="1600" dirty="0" err="1" smtClean="0">
-                <a:solidFill>
-                  <a:srgbClr val="000000"/>
-                </a:solidFill>
-              </a:rPr>
-              <a:t>weiteren</a:t>
-            </a:r>
-            <a:r>
-              <a:rPr lang="en-GB" sz="1600" dirty="0" smtClean="0">
-                <a:solidFill>
-                  <a:srgbClr val="000000"/>
-                </a:solidFill>
-              </a:rPr>
-              <a:t> </a:t>
-            </a:r>
-            <a:r>
-              <a:rPr lang="en-GB" sz="1600" dirty="0" err="1" smtClean="0">
-                <a:solidFill>
-                  <a:srgbClr val="000000"/>
-                </a:solidFill>
-              </a:rPr>
-              <a:t>Hypothesen</a:t>
-            </a:r>
-            <a:r>
-              <a:rPr lang="en-GB" sz="1600" dirty="0" smtClean="0">
-                <a:solidFill>
-                  <a:srgbClr val="000000"/>
-                </a:solidFill>
-              </a:rPr>
-              <a:t> </a:t>
-            </a:r>
-            <a:r>
-              <a:rPr lang="en-GB" sz="1600" dirty="0" err="1" smtClean="0">
-                <a:solidFill>
-                  <a:srgbClr val="000000"/>
-                </a:solidFill>
-              </a:rPr>
-              <a:t>können</a:t>
-            </a:r>
-            <a:r>
-              <a:rPr lang="en-GB" sz="1600" dirty="0" smtClean="0">
-                <a:solidFill>
-                  <a:srgbClr val="000000"/>
-                </a:solidFill>
-              </a:rPr>
-              <a:t> </a:t>
-            </a:r>
-            <a:r>
-              <a:rPr lang="en-GB" sz="1600" dirty="0" err="1" smtClean="0">
-                <a:solidFill>
-                  <a:srgbClr val="000000"/>
-                </a:solidFill>
-              </a:rPr>
-              <a:t>wir</a:t>
-            </a:r>
-            <a:r>
-              <a:rPr lang="en-GB" sz="1600" dirty="0">
-                <a:solidFill>
-                  <a:srgbClr val="000000"/>
-                </a:solidFill>
-              </a:rPr>
-              <a:t> </a:t>
-            </a:r>
-            <a:r>
-              <a:rPr lang="en-GB" sz="1600" dirty="0" err="1" smtClean="0">
-                <a:solidFill>
-                  <a:srgbClr val="000000"/>
-                </a:solidFill>
-              </a:rPr>
-              <a:t>aufstellen</a:t>
-            </a:r>
-            <a:r>
-              <a:rPr lang="en-GB" sz="1600" dirty="0" smtClean="0">
-                <a:solidFill>
-                  <a:srgbClr val="000000"/>
-                </a:solidFill>
-              </a:rPr>
-              <a:t> </a:t>
-            </a:r>
-            <a:r>
-              <a:rPr lang="en-GB" sz="1600" dirty="0" err="1" smtClean="0">
-                <a:solidFill>
-                  <a:srgbClr val="000000"/>
-                </a:solidFill>
-              </a:rPr>
-              <a:t>bzgl</a:t>
-            </a:r>
-            <a:r>
-              <a:rPr lang="en-GB" sz="1600" dirty="0" smtClean="0">
-                <a:solidFill>
-                  <a:srgbClr val="000000"/>
-                </a:solidFill>
-              </a:rPr>
-              <a:t>. NFC, </a:t>
-            </a:r>
-            <a:r>
-              <a:rPr lang="en-GB" sz="1600" dirty="0" err="1" smtClean="0">
-                <a:solidFill>
-                  <a:srgbClr val="000000"/>
-                </a:solidFill>
-              </a:rPr>
-              <a:t>Emotionsregulation</a:t>
-            </a:r>
-            <a:r>
-              <a:rPr lang="en-GB" sz="1600" dirty="0" smtClean="0">
-                <a:solidFill>
-                  <a:srgbClr val="000000"/>
-                </a:solidFill>
-              </a:rPr>
-              <a:t>, </a:t>
-            </a:r>
-            <a:r>
-              <a:rPr lang="en-GB" sz="1600" dirty="0" err="1" smtClean="0">
-                <a:solidFill>
-                  <a:srgbClr val="000000"/>
-                </a:solidFill>
-              </a:rPr>
-              <a:t>Zusammenhang</a:t>
-            </a:r>
-            <a:r>
-              <a:rPr lang="en-GB" sz="1600" dirty="0" smtClean="0">
-                <a:solidFill>
-                  <a:srgbClr val="000000"/>
-                </a:solidFill>
-              </a:rPr>
-              <a:t> von t1 und t2, etc. ?</a:t>
-            </a:r>
           </a:p>
         </p:txBody>
       </p:sp>

--- a/99_Thinktank/Talks/21-07-06_Kolloquium/Kolloquium_COG-ER-ED.pptx
+++ b/99_Thinktank/Talks/21-07-06_Kolloquium/Kolloquium_COG-ER-ED.pptx
@@ -17684,15 +17684,15 @@
               <a:t>Zusammenhänge</a:t>
             </a:r>
             <a:r>
-              <a:rPr lang="en-GB" sz="1600" dirty="0" smtClean="0">
-                <a:solidFill>
-                  <a:schemeClr val="tx1"/>
-                </a:solidFill>
-              </a:rPr>
-              <a:t> ab?</a:t>
-            </a:r>
-            <a:r>
-              <a:rPr lang="en-GB" sz="1600" dirty="0" smtClean="0">
+              <a:rPr lang="en-GB" sz="1600" smtClean="0">
+                <a:solidFill>
+                  <a:schemeClr val="tx1"/>
+                </a:solidFill>
+              </a:rPr>
+              <a:t> ab</a:t>
+            </a:r>
+            <a:r>
+              <a:rPr lang="en-GB" sz="1600" smtClean="0">
                 <a:solidFill>
                   <a:schemeClr val="tx1"/>
                 </a:solidFill>

--- a/99_Thinktank/Talks/21-07-06_Kolloquium/Kolloquium_COG-ER-ED.pptx
+++ b/99_Thinktank/Talks/21-07-06_Kolloquium/Kolloquium_COG-ER-ED.pptx
@@ -232,6 +232,7 @@
             <c:showLeaderLines val="0"/>
             <c:extLst>
               <c:ext xmlns:c15="http://schemas.microsoft.com/office/drawing/2012/chart" uri="{CE6537A1-D6FC-4f65-9D91-7224C49458BB}">
+                <c15:layout/>
                 <c15:showLeaderLines val="1"/>
                 <c15:leaderLines>
                   <c:spPr>
@@ -350,6 +351,7 @@
             <c:showLeaderLines val="0"/>
             <c:extLst>
               <c:ext xmlns:c15="http://schemas.microsoft.com/office/drawing/2012/chart" uri="{CE6537A1-D6FC-4f65-9D91-7224C49458BB}">
+                <c15:layout/>
                 <c15:showLeaderLines val="1"/>
                 <c15:leaderLines>
                   <c:spPr>
@@ -468,6 +470,7 @@
             <c:showLeaderLines val="0"/>
             <c:extLst>
               <c:ext xmlns:c15="http://schemas.microsoft.com/office/drawing/2012/chart" uri="{CE6537A1-D6FC-4f65-9D91-7224C49458BB}">
+                <c15:layout/>
                 <c15:showLeaderLines val="1"/>
                 <c15:leaderLines>
                   <c:spPr>
@@ -626,6 +629,7 @@
     </c:plotArea>
     <c:legend>
       <c:legendPos val="t"/>
+      <c:layout/>
       <c:overlay val="0"/>
       <c:spPr>
         <a:noFill/>
@@ -1040,6 +1044,7 @@
         <c:idx val="2"/>
         <c:delete val="1"/>
       </c:legendEntry>
+      <c:layout/>
       <c:overlay val="1"/>
       <c:spPr>
         <a:noFill/>
@@ -1180,6 +1185,7 @@
             <c:showLeaderLines val="0"/>
             <c:extLst>
               <c:ext xmlns:c15="http://schemas.microsoft.com/office/drawing/2012/chart" uri="{CE6537A1-D6FC-4f65-9D91-7224C49458BB}">
+                <c15:layout/>
                 <c15:showLeaderLines val="1"/>
                 <c15:leaderLines>
                   <c:spPr>
@@ -1298,6 +1304,7 @@
             <c:showLeaderLines val="0"/>
             <c:extLst>
               <c:ext xmlns:c15="http://schemas.microsoft.com/office/drawing/2012/chart" uri="{CE6537A1-D6FC-4f65-9D91-7224C49458BB}">
+                <c15:layout/>
                 <c15:showLeaderLines val="1"/>
                 <c15:leaderLines>
                   <c:spPr>
@@ -1416,6 +1423,7 @@
             <c:showLeaderLines val="0"/>
             <c:extLst>
               <c:ext xmlns:c15="http://schemas.microsoft.com/office/drawing/2012/chart" uri="{CE6537A1-D6FC-4f65-9D91-7224C49458BB}">
+                <c15:layout/>
                 <c15:showLeaderLines val="1"/>
                 <c15:leaderLines>
                   <c:spPr>
@@ -1574,6 +1582,7 @@
     </c:plotArea>
     <c:legend>
       <c:legendPos val="t"/>
+      <c:layout/>
       <c:overlay val="0"/>
       <c:spPr>
         <a:noFill/>
@@ -14199,6 +14208,33 @@
                                   </p:childTnLst>
                                 </p:cTn>
                               </p:par>
+                              <p:par>
+                                <p:cTn id="13" presetID="1" presetClass="entr" presetSubtype="0" fill="hold" nodeType="withEffect">
+                                  <p:stCondLst>
+                                    <p:cond delay="0"/>
+                                  </p:stCondLst>
+                                  <p:childTnLst>
+                                    <p:set>
+                                      <p:cBhvr>
+                                        <p:cTn id="14" dur="1" fill="hold">
+                                          <p:stCondLst>
+                                            <p:cond delay="0"/>
+                                          </p:stCondLst>
+                                        </p:cTn>
+                                        <p:tgtEl>
+                                          <p:spTgt spid="61"/>
+                                        </p:tgtEl>
+                                        <p:attrNameLst>
+                                          <p:attrName>style.visibility</p:attrName>
+                                        </p:attrNameLst>
+                                      </p:cBhvr>
+                                      <p:to>
+                                        <p:strVal val="visible"/>
+                                      </p:to>
+                                    </p:set>
+                                  </p:childTnLst>
+                                </p:cTn>
+                              </p:par>
                             </p:childTnLst>
                           </p:cTn>
                         </p:par>
@@ -16520,6 +16556,13 @@
   <p:clrMapOvr>
     <a:masterClrMapping/>
   </p:clrMapOvr>
+  <p:timing>
+    <p:tnLst>
+      <p:par>
+        <p:cTn id="1" dur="indefinite" restart="never" nodeType="tmRoot"/>
+      </p:par>
+    </p:tnLst>
+  </p:timing>
 </p:sld>
 </file>
 
@@ -17306,15 +17349,7 @@
                   <a:schemeClr val="tx1"/>
                 </a:solidFill>
               </a:rPr>
-              <a:t> EMG </a:t>
-            </a:r>
-            <a:r>
-              <a:rPr lang="en-GB" sz="1600" dirty="0" smtClean="0">
-                <a:solidFill>
-                  <a:schemeClr val="tx1"/>
-                </a:solidFill>
-              </a:rPr>
-              <a:t>(Corrugator) </a:t>
+              <a:t> EMG (Corrugator) </a:t>
             </a:r>
             <a:r>
               <a:rPr lang="en-GB" sz="1600" dirty="0" err="1" smtClean="0">
@@ -17548,23 +17583,7 @@
                   <a:schemeClr val="tx1"/>
                 </a:solidFill>
               </a:rPr>
-              <a:t> </a:t>
-            </a:r>
-            <a:r>
-              <a:rPr lang="en-GB" sz="1600" dirty="0" smtClean="0">
-                <a:solidFill>
-                  <a:schemeClr val="tx1"/>
-                </a:solidFill>
-              </a:rPr>
-              <a:t>warden</a:t>
-            </a:r>
-            <a:r>
-              <a:rPr lang="en-GB" sz="1600" dirty="0" smtClean="0">
-                <a:solidFill>
-                  <a:schemeClr val="tx1"/>
-                </a:solidFill>
-              </a:rPr>
-              <a:t>; </a:t>
+              <a:t> warden; </a:t>
             </a:r>
             <a:r>
               <a:rPr lang="en-GB" sz="1600" dirty="0" err="1" smtClean="0">
@@ -17689,15 +17708,7 @@
                   <a:schemeClr val="tx1"/>
                 </a:solidFill>
               </a:rPr>
-              <a:t> ab</a:t>
-            </a:r>
-            <a:r>
-              <a:rPr lang="en-GB" sz="1600" smtClean="0">
-                <a:solidFill>
-                  <a:schemeClr val="tx1"/>
-                </a:solidFill>
-              </a:rPr>
-              <a:t>?</a:t>
+              <a:t> ab?</a:t>
             </a:r>
             <a:endParaRPr lang="en-GB" sz="1600" dirty="0" smtClean="0">
               <a:solidFill>

--- a/99_Thinktank/Talks/21-07-06_Kolloquium/Kolloquium_COG-ER-ED.pptx
+++ b/99_Thinktank/Talks/21-07-06_Kolloquium/Kolloquium_COG-ER-ED.pptx
@@ -10130,8 +10130,8 @@
         </p:nvSpPr>
         <p:spPr>
           <a:xfrm>
-            <a:off x="531623" y="1176738"/>
-            <a:ext cx="10394524" cy="4253678"/>
+            <a:off x="874715" y="1321706"/>
+            <a:ext cx="10205089" cy="4253678"/>
           </a:xfrm>
           <a:prstGeom prst="rect">
             <a:avLst/>
@@ -10318,12 +10318,39 @@
               </a:tabLst>
             </a:pPr>
             <a:r>
+              <a:rPr lang="en-US" sz="1600" dirty="0" smtClean="0">
+                <a:solidFill>
+                  <a:schemeClr val="tx1"/>
+                </a:solidFill>
+              </a:rPr>
+              <a:t>Low </a:t>
+            </a:r>
+            <a:r>
+              <a:rPr lang="en-US" sz="1600" dirty="0" smtClean="0">
+                <a:solidFill>
+                  <a:schemeClr val="tx1"/>
+                </a:solidFill>
+                <a:latin typeface="+mj-lt"/>
+              </a:rPr>
+              <a:t>NFC </a:t>
+            </a:r>
+            <a:r>
+              <a:rPr lang="en-US" sz="1600" dirty="0" smtClean="0">
+                <a:solidFill>
+                  <a:schemeClr val="tx1"/>
+                </a:solidFill>
+                <a:latin typeface="+mj-lt"/>
+                <a:cs typeface="Courier New" panose="02070309020205020404" pitchFamily="49" charset="0"/>
+              </a:rPr>
+              <a:t>→ </a:t>
+            </a:r>
+            <a:r>
               <a:rPr lang="en-US" sz="1600" dirty="0" err="1" smtClean="0">
                 <a:solidFill>
                   <a:schemeClr val="tx1"/>
                 </a:solidFill>
               </a:rPr>
-              <a:t>Personen</a:t>
+              <a:t>exponentiell</a:t>
             </a:r>
             <a:r>
               <a:rPr lang="en-US" sz="1600" dirty="0" smtClean="0">
@@ -10339,7 +10366,7 @@
                   <a:schemeClr val="tx1"/>
                 </a:solidFill>
               </a:rPr>
-              <a:t>mit</a:t>
+              <a:t>sinkender</a:t>
             </a:r>
             <a:r>
               <a:rPr lang="en-US" sz="1600" dirty="0" smtClean="0">
@@ -10355,128 +10382,13 @@
                   <a:schemeClr val="tx1"/>
                 </a:solidFill>
               </a:rPr>
-              <a:t>niedrigen</a:t>
-            </a:r>
-            <a:r>
-              <a:rPr lang="en-US" sz="1600" dirty="0" smtClean="0">
-                <a:solidFill>
-                  <a:schemeClr val="tx1"/>
-                </a:solidFill>
-              </a:rPr>
-              <a:t> </a:t>
-            </a:r>
-            <a:r>
-              <a:rPr lang="en-US" sz="1600" dirty="0" err="1" smtClean="0">
-                <a:solidFill>
-                  <a:schemeClr val="tx1"/>
-                </a:solidFill>
-              </a:rPr>
-              <a:t>Werten</a:t>
-            </a:r>
-            <a:r>
-              <a:rPr lang="en-US" sz="1600" dirty="0" smtClean="0">
-                <a:solidFill>
-                  <a:schemeClr val="tx1"/>
-                </a:solidFill>
-              </a:rPr>
-              <a:t> in NFC </a:t>
-            </a:r>
-            <a:r>
-              <a:rPr lang="en-US" sz="1600" dirty="0" err="1" smtClean="0">
-                <a:solidFill>
-                  <a:schemeClr val="tx1"/>
-                </a:solidFill>
-              </a:rPr>
-              <a:t>zeigen</a:t>
-            </a:r>
-            <a:r>
-              <a:rPr lang="en-US" sz="1600" dirty="0" smtClean="0">
-                <a:solidFill>
-                  <a:schemeClr val="tx1"/>
-                </a:solidFill>
-              </a:rPr>
-              <a:t> </a:t>
-            </a:r>
-            <a:r>
-              <a:rPr lang="en-US" sz="1600" dirty="0" err="1" smtClean="0">
-                <a:solidFill>
-                  <a:schemeClr val="tx1"/>
-                </a:solidFill>
-              </a:rPr>
-              <a:t>einen</a:t>
-            </a:r>
-            <a:r>
-              <a:rPr lang="en-US" sz="1600" dirty="0" smtClean="0">
-                <a:solidFill>
-                  <a:schemeClr val="tx1"/>
-                </a:solidFill>
-              </a:rPr>
-              <a:t> </a:t>
-            </a:r>
-            <a:r>
-              <a:rPr lang="en-US" sz="1600" dirty="0" err="1" smtClean="0">
-                <a:solidFill>
-                  <a:schemeClr val="tx1"/>
-                </a:solidFill>
-              </a:rPr>
-              <a:t>exponentiellen</a:t>
-            </a:r>
-            <a:r>
-              <a:rPr lang="en-US" sz="1600" dirty="0" smtClean="0">
-                <a:solidFill>
-                  <a:schemeClr val="tx1"/>
-                </a:solidFill>
-              </a:rPr>
-              <a:t> </a:t>
-            </a:r>
-            <a:r>
-              <a:rPr lang="en-US" sz="1600" dirty="0" err="1" smtClean="0">
-                <a:solidFill>
-                  <a:schemeClr val="tx1"/>
-                </a:solidFill>
-              </a:rPr>
               <a:t>Kurvenverlauf</a:t>
             </a:r>
-            <a:r>
-              <a:rPr lang="en-US" sz="1600" dirty="0" smtClean="0">
-                <a:solidFill>
-                  <a:schemeClr val="tx1"/>
-                </a:solidFill>
-              </a:rPr>
-              <a:t> (1-back hat den </a:t>
-            </a:r>
-            <a:r>
-              <a:rPr lang="en-US" sz="1600" dirty="0" err="1" smtClean="0">
-                <a:solidFill>
-                  <a:schemeClr val="tx1"/>
-                </a:solidFill>
-              </a:rPr>
-              <a:t>höchsten</a:t>
-            </a:r>
-            <a:r>
-              <a:rPr lang="en-US" sz="1600" dirty="0" smtClean="0">
-                <a:solidFill>
-                  <a:schemeClr val="tx1"/>
-                </a:solidFill>
-              </a:rPr>
-              <a:t> </a:t>
-            </a:r>
-            <a:r>
-              <a:rPr lang="en-US" sz="1600" dirty="0" err="1" smtClean="0">
-                <a:solidFill>
-                  <a:schemeClr val="tx1"/>
-                </a:solidFill>
-              </a:rPr>
-              <a:t>subjektiven</a:t>
-            </a:r>
-            <a:r>
-              <a:rPr lang="en-US" sz="1600" dirty="0" smtClean="0">
-                <a:solidFill>
-                  <a:schemeClr val="tx1"/>
-                </a:solidFill>
-              </a:rPr>
-              <a:t> Wert)</a:t>
-            </a:r>
+            <a:endParaRPr lang="en-US" sz="1600" dirty="0">
+              <a:solidFill>
+                <a:schemeClr val="tx1"/>
+              </a:solidFill>
+            </a:endParaRPr>
           </a:p>
           <a:p>
             <a:pPr marL="630238" indent="-342900">
@@ -10487,12 +10399,37 @@
               </a:tabLst>
             </a:pPr>
             <a:r>
+              <a:rPr lang="en-US" sz="1600" dirty="0" smtClean="0">
+                <a:solidFill>
+                  <a:schemeClr val="tx1"/>
+                </a:solidFill>
+              </a:rPr>
+              <a:t>High </a:t>
+            </a:r>
+            <a:r>
+              <a:rPr lang="en-US" sz="1600" dirty="0" smtClean="0">
+                <a:solidFill>
+                  <a:schemeClr val="tx1"/>
+                </a:solidFill>
+              </a:rPr>
+              <a:t>NFC </a:t>
+            </a:r>
+            <a:r>
+              <a:rPr lang="en-US" sz="1600" dirty="0">
+                <a:solidFill>
+                  <a:schemeClr val="tx1"/>
+                </a:solidFill>
+                <a:cs typeface="Courier New" panose="02070309020205020404" pitchFamily="49" charset="0"/>
+              </a:rPr>
+              <a:t>→ </a:t>
+            </a:r>
+            <a:r>
               <a:rPr lang="en-US" sz="1600" dirty="0" err="1" smtClean="0">
                 <a:solidFill>
                   <a:schemeClr val="tx1"/>
                 </a:solidFill>
               </a:rPr>
-              <a:t>Personen</a:t>
+              <a:t>rechtsschiefe</a:t>
             </a:r>
             <a:r>
               <a:rPr lang="en-US" sz="1600" dirty="0" smtClean="0">
@@ -10508,181 +10445,16 @@
                   <a:schemeClr val="tx1"/>
                 </a:solidFill>
               </a:rPr>
-              <a:t>mit</a:t>
-            </a:r>
-            <a:r>
-              <a:rPr lang="en-US" sz="1600" dirty="0" smtClean="0">
-                <a:solidFill>
-                  <a:schemeClr val="tx1"/>
-                </a:solidFill>
-              </a:rPr>
-              <a:t> </a:t>
-            </a:r>
-            <a:r>
-              <a:rPr lang="en-US" sz="1600" dirty="0" err="1" smtClean="0">
-                <a:solidFill>
-                  <a:schemeClr val="tx1"/>
-                </a:solidFill>
-              </a:rPr>
-              <a:t>hohen</a:t>
-            </a:r>
-            <a:r>
-              <a:rPr lang="en-US" sz="1600" dirty="0" smtClean="0">
-                <a:solidFill>
-                  <a:schemeClr val="tx1"/>
-                </a:solidFill>
-              </a:rPr>
-              <a:t> </a:t>
-            </a:r>
-            <a:r>
-              <a:rPr lang="en-US" sz="1600" dirty="0" err="1" smtClean="0">
-                <a:solidFill>
-                  <a:schemeClr val="tx1"/>
-                </a:solidFill>
-              </a:rPr>
-              <a:t>Werten</a:t>
-            </a:r>
-            <a:r>
-              <a:rPr lang="en-US" sz="1600" dirty="0" smtClean="0">
-                <a:solidFill>
-                  <a:schemeClr val="tx1"/>
-                </a:solidFill>
-              </a:rPr>
-              <a:t> in NFC </a:t>
-            </a:r>
-            <a:r>
-              <a:rPr lang="en-US" sz="1600" dirty="0" err="1" smtClean="0">
-                <a:solidFill>
-                  <a:schemeClr val="tx1"/>
-                </a:solidFill>
-              </a:rPr>
-              <a:t>zeigen</a:t>
-            </a:r>
-            <a:r>
-              <a:rPr lang="en-US" sz="1600" dirty="0" smtClean="0">
-                <a:solidFill>
-                  <a:schemeClr val="tx1"/>
-                </a:solidFill>
-              </a:rPr>
-              <a:t> </a:t>
-            </a:r>
-            <a:r>
-              <a:rPr lang="en-US" sz="1600" dirty="0" err="1" smtClean="0">
-                <a:solidFill>
-                  <a:schemeClr val="tx1"/>
-                </a:solidFill>
-              </a:rPr>
-              <a:t>eine</a:t>
-            </a:r>
-            <a:r>
-              <a:rPr lang="en-US" sz="1600" dirty="0" smtClean="0">
-                <a:solidFill>
-                  <a:schemeClr val="tx1"/>
-                </a:solidFill>
-              </a:rPr>
-              <a:t> </a:t>
-            </a:r>
-            <a:r>
-              <a:rPr lang="en-US" sz="1600" dirty="0" err="1" smtClean="0">
-                <a:solidFill>
-                  <a:schemeClr val="tx1"/>
-                </a:solidFill>
-              </a:rPr>
-              <a:t>rechtsschiefe</a:t>
-            </a:r>
-            <a:r>
-              <a:rPr lang="en-US" sz="1600" dirty="0" smtClean="0">
-                <a:solidFill>
-                  <a:schemeClr val="tx1"/>
-                </a:solidFill>
-              </a:rPr>
-              <a:t> </a:t>
-            </a:r>
-            <a:r>
-              <a:rPr lang="en-US" sz="1600" dirty="0" err="1" smtClean="0">
-                <a:solidFill>
-                  <a:schemeClr val="tx1"/>
-                </a:solidFill>
-              </a:rPr>
               <a:t>Verteilung</a:t>
             </a:r>
-            <a:r>
-              <a:rPr lang="en-US" sz="1600" dirty="0" smtClean="0">
-                <a:solidFill>
-                  <a:schemeClr val="tx1"/>
-                </a:solidFill>
-              </a:rPr>
-              <a:t> (1-back hat </a:t>
-            </a:r>
-            <a:r>
-              <a:rPr lang="en-US" sz="1600" dirty="0" err="1" smtClean="0">
-                <a:solidFill>
-                  <a:schemeClr val="tx1"/>
-                </a:solidFill>
-              </a:rPr>
-              <a:t>einen</a:t>
-            </a:r>
-            <a:r>
-              <a:rPr lang="en-US" sz="1600" dirty="0" smtClean="0">
-                <a:solidFill>
-                  <a:schemeClr val="tx1"/>
-                </a:solidFill>
-              </a:rPr>
-              <a:t> </a:t>
-            </a:r>
-            <a:r>
-              <a:rPr lang="en-US" sz="1600" dirty="0" err="1" smtClean="0">
-                <a:solidFill>
-                  <a:schemeClr val="tx1"/>
-                </a:solidFill>
-              </a:rPr>
-              <a:t>geringeren</a:t>
-            </a:r>
-            <a:r>
-              <a:rPr lang="en-US" sz="1600" dirty="0" smtClean="0">
-                <a:solidFill>
-                  <a:schemeClr val="tx1"/>
-                </a:solidFill>
-              </a:rPr>
-              <a:t> </a:t>
-            </a:r>
-            <a:r>
-              <a:rPr lang="en-US" sz="1600" dirty="0" err="1" smtClean="0">
-                <a:solidFill>
-                  <a:schemeClr val="tx1"/>
-                </a:solidFill>
-              </a:rPr>
-              <a:t>subjektiven</a:t>
-            </a:r>
-            <a:r>
-              <a:rPr lang="en-US" sz="1600" dirty="0" smtClean="0">
-                <a:solidFill>
-                  <a:schemeClr val="tx1"/>
-                </a:solidFill>
-              </a:rPr>
-              <a:t> Wert, </a:t>
-            </a:r>
-            <a:r>
-              <a:rPr lang="en-US" sz="1600" dirty="0" err="1" smtClean="0">
-                <a:solidFill>
-                  <a:schemeClr val="tx1"/>
-                </a:solidFill>
-              </a:rPr>
-              <a:t>als</a:t>
-            </a:r>
-            <a:r>
-              <a:rPr lang="en-US" sz="1600" dirty="0" smtClean="0">
-                <a:solidFill>
-                  <a:schemeClr val="tx1"/>
-                </a:solidFill>
-              </a:rPr>
-              <a:t> 2-back)</a:t>
-            </a:r>
+            <a:endParaRPr lang="en-US" sz="1600" dirty="0" smtClean="0">
+              <a:solidFill>
+                <a:schemeClr val="tx1"/>
+              </a:solidFill>
+            </a:endParaRPr>
           </a:p>
           <a:p>
-            <a:pPr marL="630238" indent="-342900">
-              <a:buFont typeface="+mj-lt"/>
-              <a:buAutoNum type="alphaLcParenR"/>
+            <a:pPr marL="287338">
               <a:tabLst>
                 <a:tab pos="539750" algn="l"/>
               </a:tabLst>
@@ -10799,7 +10571,23 @@
                   <a:schemeClr val="tx1"/>
                 </a:solidFill>
               </a:rPr>
-              <a:t> positive </a:t>
+              <a:t> </a:t>
+            </a:r>
+            <a:r>
+              <a:rPr lang="en-US" sz="1600" dirty="0" err="1" smtClean="0">
+                <a:solidFill>
+                  <a:schemeClr val="tx1"/>
+                </a:solidFill>
+              </a:rPr>
+              <a:t>positiv</a:t>
+            </a:r>
+            <a:r>
+              <a:rPr lang="en-US" sz="1600" dirty="0" smtClean="0">
+                <a:solidFill>
+                  <a:schemeClr val="tx1"/>
+                </a:solidFill>
+              </a:rPr>
+              <a:t> </a:t>
             </a:r>
             <a:r>
               <a:rPr lang="en-US" sz="1600" dirty="0" err="1" smtClean="0">
@@ -11019,7 +10807,7 @@
                   <a:schemeClr val="tx1"/>
                 </a:solidFill>
               </a:rPr>
-              <a:t>In </a:t>
+              <a:t>Die AUC </a:t>
             </a:r>
             <a:r>
               <a:rPr lang="en-US" sz="1600" dirty="0" err="1" smtClean="0">
@@ -11027,7 +10815,7 @@
                   <a:schemeClr val="tx1"/>
                 </a:solidFill>
               </a:rPr>
-              <a:t>einer</a:t>
+              <a:t>kann</a:t>
             </a:r>
             <a:r>
               <a:rPr lang="en-US" sz="1600" dirty="0" smtClean="0">
@@ -11043,7 +10831,7 @@
                   <a:schemeClr val="tx1"/>
                 </a:solidFill>
               </a:rPr>
-              <a:t>multiplen</a:t>
+              <a:t>Varianz</a:t>
             </a:r>
             <a:r>
               <a:rPr lang="en-US" sz="1600" dirty="0" smtClean="0">
@@ -11051,7 +10839,7 @@
                   <a:schemeClr val="tx1"/>
                 </a:solidFill>
               </a:rPr>
-              <a:t> Regression </a:t>
+              <a:t> in NFC </a:t>
             </a:r>
             <a:r>
               <a:rPr lang="en-US" sz="1600" dirty="0" err="1" smtClean="0">
@@ -11059,7 +10847,7 @@
                   <a:schemeClr val="tx1"/>
                 </a:solidFill>
               </a:rPr>
-              <a:t>mit</a:t>
+              <a:t>über</a:t>
             </a:r>
             <a:r>
               <a:rPr lang="en-US" sz="1600" dirty="0" smtClean="0">
@@ -11067,7 +10855,15 @@
                   <a:schemeClr val="tx1"/>
                 </a:solidFill>
               </a:rPr>
-              <a:t> AUC </a:t>
+              <a:t> den </a:t>
+            </a:r>
+            <a:r>
+              <a:rPr lang="en-US" sz="1600" dirty="0" smtClean="0">
+                <a:solidFill>
+                  <a:schemeClr val="tx1"/>
+                </a:solidFill>
+              </a:rPr>
+              <a:t>NTLX </a:t>
             </a:r>
             <a:r>
               <a:rPr lang="en-US" sz="1600" dirty="0" err="1" smtClean="0">
@@ -11075,7 +10871,7 @@
                   <a:schemeClr val="tx1"/>
                 </a:solidFill>
               </a:rPr>
-              <a:t>als</a:t>
+              <a:t>hinaus</a:t>
             </a:r>
             <a:r>
               <a:rPr lang="en-US" sz="1600" dirty="0" smtClean="0">
@@ -11091,226 +10887,7 @@
                   <a:schemeClr val="tx1"/>
                 </a:solidFill>
               </a:rPr>
-              <a:t>zweiten</a:t>
-            </a:r>
-            <a:r>
-              <a:rPr lang="en-US" sz="1600" dirty="0" smtClean="0">
-                <a:solidFill>
-                  <a:schemeClr val="tx1"/>
-                </a:solidFill>
-              </a:rPr>
-              <a:t> </a:t>
-            </a:r>
-            <a:r>
-              <a:rPr lang="en-US" sz="1600" dirty="0" err="1" smtClean="0">
-                <a:solidFill>
-                  <a:schemeClr val="tx1"/>
-                </a:solidFill>
-              </a:rPr>
-              <a:t>Prädiktor</a:t>
-            </a:r>
-            <a:r>
-              <a:rPr lang="en-US" sz="1600" dirty="0" smtClean="0">
-                <a:solidFill>
-                  <a:schemeClr val="tx1"/>
-                </a:solidFill>
-              </a:rPr>
-              <a:t> </a:t>
-            </a:r>
-            <a:r>
-              <a:rPr lang="en-US" sz="1600" dirty="0" err="1" smtClean="0">
-                <a:solidFill>
-                  <a:schemeClr val="tx1"/>
-                </a:solidFill>
-              </a:rPr>
-              <a:t>kann</a:t>
-            </a:r>
-            <a:r>
-              <a:rPr lang="en-US" sz="1600" dirty="0" smtClean="0">
-                <a:solidFill>
-                  <a:schemeClr val="tx1"/>
-                </a:solidFill>
-              </a:rPr>
-              <a:t> der NTLX (task-load questionnaire) NFC </a:t>
-            </a:r>
-            <a:r>
-              <a:rPr lang="en-US" sz="1600" dirty="0" err="1" smtClean="0">
-                <a:solidFill>
-                  <a:schemeClr val="tx1"/>
-                </a:solidFill>
-              </a:rPr>
-              <a:t>nicht</a:t>
-            </a:r>
-            <a:r>
-              <a:rPr lang="en-US" sz="1600" dirty="0" smtClean="0">
-                <a:solidFill>
-                  <a:schemeClr val="tx1"/>
-                </a:solidFill>
-              </a:rPr>
-              <a:t> </a:t>
-            </a:r>
-            <a:r>
-              <a:rPr lang="en-US" sz="1600" dirty="0" err="1" smtClean="0">
-                <a:solidFill>
-                  <a:schemeClr val="tx1"/>
-                </a:solidFill>
-              </a:rPr>
-              <a:t>vorhersagen</a:t>
-            </a:r>
-            <a:endParaRPr lang="en-US" sz="1600" dirty="0">
-              <a:solidFill>
-                <a:schemeClr val="tx1"/>
-              </a:solidFill>
-            </a:endParaRPr>
-          </a:p>
-          <a:p>
-            <a:pPr marL="625475" indent="-342900">
-              <a:buFont typeface="+mj-lt"/>
-              <a:buAutoNum type="alphaLcParenR"/>
-            </a:pPr>
-            <a:r>
-              <a:rPr lang="en-US" sz="1600" dirty="0" smtClean="0">
-                <a:solidFill>
-                  <a:schemeClr val="tx1"/>
-                </a:solidFill>
-              </a:rPr>
-              <a:t>In </a:t>
-            </a:r>
-            <a:r>
-              <a:rPr lang="en-US" sz="1600" dirty="0" err="1" smtClean="0">
-                <a:solidFill>
-                  <a:schemeClr val="tx1"/>
-                </a:solidFill>
-              </a:rPr>
-              <a:t>einer</a:t>
-            </a:r>
-            <a:r>
-              <a:rPr lang="en-US" sz="1600" dirty="0" smtClean="0">
-                <a:solidFill>
-                  <a:schemeClr val="tx1"/>
-                </a:solidFill>
-              </a:rPr>
-              <a:t> </a:t>
-            </a:r>
-            <a:r>
-              <a:rPr lang="en-US" sz="1600" dirty="0" err="1" smtClean="0">
-                <a:solidFill>
-                  <a:schemeClr val="tx1"/>
-                </a:solidFill>
-              </a:rPr>
-              <a:t>multiplen</a:t>
-            </a:r>
-            <a:r>
-              <a:rPr lang="en-US" sz="1600" dirty="0" smtClean="0">
-                <a:solidFill>
-                  <a:schemeClr val="tx1"/>
-                </a:solidFill>
-              </a:rPr>
-              <a:t> Regression </a:t>
-            </a:r>
-            <a:r>
-              <a:rPr lang="en-US" sz="1600" dirty="0" err="1" smtClean="0">
-                <a:solidFill>
-                  <a:schemeClr val="tx1"/>
-                </a:solidFill>
-              </a:rPr>
-              <a:t>mit</a:t>
-            </a:r>
-            <a:r>
-              <a:rPr lang="en-US" sz="1600" dirty="0">
-                <a:solidFill>
-                  <a:schemeClr val="tx1"/>
-                </a:solidFill>
-              </a:rPr>
-              <a:t> </a:t>
-            </a:r>
-            <a:r>
-              <a:rPr lang="en-US" sz="1600" dirty="0" smtClean="0">
-                <a:solidFill>
-                  <a:schemeClr val="tx1"/>
-                </a:solidFill>
-              </a:rPr>
-              <a:t>NTLX </a:t>
-            </a:r>
-            <a:r>
-              <a:rPr lang="en-US" sz="1600" dirty="0" err="1" smtClean="0">
-                <a:solidFill>
-                  <a:schemeClr val="tx1"/>
-                </a:solidFill>
-              </a:rPr>
-              <a:t>als</a:t>
-            </a:r>
-            <a:r>
-              <a:rPr lang="en-US" sz="1600" dirty="0" smtClean="0">
-                <a:solidFill>
-                  <a:schemeClr val="tx1"/>
-                </a:solidFill>
-              </a:rPr>
-              <a:t> </a:t>
-            </a:r>
-            <a:r>
-              <a:rPr lang="en-US" sz="1600" dirty="0" err="1" smtClean="0">
-                <a:solidFill>
-                  <a:schemeClr val="tx1"/>
-                </a:solidFill>
-              </a:rPr>
-              <a:t>zweiten</a:t>
-            </a:r>
-            <a:r>
-              <a:rPr lang="en-US" sz="1600" dirty="0" smtClean="0">
-                <a:solidFill>
-                  <a:schemeClr val="tx1"/>
-                </a:solidFill>
-              </a:rPr>
-              <a:t> </a:t>
-            </a:r>
-            <a:r>
-              <a:rPr lang="en-US" sz="1600" dirty="0" err="1" smtClean="0">
-                <a:solidFill>
-                  <a:schemeClr val="tx1"/>
-                </a:solidFill>
-              </a:rPr>
-              <a:t>Prädiktor</a:t>
-            </a:r>
-            <a:r>
-              <a:rPr lang="en-US" sz="1600" dirty="0" smtClean="0">
-                <a:solidFill>
-                  <a:schemeClr val="tx1"/>
-                </a:solidFill>
-              </a:rPr>
-              <a:t> </a:t>
-            </a:r>
-            <a:r>
-              <a:rPr lang="en-US" sz="1600" dirty="0" err="1" smtClean="0">
-                <a:solidFill>
-                  <a:schemeClr val="tx1"/>
-                </a:solidFill>
-              </a:rPr>
-              <a:t>kann</a:t>
-            </a:r>
-            <a:r>
-              <a:rPr lang="en-US" sz="1600" dirty="0" smtClean="0">
-                <a:solidFill>
-                  <a:schemeClr val="tx1"/>
-                </a:solidFill>
-              </a:rPr>
-              <a:t> AUC NFC </a:t>
-            </a:r>
-            <a:r>
-              <a:rPr lang="en-US" sz="1600" dirty="0" err="1" smtClean="0">
-                <a:solidFill>
-                  <a:schemeClr val="tx1"/>
-                </a:solidFill>
-              </a:rPr>
-              <a:t>vorhersagen</a:t>
-            </a:r>
-            <a:r>
-              <a:rPr lang="en-US" sz="1600" dirty="0" smtClean="0">
-                <a:solidFill>
-                  <a:schemeClr val="tx1"/>
-                </a:solidFill>
-              </a:rPr>
-              <a:t>.</a:t>
+              <a:t>erklären</a:t>
             </a:r>
             <a:endParaRPr lang="en-US" sz="1600" dirty="0">
               <a:solidFill>
@@ -11605,6 +11182,203 @@
               <a:solidFill>
                 <a:schemeClr val="tx1"/>
               </a:solidFill>
+            </a:endParaRPr>
+          </a:p>
+        </p:txBody>
+      </p:sp>
+      <p:sp>
+        <p:nvSpPr>
+          <p:cNvPr id="4" name="Rechteck 3">
+            <a:extLst>
+              <a:ext uri="{FF2B5EF4-FFF2-40B4-BE49-F238E27FC236}">
+                <a16:creationId xmlns:a16="http://schemas.microsoft.com/office/drawing/2014/main" id="{9B2DBABE-10CA-3F46-8C45-F6A1E8CBC230}"/>
+              </a:ext>
+            </a:extLst>
+          </p:cNvPr>
+          <p:cNvSpPr/>
+          <p:nvPr/>
+        </p:nvSpPr>
+        <p:spPr>
+          <a:xfrm>
+            <a:off x="0" y="6129339"/>
+            <a:ext cx="12192000" cy="728662"/>
+          </a:xfrm>
+          <a:prstGeom prst="rect">
+            <a:avLst/>
+          </a:prstGeom>
+          <a:solidFill>
+            <a:schemeClr val="bg1">
+              <a:lumMod val="95000"/>
+            </a:schemeClr>
+          </a:solidFill>
+          <a:ln>
+            <a:noFill/>
+          </a:ln>
+        </p:spPr>
+        <p:style>
+          <a:lnRef idx="1">
+            <a:schemeClr val="accent1"/>
+          </a:lnRef>
+          <a:fillRef idx="3">
+            <a:schemeClr val="accent1"/>
+          </a:fillRef>
+          <a:effectRef idx="2">
+            <a:schemeClr val="accent1"/>
+          </a:effectRef>
+          <a:fontRef idx="minor">
+            <a:schemeClr val="lt1"/>
+          </a:fontRef>
+        </p:style>
+        <p:txBody>
+          <a:bodyPr anchor="ctr"/>
+          <a:lstStyle/>
+          <a:p>
+            <a:pPr algn="ctr" defTabSz="534988">
+              <a:spcAft>
+                <a:spcPts val="1175"/>
+              </a:spcAft>
+              <a:defRPr/>
+            </a:pPr>
+            <a:r>
+              <a:rPr lang="de-DE" sz="1800" spc="-20" dirty="0" smtClean="0">
+                <a:solidFill>
+                  <a:schemeClr val="bg1">
+                    <a:lumMod val="50000"/>
+                  </a:schemeClr>
+                </a:solidFill>
+                <a:ea typeface="Calibri"/>
+                <a:cs typeface="Open Sans Normal" charset="0"/>
+              </a:rPr>
+              <a:t>Kramer et al. (2021). </a:t>
+            </a:r>
+            <a:r>
+              <a:rPr lang="de-DE" sz="1800" i="1" spc="-20" dirty="0" err="1" smtClean="0">
+                <a:solidFill>
+                  <a:schemeClr val="bg1">
+                    <a:lumMod val="50000"/>
+                  </a:schemeClr>
+                </a:solidFill>
+                <a:ea typeface="Calibri"/>
+                <a:cs typeface="Open Sans Normal" charset="0"/>
+              </a:rPr>
+              <a:t>CogDev</a:t>
+            </a:r>
+            <a:r>
+              <a:rPr lang="de-DE" sz="1800" i="1" spc="-20" dirty="0" smtClean="0">
+                <a:solidFill>
+                  <a:schemeClr val="bg1">
+                    <a:lumMod val="50000"/>
+                  </a:schemeClr>
+                </a:solidFill>
+                <a:ea typeface="Calibri"/>
+                <a:cs typeface="Open Sans Normal" charset="0"/>
+              </a:rPr>
+              <a:t> </a:t>
+            </a:r>
+            <a:r>
+              <a:rPr lang="de-DE" sz="1800" spc="-20" dirty="0" smtClean="0">
+                <a:solidFill>
+                  <a:schemeClr val="bg1">
+                    <a:lumMod val="50000"/>
+                  </a:schemeClr>
+                </a:solidFill>
+                <a:ea typeface="Calibri"/>
+                <a:cs typeface="Open Sans Normal" charset="0"/>
+              </a:rPr>
+              <a:t>57: 100978., </a:t>
+            </a:r>
+            <a:r>
+              <a:rPr lang="de-DE" sz="1800" spc="-20" dirty="0" err="1" smtClean="0">
+                <a:solidFill>
+                  <a:schemeClr val="bg1">
+                    <a:lumMod val="50000"/>
+                  </a:schemeClr>
+                </a:solidFill>
+                <a:ea typeface="Calibri"/>
+                <a:cs typeface="Open Sans Normal" charset="0"/>
+              </a:rPr>
+              <a:t>Westbrook</a:t>
+            </a:r>
+            <a:r>
+              <a:rPr lang="de-DE" sz="1800" spc="-20" dirty="0" smtClean="0">
+                <a:solidFill>
+                  <a:schemeClr val="bg1">
+                    <a:lumMod val="50000"/>
+                  </a:schemeClr>
+                </a:solidFill>
+                <a:ea typeface="Calibri"/>
+                <a:cs typeface="Open Sans Normal" charset="0"/>
+              </a:rPr>
+              <a:t> </a:t>
+            </a:r>
+            <a:r>
+              <a:rPr lang="de-DE" sz="1800" spc="-20" dirty="0" smtClean="0">
+                <a:solidFill>
+                  <a:schemeClr val="bg1">
+                    <a:lumMod val="50000"/>
+                  </a:schemeClr>
+                </a:solidFill>
+                <a:ea typeface="Calibri"/>
+                <a:cs typeface="Open Sans Normal" charset="0"/>
+              </a:rPr>
+              <a:t>et al. (2013). </a:t>
+            </a:r>
+            <a:r>
+              <a:rPr lang="de-DE" sz="1800" i="1" spc="-20" dirty="0" err="1" smtClean="0">
+                <a:solidFill>
+                  <a:schemeClr val="bg1">
+                    <a:lumMod val="50000"/>
+                  </a:schemeClr>
+                </a:solidFill>
+                <a:ea typeface="Calibri"/>
+                <a:cs typeface="Open Sans Normal" charset="0"/>
+              </a:rPr>
+              <a:t>PLoS</a:t>
+            </a:r>
+            <a:r>
+              <a:rPr lang="de-DE" sz="1800" i="1" spc="-20" dirty="0" smtClean="0">
+                <a:solidFill>
+                  <a:schemeClr val="bg1">
+                    <a:lumMod val="50000"/>
+                  </a:schemeClr>
+                </a:solidFill>
+                <a:ea typeface="Calibri"/>
+                <a:cs typeface="Open Sans Normal" charset="0"/>
+              </a:rPr>
+              <a:t> ONE 8</a:t>
+            </a:r>
+            <a:r>
+              <a:rPr lang="de-DE" sz="1800" spc="-20" dirty="0" smtClean="0">
+                <a:solidFill>
+                  <a:schemeClr val="bg1">
+                    <a:lumMod val="50000"/>
+                  </a:schemeClr>
+                </a:solidFill>
+                <a:ea typeface="Calibri"/>
+                <a:cs typeface="Open Sans Normal" charset="0"/>
+              </a:rPr>
+              <a:t>(7): e68210</a:t>
+            </a:r>
+            <a:r>
+              <a:rPr lang="de-DE" i="1" spc="-20" dirty="0" smtClean="0">
+                <a:solidFill>
+                  <a:schemeClr val="bg1">
+                    <a:lumMod val="50000"/>
+                  </a:schemeClr>
+                </a:solidFill>
+                <a:ea typeface="Calibri"/>
+                <a:cs typeface="Open Sans Normal" charset="0"/>
+              </a:rPr>
+              <a:t>.</a:t>
+            </a:r>
+            <a:endParaRPr lang="de-DE" sz="1800" spc="-20" dirty="0">
+              <a:solidFill>
+                <a:schemeClr val="bg1">
+                  <a:lumMod val="50000"/>
+                </a:schemeClr>
+              </a:solidFill>
+              <a:ea typeface="Calibri"/>
+              <a:cs typeface="Open Sans Normal" charset="0"/>
             </a:endParaRPr>
           </a:p>
         </p:txBody>
@@ -16630,8 +16404,8 @@
         </p:nvSpPr>
         <p:spPr>
           <a:xfrm>
-            <a:off x="874712" y="1071155"/>
-            <a:ext cx="10668997" cy="4723155"/>
+            <a:off x="874715" y="1206229"/>
+            <a:ext cx="10668997" cy="3654225"/>
           </a:xfrm>
           <a:prstGeom prst="rect">
             <a:avLst/>
@@ -16736,10 +16510,6 @@
             </a:endParaRPr>
           </a:p>
           <a:p>
-            <a:pPr marL="285750" indent="-285750">
-              <a:buFontTx/>
-              <a:buChar char="-"/>
-            </a:pPr>
             <a:endParaRPr lang="en-GB" sz="1600" dirty="0" smtClean="0">
               <a:solidFill>
                 <a:srgbClr val="000000"/>
@@ -16751,6 +16521,200 @@
               <a:buFontTx/>
               <a:buChar char="-"/>
             </a:pPr>
+            <a:r>
+              <a:rPr lang="en-GB" sz="1600" dirty="0" err="1" smtClean="0">
+                <a:solidFill>
+                  <a:srgbClr val="000000"/>
+                </a:solidFill>
+              </a:rPr>
+              <a:t>Wovon</a:t>
+            </a:r>
+            <a:r>
+              <a:rPr lang="en-GB" sz="1600" dirty="0" smtClean="0">
+                <a:solidFill>
+                  <a:srgbClr val="000000"/>
+                </a:solidFill>
+              </a:rPr>
+              <a:t> </a:t>
+            </a:r>
+            <a:r>
+              <a:rPr lang="en-GB" sz="1600" dirty="0" err="1" smtClean="0">
+                <a:solidFill>
+                  <a:srgbClr val="000000"/>
+                </a:solidFill>
+              </a:rPr>
+              <a:t>machen</a:t>
+            </a:r>
+            <a:r>
+              <a:rPr lang="en-GB" sz="1600" dirty="0" smtClean="0">
+                <a:solidFill>
+                  <a:srgbClr val="000000"/>
+                </a:solidFill>
+              </a:rPr>
+              <a:t> </a:t>
+            </a:r>
+            <a:r>
+              <a:rPr lang="en-GB" sz="1600" dirty="0" err="1" smtClean="0">
+                <a:solidFill>
+                  <a:srgbClr val="000000"/>
+                </a:solidFill>
+              </a:rPr>
+              <a:t>wir</a:t>
+            </a:r>
+            <a:r>
+              <a:rPr lang="en-GB" sz="1600" dirty="0" smtClean="0">
+                <a:solidFill>
+                  <a:srgbClr val="000000"/>
+                </a:solidFill>
+              </a:rPr>
+              <a:t> </a:t>
+            </a:r>
+            <a:r>
+              <a:rPr lang="en-GB" sz="1600" dirty="0" err="1" smtClean="0">
+                <a:solidFill>
+                  <a:srgbClr val="000000"/>
+                </a:solidFill>
+              </a:rPr>
+              <a:t>abhängig</a:t>
+            </a:r>
+            <a:r>
+              <a:rPr lang="en-GB" sz="1600" dirty="0" smtClean="0">
+                <a:solidFill>
+                  <a:srgbClr val="000000"/>
+                </a:solidFill>
+              </a:rPr>
+              <a:t>, welches n-back-Level </a:t>
+            </a:r>
+            <a:r>
+              <a:rPr lang="en-GB" sz="1600" dirty="0" err="1" smtClean="0">
+                <a:solidFill>
+                  <a:srgbClr val="000000"/>
+                </a:solidFill>
+              </a:rPr>
+              <a:t>oder</a:t>
+            </a:r>
+            <a:r>
+              <a:rPr lang="en-GB" sz="1600" dirty="0" smtClean="0">
+                <a:solidFill>
+                  <a:srgbClr val="000000"/>
+                </a:solidFill>
+              </a:rPr>
+              <a:t> </a:t>
+            </a:r>
+            <a:r>
+              <a:rPr lang="en-GB" sz="1600" dirty="0" err="1" smtClean="0">
+                <a:solidFill>
+                  <a:srgbClr val="000000"/>
+                </a:solidFill>
+              </a:rPr>
+              <a:t>welche</a:t>
+            </a:r>
+            <a:r>
+              <a:rPr lang="en-GB" sz="1600" dirty="0" smtClean="0">
+                <a:solidFill>
+                  <a:srgbClr val="000000"/>
+                </a:solidFill>
+              </a:rPr>
+              <a:t> </a:t>
+            </a:r>
+            <a:r>
+              <a:rPr lang="en-GB" sz="1600" dirty="0" err="1" smtClean="0">
+                <a:solidFill>
+                  <a:srgbClr val="000000"/>
+                </a:solidFill>
+              </a:rPr>
+              <a:t>Strategie</a:t>
+            </a:r>
+            <a:r>
+              <a:rPr lang="en-GB" sz="1600" dirty="0" smtClean="0">
+                <a:solidFill>
+                  <a:srgbClr val="000000"/>
+                </a:solidFill>
+              </a:rPr>
+              <a:t> am </a:t>
+            </a:r>
+            <a:r>
+              <a:rPr lang="en-GB" sz="1600" dirty="0" err="1" smtClean="0">
+                <a:solidFill>
+                  <a:srgbClr val="000000"/>
+                </a:solidFill>
+              </a:rPr>
+              <a:t>Ende</a:t>
+            </a:r>
+            <a:r>
+              <a:rPr lang="en-GB" sz="1600" dirty="0" smtClean="0">
+                <a:solidFill>
+                  <a:srgbClr val="000000"/>
+                </a:solidFill>
+              </a:rPr>
+              <a:t> der </a:t>
+            </a:r>
+            <a:r>
+              <a:rPr lang="en-GB" sz="1600" dirty="0" err="1" smtClean="0">
+                <a:solidFill>
+                  <a:srgbClr val="000000"/>
+                </a:solidFill>
+              </a:rPr>
+              <a:t>Erhebung</a:t>
+            </a:r>
+            <a:r>
+              <a:rPr lang="en-GB" sz="1600" dirty="0" smtClean="0">
+                <a:solidFill>
+                  <a:srgbClr val="000000"/>
+                </a:solidFill>
+              </a:rPr>
+              <a:t> </a:t>
+            </a:r>
+            <a:r>
+              <a:rPr lang="en-GB" sz="1600" dirty="0" err="1" smtClean="0">
+                <a:solidFill>
+                  <a:srgbClr val="000000"/>
+                </a:solidFill>
+              </a:rPr>
+              <a:t>nochmal</a:t>
+            </a:r>
+            <a:r>
+              <a:rPr lang="en-GB" sz="1600" dirty="0" smtClean="0">
+                <a:solidFill>
+                  <a:srgbClr val="000000"/>
+                </a:solidFill>
+              </a:rPr>
+              <a:t> </a:t>
+            </a:r>
+            <a:r>
+              <a:rPr lang="en-GB" sz="1600" dirty="0" err="1" smtClean="0">
+                <a:solidFill>
+                  <a:srgbClr val="000000"/>
+                </a:solidFill>
+              </a:rPr>
+              <a:t>wiederholt</a:t>
+            </a:r>
+            <a:r>
+              <a:rPr lang="en-GB" sz="1600" dirty="0" smtClean="0">
+                <a:solidFill>
+                  <a:srgbClr val="000000"/>
+                </a:solidFill>
+              </a:rPr>
+              <a:t> </a:t>
+            </a:r>
+            <a:r>
+              <a:rPr lang="en-GB" sz="1600" dirty="0" err="1" smtClean="0">
+                <a:solidFill>
+                  <a:srgbClr val="000000"/>
+                </a:solidFill>
+              </a:rPr>
+              <a:t>wird</a:t>
+            </a:r>
+            <a:r>
+              <a:rPr lang="en-GB" sz="1600" dirty="0" smtClean="0">
+                <a:solidFill>
+                  <a:srgbClr val="000000"/>
+                </a:solidFill>
+              </a:rPr>
+              <a:t>?</a:t>
+            </a:r>
+          </a:p>
+          <a:p>
             <a:endParaRPr lang="en-GB" sz="1600" dirty="0" smtClean="0">
               <a:solidFill>
                 <a:srgbClr val="000000"/>
@@ -16768,7 +16732,7 @@
                   <a:srgbClr val="000000"/>
                 </a:solidFill>
               </a:rPr>
-              <a:t>Wovon</a:t>
+              <a:t>Wann</a:t>
             </a:r>
             <a:r>
               <a:rPr lang="en-GB" sz="1600" dirty="0" smtClean="0">
@@ -16784,7 +16748,7 @@
                   <a:srgbClr val="000000"/>
                 </a:solidFill>
               </a:rPr>
-              <a:t>machen</a:t>
+              <a:t>sollten</a:t>
             </a:r>
             <a:r>
               <a:rPr lang="en-GB" sz="1600" dirty="0" smtClean="0">
@@ -16792,6 +16756,22 @@
                   <a:srgbClr val="000000"/>
                 </a:solidFill>
               </a:rPr>
+              <a:t> die </a:t>
+            </a:r>
+            <a:r>
+              <a:rPr lang="en-GB" sz="1600" dirty="0" err="1" smtClean="0">
+                <a:solidFill>
+                  <a:srgbClr val="000000"/>
+                </a:solidFill>
+              </a:rPr>
+              <a:t>Persönlichkeitsfragebögen</a:t>
+            </a:r>
+            <a:r>
+              <a:rPr lang="en-GB" sz="1600" dirty="0" smtClean="0">
+                <a:solidFill>
+                  <a:srgbClr val="000000"/>
+                </a:solidFill>
+              </a:rPr>
               <a:t> </a:t>
             </a:r>
             <a:r>
@@ -16800,6 +16780,83 @@
                   <a:srgbClr val="000000"/>
                 </a:solidFill>
               </a:rPr>
+              <a:t>ausgefüllt</a:t>
+            </a:r>
+            <a:r>
+              <a:rPr lang="en-GB" sz="1600" dirty="0" smtClean="0">
+                <a:solidFill>
+                  <a:srgbClr val="000000"/>
+                </a:solidFill>
+              </a:rPr>
+              <a:t> </a:t>
+            </a:r>
+            <a:r>
+              <a:rPr lang="en-GB" sz="1600" dirty="0" err="1" smtClean="0">
+                <a:solidFill>
+                  <a:srgbClr val="000000"/>
+                </a:solidFill>
+              </a:rPr>
+              <a:t>werden</a:t>
+            </a:r>
+            <a:r>
+              <a:rPr lang="en-GB" sz="1600" dirty="0" smtClean="0">
+                <a:solidFill>
+                  <a:srgbClr val="000000"/>
+                </a:solidFill>
+              </a:rPr>
+              <a:t>?</a:t>
+            </a:r>
+          </a:p>
+          <a:p>
+            <a:endParaRPr lang="en-GB" sz="1600" dirty="0" smtClean="0">
+              <a:solidFill>
+                <a:srgbClr val="000000"/>
+              </a:solidFill>
+            </a:endParaRPr>
+          </a:p>
+          <a:p>
+            <a:pPr marL="285750" indent="-285750">
+              <a:buFontTx/>
+              <a:buChar char="-"/>
+            </a:pPr>
+            <a:r>
+              <a:rPr lang="en-GB" sz="1600" dirty="0" err="1" smtClean="0">
+                <a:solidFill>
+                  <a:srgbClr val="000000"/>
+                </a:solidFill>
+              </a:rPr>
+              <a:t>Welche</a:t>
+            </a:r>
+            <a:r>
+              <a:rPr lang="en-GB" sz="1600" dirty="0" smtClean="0">
+                <a:solidFill>
+                  <a:srgbClr val="000000"/>
+                </a:solidFill>
+              </a:rPr>
+              <a:t> Confounds </a:t>
+            </a:r>
+            <a:r>
+              <a:rPr lang="en-GB" sz="1600" dirty="0" err="1" smtClean="0">
+                <a:solidFill>
+                  <a:srgbClr val="000000"/>
+                </a:solidFill>
+              </a:rPr>
+              <a:t>sollten</a:t>
+            </a:r>
+            <a:r>
+              <a:rPr lang="en-GB" sz="1600" dirty="0" smtClean="0">
+                <a:solidFill>
+                  <a:srgbClr val="000000"/>
+                </a:solidFill>
+              </a:rPr>
+              <a:t> </a:t>
+            </a:r>
+            <a:r>
+              <a:rPr lang="en-GB" sz="1600" dirty="0" err="1" smtClean="0">
+                <a:solidFill>
+                  <a:srgbClr val="000000"/>
+                </a:solidFill>
+              </a:rPr>
               <a:t>wir</a:t>
             </a:r>
             <a:r>
@@ -16816,7 +16873,7 @@
                   <a:srgbClr val="000000"/>
                 </a:solidFill>
               </a:rPr>
-              <a:t>abhängig</a:t>
+              <a:t>noch</a:t>
             </a:r>
             <a:r>
               <a:rPr lang="en-GB" sz="1600" dirty="0" smtClean="0">
@@ -16824,7 +16881,7 @@
                   <a:srgbClr val="000000"/>
                 </a:solidFill>
               </a:rPr>
-              <a:t>, welches n-back-Level </a:t>
+              <a:t> </a:t>
             </a:r>
             <a:r>
               <a:rPr lang="en-GB" sz="1600" dirty="0" err="1" smtClean="0">
@@ -16832,7 +16889,7 @@
                   <a:srgbClr val="000000"/>
                 </a:solidFill>
               </a:rPr>
-              <a:t>oder</a:t>
+              <a:t>berücksichtigen</a:t>
             </a:r>
             <a:r>
               <a:rPr lang="en-GB" sz="1600" dirty="0" smtClean="0">
@@ -16840,7 +16897,7 @@
                   <a:srgbClr val="000000"/>
                 </a:solidFill>
               </a:rPr>
-              <a:t> </a:t>
+              <a:t>/</a:t>
             </a:r>
             <a:r>
               <a:rPr lang="en-GB" sz="1600" dirty="0" err="1" smtClean="0">
@@ -16848,7 +16905,7 @@
                   <a:srgbClr val="000000"/>
                 </a:solidFill>
               </a:rPr>
-              <a:t>welche</a:t>
+              <a:t>miterheben</a:t>
             </a:r>
             <a:r>
               <a:rPr lang="en-GB" sz="1600" dirty="0" smtClean="0">
@@ -16856,104 +16913,13 @@
                   <a:srgbClr val="000000"/>
                 </a:solidFill>
               </a:rPr>
-              <a:t> </a:t>
-            </a:r>
-            <a:r>
-              <a:rPr lang="en-GB" sz="1600" dirty="0" err="1" smtClean="0">
-                <a:solidFill>
-                  <a:srgbClr val="000000"/>
-                </a:solidFill>
-              </a:rPr>
-              <a:t>Strategie</a:t>
-            </a:r>
-            <a:r>
-              <a:rPr lang="en-GB" sz="1600" dirty="0" smtClean="0">
-                <a:solidFill>
-                  <a:srgbClr val="000000"/>
-                </a:solidFill>
-              </a:rPr>
-              <a:t> am </a:t>
-            </a:r>
-            <a:r>
-              <a:rPr lang="en-GB" sz="1600" dirty="0" err="1" smtClean="0">
-                <a:solidFill>
-                  <a:srgbClr val="000000"/>
-                </a:solidFill>
-              </a:rPr>
-              <a:t>Ende</a:t>
-            </a:r>
-            <a:r>
-              <a:rPr lang="en-GB" sz="1600" dirty="0" smtClean="0">
-                <a:solidFill>
-                  <a:srgbClr val="000000"/>
-                </a:solidFill>
-              </a:rPr>
-              <a:t> der </a:t>
-            </a:r>
-            <a:r>
-              <a:rPr lang="en-GB" sz="1600" dirty="0" err="1" smtClean="0">
-                <a:solidFill>
-                  <a:srgbClr val="000000"/>
-                </a:solidFill>
-              </a:rPr>
-              <a:t>Erhebung</a:t>
-            </a:r>
-            <a:r>
-              <a:rPr lang="en-GB" sz="1600" dirty="0" smtClean="0">
-                <a:solidFill>
-                  <a:srgbClr val="000000"/>
-                </a:solidFill>
-              </a:rPr>
-              <a:t> </a:t>
-            </a:r>
-            <a:r>
-              <a:rPr lang="en-GB" sz="1600" dirty="0" err="1" smtClean="0">
-                <a:solidFill>
-                  <a:srgbClr val="000000"/>
-                </a:solidFill>
-              </a:rPr>
-              <a:t>nochmal</a:t>
-            </a:r>
-            <a:r>
-              <a:rPr lang="en-GB" sz="1600" dirty="0" smtClean="0">
-                <a:solidFill>
-                  <a:srgbClr val="000000"/>
-                </a:solidFill>
-              </a:rPr>
-              <a:t> </a:t>
-            </a:r>
-            <a:r>
-              <a:rPr lang="en-GB" sz="1600" dirty="0" err="1" smtClean="0">
-                <a:solidFill>
-                  <a:srgbClr val="000000"/>
-                </a:solidFill>
-              </a:rPr>
-              <a:t>wiederholt</a:t>
-            </a:r>
-            <a:r>
-              <a:rPr lang="en-GB" sz="1600" dirty="0" smtClean="0">
-                <a:solidFill>
-                  <a:srgbClr val="000000"/>
-                </a:solidFill>
-              </a:rPr>
-              <a:t> </a:t>
-            </a:r>
-            <a:r>
-              <a:rPr lang="en-GB" sz="1600" dirty="0" err="1" smtClean="0">
-                <a:solidFill>
-                  <a:srgbClr val="000000"/>
-                </a:solidFill>
-              </a:rPr>
-              <a:t>wird</a:t>
-            </a:r>
-            <a:r>
-              <a:rPr lang="en-GB" sz="1600" dirty="0" smtClean="0">
-                <a:solidFill>
-                  <a:srgbClr val="000000"/>
-                </a:solidFill>
-              </a:rPr>
               <a:t>?</a:t>
             </a:r>
+            <a:endParaRPr lang="en-GB" sz="1600" dirty="0" smtClean="0">
+              <a:solidFill>
+                <a:srgbClr val="000000"/>
+              </a:solidFill>
+            </a:endParaRPr>
           </a:p>
           <a:p>
             <a:endParaRPr lang="en-GB" sz="1600" dirty="0" smtClean="0">

--- a/99_Thinktank/Talks/21-07-06_Kolloquium/Kolloquium_COG-ER-ED.pptx
+++ b/99_Thinktank/Talks/21-07-06_Kolloquium/Kolloquium_COG-ER-ED.pptx
@@ -21,12 +21,13 @@
     <p:sldId id="276" r:id="rId15"/>
     <p:sldId id="278" r:id="rId16"/>
     <p:sldId id="267" r:id="rId17"/>
-    <p:sldId id="271" r:id="rId18"/>
-    <p:sldId id="273" r:id="rId19"/>
-    <p:sldId id="277" r:id="rId20"/>
-    <p:sldId id="270" r:id="rId21"/>
-    <p:sldId id="262" r:id="rId22"/>
-    <p:sldId id="272" r:id="rId23"/>
+    <p:sldId id="279" r:id="rId18"/>
+    <p:sldId id="271" r:id="rId19"/>
+    <p:sldId id="273" r:id="rId20"/>
+    <p:sldId id="277" r:id="rId21"/>
+    <p:sldId id="270" r:id="rId22"/>
+    <p:sldId id="262" r:id="rId23"/>
+    <p:sldId id="272" r:id="rId24"/>
   </p:sldIdLst>
   <p:sldSz cx="12192000" cy="6858000"/>
   <p:notesSz cx="6858000" cy="9144000"/>
@@ -6268,33 +6269,33 @@
           <a:lstStyle/>
           <a:p>
             <a:r>
-              <a:rPr lang="en-GB" sz="1400" dirty="0" err="1" smtClean="0"/>
+              <a:rPr lang="en-GB" sz="1800" dirty="0" err="1" smtClean="0"/>
               <a:t>Kolloquium</a:t>
             </a:r>
             <a:r>
-              <a:rPr lang="en-GB" sz="1400" dirty="0" smtClean="0"/>
+              <a:rPr lang="en-GB" sz="1800" dirty="0" smtClean="0"/>
               <a:t> </a:t>
             </a:r>
             <a:r>
-              <a:rPr lang="en-GB" sz="1400" dirty="0" err="1" smtClean="0"/>
+              <a:rPr lang="en-GB" sz="1800" dirty="0" err="1" smtClean="0"/>
               <a:t>zur</a:t>
             </a:r>
             <a:r>
-              <a:rPr lang="en-GB" sz="1400" dirty="0" smtClean="0"/>
+              <a:rPr lang="en-GB" sz="1800" dirty="0" smtClean="0"/>
               <a:t> </a:t>
             </a:r>
             <a:r>
-              <a:rPr lang="en-GB" sz="1400" dirty="0" err="1" smtClean="0"/>
+              <a:rPr lang="en-GB" sz="1800" dirty="0" err="1" smtClean="0"/>
               <a:t>Ideenfindung</a:t>
             </a:r>
-            <a:endParaRPr lang="en-GB" sz="1400" dirty="0" smtClean="0"/>
+            <a:endParaRPr lang="en-GB" sz="1800" dirty="0" smtClean="0"/>
           </a:p>
           <a:p>
             <a:r>
-              <a:rPr lang="en-GB" sz="1400" dirty="0" smtClean="0"/>
+              <a:rPr lang="en-GB" sz="1800" dirty="0" smtClean="0"/>
               <a:t>06.07.2021</a:t>
             </a:r>
-            <a:endParaRPr lang="en-GB" sz="1400" dirty="0"/>
+            <a:endParaRPr lang="en-GB" sz="1800" dirty="0"/>
           </a:p>
         </p:txBody>
       </p:sp>
@@ -6314,12 +6315,12 @@
           <a:lstStyle/>
           <a:p>
             <a:r>
-              <a:rPr lang="en-GB" sz="1400" dirty="0" smtClean="0"/>
+              <a:rPr lang="en-GB" sz="1800" dirty="0" smtClean="0"/>
               <a:t>Christoph Scheffel &amp; Josephine Zerna</a:t>
             </a:r>
           </a:p>
           <a:p>
-            <a:endParaRPr lang="en-GB" sz="1400" dirty="0"/>
+            <a:endParaRPr lang="en-GB" sz="1800" dirty="0"/>
           </a:p>
         </p:txBody>
       </p:sp>
@@ -10404,15 +10405,7 @@
                   <a:schemeClr val="tx1"/>
                 </a:solidFill>
               </a:rPr>
-              <a:t>High </a:t>
-            </a:r>
-            <a:r>
-              <a:rPr lang="en-US" sz="1600" dirty="0" smtClean="0">
-                <a:solidFill>
-                  <a:schemeClr val="tx1"/>
-                </a:solidFill>
-              </a:rPr>
-              <a:t>NFC </a:t>
+              <a:t>High NFC </a:t>
             </a:r>
             <a:r>
               <a:rPr lang="en-US" sz="1600" dirty="0">
@@ -10855,15 +10848,7 @@
                   <a:schemeClr val="tx1"/>
                 </a:solidFill>
               </a:rPr>
-              <a:t> den </a:t>
-            </a:r>
-            <a:r>
-              <a:rPr lang="en-US" sz="1600" dirty="0" smtClean="0">
-                <a:solidFill>
-                  <a:schemeClr val="tx1"/>
-                </a:solidFill>
-              </a:rPr>
-              <a:t>NTLX </a:t>
+              <a:t> den NTLX </a:t>
             </a:r>
             <a:r>
               <a:rPr lang="en-US" sz="1600" dirty="0" err="1" smtClean="0">
@@ -11309,19 +11294,7 @@
                 <a:ea typeface="Calibri"/>
                 <a:cs typeface="Open Sans Normal" charset="0"/>
               </a:rPr>
-              <a:t> </a:t>
-            </a:r>
-            <a:r>
-              <a:rPr lang="de-DE" sz="1800" spc="-20" dirty="0" smtClean="0">
-                <a:solidFill>
-                  <a:schemeClr val="bg1">
-                    <a:lumMod val="50000"/>
-                  </a:schemeClr>
-                </a:solidFill>
-                <a:ea typeface="Calibri"/>
-                <a:cs typeface="Open Sans Normal" charset="0"/>
-              </a:rPr>
-              <a:t>et al. (2013). </a:t>
+              <a:t> et al. (2013). </a:t>
             </a:r>
             <a:r>
               <a:rPr lang="de-DE" sz="1800" i="1" spc="-20" dirty="0" err="1" smtClean="0">
@@ -11467,10 +11440,10 @@
         </p:nvGrpSpPr>
         <p:grpSpPr>
           <a:xfrm>
-            <a:off x="6683886" y="342160"/>
-            <a:ext cx="3934353" cy="5690635"/>
-            <a:chOff x="3780857" y="980753"/>
-            <a:chExt cx="4319152" cy="6409046"/>
+            <a:off x="6683886" y="316285"/>
+            <a:ext cx="3934353" cy="5716510"/>
+            <a:chOff x="3780857" y="951611"/>
+            <a:chExt cx="4319152" cy="6438188"/>
           </a:xfrm>
         </p:grpSpPr>
         <p:sp>
@@ -11481,8 +11454,8 @@
           </p:nvSpPr>
           <p:spPr>
             <a:xfrm>
-              <a:off x="4428009" y="980753"/>
-              <a:ext cx="3672000" cy="461665"/>
+              <a:off x="4428009" y="951611"/>
+              <a:ext cx="3672000" cy="519948"/>
             </a:xfrm>
             <a:prstGeom prst="rect">
               <a:avLst/>
@@ -11507,8 +11480,29 @@
                   <a:ea typeface="Open Sans" panose="020B0606030504020204" pitchFamily="34" charset="0"/>
                   <a:cs typeface="Arial" panose="020B0604020202020204" pitchFamily="34" charset="0"/>
                 </a:rPr>
-                <a:t>Block 1</a:t>
+                <a:t>Block </a:t>
               </a:r>
+              <a:r>
+                <a:rPr lang="en-GB" sz="1200" dirty="0" smtClean="0">
+                  <a:latin typeface="Arial" panose="020B0604020202020204" pitchFamily="34" charset="0"/>
+                  <a:ea typeface="Open Sans" panose="020B0606030504020204" pitchFamily="34" charset="0"/>
+                  <a:cs typeface="Arial" panose="020B0604020202020204" pitchFamily="34" charset="0"/>
+                </a:rPr>
+                <a:t>1 – </a:t>
+              </a:r>
+              <a:r>
+                <a:rPr lang="en-GB" sz="1200" i="1" dirty="0" smtClean="0">
+                  <a:latin typeface="Arial" panose="020B0604020202020204" pitchFamily="34" charset="0"/>
+                  <a:ea typeface="Open Sans" panose="020B0606030504020204" pitchFamily="34" charset="0"/>
+                  <a:cs typeface="Arial" panose="020B0604020202020204" pitchFamily="34" charset="0"/>
+                </a:rPr>
+                <a:t>Active viewing</a:t>
+              </a:r>
+              <a:endParaRPr lang="en-GB" sz="1200" i="1" dirty="0">
+                <a:latin typeface="Arial" panose="020B0604020202020204" pitchFamily="34" charset="0"/>
+                <a:ea typeface="Open Sans" panose="020B0606030504020204" pitchFamily="34" charset="0"/>
+                <a:cs typeface="Arial" panose="020B0604020202020204" pitchFamily="34" charset="0"/>
+              </a:endParaRPr>
             </a:p>
             <a:p>
               <a:pPr algn="ctr"/>
@@ -13278,6 +13272,1734 @@
       </p:sp>
       <p:sp>
         <p:nvSpPr>
+          <p:cNvPr id="62" name="Eckige Klammer links 61"/>
+          <p:cNvSpPr/>
+          <p:nvPr/>
+        </p:nvSpPr>
+        <p:spPr>
+          <a:xfrm flipH="1">
+            <a:off x="10710407" y="340535"/>
+            <a:ext cx="70669" cy="5692259"/>
+          </a:xfrm>
+          <a:prstGeom prst="leftBracket">
+            <a:avLst/>
+          </a:prstGeom>
+          <a:ln>
+            <a:solidFill>
+              <a:schemeClr val="tx1"/>
+            </a:solidFill>
+          </a:ln>
+        </p:spPr>
+        <p:style>
+          <a:lnRef idx="1">
+            <a:schemeClr val="accent1"/>
+          </a:lnRef>
+          <a:fillRef idx="0">
+            <a:schemeClr val="accent1"/>
+          </a:fillRef>
+          <a:effectRef idx="0">
+            <a:schemeClr val="accent1"/>
+          </a:effectRef>
+          <a:fontRef idx="minor">
+            <a:schemeClr val="tx1"/>
+          </a:fontRef>
+        </p:style>
+        <p:txBody>
+          <a:bodyPr rtlCol="0" anchor="ctr"/>
+          <a:lstStyle/>
+          <a:p>
+            <a:pPr algn="ctr"/>
+            <a:endParaRPr lang="de-DE"/>
+          </a:p>
+        </p:txBody>
+      </p:sp>
+      <p:sp>
+        <p:nvSpPr>
+          <p:cNvPr id="63" name="Textfeld 62"/>
+          <p:cNvSpPr txBox="1"/>
+          <p:nvPr/>
+        </p:nvSpPr>
+        <p:spPr>
+          <a:xfrm rot="5400000">
+            <a:off x="9427281" y="3297438"/>
+            <a:ext cx="3359248" cy="276999"/>
+          </a:xfrm>
+          <a:prstGeom prst="rect">
+            <a:avLst/>
+          </a:prstGeom>
+          <a:solidFill>
+            <a:schemeClr val="bg1"/>
+          </a:solidFill>
+          <a:ln>
+            <a:solidFill>
+              <a:schemeClr val="tx1">
+                <a:lumMod val="95000"/>
+                <a:lumOff val="5000"/>
+              </a:schemeClr>
+            </a:solidFill>
+          </a:ln>
+        </p:spPr>
+        <p:txBody>
+          <a:bodyPr wrap="square" rtlCol="0">
+            <a:spAutoFit/>
+          </a:bodyPr>
+          <a:lstStyle/>
+          <a:p>
+            <a:pPr algn="ctr"/>
+            <a:r>
+              <a:rPr lang="de-DE" sz="1200" dirty="0" err="1" smtClean="0">
+                <a:latin typeface="Arial" panose="020B0604020202020204" pitchFamily="34" charset="0"/>
+                <a:cs typeface="Arial" panose="020B0604020202020204" pitchFamily="34" charset="0"/>
+              </a:rPr>
+              <a:t>physiology</a:t>
+            </a:r>
+            <a:r>
+              <a:rPr lang="de-DE" sz="1200" dirty="0" smtClean="0">
+                <a:latin typeface="Arial" panose="020B0604020202020204" pitchFamily="34" charset="0"/>
+                <a:cs typeface="Arial" panose="020B0604020202020204" pitchFamily="34" charset="0"/>
+              </a:rPr>
+              <a:t>: EMG (</a:t>
+            </a:r>
+            <a:r>
+              <a:rPr lang="de-DE" sz="1200" dirty="0" err="1" smtClean="0">
+                <a:latin typeface="Arial" panose="020B0604020202020204" pitchFamily="34" charset="0"/>
+                <a:cs typeface="Arial" panose="020B0604020202020204" pitchFamily="34" charset="0"/>
+              </a:rPr>
+              <a:t>corrugator</a:t>
+            </a:r>
+            <a:r>
+              <a:rPr lang="de-DE" sz="1200" dirty="0" smtClean="0">
+                <a:latin typeface="Arial" panose="020B0604020202020204" pitchFamily="34" charset="0"/>
+                <a:cs typeface="Arial" panose="020B0604020202020204" pitchFamily="34" charset="0"/>
+              </a:rPr>
+              <a:t> </a:t>
+            </a:r>
+            <a:r>
+              <a:rPr lang="de-DE" sz="1200" dirty="0" err="1" smtClean="0">
+                <a:latin typeface="Arial" panose="020B0604020202020204" pitchFamily="34" charset="0"/>
+                <a:cs typeface="Arial" panose="020B0604020202020204" pitchFamily="34" charset="0"/>
+              </a:rPr>
+              <a:t>activity</a:t>
+            </a:r>
+            <a:r>
+              <a:rPr lang="de-DE" sz="1200" dirty="0" smtClean="0">
+                <a:latin typeface="Arial" panose="020B0604020202020204" pitchFamily="34" charset="0"/>
+                <a:cs typeface="Arial" panose="020B0604020202020204" pitchFamily="34" charset="0"/>
+              </a:rPr>
+              <a:t>) </a:t>
+            </a:r>
+            <a:endParaRPr lang="de-DE" sz="1200" dirty="0">
+              <a:latin typeface="Arial" panose="020B0604020202020204" pitchFamily="34" charset="0"/>
+              <a:cs typeface="Arial" panose="020B0604020202020204" pitchFamily="34" charset="0"/>
+            </a:endParaRPr>
+          </a:p>
+        </p:txBody>
+      </p:sp>
+      <p:sp>
+        <p:nvSpPr>
+          <p:cNvPr id="34" name="Rechteck 33"/>
+          <p:cNvSpPr/>
+          <p:nvPr/>
+        </p:nvSpPr>
+        <p:spPr>
+          <a:xfrm>
+            <a:off x="507574" y="4772702"/>
+            <a:ext cx="5001209" cy="1035698"/>
+          </a:xfrm>
+          <a:prstGeom prst="rect">
+            <a:avLst/>
+          </a:prstGeom>
+          <a:solidFill>
+            <a:schemeClr val="tx2">
+              <a:lumMod val="10000"/>
+              <a:lumOff val="90000"/>
+            </a:schemeClr>
+          </a:solidFill>
+        </p:spPr>
+        <p:style>
+          <a:lnRef idx="1">
+            <a:schemeClr val="accent1"/>
+          </a:lnRef>
+          <a:fillRef idx="2">
+            <a:schemeClr val="accent1"/>
+          </a:fillRef>
+          <a:effectRef idx="1">
+            <a:schemeClr val="accent1"/>
+          </a:effectRef>
+          <a:fontRef idx="minor">
+            <a:schemeClr val="dk1"/>
+          </a:fontRef>
+        </p:style>
+        <p:txBody>
+          <a:bodyPr rtlCol="0" anchor="ctr"/>
+          <a:lstStyle/>
+          <a:p>
+            <a:pPr algn="ctr"/>
+            <a:r>
+              <a:rPr lang="de-DE" dirty="0" smtClean="0"/>
+              <a:t>Sind die Ergebnisse auf das (gesamte) </a:t>
+            </a:r>
+            <a:r>
+              <a:rPr lang="de-DE" dirty="0" err="1" smtClean="0"/>
+              <a:t>Process</a:t>
+            </a:r>
+            <a:r>
+              <a:rPr lang="de-DE" dirty="0" smtClean="0"/>
+              <a:t> Model generalisierbar?</a:t>
+            </a:r>
+            <a:endParaRPr lang="de-DE" dirty="0"/>
+          </a:p>
+        </p:txBody>
+      </p:sp>
+    </p:spTree>
+    <p:extLst>
+      <p:ext uri="{BB962C8B-B14F-4D97-AF65-F5344CB8AC3E}">
+        <p14:creationId xmlns:p14="http://schemas.microsoft.com/office/powerpoint/2010/main" val="983756922"/>
+      </p:ext>
+    </p:extLst>
+  </p:cSld>
+  <p:clrMapOvr>
+    <a:masterClrMapping/>
+  </p:clrMapOvr>
+  <p:timing>
+    <p:tnLst>
+      <p:par>
+        <p:cTn id="1" dur="indefinite" restart="never" nodeType="tmRoot"/>
+      </p:par>
+    </p:tnLst>
+  </p:timing>
+</p:sld>
+</file>
+
+<file path=ppt/slides/slide17.xml><?xml version="1.0" encoding="utf-8"?>
+<p:sld xmlns:a="http://schemas.openxmlformats.org/drawingml/2006/main" xmlns:r="http://schemas.openxmlformats.org/officeDocument/2006/relationships" xmlns:p="http://schemas.openxmlformats.org/presentationml/2006/main">
+  <p:cSld>
+    <p:spTree>
+      <p:nvGrpSpPr>
+        <p:cNvPr id="1" name=""/>
+        <p:cNvGrpSpPr/>
+        <p:nvPr/>
+      </p:nvGrpSpPr>
+      <p:grpSpPr>
+        <a:xfrm>
+          <a:off x="0" y="0"/>
+          <a:ext cx="0" cy="0"/>
+          <a:chOff x="0" y="0"/>
+          <a:chExt cx="0" cy="0"/>
+        </a:xfrm>
+      </p:grpSpPr>
+      <p:sp>
+        <p:nvSpPr>
+          <p:cNvPr id="12" name="Titel 1"/>
+          <p:cNvSpPr>
+            <a:spLocks noGrp="1"/>
+          </p:cNvSpPr>
+          <p:nvPr>
+            <p:ph type="title"/>
+          </p:nvPr>
+        </p:nvSpPr>
+        <p:spPr>
+          <a:xfrm>
+            <a:off x="874715" y="346075"/>
+            <a:ext cx="10580687" cy="421676"/>
+          </a:xfrm>
+        </p:spPr>
+        <p:txBody>
+          <a:bodyPr/>
+          <a:lstStyle/>
+          <a:p>
+            <a:r>
+              <a:rPr lang="en-GB" sz="2400" dirty="0" err="1" smtClean="0"/>
+              <a:t>Studiendesign</a:t>
+            </a:r>
+            <a:r>
+              <a:rPr lang="en-GB" sz="2400" dirty="0" smtClean="0"/>
+              <a:t/>
+            </a:r>
+            <a:br>
+              <a:rPr lang="en-GB" sz="2400" dirty="0" smtClean="0"/>
+            </a:br>
+            <a:r>
+              <a:rPr lang="en-GB" sz="2000" b="0" dirty="0" smtClean="0"/>
+              <a:t>T2 – Emotion Regulation - ED</a:t>
+            </a:r>
+            <a:endParaRPr lang="en-GB" sz="2000" b="0" dirty="0"/>
+          </a:p>
+        </p:txBody>
+      </p:sp>
+      <p:grpSp>
+        <p:nvGrpSpPr>
+          <p:cNvPr id="28" name="Gruppieren 27"/>
+          <p:cNvGrpSpPr/>
+          <p:nvPr/>
+        </p:nvGrpSpPr>
+        <p:grpSpPr>
+          <a:xfrm>
+            <a:off x="6683886" y="316285"/>
+            <a:ext cx="3934353" cy="5716510"/>
+            <a:chOff x="3780857" y="951611"/>
+            <a:chExt cx="4319152" cy="6438188"/>
+          </a:xfrm>
+        </p:grpSpPr>
+        <p:sp>
+          <p:nvSpPr>
+            <p:cNvPr id="30" name="Textfeld 29"/>
+            <p:cNvSpPr txBox="1"/>
+            <p:nvPr/>
+          </p:nvSpPr>
+          <p:spPr>
+            <a:xfrm>
+              <a:off x="4428009" y="951611"/>
+              <a:ext cx="3672000" cy="519948"/>
+            </a:xfrm>
+            <a:prstGeom prst="rect">
+              <a:avLst/>
+            </a:prstGeom>
+            <a:noFill/>
+            <a:ln w="6350">
+              <a:solidFill>
+                <a:schemeClr val="tx1"/>
+              </a:solidFill>
+            </a:ln>
+          </p:spPr>
+          <p:txBody>
+            <a:bodyPr wrap="square" rtlCol="0" anchor="ctr">
+              <a:spAutoFit/>
+            </a:bodyPr>
+            <a:lstStyle/>
+            <a:p>
+              <a:pPr algn="ctr"/>
+              <a:r>
+                <a:rPr lang="en-GB" sz="1200" dirty="0">
+                  <a:latin typeface="Arial" panose="020B0604020202020204" pitchFamily="34" charset="0"/>
+                  <a:ea typeface="Open Sans" panose="020B0606030504020204" pitchFamily="34" charset="0"/>
+                  <a:cs typeface="Arial" panose="020B0604020202020204" pitchFamily="34" charset="0"/>
+                </a:rPr>
+                <a:t>Block </a:t>
+              </a:r>
+              <a:r>
+                <a:rPr lang="en-GB" sz="1200" dirty="0" smtClean="0">
+                  <a:latin typeface="Arial" panose="020B0604020202020204" pitchFamily="34" charset="0"/>
+                  <a:ea typeface="Open Sans" panose="020B0606030504020204" pitchFamily="34" charset="0"/>
+                  <a:cs typeface="Arial" panose="020B0604020202020204" pitchFamily="34" charset="0"/>
+                </a:rPr>
+                <a:t>1 – </a:t>
+              </a:r>
+              <a:r>
+                <a:rPr lang="en-GB" sz="1200" i="1" dirty="0" smtClean="0">
+                  <a:latin typeface="Arial" panose="020B0604020202020204" pitchFamily="34" charset="0"/>
+                  <a:ea typeface="Open Sans" panose="020B0606030504020204" pitchFamily="34" charset="0"/>
+                  <a:cs typeface="Arial" panose="020B0604020202020204" pitchFamily="34" charset="0"/>
+                </a:rPr>
+                <a:t>Active viewing</a:t>
+              </a:r>
+              <a:endParaRPr lang="en-GB" sz="1200" i="1" dirty="0">
+                <a:latin typeface="Arial" panose="020B0604020202020204" pitchFamily="34" charset="0"/>
+                <a:ea typeface="Open Sans" panose="020B0606030504020204" pitchFamily="34" charset="0"/>
+                <a:cs typeface="Arial" panose="020B0604020202020204" pitchFamily="34" charset="0"/>
+              </a:endParaRPr>
+            </a:p>
+            <a:p>
+              <a:pPr algn="ctr"/>
+              <a:r>
+                <a:rPr lang="en-GB" sz="1200" dirty="0">
+                  <a:latin typeface="Arial" panose="020B0604020202020204" pitchFamily="34" charset="0"/>
+                  <a:ea typeface="Open Sans" panose="020B0606030504020204" pitchFamily="34" charset="0"/>
+                  <a:cs typeface="Arial" panose="020B0604020202020204" pitchFamily="34" charset="0"/>
+                </a:rPr>
+                <a:t>Active viewing of neutral pictures</a:t>
+              </a:r>
+            </a:p>
+          </p:txBody>
+        </p:sp>
+        <p:sp>
+          <p:nvSpPr>
+            <p:cNvPr id="31" name="Textfeld 30"/>
+            <p:cNvSpPr txBox="1"/>
+            <p:nvPr/>
+          </p:nvSpPr>
+          <p:spPr>
+            <a:xfrm>
+              <a:off x="4428008" y="2016223"/>
+              <a:ext cx="3672000" cy="461665"/>
+            </a:xfrm>
+            <a:prstGeom prst="rect">
+              <a:avLst/>
+            </a:prstGeom>
+            <a:noFill/>
+            <a:ln w="6350">
+              <a:solidFill>
+                <a:schemeClr val="tx1"/>
+              </a:solidFill>
+            </a:ln>
+          </p:spPr>
+          <p:txBody>
+            <a:bodyPr wrap="square" rtlCol="0" anchor="ctr">
+              <a:spAutoFit/>
+            </a:bodyPr>
+            <a:lstStyle/>
+            <a:p>
+              <a:pPr algn="ctr"/>
+              <a:r>
+                <a:rPr lang="en-GB" sz="1200" dirty="0">
+                  <a:latin typeface="Arial" panose="020B0604020202020204" pitchFamily="34" charset="0"/>
+                  <a:ea typeface="Open Sans" panose="020B0606030504020204" pitchFamily="34" charset="0"/>
+                  <a:cs typeface="Arial" panose="020B0604020202020204" pitchFamily="34" charset="0"/>
+                </a:rPr>
+                <a:t>Block 2 - </a:t>
+              </a:r>
+              <a:r>
+                <a:rPr lang="en-GB" sz="1200" i="1" dirty="0">
+                  <a:latin typeface="Arial" panose="020B0604020202020204" pitchFamily="34" charset="0"/>
+                  <a:ea typeface="Open Sans" panose="020B0606030504020204" pitchFamily="34" charset="0"/>
+                  <a:cs typeface="Arial" panose="020B0604020202020204" pitchFamily="34" charset="0"/>
+                </a:rPr>
+                <a:t>Active viewing</a:t>
+              </a:r>
+            </a:p>
+            <a:p>
+              <a:pPr algn="ctr"/>
+              <a:r>
+                <a:rPr lang="en-GB" sz="1200" dirty="0">
+                  <a:latin typeface="Arial" panose="020B0604020202020204" pitchFamily="34" charset="0"/>
+                  <a:ea typeface="Open Sans" panose="020B0606030504020204" pitchFamily="34" charset="0"/>
+                  <a:cs typeface="Arial" panose="020B0604020202020204" pitchFamily="34" charset="0"/>
+                </a:rPr>
+                <a:t>Active viewing of negative pictures</a:t>
+              </a:r>
+            </a:p>
+          </p:txBody>
+        </p:sp>
+        <p:sp>
+          <p:nvSpPr>
+            <p:cNvPr id="32" name="Textfeld 31"/>
+            <p:cNvSpPr txBox="1"/>
+            <p:nvPr/>
+          </p:nvSpPr>
+          <p:spPr>
+            <a:xfrm>
+              <a:off x="4428008" y="3057333"/>
+              <a:ext cx="3672000" cy="461665"/>
+            </a:xfrm>
+            <a:prstGeom prst="rect">
+              <a:avLst/>
+            </a:prstGeom>
+            <a:noFill/>
+            <a:ln w="6350">
+              <a:solidFill>
+                <a:schemeClr val="tx1"/>
+              </a:solidFill>
+            </a:ln>
+          </p:spPr>
+          <p:txBody>
+            <a:bodyPr wrap="square" rtlCol="0" anchor="ctr">
+              <a:spAutoFit/>
+            </a:bodyPr>
+            <a:lstStyle/>
+            <a:p>
+              <a:pPr algn="ctr"/>
+              <a:r>
+                <a:rPr lang="en-GB" sz="1200" dirty="0">
+                  <a:latin typeface="Arial" panose="020B0604020202020204" pitchFamily="34" charset="0"/>
+                  <a:ea typeface="Open Sans" panose="020B0606030504020204" pitchFamily="34" charset="0"/>
+                  <a:cs typeface="Arial" panose="020B0604020202020204" pitchFamily="34" charset="0"/>
+                </a:rPr>
+                <a:t>Block 3 or 4 or 5 - </a:t>
+              </a:r>
+              <a:r>
+                <a:rPr lang="en-GB" sz="1200" i="1" dirty="0">
+                  <a:latin typeface="Arial" panose="020B0604020202020204" pitchFamily="34" charset="0"/>
+                  <a:ea typeface="Open Sans" panose="020B0606030504020204" pitchFamily="34" charset="0"/>
+                  <a:cs typeface="Arial" panose="020B0604020202020204" pitchFamily="34" charset="0"/>
+                </a:rPr>
+                <a:t>Distraction</a:t>
+              </a:r>
+            </a:p>
+            <a:p>
+              <a:pPr algn="ctr"/>
+              <a:r>
+                <a:rPr lang="en-GB" sz="1200" dirty="0">
+                  <a:latin typeface="Arial" panose="020B0604020202020204" pitchFamily="34" charset="0"/>
+                  <a:ea typeface="Open Sans" panose="020B0606030504020204" pitchFamily="34" charset="0"/>
+                  <a:cs typeface="Arial" panose="020B0604020202020204" pitchFamily="34" charset="0"/>
+                </a:rPr>
+                <a:t>Distraction from negative pictures</a:t>
+              </a:r>
+            </a:p>
+          </p:txBody>
+        </p:sp>
+        <p:sp>
+          <p:nvSpPr>
+            <p:cNvPr id="33" name="Textfeld 32"/>
+            <p:cNvSpPr txBox="1"/>
+            <p:nvPr/>
+          </p:nvSpPr>
+          <p:spPr>
+            <a:xfrm>
+              <a:off x="4428008" y="4113980"/>
+              <a:ext cx="3672000" cy="461665"/>
+            </a:xfrm>
+            <a:prstGeom prst="rect">
+              <a:avLst/>
+            </a:prstGeom>
+            <a:noFill/>
+            <a:ln w="6350">
+              <a:solidFill>
+                <a:schemeClr val="tx1"/>
+              </a:solidFill>
+            </a:ln>
+          </p:spPr>
+          <p:txBody>
+            <a:bodyPr wrap="square" rtlCol="0" anchor="ctr">
+              <a:spAutoFit/>
+            </a:bodyPr>
+            <a:lstStyle/>
+            <a:p>
+              <a:pPr algn="ctr"/>
+              <a:r>
+                <a:rPr lang="en-GB" sz="1200" dirty="0">
+                  <a:latin typeface="Arial" panose="020B0604020202020204" pitchFamily="34" charset="0"/>
+                  <a:ea typeface="Open Sans" panose="020B0606030504020204" pitchFamily="34" charset="0"/>
+                  <a:cs typeface="Arial" panose="020B0604020202020204" pitchFamily="34" charset="0"/>
+                </a:rPr>
+                <a:t>Block 3 or 4 or 5 - </a:t>
+              </a:r>
+              <a:r>
+                <a:rPr lang="en-GB" sz="1200" i="1" dirty="0">
+                  <a:latin typeface="Arial" panose="020B0604020202020204" pitchFamily="34" charset="0"/>
+                  <a:ea typeface="Open Sans" panose="020B0606030504020204" pitchFamily="34" charset="0"/>
+                  <a:cs typeface="Arial" panose="020B0604020202020204" pitchFamily="34" charset="0"/>
+                </a:rPr>
+                <a:t>Distancing</a:t>
+              </a:r>
+            </a:p>
+            <a:p>
+              <a:pPr algn="ctr"/>
+              <a:r>
+                <a:rPr lang="en-GB" sz="1200" dirty="0">
+                  <a:latin typeface="Arial" panose="020B0604020202020204" pitchFamily="34" charset="0"/>
+                  <a:ea typeface="Open Sans" panose="020B0606030504020204" pitchFamily="34" charset="0"/>
+                  <a:cs typeface="Arial" panose="020B0604020202020204" pitchFamily="34" charset="0"/>
+                </a:rPr>
+                <a:t>Distancing from negative pictures</a:t>
+              </a:r>
+            </a:p>
+          </p:txBody>
+        </p:sp>
+        <p:cxnSp>
+          <p:nvCxnSpPr>
+            <p:cNvPr id="35" name="Gerade Verbindung mit Pfeil 34"/>
+            <p:cNvCxnSpPr/>
+            <p:nvPr/>
+          </p:nvCxnSpPr>
+          <p:spPr>
+            <a:xfrm flipH="1">
+              <a:off x="6298351" y="1442418"/>
+              <a:ext cx="1" cy="573805"/>
+            </a:xfrm>
+            <a:prstGeom prst="straightConnector1">
+              <a:avLst/>
+            </a:prstGeom>
+            <a:ln w="6350">
+              <a:solidFill>
+                <a:schemeClr val="tx1"/>
+              </a:solidFill>
+              <a:headEnd type="none" w="med" len="med"/>
+              <a:tailEnd type="triangle" w="med" len="med"/>
+            </a:ln>
+          </p:spPr>
+          <p:style>
+            <a:lnRef idx="1">
+              <a:schemeClr val="accent1"/>
+            </a:lnRef>
+            <a:fillRef idx="0">
+              <a:schemeClr val="accent1"/>
+            </a:fillRef>
+            <a:effectRef idx="0">
+              <a:schemeClr val="accent1"/>
+            </a:effectRef>
+            <a:fontRef idx="minor">
+              <a:schemeClr val="tx1"/>
+            </a:fontRef>
+          </p:style>
+        </p:cxnSp>
+        <p:sp>
+          <p:nvSpPr>
+            <p:cNvPr id="36" name="Textfeld 35"/>
+            <p:cNvSpPr txBox="1"/>
+            <p:nvPr/>
+          </p:nvSpPr>
+          <p:spPr>
+            <a:xfrm rot="16200000">
+              <a:off x="3140814" y="4192765"/>
+              <a:ext cx="1584177" cy="304091"/>
+            </a:xfrm>
+            <a:prstGeom prst="rect">
+              <a:avLst/>
+            </a:prstGeom>
+            <a:solidFill>
+              <a:schemeClr val="bg1"/>
+            </a:solidFill>
+            <a:ln>
+              <a:solidFill>
+                <a:schemeClr val="tx1">
+                  <a:lumMod val="95000"/>
+                  <a:lumOff val="5000"/>
+                </a:schemeClr>
+              </a:solidFill>
+            </a:ln>
+          </p:spPr>
+          <p:txBody>
+            <a:bodyPr wrap="square" rtlCol="0">
+              <a:spAutoFit/>
+            </a:bodyPr>
+            <a:lstStyle/>
+            <a:p>
+              <a:pPr algn="ctr"/>
+              <a:r>
+                <a:rPr lang="de-DE" sz="1200" dirty="0" err="1" smtClean="0">
+                  <a:latin typeface="Arial" panose="020B0604020202020204" pitchFamily="34" charset="0"/>
+                  <a:cs typeface="Arial" panose="020B0604020202020204" pitchFamily="34" charset="0"/>
+                </a:rPr>
+                <a:t>randomized</a:t>
+              </a:r>
+              <a:r>
+                <a:rPr lang="de-DE" sz="1200" dirty="0" smtClean="0">
+                  <a:latin typeface="Arial" panose="020B0604020202020204" pitchFamily="34" charset="0"/>
+                  <a:cs typeface="Arial" panose="020B0604020202020204" pitchFamily="34" charset="0"/>
+                </a:rPr>
+                <a:t> </a:t>
+              </a:r>
+              <a:endParaRPr lang="de-DE" sz="1200" dirty="0">
+                <a:latin typeface="Arial" panose="020B0604020202020204" pitchFamily="34" charset="0"/>
+                <a:cs typeface="Arial" panose="020B0604020202020204" pitchFamily="34" charset="0"/>
+              </a:endParaRPr>
+            </a:p>
+          </p:txBody>
+        </p:sp>
+        <p:sp>
+          <p:nvSpPr>
+            <p:cNvPr id="37" name="Abgerundetes Rechteck 36"/>
+            <p:cNvSpPr/>
+            <p:nvPr/>
+          </p:nvSpPr>
+          <p:spPr>
+            <a:xfrm>
+              <a:off x="5308139" y="1539802"/>
+              <a:ext cx="1980422" cy="376481"/>
+            </a:xfrm>
+            <a:prstGeom prst="roundRect">
+              <a:avLst/>
+            </a:prstGeom>
+            <a:solidFill>
+              <a:schemeClr val="bg1"/>
+            </a:solidFill>
+            <a:ln w="12700">
+              <a:solidFill>
+                <a:schemeClr val="tx1"/>
+              </a:solidFill>
+            </a:ln>
+          </p:spPr>
+          <p:style>
+            <a:lnRef idx="2">
+              <a:schemeClr val="accent1">
+                <a:shade val="50000"/>
+              </a:schemeClr>
+            </a:lnRef>
+            <a:fillRef idx="1">
+              <a:schemeClr val="accent1"/>
+            </a:fillRef>
+            <a:effectRef idx="0">
+              <a:schemeClr val="accent1"/>
+            </a:effectRef>
+            <a:fontRef idx="minor">
+              <a:schemeClr val="lt1"/>
+            </a:fontRef>
+          </p:style>
+          <p:txBody>
+            <a:bodyPr rtlCol="0" anchor="ctr"/>
+            <a:lstStyle/>
+            <a:p>
+              <a:pPr algn="ctr"/>
+              <a:r>
+                <a:rPr lang="de-DE" sz="1200" dirty="0" err="1">
+                  <a:solidFill>
+                    <a:schemeClr val="tx1"/>
+                  </a:solidFill>
+                  <a:latin typeface="Arial" panose="020B0604020202020204" pitchFamily="34" charset="0"/>
+                  <a:cs typeface="Arial" panose="020B0604020202020204" pitchFamily="34" charset="0"/>
+                </a:rPr>
+                <a:t>subjective</a:t>
+              </a:r>
+              <a:r>
+                <a:rPr lang="de-DE" sz="1200" dirty="0">
+                  <a:solidFill>
+                    <a:schemeClr val="tx1"/>
+                  </a:solidFill>
+                  <a:latin typeface="Arial" panose="020B0604020202020204" pitchFamily="34" charset="0"/>
+                  <a:cs typeface="Arial" panose="020B0604020202020204" pitchFamily="34" charset="0"/>
+                </a:rPr>
+                <a:t> </a:t>
+              </a:r>
+              <a:r>
+                <a:rPr lang="de-DE" sz="1200" dirty="0" err="1">
+                  <a:solidFill>
+                    <a:schemeClr val="tx1"/>
+                  </a:solidFill>
+                  <a:latin typeface="Arial" panose="020B0604020202020204" pitchFamily="34" charset="0"/>
+                  <a:cs typeface="Arial" panose="020B0604020202020204" pitchFamily="34" charset="0"/>
+                </a:rPr>
+                <a:t>arousal</a:t>
+              </a:r>
+              <a:r>
+                <a:rPr lang="de-DE" sz="1200" dirty="0">
+                  <a:solidFill>
+                    <a:schemeClr val="tx1"/>
+                  </a:solidFill>
+                  <a:latin typeface="Arial" panose="020B0604020202020204" pitchFamily="34" charset="0"/>
+                  <a:cs typeface="Arial" panose="020B0604020202020204" pitchFamily="34" charset="0"/>
+                </a:rPr>
+                <a:t> </a:t>
+              </a:r>
+              <a:r>
+                <a:rPr lang="de-DE" sz="1200" dirty="0" err="1">
+                  <a:solidFill>
+                    <a:schemeClr val="tx1"/>
+                  </a:solidFill>
+                  <a:latin typeface="Arial" panose="020B0604020202020204" pitchFamily="34" charset="0"/>
+                  <a:cs typeface="Arial" panose="020B0604020202020204" pitchFamily="34" charset="0"/>
+                </a:rPr>
+                <a:t>and</a:t>
+              </a:r>
+              <a:r>
+                <a:rPr lang="de-DE" sz="1200" dirty="0">
+                  <a:solidFill>
+                    <a:schemeClr val="tx1"/>
+                  </a:solidFill>
+                  <a:latin typeface="Arial" panose="020B0604020202020204" pitchFamily="34" charset="0"/>
+                  <a:cs typeface="Arial" panose="020B0604020202020204" pitchFamily="34" charset="0"/>
+                </a:rPr>
+                <a:t> </a:t>
+              </a:r>
+              <a:r>
+                <a:rPr lang="de-DE" sz="1200" dirty="0" err="1">
+                  <a:solidFill>
+                    <a:schemeClr val="tx1"/>
+                  </a:solidFill>
+                  <a:latin typeface="Arial" panose="020B0604020202020204" pitchFamily="34" charset="0"/>
+                  <a:cs typeface="Arial" panose="020B0604020202020204" pitchFamily="34" charset="0"/>
+                </a:rPr>
+                <a:t>effort</a:t>
+              </a:r>
+              <a:r>
+                <a:rPr lang="de-DE" sz="1200" dirty="0">
+                  <a:solidFill>
+                    <a:schemeClr val="tx1"/>
+                  </a:solidFill>
+                  <a:latin typeface="Arial" panose="020B0604020202020204" pitchFamily="34" charset="0"/>
+                  <a:cs typeface="Arial" panose="020B0604020202020204" pitchFamily="34" charset="0"/>
+                </a:rPr>
+                <a:t> </a:t>
+              </a:r>
+              <a:r>
+                <a:rPr lang="de-DE" sz="1200" dirty="0" err="1">
+                  <a:solidFill>
+                    <a:schemeClr val="tx1"/>
+                  </a:solidFill>
+                  <a:latin typeface="Arial" panose="020B0604020202020204" pitchFamily="34" charset="0"/>
+                  <a:cs typeface="Arial" panose="020B0604020202020204" pitchFamily="34" charset="0"/>
+                </a:rPr>
+                <a:t>rating</a:t>
+              </a:r>
+              <a:endParaRPr lang="de-DE" sz="1200" dirty="0">
+                <a:solidFill>
+                  <a:schemeClr val="tx1"/>
+                </a:solidFill>
+                <a:latin typeface="Arial" panose="020B0604020202020204" pitchFamily="34" charset="0"/>
+                <a:cs typeface="Arial" panose="020B0604020202020204" pitchFamily="34" charset="0"/>
+              </a:endParaRPr>
+            </a:p>
+          </p:txBody>
+        </p:sp>
+        <p:sp>
+          <p:nvSpPr>
+            <p:cNvPr id="38" name="Textfeld 37"/>
+            <p:cNvSpPr txBox="1"/>
+            <p:nvPr/>
+          </p:nvSpPr>
+          <p:spPr>
+            <a:xfrm>
+              <a:off x="4428008" y="5155225"/>
+              <a:ext cx="3672000" cy="461665"/>
+            </a:xfrm>
+            <a:prstGeom prst="rect">
+              <a:avLst/>
+            </a:prstGeom>
+            <a:noFill/>
+            <a:ln w="6350">
+              <a:solidFill>
+                <a:schemeClr val="tx1"/>
+              </a:solidFill>
+            </a:ln>
+          </p:spPr>
+          <p:txBody>
+            <a:bodyPr wrap="square" rtlCol="0" anchor="ctr">
+              <a:spAutoFit/>
+            </a:bodyPr>
+            <a:lstStyle/>
+            <a:p>
+              <a:pPr algn="ctr"/>
+              <a:r>
+                <a:rPr lang="en-GB" sz="1200" dirty="0">
+                  <a:latin typeface="Arial" panose="020B0604020202020204" pitchFamily="34" charset="0"/>
+                  <a:ea typeface="Open Sans" panose="020B0606030504020204" pitchFamily="34" charset="0"/>
+                  <a:cs typeface="Arial" panose="020B0604020202020204" pitchFamily="34" charset="0"/>
+                </a:rPr>
+                <a:t>Block 3 or 4 or 5 - </a:t>
+              </a:r>
+              <a:r>
+                <a:rPr lang="en-GB" sz="1200" i="1" dirty="0">
+                  <a:latin typeface="Arial" panose="020B0604020202020204" pitchFamily="34" charset="0"/>
+                  <a:ea typeface="Open Sans" panose="020B0606030504020204" pitchFamily="34" charset="0"/>
+                  <a:cs typeface="Arial" panose="020B0604020202020204" pitchFamily="34" charset="0"/>
+                </a:rPr>
+                <a:t>Expressive</a:t>
+              </a:r>
+              <a:r>
+                <a:rPr lang="en-GB" sz="1200" dirty="0">
+                  <a:latin typeface="Arial" panose="020B0604020202020204" pitchFamily="34" charset="0"/>
+                  <a:ea typeface="Open Sans" panose="020B0606030504020204" pitchFamily="34" charset="0"/>
+                  <a:cs typeface="Arial" panose="020B0604020202020204" pitchFamily="34" charset="0"/>
+                </a:rPr>
+                <a:t> </a:t>
+              </a:r>
+              <a:r>
+                <a:rPr lang="en-GB" sz="1200" i="1" dirty="0">
+                  <a:latin typeface="Arial" panose="020B0604020202020204" pitchFamily="34" charset="0"/>
+                  <a:ea typeface="Open Sans" panose="020B0606030504020204" pitchFamily="34" charset="0"/>
+                  <a:cs typeface="Arial" panose="020B0604020202020204" pitchFamily="34" charset="0"/>
+                </a:rPr>
+                <a:t>suppression</a:t>
+              </a:r>
+            </a:p>
+            <a:p>
+              <a:pPr algn="ctr"/>
+              <a:r>
+                <a:rPr lang="en-GB" sz="1200" dirty="0">
+                  <a:latin typeface="Arial" panose="020B0604020202020204" pitchFamily="34" charset="0"/>
+                  <a:ea typeface="Open Sans" panose="020B0606030504020204" pitchFamily="34" charset="0"/>
+                  <a:cs typeface="Arial" panose="020B0604020202020204" pitchFamily="34" charset="0"/>
+                </a:rPr>
+                <a:t>Expressive suppression of negative pictures</a:t>
+              </a:r>
+            </a:p>
+          </p:txBody>
+        </p:sp>
+        <p:cxnSp>
+          <p:nvCxnSpPr>
+            <p:cNvPr id="39" name="Gerade Verbindung mit Pfeil 38"/>
+            <p:cNvCxnSpPr/>
+            <p:nvPr/>
+          </p:nvCxnSpPr>
+          <p:spPr>
+            <a:xfrm flipH="1">
+              <a:off x="6298351" y="2483528"/>
+              <a:ext cx="1" cy="573805"/>
+            </a:xfrm>
+            <a:prstGeom prst="straightConnector1">
+              <a:avLst/>
+            </a:prstGeom>
+            <a:ln w="6350">
+              <a:solidFill>
+                <a:schemeClr val="tx1"/>
+              </a:solidFill>
+              <a:headEnd type="none" w="med" len="med"/>
+              <a:tailEnd type="triangle" w="med" len="med"/>
+            </a:ln>
+          </p:spPr>
+          <p:style>
+            <a:lnRef idx="1">
+              <a:schemeClr val="accent1"/>
+            </a:lnRef>
+            <a:fillRef idx="0">
+              <a:schemeClr val="accent1"/>
+            </a:fillRef>
+            <a:effectRef idx="0">
+              <a:schemeClr val="accent1"/>
+            </a:effectRef>
+            <a:fontRef idx="minor">
+              <a:schemeClr val="tx1"/>
+            </a:fontRef>
+          </p:style>
+        </p:cxnSp>
+        <p:sp>
+          <p:nvSpPr>
+            <p:cNvPr id="40" name="Abgerundetes Rechteck 39"/>
+            <p:cNvSpPr/>
+            <p:nvPr/>
+          </p:nvSpPr>
+          <p:spPr>
+            <a:xfrm>
+              <a:off x="5308139" y="2573436"/>
+              <a:ext cx="1980422" cy="376481"/>
+            </a:xfrm>
+            <a:prstGeom prst="roundRect">
+              <a:avLst/>
+            </a:prstGeom>
+            <a:solidFill>
+              <a:schemeClr val="bg1"/>
+            </a:solidFill>
+            <a:ln w="12700">
+              <a:solidFill>
+                <a:schemeClr val="tx1"/>
+              </a:solidFill>
+            </a:ln>
+          </p:spPr>
+          <p:style>
+            <a:lnRef idx="2">
+              <a:schemeClr val="accent1">
+                <a:shade val="50000"/>
+              </a:schemeClr>
+            </a:lnRef>
+            <a:fillRef idx="1">
+              <a:schemeClr val="accent1"/>
+            </a:fillRef>
+            <a:effectRef idx="0">
+              <a:schemeClr val="accent1"/>
+            </a:effectRef>
+            <a:fontRef idx="minor">
+              <a:schemeClr val="lt1"/>
+            </a:fontRef>
+          </p:style>
+          <p:txBody>
+            <a:bodyPr rtlCol="0" anchor="ctr"/>
+            <a:lstStyle/>
+            <a:p>
+              <a:pPr algn="ctr"/>
+              <a:r>
+                <a:rPr lang="de-DE" sz="1200" dirty="0" err="1">
+                  <a:solidFill>
+                    <a:schemeClr val="tx1"/>
+                  </a:solidFill>
+                  <a:latin typeface="Arial" panose="020B0604020202020204" pitchFamily="34" charset="0"/>
+                  <a:cs typeface="Arial" panose="020B0604020202020204" pitchFamily="34" charset="0"/>
+                </a:rPr>
+                <a:t>subjective</a:t>
+              </a:r>
+              <a:r>
+                <a:rPr lang="de-DE" sz="1200" dirty="0">
+                  <a:solidFill>
+                    <a:schemeClr val="tx1"/>
+                  </a:solidFill>
+                  <a:latin typeface="Arial" panose="020B0604020202020204" pitchFamily="34" charset="0"/>
+                  <a:cs typeface="Arial" panose="020B0604020202020204" pitchFamily="34" charset="0"/>
+                </a:rPr>
+                <a:t> </a:t>
+              </a:r>
+              <a:r>
+                <a:rPr lang="de-DE" sz="1200" dirty="0" err="1">
+                  <a:solidFill>
+                    <a:schemeClr val="tx1"/>
+                  </a:solidFill>
+                  <a:latin typeface="Arial" panose="020B0604020202020204" pitchFamily="34" charset="0"/>
+                  <a:cs typeface="Arial" panose="020B0604020202020204" pitchFamily="34" charset="0"/>
+                </a:rPr>
+                <a:t>arousal</a:t>
+              </a:r>
+              <a:r>
+                <a:rPr lang="de-DE" sz="1200" dirty="0">
+                  <a:solidFill>
+                    <a:schemeClr val="tx1"/>
+                  </a:solidFill>
+                  <a:latin typeface="Arial" panose="020B0604020202020204" pitchFamily="34" charset="0"/>
+                  <a:cs typeface="Arial" panose="020B0604020202020204" pitchFamily="34" charset="0"/>
+                </a:rPr>
+                <a:t> </a:t>
+              </a:r>
+              <a:r>
+                <a:rPr lang="de-DE" sz="1200" dirty="0" err="1">
+                  <a:solidFill>
+                    <a:schemeClr val="tx1"/>
+                  </a:solidFill>
+                  <a:latin typeface="Arial" panose="020B0604020202020204" pitchFamily="34" charset="0"/>
+                  <a:cs typeface="Arial" panose="020B0604020202020204" pitchFamily="34" charset="0"/>
+                </a:rPr>
+                <a:t>and</a:t>
+              </a:r>
+              <a:r>
+                <a:rPr lang="de-DE" sz="1200" dirty="0">
+                  <a:solidFill>
+                    <a:schemeClr val="tx1"/>
+                  </a:solidFill>
+                  <a:latin typeface="Arial" panose="020B0604020202020204" pitchFamily="34" charset="0"/>
+                  <a:cs typeface="Arial" panose="020B0604020202020204" pitchFamily="34" charset="0"/>
+                </a:rPr>
+                <a:t> </a:t>
+              </a:r>
+              <a:r>
+                <a:rPr lang="de-DE" sz="1200" dirty="0" err="1">
+                  <a:solidFill>
+                    <a:schemeClr val="tx1"/>
+                  </a:solidFill>
+                  <a:latin typeface="Arial" panose="020B0604020202020204" pitchFamily="34" charset="0"/>
+                  <a:cs typeface="Arial" panose="020B0604020202020204" pitchFamily="34" charset="0"/>
+                </a:rPr>
+                <a:t>effort</a:t>
+              </a:r>
+              <a:r>
+                <a:rPr lang="de-DE" sz="1200" dirty="0">
+                  <a:solidFill>
+                    <a:schemeClr val="tx1"/>
+                  </a:solidFill>
+                  <a:latin typeface="Arial" panose="020B0604020202020204" pitchFamily="34" charset="0"/>
+                  <a:cs typeface="Arial" panose="020B0604020202020204" pitchFamily="34" charset="0"/>
+                </a:rPr>
+                <a:t> </a:t>
+              </a:r>
+              <a:r>
+                <a:rPr lang="de-DE" sz="1200" dirty="0" err="1">
+                  <a:solidFill>
+                    <a:schemeClr val="tx1"/>
+                  </a:solidFill>
+                  <a:latin typeface="Arial" panose="020B0604020202020204" pitchFamily="34" charset="0"/>
+                  <a:cs typeface="Arial" panose="020B0604020202020204" pitchFamily="34" charset="0"/>
+                </a:rPr>
+                <a:t>rating</a:t>
+              </a:r>
+              <a:endParaRPr lang="de-DE" sz="1200" dirty="0">
+                <a:solidFill>
+                  <a:schemeClr val="tx1"/>
+                </a:solidFill>
+                <a:latin typeface="Arial" panose="020B0604020202020204" pitchFamily="34" charset="0"/>
+                <a:cs typeface="Arial" panose="020B0604020202020204" pitchFamily="34" charset="0"/>
+              </a:endParaRPr>
+            </a:p>
+          </p:txBody>
+        </p:sp>
+        <p:cxnSp>
+          <p:nvCxnSpPr>
+            <p:cNvPr id="41" name="Gerade Verbindung mit Pfeil 40"/>
+            <p:cNvCxnSpPr/>
+            <p:nvPr/>
+          </p:nvCxnSpPr>
+          <p:spPr>
+            <a:xfrm flipH="1">
+              <a:off x="6298351" y="3528385"/>
+              <a:ext cx="1" cy="573805"/>
+            </a:xfrm>
+            <a:prstGeom prst="straightConnector1">
+              <a:avLst/>
+            </a:prstGeom>
+            <a:ln w="6350">
+              <a:solidFill>
+                <a:schemeClr val="tx1"/>
+              </a:solidFill>
+              <a:headEnd type="none" w="med" len="med"/>
+              <a:tailEnd type="triangle" w="med" len="med"/>
+            </a:ln>
+          </p:spPr>
+          <p:style>
+            <a:lnRef idx="1">
+              <a:schemeClr val="accent1"/>
+            </a:lnRef>
+            <a:fillRef idx="0">
+              <a:schemeClr val="accent1"/>
+            </a:fillRef>
+            <a:effectRef idx="0">
+              <a:schemeClr val="accent1"/>
+            </a:effectRef>
+            <a:fontRef idx="minor">
+              <a:schemeClr val="tx1"/>
+            </a:fontRef>
+          </p:style>
+        </p:cxnSp>
+        <p:cxnSp>
+          <p:nvCxnSpPr>
+            <p:cNvPr id="42" name="Gerade Verbindung mit Pfeil 41"/>
+            <p:cNvCxnSpPr/>
+            <p:nvPr/>
+          </p:nvCxnSpPr>
+          <p:spPr>
+            <a:xfrm flipH="1">
+              <a:off x="6298351" y="4575645"/>
+              <a:ext cx="1" cy="573805"/>
+            </a:xfrm>
+            <a:prstGeom prst="straightConnector1">
+              <a:avLst/>
+            </a:prstGeom>
+            <a:ln w="6350">
+              <a:solidFill>
+                <a:schemeClr val="tx1"/>
+              </a:solidFill>
+              <a:headEnd type="none" w="med" len="med"/>
+              <a:tailEnd type="triangle" w="med" len="med"/>
+            </a:ln>
+          </p:spPr>
+          <p:style>
+            <a:lnRef idx="1">
+              <a:schemeClr val="accent1"/>
+            </a:lnRef>
+            <a:fillRef idx="0">
+              <a:schemeClr val="accent1"/>
+            </a:fillRef>
+            <a:effectRef idx="0">
+              <a:schemeClr val="accent1"/>
+            </a:effectRef>
+            <a:fontRef idx="minor">
+              <a:schemeClr val="tx1"/>
+            </a:fontRef>
+          </p:style>
+        </p:cxnSp>
+        <p:sp>
+          <p:nvSpPr>
+            <p:cNvPr id="43" name="Abgerundetes Rechteck 42"/>
+            <p:cNvSpPr/>
+            <p:nvPr/>
+          </p:nvSpPr>
+          <p:spPr>
+            <a:xfrm>
+              <a:off x="5313284" y="3629783"/>
+              <a:ext cx="1980422" cy="376481"/>
+            </a:xfrm>
+            <a:prstGeom prst="roundRect">
+              <a:avLst/>
+            </a:prstGeom>
+            <a:solidFill>
+              <a:schemeClr val="bg1"/>
+            </a:solidFill>
+            <a:ln w="12700">
+              <a:solidFill>
+                <a:schemeClr val="tx1"/>
+              </a:solidFill>
+            </a:ln>
+          </p:spPr>
+          <p:style>
+            <a:lnRef idx="2">
+              <a:schemeClr val="accent1">
+                <a:shade val="50000"/>
+              </a:schemeClr>
+            </a:lnRef>
+            <a:fillRef idx="1">
+              <a:schemeClr val="accent1"/>
+            </a:fillRef>
+            <a:effectRef idx="0">
+              <a:schemeClr val="accent1"/>
+            </a:effectRef>
+            <a:fontRef idx="minor">
+              <a:schemeClr val="lt1"/>
+            </a:fontRef>
+          </p:style>
+          <p:txBody>
+            <a:bodyPr rtlCol="0" anchor="ctr"/>
+            <a:lstStyle/>
+            <a:p>
+              <a:pPr algn="ctr"/>
+              <a:r>
+                <a:rPr lang="de-DE" sz="1200" dirty="0" err="1">
+                  <a:solidFill>
+                    <a:schemeClr val="tx1"/>
+                  </a:solidFill>
+                  <a:latin typeface="Arial" panose="020B0604020202020204" pitchFamily="34" charset="0"/>
+                  <a:cs typeface="Arial" panose="020B0604020202020204" pitchFamily="34" charset="0"/>
+                </a:rPr>
+                <a:t>subjective</a:t>
+              </a:r>
+              <a:r>
+                <a:rPr lang="de-DE" sz="1200" dirty="0">
+                  <a:solidFill>
+                    <a:schemeClr val="tx1"/>
+                  </a:solidFill>
+                  <a:latin typeface="Arial" panose="020B0604020202020204" pitchFamily="34" charset="0"/>
+                  <a:cs typeface="Arial" panose="020B0604020202020204" pitchFamily="34" charset="0"/>
+                </a:rPr>
+                <a:t> </a:t>
+              </a:r>
+              <a:r>
+                <a:rPr lang="de-DE" sz="1200" dirty="0" err="1">
+                  <a:solidFill>
+                    <a:schemeClr val="tx1"/>
+                  </a:solidFill>
+                  <a:latin typeface="Arial" panose="020B0604020202020204" pitchFamily="34" charset="0"/>
+                  <a:cs typeface="Arial" panose="020B0604020202020204" pitchFamily="34" charset="0"/>
+                </a:rPr>
+                <a:t>arousal</a:t>
+              </a:r>
+              <a:r>
+                <a:rPr lang="de-DE" sz="1200" dirty="0">
+                  <a:solidFill>
+                    <a:schemeClr val="tx1"/>
+                  </a:solidFill>
+                  <a:latin typeface="Arial" panose="020B0604020202020204" pitchFamily="34" charset="0"/>
+                  <a:cs typeface="Arial" panose="020B0604020202020204" pitchFamily="34" charset="0"/>
+                </a:rPr>
+                <a:t> </a:t>
+              </a:r>
+              <a:r>
+                <a:rPr lang="de-DE" sz="1200" dirty="0" err="1">
+                  <a:solidFill>
+                    <a:schemeClr val="tx1"/>
+                  </a:solidFill>
+                  <a:latin typeface="Arial" panose="020B0604020202020204" pitchFamily="34" charset="0"/>
+                  <a:cs typeface="Arial" panose="020B0604020202020204" pitchFamily="34" charset="0"/>
+                </a:rPr>
+                <a:t>and</a:t>
+              </a:r>
+              <a:r>
+                <a:rPr lang="de-DE" sz="1200" dirty="0">
+                  <a:solidFill>
+                    <a:schemeClr val="tx1"/>
+                  </a:solidFill>
+                  <a:latin typeface="Arial" panose="020B0604020202020204" pitchFamily="34" charset="0"/>
+                  <a:cs typeface="Arial" panose="020B0604020202020204" pitchFamily="34" charset="0"/>
+                </a:rPr>
+                <a:t> </a:t>
+              </a:r>
+              <a:r>
+                <a:rPr lang="de-DE" sz="1200" dirty="0" err="1">
+                  <a:solidFill>
+                    <a:schemeClr val="tx1"/>
+                  </a:solidFill>
+                  <a:latin typeface="Arial" panose="020B0604020202020204" pitchFamily="34" charset="0"/>
+                  <a:cs typeface="Arial" panose="020B0604020202020204" pitchFamily="34" charset="0"/>
+                </a:rPr>
+                <a:t>effort</a:t>
+              </a:r>
+              <a:r>
+                <a:rPr lang="de-DE" sz="1200" dirty="0">
+                  <a:solidFill>
+                    <a:schemeClr val="tx1"/>
+                  </a:solidFill>
+                  <a:latin typeface="Arial" panose="020B0604020202020204" pitchFamily="34" charset="0"/>
+                  <a:cs typeface="Arial" panose="020B0604020202020204" pitchFamily="34" charset="0"/>
+                </a:rPr>
+                <a:t> </a:t>
+              </a:r>
+              <a:r>
+                <a:rPr lang="de-DE" sz="1200" dirty="0" err="1">
+                  <a:solidFill>
+                    <a:schemeClr val="tx1"/>
+                  </a:solidFill>
+                  <a:latin typeface="Arial" panose="020B0604020202020204" pitchFamily="34" charset="0"/>
+                  <a:cs typeface="Arial" panose="020B0604020202020204" pitchFamily="34" charset="0"/>
+                </a:rPr>
+                <a:t>rating</a:t>
+              </a:r>
+              <a:endParaRPr lang="de-DE" sz="1200" dirty="0">
+                <a:solidFill>
+                  <a:schemeClr val="tx1"/>
+                </a:solidFill>
+                <a:latin typeface="Arial" panose="020B0604020202020204" pitchFamily="34" charset="0"/>
+                <a:cs typeface="Arial" panose="020B0604020202020204" pitchFamily="34" charset="0"/>
+              </a:endParaRPr>
+            </a:p>
+          </p:txBody>
+        </p:sp>
+        <p:sp>
+          <p:nvSpPr>
+            <p:cNvPr id="44" name="Abgerundetes Rechteck 43"/>
+            <p:cNvSpPr/>
+            <p:nvPr/>
+          </p:nvSpPr>
+          <p:spPr>
+            <a:xfrm>
+              <a:off x="5308139" y="4663407"/>
+              <a:ext cx="1980422" cy="376481"/>
+            </a:xfrm>
+            <a:prstGeom prst="roundRect">
+              <a:avLst/>
+            </a:prstGeom>
+            <a:solidFill>
+              <a:schemeClr val="bg1"/>
+            </a:solidFill>
+            <a:ln w="12700">
+              <a:solidFill>
+                <a:schemeClr val="tx1"/>
+              </a:solidFill>
+            </a:ln>
+          </p:spPr>
+          <p:style>
+            <a:lnRef idx="2">
+              <a:schemeClr val="accent1">
+                <a:shade val="50000"/>
+              </a:schemeClr>
+            </a:lnRef>
+            <a:fillRef idx="1">
+              <a:schemeClr val="accent1"/>
+            </a:fillRef>
+            <a:effectRef idx="0">
+              <a:schemeClr val="accent1"/>
+            </a:effectRef>
+            <a:fontRef idx="minor">
+              <a:schemeClr val="lt1"/>
+            </a:fontRef>
+          </p:style>
+          <p:txBody>
+            <a:bodyPr rtlCol="0" anchor="ctr"/>
+            <a:lstStyle/>
+            <a:p>
+              <a:pPr algn="ctr"/>
+              <a:r>
+                <a:rPr lang="de-DE" sz="1200" dirty="0" err="1">
+                  <a:solidFill>
+                    <a:schemeClr val="tx1"/>
+                  </a:solidFill>
+                  <a:latin typeface="Arial" panose="020B0604020202020204" pitchFamily="34" charset="0"/>
+                  <a:cs typeface="Arial" panose="020B0604020202020204" pitchFamily="34" charset="0"/>
+                </a:rPr>
+                <a:t>subjective</a:t>
+              </a:r>
+              <a:r>
+                <a:rPr lang="de-DE" sz="1200" dirty="0">
+                  <a:solidFill>
+                    <a:schemeClr val="tx1"/>
+                  </a:solidFill>
+                  <a:latin typeface="Arial" panose="020B0604020202020204" pitchFamily="34" charset="0"/>
+                  <a:cs typeface="Arial" panose="020B0604020202020204" pitchFamily="34" charset="0"/>
+                </a:rPr>
+                <a:t> </a:t>
+              </a:r>
+              <a:r>
+                <a:rPr lang="de-DE" sz="1200" dirty="0" err="1">
+                  <a:solidFill>
+                    <a:schemeClr val="tx1"/>
+                  </a:solidFill>
+                  <a:latin typeface="Arial" panose="020B0604020202020204" pitchFamily="34" charset="0"/>
+                  <a:cs typeface="Arial" panose="020B0604020202020204" pitchFamily="34" charset="0"/>
+                </a:rPr>
+                <a:t>arousal</a:t>
+              </a:r>
+              <a:r>
+                <a:rPr lang="de-DE" sz="1200" dirty="0">
+                  <a:solidFill>
+                    <a:schemeClr val="tx1"/>
+                  </a:solidFill>
+                  <a:latin typeface="Arial" panose="020B0604020202020204" pitchFamily="34" charset="0"/>
+                  <a:cs typeface="Arial" panose="020B0604020202020204" pitchFamily="34" charset="0"/>
+                </a:rPr>
+                <a:t> </a:t>
+              </a:r>
+              <a:r>
+                <a:rPr lang="de-DE" sz="1200" dirty="0" err="1">
+                  <a:solidFill>
+                    <a:schemeClr val="tx1"/>
+                  </a:solidFill>
+                  <a:latin typeface="Arial" panose="020B0604020202020204" pitchFamily="34" charset="0"/>
+                  <a:cs typeface="Arial" panose="020B0604020202020204" pitchFamily="34" charset="0"/>
+                </a:rPr>
+                <a:t>and</a:t>
+              </a:r>
+              <a:r>
+                <a:rPr lang="de-DE" sz="1200" dirty="0">
+                  <a:solidFill>
+                    <a:schemeClr val="tx1"/>
+                  </a:solidFill>
+                  <a:latin typeface="Arial" panose="020B0604020202020204" pitchFamily="34" charset="0"/>
+                  <a:cs typeface="Arial" panose="020B0604020202020204" pitchFamily="34" charset="0"/>
+                </a:rPr>
+                <a:t> </a:t>
+              </a:r>
+              <a:r>
+                <a:rPr lang="de-DE" sz="1200" dirty="0" err="1">
+                  <a:solidFill>
+                    <a:schemeClr val="tx1"/>
+                  </a:solidFill>
+                  <a:latin typeface="Arial" panose="020B0604020202020204" pitchFamily="34" charset="0"/>
+                  <a:cs typeface="Arial" panose="020B0604020202020204" pitchFamily="34" charset="0"/>
+                </a:rPr>
+                <a:t>effort</a:t>
+              </a:r>
+              <a:r>
+                <a:rPr lang="de-DE" sz="1200" dirty="0">
+                  <a:solidFill>
+                    <a:schemeClr val="tx1"/>
+                  </a:solidFill>
+                  <a:latin typeface="Arial" panose="020B0604020202020204" pitchFamily="34" charset="0"/>
+                  <a:cs typeface="Arial" panose="020B0604020202020204" pitchFamily="34" charset="0"/>
+                </a:rPr>
+                <a:t> </a:t>
+              </a:r>
+              <a:r>
+                <a:rPr lang="de-DE" sz="1200" dirty="0" err="1">
+                  <a:solidFill>
+                    <a:schemeClr val="tx1"/>
+                  </a:solidFill>
+                  <a:latin typeface="Arial" panose="020B0604020202020204" pitchFamily="34" charset="0"/>
+                  <a:cs typeface="Arial" panose="020B0604020202020204" pitchFamily="34" charset="0"/>
+                </a:rPr>
+                <a:t>rating</a:t>
+              </a:r>
+              <a:endParaRPr lang="de-DE" sz="1200" dirty="0">
+                <a:solidFill>
+                  <a:schemeClr val="tx1"/>
+                </a:solidFill>
+                <a:latin typeface="Arial" panose="020B0604020202020204" pitchFamily="34" charset="0"/>
+                <a:cs typeface="Arial" panose="020B0604020202020204" pitchFamily="34" charset="0"/>
+              </a:endParaRPr>
+            </a:p>
+          </p:txBody>
+        </p:sp>
+        <p:cxnSp>
+          <p:nvCxnSpPr>
+            <p:cNvPr id="45" name="Gerade Verbindung mit Pfeil 44"/>
+            <p:cNvCxnSpPr/>
+            <p:nvPr/>
+          </p:nvCxnSpPr>
+          <p:spPr>
+            <a:xfrm flipH="1">
+              <a:off x="6292784" y="5622665"/>
+              <a:ext cx="1" cy="573805"/>
+            </a:xfrm>
+            <a:prstGeom prst="straightConnector1">
+              <a:avLst/>
+            </a:prstGeom>
+            <a:ln w="6350">
+              <a:solidFill>
+                <a:schemeClr val="tx1"/>
+              </a:solidFill>
+              <a:headEnd type="none" w="med" len="med"/>
+              <a:tailEnd type="triangle" w="med" len="med"/>
+            </a:ln>
+          </p:spPr>
+          <p:style>
+            <a:lnRef idx="1">
+              <a:schemeClr val="accent1"/>
+            </a:lnRef>
+            <a:fillRef idx="0">
+              <a:schemeClr val="accent1"/>
+            </a:fillRef>
+            <a:effectRef idx="0">
+              <a:schemeClr val="accent1"/>
+            </a:effectRef>
+            <a:fontRef idx="minor">
+              <a:schemeClr val="tx1"/>
+            </a:fontRef>
+          </p:style>
+        </p:cxnSp>
+        <p:sp>
+          <p:nvSpPr>
+            <p:cNvPr id="46" name="Abgerundetes Rechteck 45"/>
+            <p:cNvSpPr/>
+            <p:nvPr/>
+          </p:nvSpPr>
+          <p:spPr>
+            <a:xfrm>
+              <a:off x="5313284" y="5732227"/>
+              <a:ext cx="1980422" cy="376481"/>
+            </a:xfrm>
+            <a:prstGeom prst="roundRect">
+              <a:avLst/>
+            </a:prstGeom>
+            <a:solidFill>
+              <a:schemeClr val="bg1"/>
+            </a:solidFill>
+            <a:ln w="12700">
+              <a:solidFill>
+                <a:schemeClr val="tx1"/>
+              </a:solidFill>
+            </a:ln>
+          </p:spPr>
+          <p:style>
+            <a:lnRef idx="2">
+              <a:schemeClr val="accent1">
+                <a:shade val="50000"/>
+              </a:schemeClr>
+            </a:lnRef>
+            <a:fillRef idx="1">
+              <a:schemeClr val="accent1"/>
+            </a:fillRef>
+            <a:effectRef idx="0">
+              <a:schemeClr val="accent1"/>
+            </a:effectRef>
+            <a:fontRef idx="minor">
+              <a:schemeClr val="lt1"/>
+            </a:fontRef>
+          </p:style>
+          <p:txBody>
+            <a:bodyPr rtlCol="0" anchor="ctr"/>
+            <a:lstStyle/>
+            <a:p>
+              <a:pPr algn="ctr"/>
+              <a:r>
+                <a:rPr lang="de-DE" sz="1200" dirty="0" err="1">
+                  <a:solidFill>
+                    <a:schemeClr val="tx1"/>
+                  </a:solidFill>
+                  <a:latin typeface="Arial" panose="020B0604020202020204" pitchFamily="34" charset="0"/>
+                  <a:cs typeface="Arial" panose="020B0604020202020204" pitchFamily="34" charset="0"/>
+                </a:rPr>
+                <a:t>subjective</a:t>
+              </a:r>
+              <a:r>
+                <a:rPr lang="de-DE" sz="1200" dirty="0">
+                  <a:solidFill>
+                    <a:schemeClr val="tx1"/>
+                  </a:solidFill>
+                  <a:latin typeface="Arial" panose="020B0604020202020204" pitchFamily="34" charset="0"/>
+                  <a:cs typeface="Arial" panose="020B0604020202020204" pitchFamily="34" charset="0"/>
+                </a:rPr>
+                <a:t> </a:t>
+              </a:r>
+              <a:r>
+                <a:rPr lang="de-DE" sz="1200" dirty="0" err="1">
+                  <a:solidFill>
+                    <a:schemeClr val="tx1"/>
+                  </a:solidFill>
+                  <a:latin typeface="Arial" panose="020B0604020202020204" pitchFamily="34" charset="0"/>
+                  <a:cs typeface="Arial" panose="020B0604020202020204" pitchFamily="34" charset="0"/>
+                </a:rPr>
+                <a:t>arousal</a:t>
+              </a:r>
+              <a:r>
+                <a:rPr lang="de-DE" sz="1200" dirty="0">
+                  <a:solidFill>
+                    <a:schemeClr val="tx1"/>
+                  </a:solidFill>
+                  <a:latin typeface="Arial" panose="020B0604020202020204" pitchFamily="34" charset="0"/>
+                  <a:cs typeface="Arial" panose="020B0604020202020204" pitchFamily="34" charset="0"/>
+                </a:rPr>
+                <a:t> </a:t>
+              </a:r>
+              <a:r>
+                <a:rPr lang="de-DE" sz="1200" dirty="0" err="1">
+                  <a:solidFill>
+                    <a:schemeClr val="tx1"/>
+                  </a:solidFill>
+                  <a:latin typeface="Arial" panose="020B0604020202020204" pitchFamily="34" charset="0"/>
+                  <a:cs typeface="Arial" panose="020B0604020202020204" pitchFamily="34" charset="0"/>
+                </a:rPr>
+                <a:t>and</a:t>
+              </a:r>
+              <a:r>
+                <a:rPr lang="de-DE" sz="1200" dirty="0">
+                  <a:solidFill>
+                    <a:schemeClr val="tx1"/>
+                  </a:solidFill>
+                  <a:latin typeface="Arial" panose="020B0604020202020204" pitchFamily="34" charset="0"/>
+                  <a:cs typeface="Arial" panose="020B0604020202020204" pitchFamily="34" charset="0"/>
+                </a:rPr>
+                <a:t> </a:t>
+              </a:r>
+              <a:r>
+                <a:rPr lang="de-DE" sz="1200" dirty="0" err="1">
+                  <a:solidFill>
+                    <a:schemeClr val="tx1"/>
+                  </a:solidFill>
+                  <a:latin typeface="Arial" panose="020B0604020202020204" pitchFamily="34" charset="0"/>
+                  <a:cs typeface="Arial" panose="020B0604020202020204" pitchFamily="34" charset="0"/>
+                </a:rPr>
+                <a:t>effort</a:t>
+              </a:r>
+              <a:r>
+                <a:rPr lang="de-DE" sz="1200" dirty="0">
+                  <a:solidFill>
+                    <a:schemeClr val="tx1"/>
+                  </a:solidFill>
+                  <a:latin typeface="Arial" panose="020B0604020202020204" pitchFamily="34" charset="0"/>
+                  <a:cs typeface="Arial" panose="020B0604020202020204" pitchFamily="34" charset="0"/>
+                </a:rPr>
+                <a:t> </a:t>
+              </a:r>
+              <a:r>
+                <a:rPr lang="de-DE" sz="1200" dirty="0" err="1">
+                  <a:solidFill>
+                    <a:schemeClr val="tx1"/>
+                  </a:solidFill>
+                  <a:latin typeface="Arial" panose="020B0604020202020204" pitchFamily="34" charset="0"/>
+                  <a:cs typeface="Arial" panose="020B0604020202020204" pitchFamily="34" charset="0"/>
+                </a:rPr>
+                <a:t>rating</a:t>
+              </a:r>
+              <a:endParaRPr lang="de-DE" sz="1200" dirty="0">
+                <a:solidFill>
+                  <a:schemeClr val="tx1"/>
+                </a:solidFill>
+                <a:latin typeface="Arial" panose="020B0604020202020204" pitchFamily="34" charset="0"/>
+                <a:cs typeface="Arial" panose="020B0604020202020204" pitchFamily="34" charset="0"/>
+              </a:endParaRPr>
+            </a:p>
+          </p:txBody>
+        </p:sp>
+        <p:sp>
+          <p:nvSpPr>
+            <p:cNvPr id="47" name="Textfeld 46"/>
+            <p:cNvSpPr txBox="1"/>
+            <p:nvPr/>
+          </p:nvSpPr>
+          <p:spPr>
+            <a:xfrm>
+              <a:off x="4428008" y="6218270"/>
+              <a:ext cx="3672000" cy="276999"/>
+            </a:xfrm>
+            <a:prstGeom prst="rect">
+              <a:avLst/>
+            </a:prstGeom>
+            <a:solidFill>
+              <a:schemeClr val="tx1">
+                <a:lumMod val="10000"/>
+                <a:lumOff val="90000"/>
+              </a:schemeClr>
+            </a:solidFill>
+            <a:ln w="6350">
+              <a:solidFill>
+                <a:schemeClr val="tx1"/>
+              </a:solidFill>
+            </a:ln>
+          </p:spPr>
+          <p:txBody>
+            <a:bodyPr wrap="square" rtlCol="0" anchor="ctr">
+              <a:spAutoFit/>
+            </a:bodyPr>
+            <a:lstStyle/>
+            <a:p>
+              <a:pPr algn="ctr"/>
+              <a:r>
+                <a:rPr lang="en-GB" sz="1200" dirty="0" smtClean="0">
+                  <a:latin typeface="Arial" panose="020B0604020202020204" pitchFamily="34" charset="0"/>
+                  <a:ea typeface="Open Sans" panose="020B0606030504020204" pitchFamily="34" charset="0"/>
+                  <a:cs typeface="Arial" panose="020B0604020202020204" pitchFamily="34" charset="0"/>
+                </a:rPr>
+                <a:t>ER Effort Discounting</a:t>
+              </a:r>
+              <a:endParaRPr lang="en-GB" sz="1200" dirty="0">
+                <a:latin typeface="Arial" panose="020B0604020202020204" pitchFamily="34" charset="0"/>
+                <a:ea typeface="Open Sans" panose="020B0606030504020204" pitchFamily="34" charset="0"/>
+                <a:cs typeface="Arial" panose="020B0604020202020204" pitchFamily="34" charset="0"/>
+              </a:endParaRPr>
+            </a:p>
+          </p:txBody>
+        </p:sp>
+        <p:sp>
+          <p:nvSpPr>
+            <p:cNvPr id="48" name="Textfeld 47"/>
+            <p:cNvSpPr txBox="1"/>
+            <p:nvPr/>
+          </p:nvSpPr>
+          <p:spPr>
+            <a:xfrm>
+              <a:off x="4428008" y="7112800"/>
+              <a:ext cx="3672000" cy="276999"/>
+            </a:xfrm>
+            <a:prstGeom prst="rect">
+              <a:avLst/>
+            </a:prstGeom>
+            <a:solidFill>
+              <a:schemeClr val="tx1">
+                <a:lumMod val="10000"/>
+                <a:lumOff val="90000"/>
+              </a:schemeClr>
+            </a:solidFill>
+            <a:ln w="6350">
+              <a:solidFill>
+                <a:schemeClr val="tx1"/>
+              </a:solidFill>
+            </a:ln>
+          </p:spPr>
+          <p:txBody>
+            <a:bodyPr wrap="square" rtlCol="0" anchor="ctr">
+              <a:spAutoFit/>
+            </a:bodyPr>
+            <a:lstStyle/>
+            <a:p>
+              <a:pPr algn="ctr"/>
+              <a:r>
+                <a:rPr lang="en-GB" sz="1200" dirty="0" smtClean="0">
+                  <a:latin typeface="Arial" panose="020B0604020202020204" pitchFamily="34" charset="0"/>
+                  <a:ea typeface="Open Sans" panose="020B0606030504020204" pitchFamily="34" charset="0"/>
+                  <a:cs typeface="Arial" panose="020B0604020202020204" pitchFamily="34" charset="0"/>
+                </a:rPr>
+                <a:t>Re-apply preferred strategy</a:t>
+              </a:r>
+              <a:endParaRPr lang="en-GB" sz="1200" dirty="0">
+                <a:latin typeface="Arial" panose="020B0604020202020204" pitchFamily="34" charset="0"/>
+                <a:ea typeface="Open Sans" panose="020B0606030504020204" pitchFamily="34" charset="0"/>
+                <a:cs typeface="Arial" panose="020B0604020202020204" pitchFamily="34" charset="0"/>
+              </a:endParaRPr>
+            </a:p>
+          </p:txBody>
+        </p:sp>
+        <p:cxnSp>
+          <p:nvCxnSpPr>
+            <p:cNvPr id="49" name="Gerade Verbindung mit Pfeil 48"/>
+            <p:cNvCxnSpPr/>
+            <p:nvPr/>
+          </p:nvCxnSpPr>
+          <p:spPr>
+            <a:xfrm flipH="1">
+              <a:off x="6304161" y="6517132"/>
+              <a:ext cx="1" cy="573805"/>
+            </a:xfrm>
+            <a:prstGeom prst="straightConnector1">
+              <a:avLst/>
+            </a:prstGeom>
+            <a:ln w="6350">
+              <a:solidFill>
+                <a:schemeClr val="tx1"/>
+              </a:solidFill>
+              <a:headEnd type="none" w="med" len="med"/>
+              <a:tailEnd type="triangle" w="med" len="med"/>
+            </a:ln>
+          </p:spPr>
+          <p:style>
+            <a:lnRef idx="1">
+              <a:schemeClr val="accent1"/>
+            </a:lnRef>
+            <a:fillRef idx="0">
+              <a:schemeClr val="accent1"/>
+            </a:fillRef>
+            <a:effectRef idx="0">
+              <a:schemeClr val="accent1"/>
+            </a:effectRef>
+            <a:fontRef idx="minor">
+              <a:schemeClr val="tx1"/>
+            </a:fontRef>
+          </p:style>
+        </p:cxnSp>
+        <p:sp>
+          <p:nvSpPr>
+            <p:cNvPr id="50" name="Eckige Klammer links 49"/>
+            <p:cNvSpPr/>
+            <p:nvPr/>
+          </p:nvSpPr>
+          <p:spPr>
+            <a:xfrm>
+              <a:off x="4211984" y="3065033"/>
+              <a:ext cx="114839" cy="2559557"/>
+            </a:xfrm>
+            <a:prstGeom prst="leftBracket">
+              <a:avLst/>
+            </a:prstGeom>
+            <a:ln>
+              <a:solidFill>
+                <a:schemeClr val="tx1"/>
+              </a:solidFill>
+            </a:ln>
+          </p:spPr>
+          <p:style>
+            <a:lnRef idx="1">
+              <a:schemeClr val="accent1"/>
+            </a:lnRef>
+            <a:fillRef idx="0">
+              <a:schemeClr val="accent1"/>
+            </a:fillRef>
+            <a:effectRef idx="0">
+              <a:schemeClr val="accent1"/>
+            </a:effectRef>
+            <a:fontRef idx="minor">
+              <a:schemeClr val="tx1"/>
+            </a:fontRef>
+          </p:style>
+          <p:txBody>
+            <a:bodyPr rtlCol="0" anchor="ctr"/>
+            <a:lstStyle/>
+            <a:p>
+              <a:pPr algn="ctr"/>
+              <a:endParaRPr lang="de-DE"/>
+            </a:p>
+          </p:txBody>
+        </p:sp>
+      </p:grpSp>
+      <p:sp>
+        <p:nvSpPr>
           <p:cNvPr id="52" name="Rechteck 51"/>
           <p:cNvSpPr/>
           <p:nvPr/>
@@ -13864,10 +15586,58 @@
           </a:p>
         </p:txBody>
       </p:sp>
+      <p:sp>
+        <p:nvSpPr>
+          <p:cNvPr id="34" name="Rechteck 33"/>
+          <p:cNvSpPr/>
+          <p:nvPr/>
+        </p:nvSpPr>
+        <p:spPr>
+          <a:xfrm>
+            <a:off x="527202" y="1263429"/>
+            <a:ext cx="5001209" cy="1035698"/>
+          </a:xfrm>
+          <a:prstGeom prst="rect">
+            <a:avLst/>
+          </a:prstGeom>
+          <a:solidFill>
+            <a:schemeClr val="tx2">
+              <a:lumMod val="10000"/>
+              <a:lumOff val="90000"/>
+            </a:schemeClr>
+          </a:solidFill>
+        </p:spPr>
+        <p:style>
+          <a:lnRef idx="1">
+            <a:schemeClr val="accent1"/>
+          </a:lnRef>
+          <a:fillRef idx="2">
+            <a:schemeClr val="accent1"/>
+          </a:fillRef>
+          <a:effectRef idx="1">
+            <a:schemeClr val="accent1"/>
+          </a:effectRef>
+          <a:fontRef idx="minor">
+            <a:schemeClr val="dk1"/>
+          </a:fontRef>
+        </p:style>
+        <p:txBody>
+          <a:bodyPr rtlCol="0" anchor="ctr"/>
+          <a:lstStyle/>
+          <a:p>
+            <a:pPr algn="ctr"/>
+            <a:r>
+              <a:rPr lang="de-DE" dirty="0" smtClean="0"/>
+              <a:t>Was sind die individuellen subjektiven Werte jeder ER Strategie aller Personen?</a:t>
+            </a:r>
+            <a:endParaRPr lang="de-DE" dirty="0"/>
+          </a:p>
+        </p:txBody>
+      </p:sp>
     </p:spTree>
     <p:extLst>
       <p:ext uri="{BB962C8B-B14F-4D97-AF65-F5344CB8AC3E}">
-        <p14:creationId xmlns:p14="http://schemas.microsoft.com/office/powerpoint/2010/main" val="983756922"/>
+        <p14:creationId xmlns:p14="http://schemas.microsoft.com/office/powerpoint/2010/main" val="73794730"/>
       </p:ext>
     </p:extLst>
   </p:cSld>
@@ -14044,7 +15814,7 @@
 </p:sld>
 </file>
 
-<file path=ppt/slides/slide17.xml><?xml version="1.0" encoding="utf-8"?>
+<file path=ppt/slides/slide18.xml><?xml version="1.0" encoding="utf-8"?>
 <p:sld xmlns:a="http://schemas.openxmlformats.org/drawingml/2006/main" xmlns:r="http://schemas.openxmlformats.org/officeDocument/2006/relationships" xmlns:p="http://schemas.openxmlformats.org/presentationml/2006/main">
   <p:cSld>
     <p:spTree>
@@ -14166,7 +15936,7 @@
 </p:sld>
 </file>
 
-<file path=ppt/slides/slide18.xml><?xml version="1.0" encoding="utf-8"?>
+<file path=ppt/slides/slide19.xml><?xml version="1.0" encoding="utf-8"?>
 <p:sld xmlns:a="http://schemas.openxmlformats.org/drawingml/2006/main" xmlns:r="http://schemas.openxmlformats.org/officeDocument/2006/relationships" xmlns:p="http://schemas.openxmlformats.org/presentationml/2006/main">
   <p:cSld>
     <p:spTree>
@@ -14582,8 +16352,21 @@
                   <a:schemeClr val="tx1"/>
                 </a:solidFill>
               </a:rPr>
-              <a:t>Brief Self-Control Scale (BSCS</a:t>
-            </a:r>
+              <a:t>Brief Self-Control Scale (</a:t>
+            </a:r>
+            <a:r>
+              <a:rPr lang="en-GB" sz="1600" dirty="0" smtClean="0">
+                <a:solidFill>
+                  <a:schemeClr val="tx1"/>
+                </a:solidFill>
+              </a:rPr>
+              <a:t>BSCS)</a:t>
+            </a:r>
+            <a:endParaRPr lang="en-GB" sz="1600" dirty="0" smtClean="0">
+              <a:solidFill>
+                <a:schemeClr val="tx1"/>
+              </a:solidFill>
+            </a:endParaRPr>
           </a:p>
           <a:p>
             <a:pPr marL="1200150" lvl="2" indent="-285750">
@@ -14637,1431 +16420,66 @@
           </a:p>
         </p:txBody>
       </p:sp>
-    </p:spTree>
-    <p:extLst>
-      <p:ext uri="{BB962C8B-B14F-4D97-AF65-F5344CB8AC3E}">
-        <p14:creationId xmlns:p14="http://schemas.microsoft.com/office/powerpoint/2010/main" val="4261859446"/>
-      </p:ext>
-    </p:extLst>
-  </p:cSld>
-  <p:clrMapOvr>
-    <a:masterClrMapping/>
-  </p:clrMapOvr>
-  <p:timing>
-    <p:tnLst>
-      <p:par>
-        <p:cTn id="1" dur="indefinite" restart="never" nodeType="tmRoot"/>
-      </p:par>
-    </p:tnLst>
-  </p:timing>
-</p:sld>
-</file>
-
-<file path=ppt/slides/slide19.xml><?xml version="1.0" encoding="utf-8"?>
-<p:sld xmlns:a="http://schemas.openxmlformats.org/drawingml/2006/main" xmlns:r="http://schemas.openxmlformats.org/officeDocument/2006/relationships" xmlns:p="http://schemas.openxmlformats.org/presentationml/2006/main">
-  <p:cSld>
-    <p:spTree>
-      <p:nvGrpSpPr>
-        <p:cNvPr id="1" name=""/>
-        <p:cNvGrpSpPr/>
-        <p:nvPr/>
-      </p:nvGrpSpPr>
-      <p:grpSpPr>
-        <a:xfrm>
-          <a:off x="0" y="0"/>
-          <a:ext cx="0" cy="0"/>
-          <a:chOff x="0" y="0"/>
-          <a:chExt cx="0" cy="0"/>
-        </a:xfrm>
-      </p:grpSpPr>
       <p:sp>
         <p:nvSpPr>
-          <p:cNvPr id="7" name="Titel 1"/>
-          <p:cNvSpPr>
-            <a:spLocks noGrp="1"/>
-          </p:cNvSpPr>
-          <p:nvPr>
-            <p:ph type="title"/>
-          </p:nvPr>
-        </p:nvSpPr>
-        <p:spPr>
-          <a:xfrm>
-            <a:off x="874715" y="346075"/>
-            <a:ext cx="10580687" cy="421676"/>
-          </a:xfrm>
-        </p:spPr>
-        <p:txBody>
-          <a:bodyPr/>
-          <a:lstStyle/>
-          <a:p>
-            <a:r>
-              <a:rPr lang="en-GB" sz="2400" dirty="0" err="1" smtClean="0"/>
-              <a:t>Studiendesign</a:t>
-            </a:r>
-            <a:r>
-              <a:rPr lang="en-GB" sz="2400" dirty="0" smtClean="0"/>
-              <a:t/>
-            </a:r>
-            <a:br>
-              <a:rPr lang="en-GB" sz="2400" dirty="0" smtClean="0"/>
-            </a:br>
-            <a:r>
-              <a:rPr lang="en-GB" sz="2000" b="0" dirty="0" smtClean="0"/>
-              <a:t>T2 – Emotion Regulation - ED</a:t>
-            </a:r>
-            <a:endParaRPr lang="en-GB" sz="2000" b="0" dirty="0"/>
-          </a:p>
-        </p:txBody>
-      </p:sp>
-      <p:sp>
-        <p:nvSpPr>
-          <p:cNvPr id="5" name="Rechteck 4"/>
+          <p:cNvPr id="4" name="Rechteck 3"/>
           <p:cNvSpPr/>
           <p:nvPr/>
         </p:nvSpPr>
         <p:spPr>
           <a:xfrm>
-            <a:off x="531623" y="1176738"/>
-            <a:ext cx="10394524" cy="4253678"/>
+            <a:off x="6454193" y="1272075"/>
+            <a:ext cx="5001209" cy="1035698"/>
           </a:xfrm>
           <a:prstGeom prst="rect">
             <a:avLst/>
           </a:prstGeom>
-          <a:noFill/>
-          <a:ln>
-            <a:noFill/>
-          </a:ln>
+          <a:solidFill>
+            <a:schemeClr val="tx2">
+              <a:lumMod val="10000"/>
+              <a:lumOff val="90000"/>
+            </a:schemeClr>
+          </a:solidFill>
         </p:spPr>
         <p:style>
-          <a:lnRef idx="2">
-            <a:schemeClr val="accent1">
-              <a:shade val="50000"/>
-            </a:schemeClr>
+          <a:lnRef idx="1">
+            <a:schemeClr val="accent1"/>
           </a:lnRef>
-          <a:fillRef idx="1">
+          <a:fillRef idx="2">
             <a:schemeClr val="accent1"/>
           </a:fillRef>
-          <a:effectRef idx="0">
+          <a:effectRef idx="1">
             <a:schemeClr val="accent1"/>
           </a:effectRef>
           <a:fontRef idx="minor">
-            <a:schemeClr val="lt1"/>
+            <a:schemeClr val="dk1"/>
           </a:fontRef>
         </p:style>
         <p:txBody>
-          <a:bodyPr rtlCol="0" anchor="t"/>
+          <a:bodyPr rtlCol="0" anchor="ctr"/>
           <a:lstStyle/>
           <a:p>
-            <a:r>
-              <a:rPr lang="en-GB" sz="1600" b="1" dirty="0" err="1" smtClean="0">
-                <a:solidFill>
-                  <a:schemeClr val="tx1"/>
-                </a:solidFill>
-              </a:rPr>
-              <a:t>Forschungsfragen</a:t>
-            </a:r>
-            <a:endParaRPr lang="en-GB" sz="1600" b="1" dirty="0" smtClean="0">
-              <a:solidFill>
-                <a:schemeClr val="tx1"/>
-              </a:solidFill>
-            </a:endParaRPr>
-          </a:p>
-          <a:p>
-            <a:endParaRPr lang="en-GB" sz="1600" b="1" dirty="0">
-              <a:solidFill>
-                <a:schemeClr val="tx1"/>
-              </a:solidFill>
-            </a:endParaRPr>
-          </a:p>
-          <a:p>
-            <a:r>
-              <a:rPr lang="en-US" sz="1600" dirty="0">
-                <a:solidFill>
-                  <a:schemeClr val="tx1"/>
-                </a:solidFill>
-              </a:rPr>
-              <a:t>4. </a:t>
-            </a:r>
-            <a:r>
-              <a:rPr lang="en-US" sz="1600" dirty="0" smtClean="0">
-                <a:solidFill>
-                  <a:schemeClr val="tx1"/>
-                </a:solidFill>
-              </a:rPr>
-              <a:t>Was </a:t>
-            </a:r>
-            <a:r>
-              <a:rPr lang="en-US" sz="1600" dirty="0" err="1" smtClean="0">
-                <a:solidFill>
-                  <a:schemeClr val="tx1"/>
-                </a:solidFill>
-              </a:rPr>
-              <a:t>sind</a:t>
-            </a:r>
-            <a:r>
-              <a:rPr lang="en-US" sz="1600" dirty="0" smtClean="0">
-                <a:solidFill>
-                  <a:schemeClr val="tx1"/>
-                </a:solidFill>
-              </a:rPr>
-              <a:t> </a:t>
-            </a:r>
-            <a:r>
-              <a:rPr lang="en-US" sz="1600" dirty="0" err="1" smtClean="0">
-                <a:solidFill>
-                  <a:schemeClr val="tx1"/>
-                </a:solidFill>
-              </a:rPr>
-              <a:t>individuelle</a:t>
-            </a:r>
-            <a:r>
-              <a:rPr lang="en-US" sz="1600" dirty="0" smtClean="0">
-                <a:solidFill>
-                  <a:schemeClr val="tx1"/>
-                </a:solidFill>
-              </a:rPr>
-              <a:t> </a:t>
-            </a:r>
-            <a:r>
-              <a:rPr lang="en-US" sz="1600" dirty="0" err="1" smtClean="0">
-                <a:solidFill>
-                  <a:schemeClr val="tx1"/>
-                </a:solidFill>
-              </a:rPr>
-              <a:t>subjektive</a:t>
-            </a:r>
-            <a:r>
-              <a:rPr lang="en-US" sz="1600" dirty="0" smtClean="0">
-                <a:solidFill>
-                  <a:schemeClr val="tx1"/>
-                </a:solidFill>
-              </a:rPr>
-              <a:t> </a:t>
-            </a:r>
-            <a:r>
-              <a:rPr lang="en-US" sz="1600" dirty="0" err="1" smtClean="0">
-                <a:solidFill>
-                  <a:schemeClr val="tx1"/>
-                </a:solidFill>
-              </a:rPr>
-              <a:t>Kosten</a:t>
-            </a:r>
-            <a:r>
-              <a:rPr lang="en-US" sz="1600" dirty="0" smtClean="0">
-                <a:solidFill>
-                  <a:schemeClr val="tx1"/>
-                </a:solidFill>
-              </a:rPr>
-              <a:t> von </a:t>
-            </a:r>
-            <a:r>
-              <a:rPr lang="en-US" sz="1600" dirty="0" err="1" smtClean="0">
-                <a:solidFill>
-                  <a:schemeClr val="tx1"/>
-                </a:solidFill>
-              </a:rPr>
-              <a:t>Emotionsregulationsstrategien</a:t>
-            </a:r>
-            <a:r>
-              <a:rPr lang="en-US" sz="1600" dirty="0" smtClean="0">
-                <a:solidFill>
-                  <a:schemeClr val="tx1"/>
-                </a:solidFill>
-              </a:rPr>
-              <a:t>?</a:t>
-            </a:r>
-            <a:endParaRPr lang="en-US" sz="1600" dirty="0">
-              <a:solidFill>
-                <a:schemeClr val="tx1"/>
-              </a:solidFill>
-            </a:endParaRPr>
-          </a:p>
-          <a:p>
-            <a:pPr marL="630238" indent="-342900">
-              <a:buFont typeface="+mj-lt"/>
-              <a:buAutoNum type="alphaLcParenR"/>
-            </a:pPr>
-            <a:r>
-              <a:rPr lang="en-US" sz="1600" dirty="0" err="1" smtClean="0">
-                <a:solidFill>
-                  <a:schemeClr val="tx1"/>
-                </a:solidFill>
-              </a:rPr>
-              <a:t>Individuelle</a:t>
-            </a:r>
-            <a:r>
-              <a:rPr lang="en-US" sz="1600" dirty="0" smtClean="0">
-                <a:solidFill>
-                  <a:schemeClr val="tx1"/>
-                </a:solidFill>
-              </a:rPr>
-              <a:t> </a:t>
-            </a:r>
-            <a:r>
-              <a:rPr lang="en-US" sz="1600" dirty="0" err="1" smtClean="0">
-                <a:solidFill>
-                  <a:schemeClr val="tx1"/>
-                </a:solidFill>
-              </a:rPr>
-              <a:t>subjektive</a:t>
-            </a:r>
-            <a:r>
-              <a:rPr lang="en-US" sz="1600" dirty="0" smtClean="0">
-                <a:solidFill>
-                  <a:schemeClr val="tx1"/>
-                </a:solidFill>
-              </a:rPr>
-              <a:t> </a:t>
-            </a:r>
-            <a:r>
-              <a:rPr lang="en-US" sz="1600" dirty="0" err="1" smtClean="0">
-                <a:solidFill>
-                  <a:schemeClr val="tx1"/>
-                </a:solidFill>
-              </a:rPr>
-              <a:t>Kosten</a:t>
-            </a:r>
-            <a:r>
-              <a:rPr lang="en-US" sz="1600" dirty="0" smtClean="0">
-                <a:solidFill>
-                  <a:schemeClr val="tx1"/>
-                </a:solidFill>
-              </a:rPr>
-              <a:t> von ER </a:t>
-            </a:r>
-            <a:r>
-              <a:rPr lang="en-US" sz="1600" dirty="0" err="1" smtClean="0">
-                <a:solidFill>
-                  <a:schemeClr val="tx1"/>
-                </a:solidFill>
-              </a:rPr>
-              <a:t>Strategien</a:t>
-            </a:r>
-            <a:r>
-              <a:rPr lang="en-US" sz="1600" dirty="0" smtClean="0">
-                <a:solidFill>
-                  <a:schemeClr val="tx1"/>
-                </a:solidFill>
-              </a:rPr>
-              <a:t> </a:t>
-            </a:r>
-            <a:r>
-              <a:rPr lang="en-US" sz="1600" dirty="0" err="1" smtClean="0">
-                <a:solidFill>
-                  <a:schemeClr val="tx1"/>
-                </a:solidFill>
-              </a:rPr>
-              <a:t>korrelieren</a:t>
-            </a:r>
-            <a:r>
-              <a:rPr lang="en-US" sz="1600" dirty="0" smtClean="0">
-                <a:solidFill>
-                  <a:schemeClr val="tx1"/>
-                </a:solidFill>
-              </a:rPr>
-              <a:t> </a:t>
-            </a:r>
-            <a:r>
-              <a:rPr lang="en-US" sz="1600" dirty="0" err="1" smtClean="0">
-                <a:solidFill>
-                  <a:schemeClr val="tx1"/>
-                </a:solidFill>
-              </a:rPr>
-              <a:t>negativ</a:t>
-            </a:r>
-            <a:r>
-              <a:rPr lang="en-US" sz="1600" dirty="0" smtClean="0">
-                <a:solidFill>
-                  <a:schemeClr val="tx1"/>
-                </a:solidFill>
-              </a:rPr>
-              <a:t> </a:t>
-            </a:r>
-            <a:r>
-              <a:rPr lang="en-US" sz="1600" dirty="0" err="1" smtClean="0">
-                <a:solidFill>
-                  <a:schemeClr val="tx1"/>
-                </a:solidFill>
-              </a:rPr>
-              <a:t>mit</a:t>
-            </a:r>
-            <a:r>
-              <a:rPr lang="en-US" sz="1600" dirty="0" smtClean="0">
-                <a:solidFill>
-                  <a:schemeClr val="tx1"/>
-                </a:solidFill>
-              </a:rPr>
-              <a:t> den </a:t>
-            </a:r>
-            <a:r>
-              <a:rPr lang="en-US" sz="1600" dirty="0" err="1" smtClean="0">
-                <a:solidFill>
-                  <a:schemeClr val="tx1"/>
-                </a:solidFill>
-              </a:rPr>
-              <a:t>entsprechenden</a:t>
-            </a:r>
-            <a:r>
-              <a:rPr lang="en-US" sz="1600" dirty="0" smtClean="0">
-                <a:solidFill>
-                  <a:schemeClr val="tx1"/>
-                </a:solidFill>
-              </a:rPr>
-              <a:t> </a:t>
-            </a:r>
-            <a:r>
-              <a:rPr lang="en-US" sz="1600" dirty="0" err="1" smtClean="0">
-                <a:solidFill>
-                  <a:schemeClr val="tx1"/>
-                </a:solidFill>
-              </a:rPr>
-              <a:t>Effortratings</a:t>
-            </a:r>
-            <a:r>
-              <a:rPr lang="en-US" sz="1600" dirty="0" smtClean="0">
-                <a:solidFill>
-                  <a:schemeClr val="tx1"/>
-                </a:solidFill>
-              </a:rPr>
-              <a:t> der </a:t>
-            </a:r>
-            <a:r>
-              <a:rPr lang="en-US" sz="1600" dirty="0" err="1" smtClean="0">
-                <a:solidFill>
-                  <a:schemeClr val="tx1"/>
-                </a:solidFill>
-              </a:rPr>
-              <a:t>Strategien</a:t>
-            </a:r>
-            <a:endParaRPr lang="en-US" sz="1600" dirty="0" smtClean="0">
-              <a:solidFill>
-                <a:schemeClr val="tx1"/>
-              </a:solidFill>
-            </a:endParaRPr>
-          </a:p>
-          <a:p>
-            <a:pPr marL="630238" indent="-342900">
-              <a:buFont typeface="+mj-lt"/>
-              <a:buAutoNum type="alphaLcParenR"/>
-            </a:pPr>
-            <a:endParaRPr lang="en-US" sz="1600" dirty="0">
-              <a:solidFill>
-                <a:schemeClr val="tx1"/>
-              </a:solidFill>
-            </a:endParaRPr>
-          </a:p>
-          <a:p>
-            <a:r>
-              <a:rPr lang="en-US" sz="1600" dirty="0">
-                <a:solidFill>
-                  <a:schemeClr val="tx1"/>
-                </a:solidFill>
-              </a:rPr>
-              <a:t>5. </a:t>
-            </a:r>
-            <a:r>
-              <a:rPr lang="en-US" sz="1600" dirty="0" smtClean="0">
-                <a:solidFill>
-                  <a:schemeClr val="tx1"/>
-                </a:solidFill>
-              </a:rPr>
-              <a:t>Sind </a:t>
-            </a:r>
-            <a:r>
-              <a:rPr lang="en-US" sz="1600" dirty="0" err="1" smtClean="0">
-                <a:solidFill>
-                  <a:schemeClr val="tx1"/>
-                </a:solidFill>
-              </a:rPr>
-              <a:t>individuelle</a:t>
-            </a:r>
-            <a:r>
-              <a:rPr lang="en-US" sz="1600" dirty="0" smtClean="0">
-                <a:solidFill>
-                  <a:schemeClr val="tx1"/>
-                </a:solidFill>
-              </a:rPr>
-              <a:t> </a:t>
-            </a:r>
-            <a:r>
-              <a:rPr lang="en-US" sz="1600" dirty="0" err="1" smtClean="0">
-                <a:solidFill>
-                  <a:schemeClr val="tx1"/>
-                </a:solidFill>
-              </a:rPr>
-              <a:t>subjektive</a:t>
-            </a:r>
-            <a:r>
-              <a:rPr lang="en-US" sz="1600" dirty="0" smtClean="0">
-                <a:solidFill>
-                  <a:schemeClr val="tx1"/>
-                </a:solidFill>
-              </a:rPr>
-              <a:t> </a:t>
-            </a:r>
-            <a:r>
-              <a:rPr lang="en-US" sz="1600" dirty="0" err="1" smtClean="0">
-                <a:solidFill>
-                  <a:schemeClr val="tx1"/>
-                </a:solidFill>
-              </a:rPr>
-              <a:t>Kosten</a:t>
-            </a:r>
-            <a:r>
-              <a:rPr lang="en-US" sz="1600" dirty="0" smtClean="0">
-                <a:solidFill>
-                  <a:schemeClr val="tx1"/>
-                </a:solidFill>
-              </a:rPr>
-              <a:t> </a:t>
-            </a:r>
-            <a:r>
-              <a:rPr lang="en-US" sz="1600" dirty="0" err="1" smtClean="0">
-                <a:solidFill>
-                  <a:schemeClr val="tx1"/>
-                </a:solidFill>
-              </a:rPr>
-              <a:t>mit</a:t>
-            </a:r>
-            <a:r>
-              <a:rPr lang="en-US" sz="1600" dirty="0" smtClean="0">
-                <a:solidFill>
-                  <a:schemeClr val="tx1"/>
-                </a:solidFill>
-              </a:rPr>
-              <a:t> </a:t>
-            </a:r>
-            <a:r>
-              <a:rPr lang="en-US" sz="1600" dirty="0" err="1" smtClean="0">
-                <a:solidFill>
-                  <a:schemeClr val="tx1"/>
-                </a:solidFill>
-              </a:rPr>
-              <a:t>Personlichkeitstraits</a:t>
-            </a:r>
-            <a:r>
-              <a:rPr lang="en-US" sz="1600" dirty="0" smtClean="0">
-                <a:solidFill>
-                  <a:schemeClr val="tx1"/>
-                </a:solidFill>
-              </a:rPr>
-              <a:t> </a:t>
-            </a:r>
-            <a:r>
-              <a:rPr lang="en-US" sz="1600" dirty="0" err="1" smtClean="0">
-                <a:solidFill>
-                  <a:schemeClr val="tx1"/>
-                </a:solidFill>
-              </a:rPr>
-              <a:t>assoziiert</a:t>
-            </a:r>
-            <a:r>
-              <a:rPr lang="en-US" sz="1600" dirty="0" smtClean="0">
-                <a:solidFill>
-                  <a:schemeClr val="tx1"/>
-                </a:solidFill>
-              </a:rPr>
-              <a:t>?</a:t>
-            </a:r>
-          </a:p>
-          <a:p>
-            <a:pPr marL="630238" indent="-342900">
-              <a:buFont typeface="+mj-lt"/>
-              <a:buAutoNum type="alphaLcParenR"/>
-            </a:pPr>
-            <a:r>
-              <a:rPr lang="en-US" sz="1600" dirty="0" err="1" smtClean="0">
-                <a:solidFill>
-                  <a:schemeClr val="tx1"/>
-                </a:solidFill>
-              </a:rPr>
-              <a:t>Habituelle</a:t>
-            </a:r>
-            <a:r>
-              <a:rPr lang="en-US" sz="1600" dirty="0" smtClean="0">
-                <a:solidFill>
-                  <a:schemeClr val="tx1"/>
-                </a:solidFill>
-              </a:rPr>
-              <a:t> </a:t>
-            </a:r>
-            <a:r>
-              <a:rPr lang="en-US" sz="1600" dirty="0" err="1" smtClean="0">
-                <a:solidFill>
-                  <a:schemeClr val="tx1"/>
-                </a:solidFill>
-              </a:rPr>
-              <a:t>Nutzung</a:t>
-            </a:r>
-            <a:r>
-              <a:rPr lang="en-US" sz="1600" dirty="0" smtClean="0">
-                <a:solidFill>
-                  <a:schemeClr val="tx1"/>
-                </a:solidFill>
-              </a:rPr>
-              <a:t> von Reappraisal (</a:t>
-            </a:r>
-            <a:r>
-              <a:rPr lang="en-US" sz="1600" dirty="0" err="1" smtClean="0">
-                <a:solidFill>
-                  <a:schemeClr val="tx1"/>
-                </a:solidFill>
-              </a:rPr>
-              <a:t>gemessen</a:t>
-            </a:r>
-            <a:r>
-              <a:rPr lang="en-US" sz="1600" dirty="0" smtClean="0">
-                <a:solidFill>
-                  <a:schemeClr val="tx1"/>
-                </a:solidFill>
-              </a:rPr>
-              <a:t> via ERQ) </a:t>
-            </a:r>
-            <a:r>
-              <a:rPr lang="en-US" sz="1600" dirty="0" err="1" smtClean="0">
-                <a:solidFill>
-                  <a:schemeClr val="tx1"/>
-                </a:solidFill>
-              </a:rPr>
-              <a:t>korreliert</a:t>
-            </a:r>
-            <a:r>
-              <a:rPr lang="en-US" sz="1600" dirty="0" smtClean="0">
-                <a:solidFill>
-                  <a:schemeClr val="tx1"/>
-                </a:solidFill>
-              </a:rPr>
-              <a:t> </a:t>
-            </a:r>
-            <a:r>
-              <a:rPr lang="en-US" sz="1600" dirty="0" err="1" smtClean="0">
-                <a:solidFill>
-                  <a:schemeClr val="tx1"/>
-                </a:solidFill>
-              </a:rPr>
-              <a:t>positiv</a:t>
-            </a:r>
-            <a:r>
-              <a:rPr lang="en-US" sz="1600" dirty="0" smtClean="0">
-                <a:solidFill>
-                  <a:schemeClr val="tx1"/>
-                </a:solidFill>
-              </a:rPr>
-              <a:t> </a:t>
-            </a:r>
-            <a:r>
-              <a:rPr lang="en-US" sz="1600" dirty="0" err="1" smtClean="0">
-                <a:solidFill>
-                  <a:schemeClr val="tx1"/>
-                </a:solidFill>
-              </a:rPr>
-              <a:t>mit</a:t>
-            </a:r>
-            <a:r>
-              <a:rPr lang="en-US" sz="1600" dirty="0" smtClean="0">
-                <a:solidFill>
-                  <a:schemeClr val="tx1"/>
-                </a:solidFill>
-              </a:rPr>
-              <a:t> </a:t>
-            </a:r>
-            <a:r>
-              <a:rPr lang="en-US" sz="1600" dirty="0" err="1" smtClean="0">
-                <a:solidFill>
-                  <a:schemeClr val="tx1"/>
-                </a:solidFill>
-              </a:rPr>
-              <a:t>dem</a:t>
-            </a:r>
-            <a:r>
-              <a:rPr lang="en-US" sz="1600" dirty="0" smtClean="0">
-                <a:solidFill>
-                  <a:schemeClr val="tx1"/>
-                </a:solidFill>
-              </a:rPr>
-              <a:t> </a:t>
-            </a:r>
-            <a:r>
-              <a:rPr lang="en-US" sz="1600" dirty="0" err="1" smtClean="0">
-                <a:solidFill>
-                  <a:schemeClr val="tx1"/>
-                </a:solidFill>
-              </a:rPr>
-              <a:t>subjektiven</a:t>
-            </a:r>
-            <a:r>
-              <a:rPr lang="en-US" sz="1600" dirty="0" smtClean="0">
-                <a:solidFill>
-                  <a:schemeClr val="tx1"/>
-                </a:solidFill>
-              </a:rPr>
-              <a:t> Wert von Distancing</a:t>
-            </a:r>
-          </a:p>
-          <a:p>
-            <a:pPr marL="630238" indent="-342900">
-              <a:buFont typeface="+mj-lt"/>
-              <a:buAutoNum type="alphaLcParenR"/>
-            </a:pPr>
-            <a:r>
-              <a:rPr lang="en-US" sz="1600" dirty="0" err="1">
-                <a:solidFill>
-                  <a:schemeClr val="tx1"/>
-                </a:solidFill>
-              </a:rPr>
-              <a:t>Habituelle</a:t>
-            </a:r>
-            <a:r>
-              <a:rPr lang="en-US" sz="1600" dirty="0">
-                <a:solidFill>
-                  <a:schemeClr val="tx1"/>
-                </a:solidFill>
-              </a:rPr>
-              <a:t> </a:t>
-            </a:r>
-            <a:r>
-              <a:rPr lang="en-US" sz="1600" dirty="0" err="1">
-                <a:solidFill>
-                  <a:schemeClr val="tx1"/>
-                </a:solidFill>
-              </a:rPr>
-              <a:t>Nutzung</a:t>
-            </a:r>
-            <a:r>
-              <a:rPr lang="en-US" sz="1600" dirty="0">
-                <a:solidFill>
-                  <a:schemeClr val="tx1"/>
-                </a:solidFill>
-              </a:rPr>
-              <a:t> von </a:t>
-            </a:r>
-            <a:r>
-              <a:rPr lang="en-US" sz="1600" dirty="0" smtClean="0">
-                <a:solidFill>
-                  <a:schemeClr val="tx1"/>
-                </a:solidFill>
-              </a:rPr>
-              <a:t>Suppression </a:t>
-            </a:r>
-            <a:r>
-              <a:rPr lang="en-US" sz="1600" dirty="0">
-                <a:solidFill>
-                  <a:schemeClr val="tx1"/>
-                </a:solidFill>
-              </a:rPr>
-              <a:t>(</a:t>
-            </a:r>
-            <a:r>
-              <a:rPr lang="en-US" sz="1600" dirty="0" err="1">
-                <a:solidFill>
-                  <a:schemeClr val="tx1"/>
-                </a:solidFill>
-              </a:rPr>
-              <a:t>gemessen</a:t>
-            </a:r>
-            <a:r>
-              <a:rPr lang="en-US" sz="1600" dirty="0">
-                <a:solidFill>
-                  <a:schemeClr val="tx1"/>
-                </a:solidFill>
-              </a:rPr>
-              <a:t> via ERQ) </a:t>
-            </a:r>
-            <a:r>
-              <a:rPr lang="en-US" sz="1600" dirty="0" err="1">
-                <a:solidFill>
-                  <a:schemeClr val="tx1"/>
-                </a:solidFill>
-              </a:rPr>
-              <a:t>korreliert</a:t>
-            </a:r>
-            <a:r>
-              <a:rPr lang="en-US" sz="1600" dirty="0">
-                <a:solidFill>
-                  <a:schemeClr val="tx1"/>
-                </a:solidFill>
-              </a:rPr>
-              <a:t> </a:t>
-            </a:r>
-            <a:r>
-              <a:rPr lang="en-US" sz="1600" dirty="0" err="1" smtClean="0">
-                <a:solidFill>
-                  <a:schemeClr val="tx1"/>
-                </a:solidFill>
-              </a:rPr>
-              <a:t>positiv</a:t>
-            </a:r>
-            <a:r>
-              <a:rPr lang="en-US" sz="1600" dirty="0" smtClean="0">
-                <a:solidFill>
-                  <a:schemeClr val="tx1"/>
-                </a:solidFill>
-              </a:rPr>
-              <a:t> </a:t>
-            </a:r>
-            <a:r>
-              <a:rPr lang="en-US" sz="1600" dirty="0" err="1">
-                <a:solidFill>
-                  <a:schemeClr val="tx1"/>
-                </a:solidFill>
-              </a:rPr>
-              <a:t>mit</a:t>
-            </a:r>
-            <a:r>
-              <a:rPr lang="en-US" sz="1600" dirty="0">
-                <a:solidFill>
-                  <a:schemeClr val="tx1"/>
-                </a:solidFill>
-              </a:rPr>
-              <a:t> </a:t>
-            </a:r>
-            <a:r>
-              <a:rPr lang="en-US" sz="1600" dirty="0" err="1">
-                <a:solidFill>
-                  <a:schemeClr val="tx1"/>
-                </a:solidFill>
-              </a:rPr>
-              <a:t>dem</a:t>
-            </a:r>
-            <a:r>
-              <a:rPr lang="en-US" sz="1600" dirty="0">
-                <a:solidFill>
-                  <a:schemeClr val="tx1"/>
-                </a:solidFill>
-              </a:rPr>
-              <a:t> </a:t>
-            </a:r>
-            <a:r>
-              <a:rPr lang="en-US" sz="1600" dirty="0" err="1">
-                <a:solidFill>
-                  <a:schemeClr val="tx1"/>
-                </a:solidFill>
-              </a:rPr>
-              <a:t>subjektiven</a:t>
-            </a:r>
-            <a:r>
-              <a:rPr lang="en-US" sz="1600" dirty="0">
-                <a:solidFill>
-                  <a:schemeClr val="tx1"/>
-                </a:solidFill>
-              </a:rPr>
-              <a:t> Wert von </a:t>
-            </a:r>
-            <a:r>
-              <a:rPr lang="en-US" sz="1600" dirty="0" smtClean="0">
-                <a:solidFill>
-                  <a:schemeClr val="tx1"/>
-                </a:solidFill>
-              </a:rPr>
-              <a:t>Suppression</a:t>
-            </a:r>
-            <a:endParaRPr lang="en-US" sz="1600" dirty="0">
-              <a:solidFill>
-                <a:schemeClr val="tx1"/>
-              </a:solidFill>
-            </a:endParaRPr>
-          </a:p>
-          <a:p>
-            <a:pPr marL="630238" indent="-342900">
-              <a:buFont typeface="+mj-lt"/>
-              <a:buAutoNum type="alphaLcParenR"/>
-            </a:pPr>
-            <a:r>
-              <a:rPr lang="en-US" sz="1600" dirty="0" err="1" smtClean="0">
-                <a:solidFill>
-                  <a:schemeClr val="tx1"/>
-                </a:solidFill>
-              </a:rPr>
-              <a:t>Höhere</a:t>
-            </a:r>
-            <a:r>
-              <a:rPr lang="en-US" sz="1600" dirty="0" smtClean="0">
-                <a:solidFill>
-                  <a:schemeClr val="tx1"/>
-                </a:solidFill>
-              </a:rPr>
-              <a:t> ER </a:t>
-            </a:r>
-            <a:r>
-              <a:rPr lang="en-US" sz="1600" dirty="0" err="1" smtClean="0">
-                <a:solidFill>
-                  <a:schemeClr val="tx1"/>
-                </a:solidFill>
-              </a:rPr>
-              <a:t>Flexibilität</a:t>
-            </a:r>
-            <a:r>
-              <a:rPr lang="en-US" sz="1600" dirty="0" smtClean="0">
-                <a:solidFill>
-                  <a:schemeClr val="tx1"/>
-                </a:solidFill>
-              </a:rPr>
-              <a:t> (</a:t>
-            </a:r>
-            <a:r>
-              <a:rPr lang="en-US" sz="1600" dirty="0" err="1" smtClean="0">
-                <a:solidFill>
-                  <a:schemeClr val="tx1"/>
-                </a:solidFill>
-              </a:rPr>
-              <a:t>gemessen</a:t>
-            </a:r>
-            <a:r>
-              <a:rPr lang="en-US" sz="1600" dirty="0" smtClean="0">
-                <a:solidFill>
-                  <a:schemeClr val="tx1"/>
-                </a:solidFill>
-              </a:rPr>
-              <a:t> via </a:t>
-            </a:r>
-            <a:r>
-              <a:rPr lang="en-US" sz="1600" dirty="0" err="1" smtClean="0">
-                <a:solidFill>
-                  <a:schemeClr val="tx1"/>
-                </a:solidFill>
-              </a:rPr>
-              <a:t>FlexER</a:t>
-            </a:r>
-            <a:r>
-              <a:rPr lang="en-US" sz="1600" dirty="0" smtClean="0">
-                <a:solidFill>
-                  <a:schemeClr val="tx1"/>
-                </a:solidFill>
-              </a:rPr>
-              <a:t>) </a:t>
-            </a:r>
-            <a:r>
-              <a:rPr lang="en-US" sz="1600" dirty="0" err="1" smtClean="0">
-                <a:solidFill>
-                  <a:schemeClr val="tx1"/>
-                </a:solidFill>
-              </a:rPr>
-              <a:t>ist</a:t>
-            </a:r>
-            <a:r>
-              <a:rPr lang="en-US" sz="1600" dirty="0" smtClean="0">
-                <a:solidFill>
-                  <a:schemeClr val="tx1"/>
-                </a:solidFill>
-              </a:rPr>
-              <a:t> </a:t>
-            </a:r>
-            <a:r>
-              <a:rPr lang="en-US" sz="1600" dirty="0" err="1" smtClean="0">
-                <a:solidFill>
-                  <a:schemeClr val="tx1"/>
-                </a:solidFill>
-              </a:rPr>
-              <a:t>mit</a:t>
-            </a:r>
-            <a:r>
-              <a:rPr lang="en-US" sz="1600" dirty="0" smtClean="0">
-                <a:solidFill>
-                  <a:schemeClr val="tx1"/>
-                </a:solidFill>
-              </a:rPr>
-              <a:t> </a:t>
-            </a:r>
-            <a:r>
-              <a:rPr lang="en-US" sz="1600" dirty="0" err="1" smtClean="0">
-                <a:solidFill>
-                  <a:schemeClr val="tx1"/>
-                </a:solidFill>
-              </a:rPr>
-              <a:t>generell</a:t>
-            </a:r>
-            <a:r>
-              <a:rPr lang="en-US" sz="1600" dirty="0" smtClean="0">
-                <a:solidFill>
-                  <a:schemeClr val="tx1"/>
-                </a:solidFill>
-              </a:rPr>
-              <a:t> </a:t>
-            </a:r>
-            <a:r>
-              <a:rPr lang="en-US" sz="1600" dirty="0" err="1" smtClean="0">
-                <a:solidFill>
-                  <a:schemeClr val="tx1"/>
-                </a:solidFill>
-              </a:rPr>
-              <a:t>höheren</a:t>
-            </a:r>
-            <a:r>
-              <a:rPr lang="en-US" sz="1600" dirty="0" smtClean="0">
-                <a:solidFill>
-                  <a:schemeClr val="tx1"/>
-                </a:solidFill>
-              </a:rPr>
-              <a:t> </a:t>
-            </a:r>
-            <a:r>
-              <a:rPr lang="en-US" sz="1600" dirty="0" err="1" smtClean="0">
-                <a:solidFill>
-                  <a:schemeClr val="tx1"/>
-                </a:solidFill>
-              </a:rPr>
-              <a:t>subjektiven</a:t>
-            </a:r>
-            <a:r>
-              <a:rPr lang="en-US" sz="1600" dirty="0" smtClean="0">
-                <a:solidFill>
-                  <a:schemeClr val="tx1"/>
-                </a:solidFill>
-              </a:rPr>
-              <a:t> </a:t>
-            </a:r>
-            <a:r>
-              <a:rPr lang="en-US" sz="1600" dirty="0" err="1" smtClean="0">
-                <a:solidFill>
-                  <a:schemeClr val="tx1"/>
-                </a:solidFill>
-              </a:rPr>
-              <a:t>Werten</a:t>
-            </a:r>
-            <a:r>
-              <a:rPr lang="en-US" sz="1600" dirty="0" smtClean="0">
-                <a:solidFill>
-                  <a:schemeClr val="tx1"/>
-                </a:solidFill>
-              </a:rPr>
-              <a:t> </a:t>
-            </a:r>
-            <a:r>
-              <a:rPr lang="en-US" sz="1600" dirty="0" err="1" smtClean="0">
-                <a:solidFill>
-                  <a:schemeClr val="tx1"/>
-                </a:solidFill>
-              </a:rPr>
-              <a:t>aller</a:t>
-            </a:r>
-            <a:r>
-              <a:rPr lang="en-US" sz="1600" dirty="0" smtClean="0">
-                <a:solidFill>
-                  <a:schemeClr val="tx1"/>
-                </a:solidFill>
-              </a:rPr>
-              <a:t> </a:t>
-            </a:r>
-            <a:r>
-              <a:rPr lang="en-US" sz="1600" dirty="0" err="1" smtClean="0">
-                <a:solidFill>
-                  <a:schemeClr val="tx1"/>
-                </a:solidFill>
-              </a:rPr>
-              <a:t>Strategien</a:t>
-            </a:r>
-            <a:r>
-              <a:rPr lang="en-US" sz="1600" dirty="0" smtClean="0">
-                <a:solidFill>
-                  <a:schemeClr val="tx1"/>
-                </a:solidFill>
-              </a:rPr>
-              <a:t> </a:t>
-            </a:r>
-            <a:r>
-              <a:rPr lang="en-US" sz="1600" dirty="0" err="1" smtClean="0">
-                <a:solidFill>
-                  <a:schemeClr val="tx1"/>
-                </a:solidFill>
-              </a:rPr>
-              <a:t>assoziiert</a:t>
-            </a:r>
-            <a:endParaRPr lang="en-US" sz="1600" dirty="0" smtClean="0">
-              <a:solidFill>
-                <a:schemeClr val="tx1"/>
-              </a:solidFill>
-            </a:endParaRPr>
-          </a:p>
-          <a:p>
-            <a:pPr marL="630238" indent="-342900">
-              <a:buFont typeface="+mj-lt"/>
-              <a:buAutoNum type="alphaLcParenR"/>
-            </a:pPr>
-            <a:endParaRPr lang="en-US" sz="1600" dirty="0">
-              <a:solidFill>
-                <a:schemeClr val="tx1"/>
-              </a:solidFill>
-            </a:endParaRPr>
-          </a:p>
-          <a:p>
-            <a:r>
-              <a:rPr lang="en-US" sz="1600" dirty="0">
-                <a:solidFill>
-                  <a:schemeClr val="tx1"/>
-                </a:solidFill>
-              </a:rPr>
-              <a:t>6. </a:t>
-            </a:r>
-            <a:r>
-              <a:rPr lang="en-US" sz="1600" dirty="0" err="1" smtClean="0">
-                <a:solidFill>
-                  <a:schemeClr val="tx1"/>
-                </a:solidFill>
-              </a:rPr>
-              <a:t>Ist</a:t>
-            </a:r>
-            <a:r>
-              <a:rPr lang="en-US" sz="1600" dirty="0" smtClean="0">
-                <a:solidFill>
-                  <a:schemeClr val="tx1"/>
-                </a:solidFill>
-              </a:rPr>
-              <a:t> </a:t>
-            </a:r>
-            <a:r>
-              <a:rPr lang="en-US" sz="1600" dirty="0" err="1" smtClean="0">
-                <a:solidFill>
-                  <a:schemeClr val="tx1"/>
-                </a:solidFill>
-              </a:rPr>
-              <a:t>Emotionsregulationserfolg</a:t>
-            </a:r>
-            <a:r>
-              <a:rPr lang="en-US" sz="1600" dirty="0" smtClean="0">
-                <a:solidFill>
-                  <a:schemeClr val="tx1"/>
-                </a:solidFill>
-              </a:rPr>
-              <a:t> </a:t>
-            </a:r>
-            <a:r>
-              <a:rPr lang="en-US" sz="1600" dirty="0" err="1" smtClean="0">
-                <a:solidFill>
-                  <a:schemeClr val="tx1"/>
-                </a:solidFill>
-              </a:rPr>
-              <a:t>mit</a:t>
-            </a:r>
-            <a:r>
-              <a:rPr lang="en-US" sz="1600" dirty="0" smtClean="0">
-                <a:solidFill>
-                  <a:schemeClr val="tx1"/>
-                </a:solidFill>
-              </a:rPr>
-              <a:t> </a:t>
-            </a:r>
-            <a:r>
-              <a:rPr lang="en-US" sz="1600" dirty="0" err="1" smtClean="0">
-                <a:solidFill>
-                  <a:schemeClr val="tx1"/>
-                </a:solidFill>
-              </a:rPr>
-              <a:t>Selbstkontrolle</a:t>
-            </a:r>
-            <a:r>
-              <a:rPr lang="en-US" sz="1600" dirty="0" smtClean="0">
-                <a:solidFill>
-                  <a:schemeClr val="tx1"/>
-                </a:solidFill>
-              </a:rPr>
-              <a:t> </a:t>
-            </a:r>
-            <a:r>
-              <a:rPr lang="en-US" sz="1600" dirty="0" err="1" smtClean="0">
-                <a:solidFill>
-                  <a:schemeClr val="tx1"/>
-                </a:solidFill>
-              </a:rPr>
-              <a:t>assoziiert</a:t>
-            </a:r>
-            <a:r>
-              <a:rPr lang="en-US" sz="1600" dirty="0" smtClean="0">
-                <a:solidFill>
-                  <a:schemeClr val="tx1"/>
-                </a:solidFill>
-              </a:rPr>
-              <a:t>?</a:t>
-            </a:r>
-            <a:endParaRPr lang="en-US" sz="1600" dirty="0">
-              <a:solidFill>
-                <a:schemeClr val="tx1"/>
-              </a:solidFill>
-            </a:endParaRPr>
-          </a:p>
-          <a:p>
-            <a:pPr marL="630238" indent="-342900">
-              <a:buFont typeface="+mj-lt"/>
-              <a:buAutoNum type="alphaLcParenR"/>
-            </a:pPr>
-            <a:r>
-              <a:rPr lang="en-US" sz="1600" dirty="0" err="1" smtClean="0">
-                <a:solidFill>
-                  <a:schemeClr val="tx1"/>
-                </a:solidFill>
-              </a:rPr>
-              <a:t>Höhere</a:t>
-            </a:r>
-            <a:r>
-              <a:rPr lang="en-US" sz="1600" dirty="0" smtClean="0">
-                <a:solidFill>
-                  <a:schemeClr val="tx1"/>
-                </a:solidFill>
-              </a:rPr>
-              <a:t> </a:t>
-            </a:r>
-            <a:r>
-              <a:rPr lang="en-US" sz="1600" dirty="0" err="1" smtClean="0">
-                <a:solidFill>
-                  <a:schemeClr val="tx1"/>
-                </a:solidFill>
-              </a:rPr>
-              <a:t>Selbstkontrolle</a:t>
-            </a:r>
-            <a:r>
-              <a:rPr lang="en-US" sz="1600" dirty="0" smtClean="0">
-                <a:solidFill>
-                  <a:schemeClr val="tx1"/>
-                </a:solidFill>
-              </a:rPr>
-              <a:t> </a:t>
-            </a:r>
-            <a:r>
-              <a:rPr lang="en-US" sz="1600" dirty="0" err="1" smtClean="0">
-                <a:solidFill>
-                  <a:schemeClr val="tx1"/>
-                </a:solidFill>
-              </a:rPr>
-              <a:t>ist</a:t>
-            </a:r>
-            <a:r>
-              <a:rPr lang="en-US" sz="1600" dirty="0">
-                <a:solidFill>
-                  <a:schemeClr val="tx1"/>
-                </a:solidFill>
-              </a:rPr>
-              <a:t> </a:t>
-            </a:r>
-            <a:r>
-              <a:rPr lang="en-US" sz="1600" dirty="0" err="1" smtClean="0">
-                <a:solidFill>
-                  <a:schemeClr val="tx1"/>
-                </a:solidFill>
-              </a:rPr>
-              <a:t>mit</a:t>
-            </a:r>
-            <a:r>
-              <a:rPr lang="en-US" sz="1600" dirty="0" smtClean="0">
-                <a:solidFill>
-                  <a:schemeClr val="tx1"/>
-                </a:solidFill>
-              </a:rPr>
-              <a:t> </a:t>
-            </a:r>
-            <a:r>
-              <a:rPr lang="en-US" sz="1600" dirty="0" err="1" smtClean="0">
-                <a:solidFill>
-                  <a:schemeClr val="tx1"/>
-                </a:solidFill>
-              </a:rPr>
-              <a:t>höherem</a:t>
-            </a:r>
-            <a:r>
-              <a:rPr lang="en-US" sz="1600" dirty="0" smtClean="0">
-                <a:solidFill>
-                  <a:schemeClr val="tx1"/>
-                </a:solidFill>
-              </a:rPr>
-              <a:t> </a:t>
-            </a:r>
-            <a:r>
-              <a:rPr lang="en-US" sz="1600" dirty="0" err="1" smtClean="0">
-                <a:solidFill>
-                  <a:schemeClr val="tx1"/>
-                </a:solidFill>
-              </a:rPr>
-              <a:t>subjektiven</a:t>
-            </a:r>
-            <a:r>
-              <a:rPr lang="en-US" sz="1600" dirty="0" smtClean="0">
-                <a:solidFill>
-                  <a:schemeClr val="tx1"/>
-                </a:solidFill>
-              </a:rPr>
-              <a:t> </a:t>
-            </a:r>
-            <a:r>
-              <a:rPr lang="en-US" sz="1600" dirty="0" err="1" smtClean="0">
-                <a:solidFill>
-                  <a:schemeClr val="tx1"/>
-                </a:solidFill>
-              </a:rPr>
-              <a:t>Regulationserfolg</a:t>
-            </a:r>
-            <a:r>
-              <a:rPr lang="en-US" sz="1600" dirty="0" smtClean="0">
-                <a:solidFill>
-                  <a:schemeClr val="tx1"/>
-                </a:solidFill>
-              </a:rPr>
-              <a:t> (Arousal Ratings) </a:t>
-            </a:r>
-            <a:r>
-              <a:rPr lang="en-US" sz="1600" dirty="0" err="1" smtClean="0">
-                <a:solidFill>
-                  <a:schemeClr val="tx1"/>
-                </a:solidFill>
-              </a:rPr>
-              <a:t>assoziiert</a:t>
-            </a:r>
-            <a:endParaRPr lang="en-US" sz="1600" dirty="0" smtClean="0">
-              <a:solidFill>
-                <a:schemeClr val="tx1"/>
-              </a:solidFill>
-            </a:endParaRPr>
-          </a:p>
-          <a:p>
-            <a:pPr marL="630238" indent="-342900">
-              <a:buFont typeface="+mj-lt"/>
-              <a:buAutoNum type="alphaLcParenR"/>
-            </a:pPr>
-            <a:r>
-              <a:rPr lang="en-US" sz="1600" dirty="0" err="1" smtClean="0">
-                <a:solidFill>
-                  <a:schemeClr val="tx1"/>
-                </a:solidFill>
-              </a:rPr>
-              <a:t>Höhere</a:t>
-            </a:r>
-            <a:r>
-              <a:rPr lang="en-US" sz="1600" dirty="0" smtClean="0">
-                <a:solidFill>
-                  <a:schemeClr val="tx1"/>
-                </a:solidFill>
-              </a:rPr>
-              <a:t> </a:t>
-            </a:r>
-            <a:r>
-              <a:rPr lang="en-US" sz="1600" dirty="0" err="1" smtClean="0">
-                <a:solidFill>
-                  <a:schemeClr val="tx1"/>
-                </a:solidFill>
-              </a:rPr>
-              <a:t>Selbstkontrolle</a:t>
-            </a:r>
-            <a:r>
-              <a:rPr lang="en-US" sz="1600" dirty="0" smtClean="0">
-                <a:solidFill>
-                  <a:schemeClr val="tx1"/>
-                </a:solidFill>
-              </a:rPr>
-              <a:t> </a:t>
-            </a:r>
-            <a:r>
-              <a:rPr lang="en-US" sz="1600" dirty="0" err="1" smtClean="0">
-                <a:solidFill>
-                  <a:schemeClr val="tx1"/>
-                </a:solidFill>
-              </a:rPr>
-              <a:t>ist</a:t>
-            </a:r>
-            <a:r>
-              <a:rPr lang="en-US" sz="1600" dirty="0" smtClean="0">
-                <a:solidFill>
-                  <a:schemeClr val="tx1"/>
-                </a:solidFill>
-              </a:rPr>
-              <a:t> </a:t>
-            </a:r>
-            <a:r>
-              <a:rPr lang="en-US" sz="1600" dirty="0" err="1" smtClean="0">
-                <a:solidFill>
-                  <a:schemeClr val="tx1"/>
-                </a:solidFill>
-              </a:rPr>
-              <a:t>mit</a:t>
-            </a:r>
-            <a:r>
-              <a:rPr lang="en-US" sz="1600" dirty="0" smtClean="0">
-                <a:solidFill>
-                  <a:schemeClr val="tx1"/>
-                </a:solidFill>
-              </a:rPr>
-              <a:t> </a:t>
-            </a:r>
-            <a:r>
-              <a:rPr lang="en-US" sz="1600" dirty="0" err="1" smtClean="0">
-                <a:solidFill>
-                  <a:schemeClr val="tx1"/>
-                </a:solidFill>
-              </a:rPr>
-              <a:t>höherem</a:t>
-            </a:r>
-            <a:r>
-              <a:rPr lang="en-US" sz="1600" dirty="0" smtClean="0">
-                <a:solidFill>
-                  <a:schemeClr val="tx1"/>
-                </a:solidFill>
-              </a:rPr>
-              <a:t> </a:t>
-            </a:r>
-            <a:r>
-              <a:rPr lang="en-US" sz="1600" dirty="0" err="1" smtClean="0">
-                <a:solidFill>
-                  <a:schemeClr val="tx1"/>
-                </a:solidFill>
-              </a:rPr>
-              <a:t>physiologischen</a:t>
-            </a:r>
-            <a:r>
-              <a:rPr lang="en-US" sz="1600" dirty="0" smtClean="0">
-                <a:solidFill>
-                  <a:schemeClr val="tx1"/>
-                </a:solidFill>
-              </a:rPr>
-              <a:t> </a:t>
-            </a:r>
-            <a:r>
-              <a:rPr lang="en-US" sz="1600" dirty="0" err="1" smtClean="0">
-                <a:solidFill>
-                  <a:schemeClr val="tx1"/>
-                </a:solidFill>
-              </a:rPr>
-              <a:t>Regulationserfolg</a:t>
-            </a:r>
-            <a:r>
-              <a:rPr lang="en-US" sz="1600" dirty="0" smtClean="0">
-                <a:solidFill>
-                  <a:schemeClr val="tx1"/>
-                </a:solidFill>
-              </a:rPr>
-              <a:t> (Corrugator-</a:t>
-            </a:r>
-            <a:r>
-              <a:rPr lang="en-US" sz="1600" dirty="0" err="1" smtClean="0">
-                <a:solidFill>
-                  <a:schemeClr val="tx1"/>
-                </a:solidFill>
-              </a:rPr>
-              <a:t>Aktivität</a:t>
-            </a:r>
-            <a:r>
-              <a:rPr lang="en-US" sz="1600" dirty="0" smtClean="0">
-                <a:solidFill>
-                  <a:schemeClr val="tx1"/>
-                </a:solidFill>
-              </a:rPr>
-              <a:t>) </a:t>
-            </a:r>
-            <a:r>
-              <a:rPr lang="en-US" sz="1600" dirty="0" err="1" smtClean="0">
-                <a:solidFill>
-                  <a:schemeClr val="tx1"/>
-                </a:solidFill>
-              </a:rPr>
-              <a:t>assoziiert</a:t>
-            </a:r>
-            <a:endParaRPr lang="en-GB" sz="1600" dirty="0" smtClean="0">
-              <a:solidFill>
-                <a:schemeClr val="tx1"/>
-              </a:solidFill>
-            </a:endParaRPr>
+            <a:pPr algn="ctr"/>
+            <a:r>
+              <a:rPr lang="de-DE" dirty="0" smtClean="0"/>
+              <a:t>Welche </a:t>
+            </a:r>
+            <a:r>
+              <a:rPr lang="de-DE" dirty="0" err="1" smtClean="0"/>
+              <a:t>Traits</a:t>
+            </a:r>
+            <a:r>
+              <a:rPr lang="de-DE" dirty="0" smtClean="0"/>
+              <a:t> könnten mit Wahlverhalten und subjektiven Werten der Strategien zusammen hängen?</a:t>
+            </a:r>
+            <a:endParaRPr lang="de-DE" dirty="0"/>
           </a:p>
         </p:txBody>
       </p:sp>
     </p:spTree>
     <p:extLst>
       <p:ext uri="{BB962C8B-B14F-4D97-AF65-F5344CB8AC3E}">
-        <p14:creationId xmlns:p14="http://schemas.microsoft.com/office/powerpoint/2010/main" val="1729667027"/>
+        <p14:creationId xmlns:p14="http://schemas.microsoft.com/office/powerpoint/2010/main" val="4261859446"/>
       </p:ext>
     </p:extLst>
   </p:cSld>
@@ -16291,6 +16709,1427 @@
       </p:grpSpPr>
       <p:sp>
         <p:nvSpPr>
+          <p:cNvPr id="7" name="Titel 1"/>
+          <p:cNvSpPr>
+            <a:spLocks noGrp="1"/>
+          </p:cNvSpPr>
+          <p:nvPr>
+            <p:ph type="title"/>
+          </p:nvPr>
+        </p:nvSpPr>
+        <p:spPr>
+          <a:xfrm>
+            <a:off x="874715" y="346075"/>
+            <a:ext cx="10580687" cy="421676"/>
+          </a:xfrm>
+        </p:spPr>
+        <p:txBody>
+          <a:bodyPr/>
+          <a:lstStyle/>
+          <a:p>
+            <a:r>
+              <a:rPr lang="en-GB" sz="2400" dirty="0" err="1" smtClean="0"/>
+              <a:t>Studiendesign</a:t>
+            </a:r>
+            <a:r>
+              <a:rPr lang="en-GB" sz="2400" dirty="0" smtClean="0"/>
+              <a:t/>
+            </a:r>
+            <a:br>
+              <a:rPr lang="en-GB" sz="2400" dirty="0" smtClean="0"/>
+            </a:br>
+            <a:r>
+              <a:rPr lang="en-GB" sz="2000" b="0" dirty="0" smtClean="0"/>
+              <a:t>T2 – Emotion Regulation - ED</a:t>
+            </a:r>
+            <a:endParaRPr lang="en-GB" sz="2000" b="0" dirty="0"/>
+          </a:p>
+        </p:txBody>
+      </p:sp>
+      <p:sp>
+        <p:nvSpPr>
+          <p:cNvPr id="5" name="Rechteck 4"/>
+          <p:cNvSpPr/>
+          <p:nvPr/>
+        </p:nvSpPr>
+        <p:spPr>
+          <a:xfrm>
+            <a:off x="531623" y="1176738"/>
+            <a:ext cx="10394524" cy="4253678"/>
+          </a:xfrm>
+          <a:prstGeom prst="rect">
+            <a:avLst/>
+          </a:prstGeom>
+          <a:noFill/>
+          <a:ln>
+            <a:noFill/>
+          </a:ln>
+        </p:spPr>
+        <p:style>
+          <a:lnRef idx="2">
+            <a:schemeClr val="accent1">
+              <a:shade val="50000"/>
+            </a:schemeClr>
+          </a:lnRef>
+          <a:fillRef idx="1">
+            <a:schemeClr val="accent1"/>
+          </a:fillRef>
+          <a:effectRef idx="0">
+            <a:schemeClr val="accent1"/>
+          </a:effectRef>
+          <a:fontRef idx="minor">
+            <a:schemeClr val="lt1"/>
+          </a:fontRef>
+        </p:style>
+        <p:txBody>
+          <a:bodyPr rtlCol="0" anchor="t"/>
+          <a:lstStyle/>
+          <a:p>
+            <a:r>
+              <a:rPr lang="en-GB" sz="1600" b="1" dirty="0" err="1" smtClean="0">
+                <a:solidFill>
+                  <a:schemeClr val="tx1"/>
+                </a:solidFill>
+              </a:rPr>
+              <a:t>Forschungsfragen</a:t>
+            </a:r>
+            <a:endParaRPr lang="en-GB" sz="1600" b="1" dirty="0" smtClean="0">
+              <a:solidFill>
+                <a:schemeClr val="tx1"/>
+              </a:solidFill>
+            </a:endParaRPr>
+          </a:p>
+          <a:p>
+            <a:endParaRPr lang="en-GB" sz="1600" b="1" dirty="0">
+              <a:solidFill>
+                <a:schemeClr val="tx1"/>
+              </a:solidFill>
+            </a:endParaRPr>
+          </a:p>
+          <a:p>
+            <a:r>
+              <a:rPr lang="en-US" sz="1600" dirty="0">
+                <a:solidFill>
+                  <a:schemeClr val="tx1"/>
+                </a:solidFill>
+              </a:rPr>
+              <a:t>4. </a:t>
+            </a:r>
+            <a:r>
+              <a:rPr lang="en-US" sz="1600" dirty="0" smtClean="0">
+                <a:solidFill>
+                  <a:schemeClr val="tx1"/>
+                </a:solidFill>
+              </a:rPr>
+              <a:t>Was </a:t>
+            </a:r>
+            <a:r>
+              <a:rPr lang="en-US" sz="1600" dirty="0" err="1" smtClean="0">
+                <a:solidFill>
+                  <a:schemeClr val="tx1"/>
+                </a:solidFill>
+              </a:rPr>
+              <a:t>sind</a:t>
+            </a:r>
+            <a:r>
+              <a:rPr lang="en-US" sz="1600" dirty="0" smtClean="0">
+                <a:solidFill>
+                  <a:schemeClr val="tx1"/>
+                </a:solidFill>
+              </a:rPr>
+              <a:t> </a:t>
+            </a:r>
+            <a:r>
+              <a:rPr lang="en-US" sz="1600" dirty="0" err="1" smtClean="0">
+                <a:solidFill>
+                  <a:schemeClr val="tx1"/>
+                </a:solidFill>
+              </a:rPr>
+              <a:t>individuelle</a:t>
+            </a:r>
+            <a:r>
+              <a:rPr lang="en-US" sz="1600" dirty="0" smtClean="0">
+                <a:solidFill>
+                  <a:schemeClr val="tx1"/>
+                </a:solidFill>
+              </a:rPr>
+              <a:t> </a:t>
+            </a:r>
+            <a:r>
+              <a:rPr lang="en-US" sz="1600" dirty="0" err="1" smtClean="0">
+                <a:solidFill>
+                  <a:schemeClr val="tx1"/>
+                </a:solidFill>
+              </a:rPr>
+              <a:t>subjektive</a:t>
+            </a:r>
+            <a:r>
+              <a:rPr lang="en-US" sz="1600" dirty="0" smtClean="0">
+                <a:solidFill>
+                  <a:schemeClr val="tx1"/>
+                </a:solidFill>
+              </a:rPr>
+              <a:t> </a:t>
+            </a:r>
+            <a:r>
+              <a:rPr lang="en-US" sz="1600" dirty="0" err="1" smtClean="0">
+                <a:solidFill>
+                  <a:schemeClr val="tx1"/>
+                </a:solidFill>
+              </a:rPr>
+              <a:t>Kosten</a:t>
+            </a:r>
+            <a:r>
+              <a:rPr lang="en-US" sz="1600" dirty="0" smtClean="0">
+                <a:solidFill>
+                  <a:schemeClr val="tx1"/>
+                </a:solidFill>
+              </a:rPr>
+              <a:t> von </a:t>
+            </a:r>
+            <a:r>
+              <a:rPr lang="en-US" sz="1600" dirty="0" err="1" smtClean="0">
+                <a:solidFill>
+                  <a:schemeClr val="tx1"/>
+                </a:solidFill>
+              </a:rPr>
+              <a:t>Emotionsregulationsstrategien</a:t>
+            </a:r>
+            <a:r>
+              <a:rPr lang="en-US" sz="1600" dirty="0" smtClean="0">
+                <a:solidFill>
+                  <a:schemeClr val="tx1"/>
+                </a:solidFill>
+              </a:rPr>
+              <a:t>?</a:t>
+            </a:r>
+            <a:endParaRPr lang="en-US" sz="1600" dirty="0">
+              <a:solidFill>
+                <a:schemeClr val="tx1"/>
+              </a:solidFill>
+            </a:endParaRPr>
+          </a:p>
+          <a:p>
+            <a:pPr marL="630238" indent="-342900">
+              <a:buFont typeface="+mj-lt"/>
+              <a:buAutoNum type="alphaLcParenR"/>
+            </a:pPr>
+            <a:r>
+              <a:rPr lang="en-US" sz="1600" dirty="0" err="1" smtClean="0">
+                <a:solidFill>
+                  <a:schemeClr val="tx1"/>
+                </a:solidFill>
+              </a:rPr>
+              <a:t>Individuelle</a:t>
+            </a:r>
+            <a:r>
+              <a:rPr lang="en-US" sz="1600" dirty="0" smtClean="0">
+                <a:solidFill>
+                  <a:schemeClr val="tx1"/>
+                </a:solidFill>
+              </a:rPr>
+              <a:t> </a:t>
+            </a:r>
+            <a:r>
+              <a:rPr lang="en-US" sz="1600" dirty="0" err="1" smtClean="0">
+                <a:solidFill>
+                  <a:schemeClr val="tx1"/>
+                </a:solidFill>
+              </a:rPr>
+              <a:t>subjektive</a:t>
+            </a:r>
+            <a:r>
+              <a:rPr lang="en-US" sz="1600" dirty="0" smtClean="0">
+                <a:solidFill>
+                  <a:schemeClr val="tx1"/>
+                </a:solidFill>
+              </a:rPr>
+              <a:t> </a:t>
+            </a:r>
+            <a:r>
+              <a:rPr lang="en-US" sz="1600" dirty="0" err="1" smtClean="0">
+                <a:solidFill>
+                  <a:schemeClr val="tx1"/>
+                </a:solidFill>
+              </a:rPr>
+              <a:t>Kosten</a:t>
+            </a:r>
+            <a:r>
+              <a:rPr lang="en-US" sz="1600" dirty="0" smtClean="0">
+                <a:solidFill>
+                  <a:schemeClr val="tx1"/>
+                </a:solidFill>
+              </a:rPr>
+              <a:t> von ER </a:t>
+            </a:r>
+            <a:r>
+              <a:rPr lang="en-US" sz="1600" dirty="0" err="1" smtClean="0">
+                <a:solidFill>
+                  <a:schemeClr val="tx1"/>
+                </a:solidFill>
+              </a:rPr>
+              <a:t>Strategien</a:t>
+            </a:r>
+            <a:r>
+              <a:rPr lang="en-US" sz="1600" dirty="0" smtClean="0">
+                <a:solidFill>
+                  <a:schemeClr val="tx1"/>
+                </a:solidFill>
+              </a:rPr>
+              <a:t> </a:t>
+            </a:r>
+            <a:r>
+              <a:rPr lang="en-US" sz="1600" dirty="0" err="1" smtClean="0">
+                <a:solidFill>
+                  <a:schemeClr val="tx1"/>
+                </a:solidFill>
+              </a:rPr>
+              <a:t>korrelieren</a:t>
+            </a:r>
+            <a:r>
+              <a:rPr lang="en-US" sz="1600" dirty="0" smtClean="0">
+                <a:solidFill>
+                  <a:schemeClr val="tx1"/>
+                </a:solidFill>
+              </a:rPr>
+              <a:t> </a:t>
+            </a:r>
+            <a:r>
+              <a:rPr lang="en-US" sz="1600" dirty="0" err="1" smtClean="0">
+                <a:solidFill>
+                  <a:schemeClr val="tx1"/>
+                </a:solidFill>
+              </a:rPr>
+              <a:t>negativ</a:t>
+            </a:r>
+            <a:r>
+              <a:rPr lang="en-US" sz="1600" dirty="0" smtClean="0">
+                <a:solidFill>
+                  <a:schemeClr val="tx1"/>
+                </a:solidFill>
+              </a:rPr>
+              <a:t> </a:t>
+            </a:r>
+            <a:r>
+              <a:rPr lang="en-US" sz="1600" dirty="0" err="1" smtClean="0">
+                <a:solidFill>
+                  <a:schemeClr val="tx1"/>
+                </a:solidFill>
+              </a:rPr>
+              <a:t>mit</a:t>
+            </a:r>
+            <a:r>
+              <a:rPr lang="en-US" sz="1600" dirty="0" smtClean="0">
+                <a:solidFill>
+                  <a:schemeClr val="tx1"/>
+                </a:solidFill>
+              </a:rPr>
+              <a:t> den </a:t>
+            </a:r>
+            <a:r>
+              <a:rPr lang="en-US" sz="1600" dirty="0" err="1" smtClean="0">
+                <a:solidFill>
+                  <a:schemeClr val="tx1"/>
+                </a:solidFill>
+              </a:rPr>
+              <a:t>entsprechenden</a:t>
+            </a:r>
+            <a:r>
+              <a:rPr lang="en-US" sz="1600" dirty="0" smtClean="0">
+                <a:solidFill>
+                  <a:schemeClr val="tx1"/>
+                </a:solidFill>
+              </a:rPr>
+              <a:t> </a:t>
+            </a:r>
+            <a:r>
+              <a:rPr lang="en-US" sz="1600" dirty="0" err="1" smtClean="0">
+                <a:solidFill>
+                  <a:schemeClr val="tx1"/>
+                </a:solidFill>
+              </a:rPr>
+              <a:t>Effortratings</a:t>
+            </a:r>
+            <a:r>
+              <a:rPr lang="en-US" sz="1600" dirty="0" smtClean="0">
+                <a:solidFill>
+                  <a:schemeClr val="tx1"/>
+                </a:solidFill>
+              </a:rPr>
+              <a:t> der </a:t>
+            </a:r>
+            <a:r>
+              <a:rPr lang="en-US" sz="1600" dirty="0" err="1" smtClean="0">
+                <a:solidFill>
+                  <a:schemeClr val="tx1"/>
+                </a:solidFill>
+              </a:rPr>
+              <a:t>Strategien</a:t>
+            </a:r>
+            <a:endParaRPr lang="en-US" sz="1600" dirty="0" smtClean="0">
+              <a:solidFill>
+                <a:schemeClr val="tx1"/>
+              </a:solidFill>
+            </a:endParaRPr>
+          </a:p>
+          <a:p>
+            <a:pPr marL="630238" indent="-342900">
+              <a:buFont typeface="+mj-lt"/>
+              <a:buAutoNum type="alphaLcParenR"/>
+            </a:pPr>
+            <a:endParaRPr lang="en-US" sz="1600" dirty="0">
+              <a:solidFill>
+                <a:schemeClr val="tx1"/>
+              </a:solidFill>
+            </a:endParaRPr>
+          </a:p>
+          <a:p>
+            <a:r>
+              <a:rPr lang="en-US" sz="1600" dirty="0">
+                <a:solidFill>
+                  <a:schemeClr val="tx1"/>
+                </a:solidFill>
+              </a:rPr>
+              <a:t>5. </a:t>
+            </a:r>
+            <a:r>
+              <a:rPr lang="en-US" sz="1600" dirty="0" smtClean="0">
+                <a:solidFill>
+                  <a:schemeClr val="tx1"/>
+                </a:solidFill>
+              </a:rPr>
+              <a:t>Sind </a:t>
+            </a:r>
+            <a:r>
+              <a:rPr lang="en-US" sz="1600" dirty="0" err="1" smtClean="0">
+                <a:solidFill>
+                  <a:schemeClr val="tx1"/>
+                </a:solidFill>
+              </a:rPr>
+              <a:t>individuelle</a:t>
+            </a:r>
+            <a:r>
+              <a:rPr lang="en-US" sz="1600" dirty="0" smtClean="0">
+                <a:solidFill>
+                  <a:schemeClr val="tx1"/>
+                </a:solidFill>
+              </a:rPr>
+              <a:t> </a:t>
+            </a:r>
+            <a:r>
+              <a:rPr lang="en-US" sz="1600" dirty="0" err="1" smtClean="0">
+                <a:solidFill>
+                  <a:schemeClr val="tx1"/>
+                </a:solidFill>
+              </a:rPr>
+              <a:t>subjektive</a:t>
+            </a:r>
+            <a:r>
+              <a:rPr lang="en-US" sz="1600" dirty="0" smtClean="0">
+                <a:solidFill>
+                  <a:schemeClr val="tx1"/>
+                </a:solidFill>
+              </a:rPr>
+              <a:t> </a:t>
+            </a:r>
+            <a:r>
+              <a:rPr lang="en-US" sz="1600" dirty="0" err="1" smtClean="0">
+                <a:solidFill>
+                  <a:schemeClr val="tx1"/>
+                </a:solidFill>
+              </a:rPr>
+              <a:t>Kosten</a:t>
+            </a:r>
+            <a:r>
+              <a:rPr lang="en-US" sz="1600" dirty="0" smtClean="0">
+                <a:solidFill>
+                  <a:schemeClr val="tx1"/>
+                </a:solidFill>
+              </a:rPr>
+              <a:t> </a:t>
+            </a:r>
+            <a:r>
+              <a:rPr lang="en-US" sz="1600" dirty="0" err="1" smtClean="0">
+                <a:solidFill>
+                  <a:schemeClr val="tx1"/>
+                </a:solidFill>
+              </a:rPr>
+              <a:t>mit</a:t>
+            </a:r>
+            <a:r>
+              <a:rPr lang="en-US" sz="1600" dirty="0" smtClean="0">
+                <a:solidFill>
+                  <a:schemeClr val="tx1"/>
+                </a:solidFill>
+              </a:rPr>
+              <a:t> </a:t>
+            </a:r>
+            <a:r>
+              <a:rPr lang="en-US" sz="1600" dirty="0" err="1" smtClean="0">
+                <a:solidFill>
+                  <a:schemeClr val="tx1"/>
+                </a:solidFill>
+              </a:rPr>
+              <a:t>Personlichkeitstraits</a:t>
+            </a:r>
+            <a:r>
+              <a:rPr lang="en-US" sz="1600" dirty="0" smtClean="0">
+                <a:solidFill>
+                  <a:schemeClr val="tx1"/>
+                </a:solidFill>
+              </a:rPr>
+              <a:t> </a:t>
+            </a:r>
+            <a:r>
+              <a:rPr lang="en-US" sz="1600" dirty="0" err="1" smtClean="0">
+                <a:solidFill>
+                  <a:schemeClr val="tx1"/>
+                </a:solidFill>
+              </a:rPr>
+              <a:t>assoziiert</a:t>
+            </a:r>
+            <a:r>
+              <a:rPr lang="en-US" sz="1600" dirty="0" smtClean="0">
+                <a:solidFill>
+                  <a:schemeClr val="tx1"/>
+                </a:solidFill>
+              </a:rPr>
+              <a:t>?</a:t>
+            </a:r>
+          </a:p>
+          <a:p>
+            <a:pPr marL="630238" indent="-342900">
+              <a:buFont typeface="+mj-lt"/>
+              <a:buAutoNum type="alphaLcParenR"/>
+            </a:pPr>
+            <a:r>
+              <a:rPr lang="en-US" sz="1600" dirty="0" err="1" smtClean="0">
+                <a:solidFill>
+                  <a:schemeClr val="tx1"/>
+                </a:solidFill>
+              </a:rPr>
+              <a:t>Habituelle</a:t>
+            </a:r>
+            <a:r>
+              <a:rPr lang="en-US" sz="1600" dirty="0" smtClean="0">
+                <a:solidFill>
+                  <a:schemeClr val="tx1"/>
+                </a:solidFill>
+              </a:rPr>
+              <a:t> </a:t>
+            </a:r>
+            <a:r>
+              <a:rPr lang="en-US" sz="1600" dirty="0" err="1" smtClean="0">
+                <a:solidFill>
+                  <a:schemeClr val="tx1"/>
+                </a:solidFill>
+              </a:rPr>
+              <a:t>Nutzung</a:t>
+            </a:r>
+            <a:r>
+              <a:rPr lang="en-US" sz="1600" dirty="0" smtClean="0">
+                <a:solidFill>
+                  <a:schemeClr val="tx1"/>
+                </a:solidFill>
+              </a:rPr>
+              <a:t> von Reappraisal (</a:t>
+            </a:r>
+            <a:r>
+              <a:rPr lang="en-US" sz="1600" dirty="0" err="1" smtClean="0">
+                <a:solidFill>
+                  <a:schemeClr val="tx1"/>
+                </a:solidFill>
+              </a:rPr>
+              <a:t>gemessen</a:t>
+            </a:r>
+            <a:r>
+              <a:rPr lang="en-US" sz="1600" dirty="0" smtClean="0">
+                <a:solidFill>
+                  <a:schemeClr val="tx1"/>
+                </a:solidFill>
+              </a:rPr>
+              <a:t> via ERQ) </a:t>
+            </a:r>
+            <a:r>
+              <a:rPr lang="en-US" sz="1600" dirty="0" err="1" smtClean="0">
+                <a:solidFill>
+                  <a:schemeClr val="tx1"/>
+                </a:solidFill>
+              </a:rPr>
+              <a:t>korreliert</a:t>
+            </a:r>
+            <a:r>
+              <a:rPr lang="en-US" sz="1600" dirty="0" smtClean="0">
+                <a:solidFill>
+                  <a:schemeClr val="tx1"/>
+                </a:solidFill>
+              </a:rPr>
+              <a:t> </a:t>
+            </a:r>
+            <a:r>
+              <a:rPr lang="en-US" sz="1600" dirty="0" err="1" smtClean="0">
+                <a:solidFill>
+                  <a:schemeClr val="tx1"/>
+                </a:solidFill>
+              </a:rPr>
+              <a:t>positiv</a:t>
+            </a:r>
+            <a:r>
+              <a:rPr lang="en-US" sz="1600" dirty="0" smtClean="0">
+                <a:solidFill>
+                  <a:schemeClr val="tx1"/>
+                </a:solidFill>
+              </a:rPr>
+              <a:t> </a:t>
+            </a:r>
+            <a:r>
+              <a:rPr lang="en-US" sz="1600" dirty="0" err="1" smtClean="0">
+                <a:solidFill>
+                  <a:schemeClr val="tx1"/>
+                </a:solidFill>
+              </a:rPr>
+              <a:t>mit</a:t>
+            </a:r>
+            <a:r>
+              <a:rPr lang="en-US" sz="1600" dirty="0" smtClean="0">
+                <a:solidFill>
+                  <a:schemeClr val="tx1"/>
+                </a:solidFill>
+              </a:rPr>
+              <a:t> </a:t>
+            </a:r>
+            <a:r>
+              <a:rPr lang="en-US" sz="1600" dirty="0" err="1" smtClean="0">
+                <a:solidFill>
+                  <a:schemeClr val="tx1"/>
+                </a:solidFill>
+              </a:rPr>
+              <a:t>dem</a:t>
+            </a:r>
+            <a:r>
+              <a:rPr lang="en-US" sz="1600" dirty="0" smtClean="0">
+                <a:solidFill>
+                  <a:schemeClr val="tx1"/>
+                </a:solidFill>
+              </a:rPr>
+              <a:t> </a:t>
+            </a:r>
+            <a:r>
+              <a:rPr lang="en-US" sz="1600" dirty="0" err="1" smtClean="0">
+                <a:solidFill>
+                  <a:schemeClr val="tx1"/>
+                </a:solidFill>
+              </a:rPr>
+              <a:t>subjektiven</a:t>
+            </a:r>
+            <a:r>
+              <a:rPr lang="en-US" sz="1600" dirty="0" smtClean="0">
+                <a:solidFill>
+                  <a:schemeClr val="tx1"/>
+                </a:solidFill>
+              </a:rPr>
+              <a:t> Wert von Distancing</a:t>
+            </a:r>
+          </a:p>
+          <a:p>
+            <a:pPr marL="630238" indent="-342900">
+              <a:buFont typeface="+mj-lt"/>
+              <a:buAutoNum type="alphaLcParenR"/>
+            </a:pPr>
+            <a:r>
+              <a:rPr lang="en-US" sz="1600" dirty="0" err="1">
+                <a:solidFill>
+                  <a:schemeClr val="tx1"/>
+                </a:solidFill>
+              </a:rPr>
+              <a:t>Habituelle</a:t>
+            </a:r>
+            <a:r>
+              <a:rPr lang="en-US" sz="1600" dirty="0">
+                <a:solidFill>
+                  <a:schemeClr val="tx1"/>
+                </a:solidFill>
+              </a:rPr>
+              <a:t> </a:t>
+            </a:r>
+            <a:r>
+              <a:rPr lang="en-US" sz="1600" dirty="0" err="1">
+                <a:solidFill>
+                  <a:schemeClr val="tx1"/>
+                </a:solidFill>
+              </a:rPr>
+              <a:t>Nutzung</a:t>
+            </a:r>
+            <a:r>
+              <a:rPr lang="en-US" sz="1600" dirty="0">
+                <a:solidFill>
+                  <a:schemeClr val="tx1"/>
+                </a:solidFill>
+              </a:rPr>
+              <a:t> von </a:t>
+            </a:r>
+            <a:r>
+              <a:rPr lang="en-US" sz="1600" dirty="0" smtClean="0">
+                <a:solidFill>
+                  <a:schemeClr val="tx1"/>
+                </a:solidFill>
+              </a:rPr>
+              <a:t>Suppression </a:t>
+            </a:r>
+            <a:r>
+              <a:rPr lang="en-US" sz="1600" dirty="0">
+                <a:solidFill>
+                  <a:schemeClr val="tx1"/>
+                </a:solidFill>
+              </a:rPr>
+              <a:t>(</a:t>
+            </a:r>
+            <a:r>
+              <a:rPr lang="en-US" sz="1600" dirty="0" err="1">
+                <a:solidFill>
+                  <a:schemeClr val="tx1"/>
+                </a:solidFill>
+              </a:rPr>
+              <a:t>gemessen</a:t>
+            </a:r>
+            <a:r>
+              <a:rPr lang="en-US" sz="1600" dirty="0">
+                <a:solidFill>
+                  <a:schemeClr val="tx1"/>
+                </a:solidFill>
+              </a:rPr>
+              <a:t> via ERQ) </a:t>
+            </a:r>
+            <a:r>
+              <a:rPr lang="en-US" sz="1600" dirty="0" err="1">
+                <a:solidFill>
+                  <a:schemeClr val="tx1"/>
+                </a:solidFill>
+              </a:rPr>
+              <a:t>korreliert</a:t>
+            </a:r>
+            <a:r>
+              <a:rPr lang="en-US" sz="1600" dirty="0">
+                <a:solidFill>
+                  <a:schemeClr val="tx1"/>
+                </a:solidFill>
+              </a:rPr>
+              <a:t> </a:t>
+            </a:r>
+            <a:r>
+              <a:rPr lang="en-US" sz="1600" dirty="0" err="1" smtClean="0">
+                <a:solidFill>
+                  <a:schemeClr val="tx1"/>
+                </a:solidFill>
+              </a:rPr>
+              <a:t>positiv</a:t>
+            </a:r>
+            <a:r>
+              <a:rPr lang="en-US" sz="1600" dirty="0" smtClean="0">
+                <a:solidFill>
+                  <a:schemeClr val="tx1"/>
+                </a:solidFill>
+              </a:rPr>
+              <a:t> </a:t>
+            </a:r>
+            <a:r>
+              <a:rPr lang="en-US" sz="1600" dirty="0" err="1">
+                <a:solidFill>
+                  <a:schemeClr val="tx1"/>
+                </a:solidFill>
+              </a:rPr>
+              <a:t>mit</a:t>
+            </a:r>
+            <a:r>
+              <a:rPr lang="en-US" sz="1600" dirty="0">
+                <a:solidFill>
+                  <a:schemeClr val="tx1"/>
+                </a:solidFill>
+              </a:rPr>
+              <a:t> </a:t>
+            </a:r>
+            <a:r>
+              <a:rPr lang="en-US" sz="1600" dirty="0" err="1">
+                <a:solidFill>
+                  <a:schemeClr val="tx1"/>
+                </a:solidFill>
+              </a:rPr>
+              <a:t>dem</a:t>
+            </a:r>
+            <a:r>
+              <a:rPr lang="en-US" sz="1600" dirty="0">
+                <a:solidFill>
+                  <a:schemeClr val="tx1"/>
+                </a:solidFill>
+              </a:rPr>
+              <a:t> </a:t>
+            </a:r>
+            <a:r>
+              <a:rPr lang="en-US" sz="1600" dirty="0" err="1">
+                <a:solidFill>
+                  <a:schemeClr val="tx1"/>
+                </a:solidFill>
+              </a:rPr>
+              <a:t>subjektiven</a:t>
+            </a:r>
+            <a:r>
+              <a:rPr lang="en-US" sz="1600" dirty="0">
+                <a:solidFill>
+                  <a:schemeClr val="tx1"/>
+                </a:solidFill>
+              </a:rPr>
+              <a:t> Wert von </a:t>
+            </a:r>
+            <a:r>
+              <a:rPr lang="en-US" sz="1600" dirty="0" smtClean="0">
+                <a:solidFill>
+                  <a:schemeClr val="tx1"/>
+                </a:solidFill>
+              </a:rPr>
+              <a:t>Suppression</a:t>
+            </a:r>
+            <a:endParaRPr lang="en-US" sz="1600" dirty="0">
+              <a:solidFill>
+                <a:schemeClr val="tx1"/>
+              </a:solidFill>
+            </a:endParaRPr>
+          </a:p>
+          <a:p>
+            <a:pPr marL="630238" indent="-342900">
+              <a:buFont typeface="+mj-lt"/>
+              <a:buAutoNum type="alphaLcParenR"/>
+            </a:pPr>
+            <a:r>
+              <a:rPr lang="en-US" sz="1600" dirty="0" err="1" smtClean="0">
+                <a:solidFill>
+                  <a:schemeClr val="tx1"/>
+                </a:solidFill>
+              </a:rPr>
+              <a:t>Höhere</a:t>
+            </a:r>
+            <a:r>
+              <a:rPr lang="en-US" sz="1600" dirty="0" smtClean="0">
+                <a:solidFill>
+                  <a:schemeClr val="tx1"/>
+                </a:solidFill>
+              </a:rPr>
+              <a:t> ER </a:t>
+            </a:r>
+            <a:r>
+              <a:rPr lang="en-US" sz="1600" dirty="0" err="1" smtClean="0">
+                <a:solidFill>
+                  <a:schemeClr val="tx1"/>
+                </a:solidFill>
+              </a:rPr>
+              <a:t>Flexibilität</a:t>
+            </a:r>
+            <a:r>
+              <a:rPr lang="en-US" sz="1600" dirty="0" smtClean="0">
+                <a:solidFill>
+                  <a:schemeClr val="tx1"/>
+                </a:solidFill>
+              </a:rPr>
+              <a:t> (</a:t>
+            </a:r>
+            <a:r>
+              <a:rPr lang="en-US" sz="1600" dirty="0" err="1" smtClean="0">
+                <a:solidFill>
+                  <a:schemeClr val="tx1"/>
+                </a:solidFill>
+              </a:rPr>
+              <a:t>gemessen</a:t>
+            </a:r>
+            <a:r>
+              <a:rPr lang="en-US" sz="1600" dirty="0" smtClean="0">
+                <a:solidFill>
+                  <a:schemeClr val="tx1"/>
+                </a:solidFill>
+              </a:rPr>
+              <a:t> via </a:t>
+            </a:r>
+            <a:r>
+              <a:rPr lang="en-US" sz="1600" dirty="0" err="1" smtClean="0">
+                <a:solidFill>
+                  <a:schemeClr val="tx1"/>
+                </a:solidFill>
+              </a:rPr>
+              <a:t>FlexER</a:t>
+            </a:r>
+            <a:r>
+              <a:rPr lang="en-US" sz="1600" dirty="0" smtClean="0">
+                <a:solidFill>
+                  <a:schemeClr val="tx1"/>
+                </a:solidFill>
+              </a:rPr>
+              <a:t>) </a:t>
+            </a:r>
+            <a:r>
+              <a:rPr lang="en-US" sz="1600" dirty="0" err="1" smtClean="0">
+                <a:solidFill>
+                  <a:schemeClr val="tx1"/>
+                </a:solidFill>
+              </a:rPr>
+              <a:t>ist</a:t>
+            </a:r>
+            <a:r>
+              <a:rPr lang="en-US" sz="1600" dirty="0" smtClean="0">
+                <a:solidFill>
+                  <a:schemeClr val="tx1"/>
+                </a:solidFill>
+              </a:rPr>
+              <a:t> </a:t>
+            </a:r>
+            <a:r>
+              <a:rPr lang="en-US" sz="1600" dirty="0" err="1" smtClean="0">
+                <a:solidFill>
+                  <a:schemeClr val="tx1"/>
+                </a:solidFill>
+              </a:rPr>
+              <a:t>mit</a:t>
+            </a:r>
+            <a:r>
+              <a:rPr lang="en-US" sz="1600" dirty="0" smtClean="0">
+                <a:solidFill>
+                  <a:schemeClr val="tx1"/>
+                </a:solidFill>
+              </a:rPr>
+              <a:t> </a:t>
+            </a:r>
+            <a:r>
+              <a:rPr lang="en-US" sz="1600" dirty="0" err="1" smtClean="0">
+                <a:solidFill>
+                  <a:schemeClr val="tx1"/>
+                </a:solidFill>
+              </a:rPr>
+              <a:t>generell</a:t>
+            </a:r>
+            <a:r>
+              <a:rPr lang="en-US" sz="1600" dirty="0" smtClean="0">
+                <a:solidFill>
+                  <a:schemeClr val="tx1"/>
+                </a:solidFill>
+              </a:rPr>
+              <a:t> </a:t>
+            </a:r>
+            <a:r>
+              <a:rPr lang="en-US" sz="1600" dirty="0" err="1" smtClean="0">
+                <a:solidFill>
+                  <a:schemeClr val="tx1"/>
+                </a:solidFill>
+              </a:rPr>
+              <a:t>höheren</a:t>
+            </a:r>
+            <a:r>
+              <a:rPr lang="en-US" sz="1600" dirty="0" smtClean="0">
+                <a:solidFill>
+                  <a:schemeClr val="tx1"/>
+                </a:solidFill>
+              </a:rPr>
+              <a:t> </a:t>
+            </a:r>
+            <a:r>
+              <a:rPr lang="en-US" sz="1600" dirty="0" err="1" smtClean="0">
+                <a:solidFill>
+                  <a:schemeClr val="tx1"/>
+                </a:solidFill>
+              </a:rPr>
+              <a:t>subjektiven</a:t>
+            </a:r>
+            <a:r>
+              <a:rPr lang="en-US" sz="1600" dirty="0" smtClean="0">
+                <a:solidFill>
+                  <a:schemeClr val="tx1"/>
+                </a:solidFill>
+              </a:rPr>
+              <a:t> </a:t>
+            </a:r>
+            <a:r>
+              <a:rPr lang="en-US" sz="1600" dirty="0" err="1" smtClean="0">
+                <a:solidFill>
+                  <a:schemeClr val="tx1"/>
+                </a:solidFill>
+              </a:rPr>
+              <a:t>Werten</a:t>
+            </a:r>
+            <a:r>
+              <a:rPr lang="en-US" sz="1600" dirty="0" smtClean="0">
+                <a:solidFill>
+                  <a:schemeClr val="tx1"/>
+                </a:solidFill>
+              </a:rPr>
+              <a:t> </a:t>
+            </a:r>
+            <a:r>
+              <a:rPr lang="en-US" sz="1600" dirty="0" err="1" smtClean="0">
+                <a:solidFill>
+                  <a:schemeClr val="tx1"/>
+                </a:solidFill>
+              </a:rPr>
+              <a:t>aller</a:t>
+            </a:r>
+            <a:r>
+              <a:rPr lang="en-US" sz="1600" dirty="0" smtClean="0">
+                <a:solidFill>
+                  <a:schemeClr val="tx1"/>
+                </a:solidFill>
+              </a:rPr>
+              <a:t> </a:t>
+            </a:r>
+            <a:r>
+              <a:rPr lang="en-US" sz="1600" dirty="0" err="1" smtClean="0">
+                <a:solidFill>
+                  <a:schemeClr val="tx1"/>
+                </a:solidFill>
+              </a:rPr>
+              <a:t>Strategien</a:t>
+            </a:r>
+            <a:r>
+              <a:rPr lang="en-US" sz="1600" dirty="0" smtClean="0">
+                <a:solidFill>
+                  <a:schemeClr val="tx1"/>
+                </a:solidFill>
+              </a:rPr>
+              <a:t> </a:t>
+            </a:r>
+            <a:r>
+              <a:rPr lang="en-US" sz="1600" dirty="0" err="1" smtClean="0">
+                <a:solidFill>
+                  <a:schemeClr val="tx1"/>
+                </a:solidFill>
+              </a:rPr>
+              <a:t>assoziiert</a:t>
+            </a:r>
+            <a:endParaRPr lang="en-US" sz="1600" dirty="0" smtClean="0">
+              <a:solidFill>
+                <a:schemeClr val="tx1"/>
+              </a:solidFill>
+            </a:endParaRPr>
+          </a:p>
+          <a:p>
+            <a:pPr marL="630238" indent="-342900">
+              <a:buFont typeface="+mj-lt"/>
+              <a:buAutoNum type="alphaLcParenR"/>
+            </a:pPr>
+            <a:endParaRPr lang="en-US" sz="1600" dirty="0">
+              <a:solidFill>
+                <a:schemeClr val="tx1"/>
+              </a:solidFill>
+            </a:endParaRPr>
+          </a:p>
+          <a:p>
+            <a:r>
+              <a:rPr lang="en-US" sz="1600" dirty="0">
+                <a:solidFill>
+                  <a:schemeClr val="tx1"/>
+                </a:solidFill>
+              </a:rPr>
+              <a:t>6. </a:t>
+            </a:r>
+            <a:r>
+              <a:rPr lang="en-US" sz="1600" dirty="0" err="1" smtClean="0">
+                <a:solidFill>
+                  <a:schemeClr val="tx1"/>
+                </a:solidFill>
+              </a:rPr>
+              <a:t>Ist</a:t>
+            </a:r>
+            <a:r>
+              <a:rPr lang="en-US" sz="1600" dirty="0" smtClean="0">
+                <a:solidFill>
+                  <a:schemeClr val="tx1"/>
+                </a:solidFill>
+              </a:rPr>
+              <a:t> </a:t>
+            </a:r>
+            <a:r>
+              <a:rPr lang="en-US" sz="1600" dirty="0" err="1" smtClean="0">
+                <a:solidFill>
+                  <a:schemeClr val="tx1"/>
+                </a:solidFill>
+              </a:rPr>
+              <a:t>Emotionsregulationserfolg</a:t>
+            </a:r>
+            <a:r>
+              <a:rPr lang="en-US" sz="1600" dirty="0" smtClean="0">
+                <a:solidFill>
+                  <a:schemeClr val="tx1"/>
+                </a:solidFill>
+              </a:rPr>
+              <a:t> </a:t>
+            </a:r>
+            <a:r>
+              <a:rPr lang="en-US" sz="1600" dirty="0" err="1" smtClean="0">
+                <a:solidFill>
+                  <a:schemeClr val="tx1"/>
+                </a:solidFill>
+              </a:rPr>
+              <a:t>mit</a:t>
+            </a:r>
+            <a:r>
+              <a:rPr lang="en-US" sz="1600" dirty="0" smtClean="0">
+                <a:solidFill>
+                  <a:schemeClr val="tx1"/>
+                </a:solidFill>
+              </a:rPr>
+              <a:t> </a:t>
+            </a:r>
+            <a:r>
+              <a:rPr lang="en-US" sz="1600" dirty="0" err="1" smtClean="0">
+                <a:solidFill>
+                  <a:schemeClr val="tx1"/>
+                </a:solidFill>
+              </a:rPr>
+              <a:t>Selbstkontrolle</a:t>
+            </a:r>
+            <a:r>
+              <a:rPr lang="en-US" sz="1600" dirty="0" smtClean="0">
+                <a:solidFill>
+                  <a:schemeClr val="tx1"/>
+                </a:solidFill>
+              </a:rPr>
+              <a:t> </a:t>
+            </a:r>
+            <a:r>
+              <a:rPr lang="en-US" sz="1600" dirty="0" err="1" smtClean="0">
+                <a:solidFill>
+                  <a:schemeClr val="tx1"/>
+                </a:solidFill>
+              </a:rPr>
+              <a:t>assoziiert</a:t>
+            </a:r>
+            <a:r>
+              <a:rPr lang="en-US" sz="1600" dirty="0" smtClean="0">
+                <a:solidFill>
+                  <a:schemeClr val="tx1"/>
+                </a:solidFill>
+              </a:rPr>
+              <a:t>?</a:t>
+            </a:r>
+            <a:endParaRPr lang="en-US" sz="1600" dirty="0">
+              <a:solidFill>
+                <a:schemeClr val="tx1"/>
+              </a:solidFill>
+            </a:endParaRPr>
+          </a:p>
+          <a:p>
+            <a:pPr marL="630238" indent="-342900">
+              <a:buFont typeface="+mj-lt"/>
+              <a:buAutoNum type="alphaLcParenR"/>
+            </a:pPr>
+            <a:r>
+              <a:rPr lang="en-US" sz="1600" dirty="0" err="1" smtClean="0">
+                <a:solidFill>
+                  <a:schemeClr val="tx1"/>
+                </a:solidFill>
+              </a:rPr>
+              <a:t>Höhere</a:t>
+            </a:r>
+            <a:r>
+              <a:rPr lang="en-US" sz="1600" dirty="0" smtClean="0">
+                <a:solidFill>
+                  <a:schemeClr val="tx1"/>
+                </a:solidFill>
+              </a:rPr>
+              <a:t> </a:t>
+            </a:r>
+            <a:r>
+              <a:rPr lang="en-US" sz="1600" dirty="0" err="1" smtClean="0">
+                <a:solidFill>
+                  <a:schemeClr val="tx1"/>
+                </a:solidFill>
+              </a:rPr>
+              <a:t>Selbstkontrolle</a:t>
+            </a:r>
+            <a:r>
+              <a:rPr lang="en-US" sz="1600" dirty="0" smtClean="0">
+                <a:solidFill>
+                  <a:schemeClr val="tx1"/>
+                </a:solidFill>
+              </a:rPr>
+              <a:t> </a:t>
+            </a:r>
+            <a:r>
+              <a:rPr lang="en-US" sz="1600" dirty="0" err="1" smtClean="0">
+                <a:solidFill>
+                  <a:schemeClr val="tx1"/>
+                </a:solidFill>
+              </a:rPr>
+              <a:t>ist</a:t>
+            </a:r>
+            <a:r>
+              <a:rPr lang="en-US" sz="1600" dirty="0">
+                <a:solidFill>
+                  <a:schemeClr val="tx1"/>
+                </a:solidFill>
+              </a:rPr>
+              <a:t> </a:t>
+            </a:r>
+            <a:r>
+              <a:rPr lang="en-US" sz="1600" dirty="0" err="1" smtClean="0">
+                <a:solidFill>
+                  <a:schemeClr val="tx1"/>
+                </a:solidFill>
+              </a:rPr>
+              <a:t>mit</a:t>
+            </a:r>
+            <a:r>
+              <a:rPr lang="en-US" sz="1600" dirty="0" smtClean="0">
+                <a:solidFill>
+                  <a:schemeClr val="tx1"/>
+                </a:solidFill>
+              </a:rPr>
+              <a:t> </a:t>
+            </a:r>
+            <a:r>
+              <a:rPr lang="en-US" sz="1600" dirty="0" err="1" smtClean="0">
+                <a:solidFill>
+                  <a:schemeClr val="tx1"/>
+                </a:solidFill>
+              </a:rPr>
+              <a:t>höherem</a:t>
+            </a:r>
+            <a:r>
+              <a:rPr lang="en-US" sz="1600" dirty="0" smtClean="0">
+                <a:solidFill>
+                  <a:schemeClr val="tx1"/>
+                </a:solidFill>
+              </a:rPr>
+              <a:t> </a:t>
+            </a:r>
+            <a:r>
+              <a:rPr lang="en-US" sz="1600" dirty="0" err="1" smtClean="0">
+                <a:solidFill>
+                  <a:schemeClr val="tx1"/>
+                </a:solidFill>
+              </a:rPr>
+              <a:t>subjektiven</a:t>
+            </a:r>
+            <a:r>
+              <a:rPr lang="en-US" sz="1600" dirty="0" smtClean="0">
+                <a:solidFill>
+                  <a:schemeClr val="tx1"/>
+                </a:solidFill>
+              </a:rPr>
+              <a:t> </a:t>
+            </a:r>
+            <a:r>
+              <a:rPr lang="en-US" sz="1600" dirty="0" err="1" smtClean="0">
+                <a:solidFill>
+                  <a:schemeClr val="tx1"/>
+                </a:solidFill>
+              </a:rPr>
+              <a:t>Regulationserfolg</a:t>
+            </a:r>
+            <a:r>
+              <a:rPr lang="en-US" sz="1600" dirty="0" smtClean="0">
+                <a:solidFill>
+                  <a:schemeClr val="tx1"/>
+                </a:solidFill>
+              </a:rPr>
+              <a:t> (Arousal Ratings) </a:t>
+            </a:r>
+            <a:r>
+              <a:rPr lang="en-US" sz="1600" dirty="0" err="1" smtClean="0">
+                <a:solidFill>
+                  <a:schemeClr val="tx1"/>
+                </a:solidFill>
+              </a:rPr>
+              <a:t>assoziiert</a:t>
+            </a:r>
+            <a:endParaRPr lang="en-US" sz="1600" dirty="0" smtClean="0">
+              <a:solidFill>
+                <a:schemeClr val="tx1"/>
+              </a:solidFill>
+            </a:endParaRPr>
+          </a:p>
+          <a:p>
+            <a:pPr marL="630238" indent="-342900">
+              <a:buFont typeface="+mj-lt"/>
+              <a:buAutoNum type="alphaLcParenR"/>
+            </a:pPr>
+            <a:r>
+              <a:rPr lang="en-US" sz="1600" dirty="0" err="1" smtClean="0">
+                <a:solidFill>
+                  <a:schemeClr val="tx1"/>
+                </a:solidFill>
+              </a:rPr>
+              <a:t>Höhere</a:t>
+            </a:r>
+            <a:r>
+              <a:rPr lang="en-US" sz="1600" dirty="0" smtClean="0">
+                <a:solidFill>
+                  <a:schemeClr val="tx1"/>
+                </a:solidFill>
+              </a:rPr>
+              <a:t> </a:t>
+            </a:r>
+            <a:r>
+              <a:rPr lang="en-US" sz="1600" dirty="0" err="1" smtClean="0">
+                <a:solidFill>
+                  <a:schemeClr val="tx1"/>
+                </a:solidFill>
+              </a:rPr>
+              <a:t>Selbstkontrolle</a:t>
+            </a:r>
+            <a:r>
+              <a:rPr lang="en-US" sz="1600" dirty="0" smtClean="0">
+                <a:solidFill>
+                  <a:schemeClr val="tx1"/>
+                </a:solidFill>
+              </a:rPr>
+              <a:t> </a:t>
+            </a:r>
+            <a:r>
+              <a:rPr lang="en-US" sz="1600" dirty="0" err="1" smtClean="0">
+                <a:solidFill>
+                  <a:schemeClr val="tx1"/>
+                </a:solidFill>
+              </a:rPr>
+              <a:t>ist</a:t>
+            </a:r>
+            <a:r>
+              <a:rPr lang="en-US" sz="1600" dirty="0" smtClean="0">
+                <a:solidFill>
+                  <a:schemeClr val="tx1"/>
+                </a:solidFill>
+              </a:rPr>
+              <a:t> </a:t>
+            </a:r>
+            <a:r>
+              <a:rPr lang="en-US" sz="1600" dirty="0" err="1" smtClean="0">
+                <a:solidFill>
+                  <a:schemeClr val="tx1"/>
+                </a:solidFill>
+              </a:rPr>
+              <a:t>mit</a:t>
+            </a:r>
+            <a:r>
+              <a:rPr lang="en-US" sz="1600" dirty="0" smtClean="0">
+                <a:solidFill>
+                  <a:schemeClr val="tx1"/>
+                </a:solidFill>
+              </a:rPr>
+              <a:t> </a:t>
+            </a:r>
+            <a:r>
+              <a:rPr lang="en-US" sz="1600" dirty="0" err="1" smtClean="0">
+                <a:solidFill>
+                  <a:schemeClr val="tx1"/>
+                </a:solidFill>
+              </a:rPr>
+              <a:t>höherem</a:t>
+            </a:r>
+            <a:r>
+              <a:rPr lang="en-US" sz="1600" dirty="0" smtClean="0">
+                <a:solidFill>
+                  <a:schemeClr val="tx1"/>
+                </a:solidFill>
+              </a:rPr>
+              <a:t> </a:t>
+            </a:r>
+            <a:r>
+              <a:rPr lang="en-US" sz="1600" dirty="0" err="1" smtClean="0">
+                <a:solidFill>
+                  <a:schemeClr val="tx1"/>
+                </a:solidFill>
+              </a:rPr>
+              <a:t>physiologischen</a:t>
+            </a:r>
+            <a:r>
+              <a:rPr lang="en-US" sz="1600" dirty="0" smtClean="0">
+                <a:solidFill>
+                  <a:schemeClr val="tx1"/>
+                </a:solidFill>
+              </a:rPr>
+              <a:t> </a:t>
+            </a:r>
+            <a:r>
+              <a:rPr lang="en-US" sz="1600" dirty="0" err="1" smtClean="0">
+                <a:solidFill>
+                  <a:schemeClr val="tx1"/>
+                </a:solidFill>
+              </a:rPr>
+              <a:t>Regulationserfolg</a:t>
+            </a:r>
+            <a:r>
+              <a:rPr lang="en-US" sz="1600" dirty="0" smtClean="0">
+                <a:solidFill>
+                  <a:schemeClr val="tx1"/>
+                </a:solidFill>
+              </a:rPr>
+              <a:t> (Corrugator-</a:t>
+            </a:r>
+            <a:r>
+              <a:rPr lang="en-US" sz="1600" dirty="0" err="1" smtClean="0">
+                <a:solidFill>
+                  <a:schemeClr val="tx1"/>
+                </a:solidFill>
+              </a:rPr>
+              <a:t>Aktivität</a:t>
+            </a:r>
+            <a:r>
+              <a:rPr lang="en-US" sz="1600" dirty="0" smtClean="0">
+                <a:solidFill>
+                  <a:schemeClr val="tx1"/>
+                </a:solidFill>
+              </a:rPr>
+              <a:t>) </a:t>
+            </a:r>
+            <a:r>
+              <a:rPr lang="en-US" sz="1600" dirty="0" err="1" smtClean="0">
+                <a:solidFill>
+                  <a:schemeClr val="tx1"/>
+                </a:solidFill>
+              </a:rPr>
+              <a:t>assoziiert</a:t>
+            </a:r>
+            <a:endParaRPr lang="en-GB" sz="1600" dirty="0" smtClean="0">
+              <a:solidFill>
+                <a:schemeClr val="tx1"/>
+              </a:solidFill>
+            </a:endParaRPr>
+          </a:p>
+        </p:txBody>
+      </p:sp>
+    </p:spTree>
+    <p:extLst>
+      <p:ext uri="{BB962C8B-B14F-4D97-AF65-F5344CB8AC3E}">
+        <p14:creationId xmlns:p14="http://schemas.microsoft.com/office/powerpoint/2010/main" val="1729667027"/>
+      </p:ext>
+    </p:extLst>
+  </p:cSld>
+  <p:clrMapOvr>
+    <a:masterClrMapping/>
+  </p:clrMapOvr>
+  <p:timing>
+    <p:tnLst>
+      <p:par>
+        <p:cTn id="1" dur="indefinite" restart="never" nodeType="tmRoot"/>
+      </p:par>
+    </p:tnLst>
+  </p:timing>
+</p:sld>
+</file>
+
+<file path=ppt/slides/slide21.xml><?xml version="1.0" encoding="utf-8"?>
+<p:sld xmlns:a="http://schemas.openxmlformats.org/drawingml/2006/main" xmlns:r="http://schemas.openxmlformats.org/officeDocument/2006/relationships" xmlns:p="http://schemas.openxmlformats.org/presentationml/2006/main">
+  <p:cSld>
+    <p:spTree>
+      <p:nvGrpSpPr>
+        <p:cNvPr id="1" name=""/>
+        <p:cNvGrpSpPr/>
+        <p:nvPr/>
+      </p:nvGrpSpPr>
+      <p:grpSpPr>
+        <a:xfrm>
+          <a:off x="0" y="0"/>
+          <a:ext cx="0" cy="0"/>
+          <a:chOff x="0" y="0"/>
+          <a:chExt cx="0" cy="0"/>
+        </a:xfrm>
+      </p:grpSpPr>
+      <p:sp>
+        <p:nvSpPr>
           <p:cNvPr id="9" name="Textplatzhalter 8"/>
           <p:cNvSpPr>
             <a:spLocks noGrp="1"/>
@@ -16340,7 +18179,7 @@
 </p:sld>
 </file>
 
-<file path=ppt/slides/slide21.xml><?xml version="1.0" encoding="utf-8"?>
+<file path=ppt/slides/slide22.xml><?xml version="1.0" encoding="utf-8"?>
 <p:sld xmlns:a="http://schemas.openxmlformats.org/drawingml/2006/main" xmlns:r="http://schemas.openxmlformats.org/officeDocument/2006/relationships" xmlns:p="http://schemas.openxmlformats.org/presentationml/2006/main">
   <p:cSld>
     <p:spTree>
@@ -16915,11 +18754,6 @@
               </a:rPr>
               <a:t>?</a:t>
             </a:r>
-            <a:endParaRPr lang="en-GB" sz="1600" dirty="0" smtClean="0">
-              <a:solidFill>
-                <a:srgbClr val="000000"/>
-              </a:solidFill>
-            </a:endParaRPr>
           </a:p>
           <a:p>
             <a:endParaRPr lang="en-GB" sz="1600" dirty="0" smtClean="0">
@@ -17100,7 +18934,7 @@
 </p:sld>
 </file>
 
-<file path=ppt/slides/slide22.xml><?xml version="1.0" encoding="utf-8"?>
+<file path=ppt/slides/slide23.xml><?xml version="1.0" encoding="utf-8"?>
 <p:sld xmlns:a="http://schemas.openxmlformats.org/drawingml/2006/main" xmlns:r="http://schemas.openxmlformats.org/officeDocument/2006/relationships" xmlns:p="http://schemas.openxmlformats.org/presentationml/2006/main">
   <p:cSld>
     <p:spTree>
